--- a/lec/anninbon6.pptx
+++ b/lec/anninbon6.pptx
@@ -5,10 +5,10 @@
     <p:sldMasterId id="2147483706" r:id="rId1"/>
   </p:sldMasterIdLst>
   <p:notesMasterIdLst>
-    <p:notesMasterId r:id="rId10"/>
+    <p:notesMasterId r:id="rId16"/>
   </p:notesMasterIdLst>
   <p:handoutMasterIdLst>
-    <p:handoutMasterId r:id="rId11"/>
+    <p:handoutMasterId r:id="rId17"/>
   </p:handoutMasterIdLst>
   <p:sldIdLst>
     <p:sldId id="552" r:id="rId2"/>
@@ -19,6 +19,12 @@
     <p:sldId id="581" r:id="rId7"/>
     <p:sldId id="582" r:id="rId8"/>
     <p:sldId id="583" r:id="rId9"/>
+    <p:sldId id="584" r:id="rId10"/>
+    <p:sldId id="585" r:id="rId11"/>
+    <p:sldId id="586" r:id="rId12"/>
+    <p:sldId id="587" r:id="rId13"/>
+    <p:sldId id="588" r:id="rId14"/>
+    <p:sldId id="589" r:id="rId15"/>
   </p:sldIdLst>
   <p:sldSz cx="9144000" cy="6858000" type="screen4x3"/>
   <p:notesSz cx="7099300" cy="10234613"/>
@@ -160,6 +166,12 @@
             <p14:sldId id="581"/>
             <p14:sldId id="582"/>
             <p14:sldId id="583"/>
+            <p14:sldId id="584"/>
+            <p14:sldId id="585"/>
+            <p14:sldId id="586"/>
+            <p14:sldId id="587"/>
+            <p14:sldId id="588"/>
+            <p14:sldId id="589"/>
           </p14:sldIdLst>
         </p14:section>
       </p14:sectionLst>
@@ -2320,17 +2332,18 @@
               <a:rPr lang="en-US" altLang="ja-JP"/>
             </a:br>
             <a:r>
-              <a:rPr lang="ja-JP" altLang="en-US"/>
+              <a:rPr lang="ja-JP" altLang="en-US" sz="2400"/>
               <a:t>楕円曲線暗号</a:t>
             </a:r>
             <a:r>
-              <a:rPr lang="en-US" altLang="ja-JP"/>
+              <a:rPr lang="en-US" altLang="ja-JP" sz="2400"/>
               <a:t>, </a:t>
             </a:r>
             <a:r>
-              <a:rPr lang="ja-JP" altLang="en-US"/>
+              <a:rPr lang="ja-JP" altLang="en-US" sz="2400"/>
               <a:t>中間者攻撃</a:t>
             </a:r>
+            <a:endParaRPr lang="ja-JP" altLang="en-US"/>
           </a:p>
         </p:txBody>
       </p:sp>
@@ -2372,6 +2385,1458 @@
     <p:extLst>
       <p:ext uri="{BB962C8B-B14F-4D97-AF65-F5344CB8AC3E}">
         <p14:creationId xmlns:p14="http://schemas.microsoft.com/office/powerpoint/2010/main" val="3508882842"/>
+      </p:ext>
+    </p:extLst>
+  </p:cSld>
+  <p:clrMapOvr>
+    <a:masterClrMapping/>
+  </p:clrMapOvr>
+</p:sld>
+</file>
+
+<file path=ppt/slides/slide10.xml><?xml version="1.0" encoding="utf-8"?>
+<p:sld xmlns:a="http://schemas.openxmlformats.org/drawingml/2006/main" xmlns:r="http://schemas.openxmlformats.org/officeDocument/2006/relationships" xmlns:p="http://schemas.openxmlformats.org/presentationml/2006/main">
+  <p:cSld>
+    <p:spTree>
+      <p:nvGrpSpPr>
+        <p:cNvPr id="1" name=""/>
+        <p:cNvGrpSpPr/>
+        <p:nvPr/>
+      </p:nvGrpSpPr>
+      <p:grpSpPr>
+        <a:xfrm>
+          <a:off x="0" y="0"/>
+          <a:ext cx="0" cy="0"/>
+          <a:chOff x="0" y="0"/>
+          <a:chExt cx="0" cy="0"/>
+        </a:xfrm>
+      </p:grpSpPr>
+      <p:sp>
+        <p:nvSpPr>
+          <p:cNvPr id="13" name="コンテンツ プレースホルダー 12">
+            <a:extLst>
+              <a:ext uri="{FF2B5EF4-FFF2-40B4-BE49-F238E27FC236}">
+                <a16:creationId xmlns:a16="http://schemas.microsoft.com/office/drawing/2014/main" id="{97ED88D3-7437-4A2F-A5BA-077D98143CB3}"/>
+              </a:ext>
+            </a:extLst>
+          </p:cNvPr>
+          <p:cNvSpPr>
+            <a:spLocks noGrp="1"/>
+          </p:cNvSpPr>
+          <p:nvPr>
+            <p:ph idx="1"/>
+          </p:nvPr>
+        </p:nvSpPr>
+        <p:spPr/>
+        <p:txBody>
+          <a:bodyPr/>
+          <a:lstStyle/>
+          <a:p>
+            <a:endParaRPr lang="en-US" altLang="ja-JP"/>
+          </a:p>
+          <a:p>
+            <a:endParaRPr lang="en-US" altLang="ja-JP"/>
+          </a:p>
+          <a:p>
+            <a:endParaRPr lang="en-US" altLang="ja-JP"/>
+          </a:p>
+          <a:p>
+            <a:endParaRPr lang="en-US" altLang="ja-JP"/>
+          </a:p>
+          <a:p>
+            <a:endParaRPr lang="en-US" altLang="ja-JP"/>
+          </a:p>
+          <a:p>
+            <a:endParaRPr lang="en-US" altLang="ja-JP"/>
+          </a:p>
+          <a:p>
+            <a:endParaRPr lang="en-US" altLang="ja-JP"/>
+          </a:p>
+          <a:p>
+            <a:endParaRPr lang="en-US" altLang="ja-JP"/>
+          </a:p>
+          <a:p>
+            <a:r>
+              <a:rPr lang="ja-JP" altLang="en-US"/>
+              <a:t>対策は認証局の章で</a:t>
+            </a:r>
+            <a:endParaRPr lang="en-US" altLang="ja-JP"/>
+          </a:p>
+          <a:p>
+            <a:endParaRPr lang="ja-JP" altLang="en-US"/>
+          </a:p>
+        </p:txBody>
+      </p:sp>
+      <p:sp>
+        <p:nvSpPr>
+          <p:cNvPr id="3" name="スライド番号プレースホルダー 2">
+            <a:extLst>
+              <a:ext uri="{FF2B5EF4-FFF2-40B4-BE49-F238E27FC236}">
+                <a16:creationId xmlns:a16="http://schemas.microsoft.com/office/drawing/2014/main" id="{BED375D2-6824-4914-A229-F136691E1A59}"/>
+              </a:ext>
+            </a:extLst>
+          </p:cNvPr>
+          <p:cNvSpPr>
+            <a:spLocks noGrp="1"/>
+          </p:cNvSpPr>
+          <p:nvPr>
+            <p:ph type="sldNum" sz="quarter" idx="12"/>
+          </p:nvPr>
+        </p:nvSpPr>
+        <p:spPr>
+          <a:xfrm>
+            <a:off x="7884368" y="6553200"/>
+            <a:ext cx="1224136" cy="304800"/>
+          </a:xfrm>
+        </p:spPr>
+        <p:txBody>
+          <a:bodyPr/>
+          <a:lstStyle/>
+          <a:p>
+            <a:r>
+              <a:rPr lang="en-US" altLang="ja-JP"/>
+              <a:t>    </a:t>
+            </a:r>
+            <a:fld id="{B2782DEB-472A-4FE5-AC34-C17109CF5A91}" type="slidenum">
+              <a:rPr lang="en-US" altLang="ja-JP" smtClean="0"/>
+              <a:pPr/>
+              <a:t>10</a:t>
+            </a:fld>
+            <a:r>
+              <a:rPr lang="en-US" altLang="ja-JP"/>
+              <a:t> / 24</a:t>
+            </a:r>
+          </a:p>
+        </p:txBody>
+      </p:sp>
+      <p:sp>
+        <p:nvSpPr>
+          <p:cNvPr id="4" name="タイトル 3">
+            <a:extLst>
+              <a:ext uri="{FF2B5EF4-FFF2-40B4-BE49-F238E27FC236}">
+                <a16:creationId xmlns:a16="http://schemas.microsoft.com/office/drawing/2014/main" id="{448513BF-6CE9-40B7-AB77-83B744023327}"/>
+              </a:ext>
+            </a:extLst>
+          </p:cNvPr>
+          <p:cNvSpPr>
+            <a:spLocks noGrp="1"/>
+          </p:cNvSpPr>
+          <p:nvPr>
+            <p:ph type="title"/>
+          </p:nvPr>
+        </p:nvSpPr>
+        <p:spPr>
+          <a:xfrm>
+            <a:off x="14808" y="8625"/>
+            <a:ext cx="9129192" cy="540056"/>
+          </a:xfrm>
+        </p:spPr>
+        <p:txBody>
+          <a:bodyPr/>
+          <a:lstStyle/>
+          <a:p>
+            <a:r>
+              <a:rPr lang="ja-JP" altLang="en-US"/>
+              <a:t>公開鍵暗号への中間者攻撃</a:t>
+            </a:r>
+          </a:p>
+        </p:txBody>
+      </p:sp>
+      <p:pic>
+        <p:nvPicPr>
+          <p:cNvPr id="8" name="図 7">
+            <a:extLst>
+              <a:ext uri="{FF2B5EF4-FFF2-40B4-BE49-F238E27FC236}">
+                <a16:creationId xmlns:a16="http://schemas.microsoft.com/office/drawing/2014/main" id="{1FB6C48D-9BE1-41D9-B12F-A365CF6B037F}"/>
+              </a:ext>
+            </a:extLst>
+          </p:cNvPr>
+          <p:cNvPicPr>
+            <a:picLocks noChangeAspect="1"/>
+          </p:cNvPicPr>
+          <p:nvPr/>
+        </p:nvPicPr>
+        <p:blipFill>
+          <a:blip r:embed="rId2">
+            <a:extLst>
+              <a:ext uri="{28A0092B-C50C-407E-A947-70E740481C1C}">
+                <a14:useLocalDpi xmlns:a14="http://schemas.microsoft.com/office/drawing/2010/main" val="0"/>
+              </a:ext>
+            </a:extLst>
+          </a:blip>
+          <a:stretch>
+            <a:fillRect/>
+          </a:stretch>
+        </p:blipFill>
+        <p:spPr>
+          <a:xfrm>
+            <a:off x="395536" y="1120244"/>
+            <a:ext cx="8568952" cy="3748916"/>
+          </a:xfrm>
+          <a:prstGeom prst="rect">
+            <a:avLst/>
+          </a:prstGeom>
+        </p:spPr>
+      </p:pic>
+    </p:spTree>
+    <p:extLst>
+      <p:ext uri="{BB962C8B-B14F-4D97-AF65-F5344CB8AC3E}">
+        <p14:creationId xmlns:p14="http://schemas.microsoft.com/office/powerpoint/2010/main" val="4013484502"/>
+      </p:ext>
+    </p:extLst>
+  </p:cSld>
+  <p:clrMapOvr>
+    <a:masterClrMapping/>
+  </p:clrMapOvr>
+</p:sld>
+</file>
+
+<file path=ppt/slides/slide11.xml><?xml version="1.0" encoding="utf-8"?>
+<p:sld xmlns:a="http://schemas.openxmlformats.org/drawingml/2006/main" xmlns:r="http://schemas.openxmlformats.org/officeDocument/2006/relationships" xmlns:p="http://schemas.openxmlformats.org/presentationml/2006/main">
+  <p:cSld>
+    <p:spTree>
+      <p:nvGrpSpPr>
+        <p:cNvPr id="1" name=""/>
+        <p:cNvGrpSpPr/>
+        <p:nvPr/>
+      </p:nvGrpSpPr>
+      <p:grpSpPr>
+        <a:xfrm>
+          <a:off x="0" y="0"/>
+          <a:ext cx="0" cy="0"/>
+          <a:chOff x="0" y="0"/>
+          <a:chExt cx="0" cy="0"/>
+        </a:xfrm>
+      </p:grpSpPr>
+      <p:sp>
+        <p:nvSpPr>
+          <p:cNvPr id="2" name="コンテンツ プレースホルダー 1">
+            <a:extLst>
+              <a:ext uri="{FF2B5EF4-FFF2-40B4-BE49-F238E27FC236}">
+                <a16:creationId xmlns:a16="http://schemas.microsoft.com/office/drawing/2014/main" id="{DED5076E-F20B-4349-9974-552575F84144}"/>
+              </a:ext>
+            </a:extLst>
+          </p:cNvPr>
+          <p:cNvSpPr>
+            <a:spLocks noGrp="1"/>
+          </p:cNvSpPr>
+          <p:nvPr>
+            <p:ph idx="1"/>
+          </p:nvPr>
+        </p:nvSpPr>
+        <p:spPr/>
+        <p:txBody>
+          <a:bodyPr/>
+          <a:lstStyle/>
+          <a:p>
+            <a:r>
+              <a:rPr kumimoji="1" lang="ja-JP" altLang="en-US"/>
+              <a:t>世の中のあらゆるデータに対して</a:t>
+            </a:r>
+            <a:br>
+              <a:rPr kumimoji="1" lang="en-US" altLang="ja-JP"/>
+            </a:br>
+            <a:r>
+              <a:rPr kumimoji="1" lang="ja-JP" altLang="en-US"/>
+              <a:t>唯一の固定サイズの識別子</a:t>
+            </a:r>
+            <a:r>
+              <a:rPr kumimoji="1" lang="en-US" altLang="ja-JP"/>
+              <a:t>(</a:t>
+            </a:r>
+            <a:r>
+              <a:rPr kumimoji="1" lang="ja-JP" altLang="en-US"/>
+              <a:t>ハッシュ値</a:t>
+            </a:r>
+            <a:r>
+              <a:rPr kumimoji="1" lang="en-US" altLang="ja-JP"/>
+              <a:t>)</a:t>
+            </a:r>
+            <a:r>
+              <a:rPr kumimoji="1" lang="ja-JP" altLang="en-US"/>
+              <a:t>を求める関数</a:t>
+            </a:r>
+            <a:endParaRPr kumimoji="1" lang="en-US" altLang="ja-JP"/>
+          </a:p>
+          <a:p>
+            <a:pPr lvl="1"/>
+            <a:r>
+              <a:rPr kumimoji="1" lang="ja-JP" altLang="en-US"/>
+              <a:t>決定的アルゴリズム</a:t>
+            </a:r>
+            <a:endParaRPr kumimoji="1" lang="en-US" altLang="ja-JP"/>
+          </a:p>
+          <a:p>
+            <a:pPr lvl="1"/>
+            <a:r>
+              <a:rPr kumimoji="1" lang="ja-JP" altLang="en-US"/>
+              <a:t>人に対する指紋や静脈パターンなどに相当</a:t>
+            </a:r>
+          </a:p>
+        </p:txBody>
+      </p:sp>
+      <p:sp>
+        <p:nvSpPr>
+          <p:cNvPr id="3" name="スライド番号プレースホルダー 2">
+            <a:extLst>
+              <a:ext uri="{FF2B5EF4-FFF2-40B4-BE49-F238E27FC236}">
+                <a16:creationId xmlns:a16="http://schemas.microsoft.com/office/drawing/2014/main" id="{03F3D084-4DF1-473B-B115-262A31D1A6FF}"/>
+              </a:ext>
+            </a:extLst>
+          </p:cNvPr>
+          <p:cNvSpPr>
+            <a:spLocks noGrp="1"/>
+          </p:cNvSpPr>
+          <p:nvPr>
+            <p:ph type="sldNum" sz="quarter" idx="12"/>
+          </p:nvPr>
+        </p:nvSpPr>
+        <p:spPr/>
+        <p:txBody>
+          <a:bodyPr/>
+          <a:lstStyle/>
+          <a:p>
+            <a:pPr>
+              <a:defRPr/>
+            </a:pPr>
+            <a:r>
+              <a:rPr lang="en-US" altLang="ja-JP"/>
+              <a:t>    </a:t>
+            </a:r>
+            <a:fld id="{B2782DEB-472A-4FE5-AC34-C17109CF5A91}" type="slidenum">
+              <a:rPr lang="en-US" altLang="ja-JP" smtClean="0"/>
+              <a:pPr>
+                <a:defRPr/>
+              </a:pPr>
+              <a:t>11</a:t>
+            </a:fld>
+            <a:r>
+              <a:rPr lang="en-US" altLang="ja-JP"/>
+              <a:t> / 24</a:t>
+            </a:r>
+          </a:p>
+        </p:txBody>
+      </p:sp>
+      <p:sp>
+        <p:nvSpPr>
+          <p:cNvPr id="4" name="タイトル 3">
+            <a:extLst>
+              <a:ext uri="{FF2B5EF4-FFF2-40B4-BE49-F238E27FC236}">
+                <a16:creationId xmlns:a16="http://schemas.microsoft.com/office/drawing/2014/main" id="{06C5515E-CDB8-4052-BCB3-F3E06424A9CD}"/>
+              </a:ext>
+            </a:extLst>
+          </p:cNvPr>
+          <p:cNvSpPr>
+            <a:spLocks noGrp="1"/>
+          </p:cNvSpPr>
+          <p:nvPr>
+            <p:ph type="title"/>
+          </p:nvPr>
+        </p:nvSpPr>
+        <p:spPr/>
+        <p:txBody>
+          <a:bodyPr/>
+          <a:lstStyle/>
+          <a:p>
+            <a:r>
+              <a:rPr kumimoji="1" lang="ja-JP" altLang="en-US"/>
+              <a:t>ハッシュ関数</a:t>
+            </a:r>
+          </a:p>
+        </p:txBody>
+      </p:sp>
+      <p:pic>
+        <p:nvPicPr>
+          <p:cNvPr id="6" name="図 5">
+            <a:extLst>
+              <a:ext uri="{FF2B5EF4-FFF2-40B4-BE49-F238E27FC236}">
+                <a16:creationId xmlns:a16="http://schemas.microsoft.com/office/drawing/2014/main" id="{BA762AED-37CA-4543-85E0-4829DE356132}"/>
+              </a:ext>
+            </a:extLst>
+          </p:cNvPr>
+          <p:cNvPicPr>
+            <a:picLocks noChangeAspect="1"/>
+          </p:cNvPicPr>
+          <p:nvPr/>
+        </p:nvPicPr>
+        <p:blipFill>
+          <a:blip r:embed="rId2">
+            <a:extLst>
+              <a:ext uri="{28A0092B-C50C-407E-A947-70E740481C1C}">
+                <a14:useLocalDpi xmlns:a14="http://schemas.microsoft.com/office/drawing/2010/main" val="0"/>
+              </a:ext>
+            </a:extLst>
+          </a:blip>
+          <a:stretch>
+            <a:fillRect/>
+          </a:stretch>
+        </p:blipFill>
+        <p:spPr>
+          <a:xfrm>
+            <a:off x="1763688" y="2693008"/>
+            <a:ext cx="4896544" cy="3900119"/>
+          </a:xfrm>
+          <a:prstGeom prst="rect">
+            <a:avLst/>
+          </a:prstGeom>
+        </p:spPr>
+      </p:pic>
+    </p:spTree>
+    <p:extLst>
+      <p:ext uri="{BB962C8B-B14F-4D97-AF65-F5344CB8AC3E}">
+        <p14:creationId xmlns:p14="http://schemas.microsoft.com/office/powerpoint/2010/main" val="301511452"/>
+      </p:ext>
+    </p:extLst>
+  </p:cSld>
+  <p:clrMapOvr>
+    <a:masterClrMapping/>
+  </p:clrMapOvr>
+</p:sld>
+</file>
+
+<file path=ppt/slides/slide12.xml><?xml version="1.0" encoding="utf-8"?>
+<p:sld xmlns:a="http://schemas.openxmlformats.org/drawingml/2006/main" xmlns:r="http://schemas.openxmlformats.org/officeDocument/2006/relationships" xmlns:p="http://schemas.openxmlformats.org/presentationml/2006/main">
+  <p:cSld>
+    <p:spTree>
+      <p:nvGrpSpPr>
+        <p:cNvPr id="1" name=""/>
+        <p:cNvGrpSpPr/>
+        <p:nvPr/>
+      </p:nvGrpSpPr>
+      <p:grpSpPr>
+        <a:xfrm>
+          <a:off x="0" y="0"/>
+          <a:ext cx="0" cy="0"/>
+          <a:chOff x="0" y="0"/>
+          <a:chExt cx="0" cy="0"/>
+        </a:xfrm>
+      </p:grpSpPr>
+      <mc:AlternateContent xmlns:mc="http://schemas.openxmlformats.org/markup-compatibility/2006">
+        <mc:Choice xmlns:a14="http://schemas.microsoft.com/office/drawing/2010/main" Requires="a14">
+          <p:sp>
+            <p:nvSpPr>
+              <p:cNvPr id="2" name="コンテンツ プレースホルダー 1">
+                <a:extLst>
+                  <a:ext uri="{FF2B5EF4-FFF2-40B4-BE49-F238E27FC236}">
+                    <a16:creationId xmlns:a16="http://schemas.microsoft.com/office/drawing/2014/main" id="{B05EDFDB-B5B8-4744-8615-879A0BA9AAC1}"/>
+                  </a:ext>
+                </a:extLst>
+              </p:cNvPr>
+              <p:cNvSpPr>
+                <a:spLocks noGrp="1"/>
+              </p:cNvSpPr>
+              <p:nvPr>
+                <p:ph idx="1"/>
+              </p:nvPr>
+            </p:nvSpPr>
+            <p:spPr/>
+            <p:txBody>
+              <a:bodyPr/>
+              <a:lstStyle/>
+              <a:p>
+                <a:r>
+                  <a:rPr kumimoji="1" lang="ja-JP" altLang="en-US"/>
+                  <a:t>一方向性</a:t>
+                </a:r>
+                <a:endParaRPr kumimoji="1" lang="en-US" altLang="ja-JP"/>
+              </a:p>
+              <a:p>
+                <a:pPr lvl="1"/>
+                <a:r>
+                  <a:rPr lang="ja-JP" altLang="en-US"/>
+                  <a:t>データのハッシュ値が与えられたときに、元のデータを見つけるのが難しい</a:t>
+                </a:r>
+                <a:endParaRPr lang="en-US" altLang="ja-JP"/>
+              </a:p>
+              <a:p>
+                <a:pPr lvl="1"/>
+                <a:endParaRPr lang="en-US" altLang="ja-JP"/>
+              </a:p>
+              <a:p>
+                <a:pPr lvl="1"/>
+                <a:endParaRPr lang="en-US" altLang="ja-JP"/>
+              </a:p>
+              <a:p>
+                <a:r>
+                  <a:rPr lang="ja-JP" altLang="en-US"/>
+                  <a:t>衝突困難性</a:t>
+                </a:r>
+                <a:endParaRPr lang="en-US" altLang="ja-JP"/>
+              </a:p>
+              <a:p>
+                <a:pPr lvl="1"/>
+                <a:r>
+                  <a:rPr lang="ja-JP" altLang="en-US"/>
+                  <a:t>何でもよいから異なる</a:t>
+                </a:r>
+                <a:r>
+                  <a:rPr lang="en-US" altLang="ja-JP"/>
+                  <a:t>2</a:t>
+                </a:r>
+                <a:r>
+                  <a:rPr lang="ja-JP" altLang="en-US"/>
+                  <a:t>個のデータで同じハッシュ値になるものを見つけるのが難しい</a:t>
+                </a:r>
+                <a:endParaRPr lang="en-US" altLang="ja-JP"/>
+              </a:p>
+              <a:p>
+                <a:pPr lvl="1"/>
+                <a:endParaRPr kumimoji="1" lang="en-US" altLang="ja-JP"/>
+              </a:p>
+              <a:p>
+                <a:pPr lvl="1"/>
+                <a:endParaRPr lang="en-US" altLang="ja-JP"/>
+              </a:p>
+              <a:p>
+                <a:pPr lvl="1"/>
+                <a:endParaRPr kumimoji="1" lang="en-US" altLang="ja-JP"/>
+              </a:p>
+              <a:p>
+                <a:pPr lvl="1"/>
+                <a:r>
+                  <a:rPr lang="en-US" altLang="ja-JP"/>
+                  <a:t>2</a:t>
+                </a:r>
+                <a:r>
+                  <a:rPr lang="ja-JP" altLang="en-US"/>
+                  <a:t>個</a:t>
+                </a:r>
+                <a:r>
+                  <a:rPr kumimoji="1" lang="ja-JP" altLang="en-US"/>
+                  <a:t>のデータ</a:t>
+                </a:r>
+                <a:r>
+                  <a:rPr kumimoji="1" lang="en-US" altLang="ja-JP"/>
+                  <a:t>X, Y</a:t>
+                </a:r>
+                <a:r>
+                  <a:rPr kumimoji="1" lang="ja-JP" altLang="en-US"/>
+                  <a:t>があり、</a:t>
+                </a:r>
+                <a14:m>
+                  <m:oMath xmlns:m="http://schemas.openxmlformats.org/officeDocument/2006/math">
+                    <m:r>
+                      <a:rPr kumimoji="1" lang="en-US" altLang="ja-JP" b="0" i="1" smtClean="0">
+                        <a:latin typeface="Cambria Math" panose="02040503050406030204" pitchFamily="18" charset="0"/>
+                      </a:rPr>
+                      <m:t>h</m:t>
+                    </m:r>
+                    <m:d>
+                      <m:dPr>
+                        <m:ctrlPr>
+                          <a:rPr kumimoji="1" lang="en-US" altLang="ja-JP" b="0" i="1" smtClean="0">
+                            <a:latin typeface="Cambria Math" panose="02040503050406030204" pitchFamily="18" charset="0"/>
+                          </a:rPr>
+                        </m:ctrlPr>
+                      </m:dPr>
+                      <m:e>
+                        <m:r>
+                          <a:rPr kumimoji="1" lang="en-US" altLang="ja-JP" b="0" i="1" smtClean="0">
+                            <a:latin typeface="Cambria Math" panose="02040503050406030204" pitchFamily="18" charset="0"/>
+                          </a:rPr>
+                          <m:t>𝑋</m:t>
+                        </m:r>
+                      </m:e>
+                    </m:d>
+                    <m:r>
+                      <a:rPr kumimoji="1" lang="en-US" altLang="ja-JP" b="0" i="1" smtClean="0">
+                        <a:latin typeface="Cambria Math" panose="02040503050406030204" pitchFamily="18" charset="0"/>
+                      </a:rPr>
+                      <m:t>=</m:t>
+                    </m:r>
+                    <m:r>
+                      <a:rPr kumimoji="1" lang="en-US" altLang="ja-JP" b="0" i="1" smtClean="0">
+                        <a:latin typeface="Cambria Math" panose="02040503050406030204" pitchFamily="18" charset="0"/>
+                      </a:rPr>
+                      <m:t>h</m:t>
+                    </m:r>
+                    <m:r>
+                      <a:rPr kumimoji="1" lang="en-US" altLang="ja-JP" b="0" i="1" smtClean="0">
+                        <a:latin typeface="Cambria Math" panose="02040503050406030204" pitchFamily="18" charset="0"/>
+                      </a:rPr>
+                      <m:t>(</m:t>
+                    </m:r>
+                    <m:r>
+                      <a:rPr kumimoji="1" lang="en-US" altLang="ja-JP" b="0" i="1" smtClean="0">
+                        <a:latin typeface="Cambria Math" panose="02040503050406030204" pitchFamily="18" charset="0"/>
+                      </a:rPr>
+                      <m:t>𝑌</m:t>
+                    </m:r>
+                    <m:r>
+                      <a:rPr kumimoji="1" lang="en-US" altLang="ja-JP" b="0" i="1" smtClean="0">
+                        <a:latin typeface="Cambria Math" panose="02040503050406030204" pitchFamily="18" charset="0"/>
+                      </a:rPr>
+                      <m:t>)</m:t>
+                    </m:r>
+                  </m:oMath>
+                </a14:m>
+                <a:r>
+                  <a:rPr kumimoji="1" lang="ja-JP" altLang="en-US"/>
+                  <a:t>なら</a:t>
+                </a:r>
+                <a:r>
+                  <a:rPr kumimoji="1" lang="en-US" altLang="ja-JP"/>
+                  <a:t>X=Y</a:t>
+                </a:r>
+              </a:p>
+              <a:p>
+                <a:pPr lvl="2"/>
+                <a:r>
+                  <a:rPr kumimoji="1" lang="ja-JP" altLang="en-US"/>
+                  <a:t>無視できる確率を除いて</a:t>
+                </a:r>
+              </a:p>
+            </p:txBody>
+          </p:sp>
+        </mc:Choice>
+        <mc:Fallback>
+          <p:sp>
+            <p:nvSpPr>
+              <p:cNvPr id="2" name="コンテンツ プレースホルダー 1">
+                <a:extLst>
+                  <a:ext uri="{FF2B5EF4-FFF2-40B4-BE49-F238E27FC236}">
+                    <a16:creationId xmlns:a16="http://schemas.microsoft.com/office/drawing/2014/main" id="{B05EDFDB-B5B8-4744-8615-879A0BA9AAC1}"/>
+                  </a:ext>
+                </a:extLst>
+              </p:cNvPr>
+              <p:cNvSpPr>
+                <a:spLocks noGrp="1" noRot="1" noChangeAspect="1" noMove="1" noResize="1" noEditPoints="1" noAdjustHandles="1" noChangeArrowheads="1" noChangeShapeType="1" noTextEdit="1"/>
+              </p:cNvSpPr>
+              <p:nvPr>
+                <p:ph idx="1"/>
+              </p:nvPr>
+            </p:nvSpPr>
+            <p:spPr>
+              <a:blipFill>
+                <a:blip r:embed="rId2"/>
+                <a:stretch>
+                  <a:fillRect l="-1200" t="-1038" r="-333" b="-2181"/>
+                </a:stretch>
+              </a:blipFill>
+            </p:spPr>
+            <p:txBody>
+              <a:bodyPr/>
+              <a:lstStyle/>
+              <a:p>
+                <a:r>
+                  <a:rPr lang="ja-JP" altLang="en-US">
+                    <a:noFill/>
+                  </a:rPr>
+                  <a:t> </a:t>
+                </a:r>
+              </a:p>
+            </p:txBody>
+          </p:sp>
+        </mc:Fallback>
+      </mc:AlternateContent>
+      <p:sp>
+        <p:nvSpPr>
+          <p:cNvPr id="3" name="スライド番号プレースホルダー 2">
+            <a:extLst>
+              <a:ext uri="{FF2B5EF4-FFF2-40B4-BE49-F238E27FC236}">
+                <a16:creationId xmlns:a16="http://schemas.microsoft.com/office/drawing/2014/main" id="{9FB210CA-FEA8-433B-AADB-D8DE93656C5F}"/>
+              </a:ext>
+            </a:extLst>
+          </p:cNvPr>
+          <p:cNvSpPr>
+            <a:spLocks noGrp="1"/>
+          </p:cNvSpPr>
+          <p:nvPr>
+            <p:ph type="sldNum" sz="quarter" idx="12"/>
+          </p:nvPr>
+        </p:nvSpPr>
+        <p:spPr/>
+        <p:txBody>
+          <a:bodyPr/>
+          <a:lstStyle/>
+          <a:p>
+            <a:pPr>
+              <a:defRPr/>
+            </a:pPr>
+            <a:r>
+              <a:rPr lang="en-US" altLang="ja-JP"/>
+              <a:t>    </a:t>
+            </a:r>
+            <a:fld id="{B2782DEB-472A-4FE5-AC34-C17109CF5A91}" type="slidenum">
+              <a:rPr lang="en-US" altLang="ja-JP" smtClean="0"/>
+              <a:pPr>
+                <a:defRPr/>
+              </a:pPr>
+              <a:t>12</a:t>
+            </a:fld>
+            <a:r>
+              <a:rPr lang="en-US" altLang="ja-JP"/>
+              <a:t> / 24</a:t>
+            </a:r>
+          </a:p>
+        </p:txBody>
+      </p:sp>
+      <mc:AlternateContent xmlns:mc="http://schemas.openxmlformats.org/markup-compatibility/2006">
+        <mc:Choice xmlns:a14="http://schemas.microsoft.com/office/drawing/2010/main" Requires="a14">
+          <p:sp>
+            <p:nvSpPr>
+              <p:cNvPr id="4" name="タイトル 3">
+                <a:extLst>
+                  <a:ext uri="{FF2B5EF4-FFF2-40B4-BE49-F238E27FC236}">
+                    <a16:creationId xmlns:a16="http://schemas.microsoft.com/office/drawing/2014/main" id="{704C8F61-6173-4EE6-996D-0552CD9BE1A4}"/>
+                  </a:ext>
+                </a:extLst>
+              </p:cNvPr>
+              <p:cNvSpPr>
+                <a:spLocks noGrp="1"/>
+              </p:cNvSpPr>
+              <p:nvPr>
+                <p:ph type="title"/>
+              </p:nvPr>
+            </p:nvSpPr>
+            <p:spPr/>
+            <p:txBody>
+              <a:bodyPr/>
+              <a:lstStyle/>
+              <a:p>
+                <a:r>
+                  <a:rPr kumimoji="1" lang="ja-JP" altLang="en-US"/>
+                  <a:t>暗号で使うハッシュ関数</a:t>
+                </a:r>
+                <a14:m>
+                  <m:oMath xmlns:m="http://schemas.openxmlformats.org/officeDocument/2006/math">
+                    <m:r>
+                      <a:rPr kumimoji="1" lang="en-US" altLang="ja-JP" b="0" i="1" smtClean="0">
+                        <a:latin typeface="Cambria Math" panose="02040503050406030204" pitchFamily="18" charset="0"/>
+                      </a:rPr>
+                      <m:t>h</m:t>
+                    </m:r>
+                  </m:oMath>
+                </a14:m>
+                <a:endParaRPr kumimoji="1" lang="ja-JP" altLang="en-US"/>
+              </a:p>
+            </p:txBody>
+          </p:sp>
+        </mc:Choice>
+        <mc:Fallback>
+          <p:sp>
+            <p:nvSpPr>
+              <p:cNvPr id="4" name="タイトル 3">
+                <a:extLst>
+                  <a:ext uri="{FF2B5EF4-FFF2-40B4-BE49-F238E27FC236}">
+                    <a16:creationId xmlns:a16="http://schemas.microsoft.com/office/drawing/2014/main" id="{704C8F61-6173-4EE6-996D-0552CD9BE1A4}"/>
+                  </a:ext>
+                </a:extLst>
+              </p:cNvPr>
+              <p:cNvSpPr>
+                <a:spLocks noGrp="1" noRot="1" noChangeAspect="1" noMove="1" noResize="1" noEditPoints="1" noAdjustHandles="1" noChangeArrowheads="1" noChangeShapeType="1" noTextEdit="1"/>
+              </p:cNvSpPr>
+              <p:nvPr>
+                <p:ph type="title"/>
+              </p:nvPr>
+            </p:nvSpPr>
+            <p:spPr>
+              <a:blipFill>
+                <a:blip r:embed="rId3"/>
+                <a:stretch>
+                  <a:fillRect l="-1669" t="-13483" b="-44944"/>
+                </a:stretch>
+              </a:blipFill>
+            </p:spPr>
+            <p:txBody>
+              <a:bodyPr/>
+              <a:lstStyle/>
+              <a:p>
+                <a:r>
+                  <a:rPr lang="ja-JP" altLang="en-US">
+                    <a:noFill/>
+                  </a:rPr>
+                  <a:t> </a:t>
+                </a:r>
+              </a:p>
+            </p:txBody>
+          </p:sp>
+        </mc:Fallback>
+      </mc:AlternateContent>
+      <p:pic>
+        <p:nvPicPr>
+          <p:cNvPr id="8" name="図 7">
+            <a:extLst>
+              <a:ext uri="{FF2B5EF4-FFF2-40B4-BE49-F238E27FC236}">
+                <a16:creationId xmlns:a16="http://schemas.microsoft.com/office/drawing/2014/main" id="{6D641A43-2BE9-4E5C-A5C9-665329966C2F}"/>
+              </a:ext>
+            </a:extLst>
+          </p:cNvPr>
+          <p:cNvPicPr>
+            <a:picLocks noChangeAspect="1"/>
+          </p:cNvPicPr>
+          <p:nvPr/>
+        </p:nvPicPr>
+        <p:blipFill>
+          <a:blip r:embed="rId4"/>
+          <a:stretch>
+            <a:fillRect/>
+          </a:stretch>
+        </p:blipFill>
+        <p:spPr>
+          <a:xfrm>
+            <a:off x="4860032" y="4005064"/>
+            <a:ext cx="3456384" cy="1593228"/>
+          </a:xfrm>
+          <a:prstGeom prst="rect">
+            <a:avLst/>
+          </a:prstGeom>
+        </p:spPr>
+      </p:pic>
+      <p:pic>
+        <p:nvPicPr>
+          <p:cNvPr id="10" name="図 9">
+            <a:extLst>
+              <a:ext uri="{FF2B5EF4-FFF2-40B4-BE49-F238E27FC236}">
+                <a16:creationId xmlns:a16="http://schemas.microsoft.com/office/drawing/2014/main" id="{5D9A3D54-48EC-4632-99BB-E60BFF5206EF}"/>
+              </a:ext>
+            </a:extLst>
+          </p:cNvPr>
+          <p:cNvPicPr>
+            <a:picLocks noChangeAspect="1"/>
+          </p:cNvPicPr>
+          <p:nvPr/>
+        </p:nvPicPr>
+        <p:blipFill>
+          <a:blip r:embed="rId5"/>
+          <a:stretch>
+            <a:fillRect/>
+          </a:stretch>
+        </p:blipFill>
+        <p:spPr>
+          <a:xfrm>
+            <a:off x="5004048" y="1772816"/>
+            <a:ext cx="3312368" cy="1441854"/>
+          </a:xfrm>
+          <a:prstGeom prst="rect">
+            <a:avLst/>
+          </a:prstGeom>
+        </p:spPr>
+      </p:pic>
+    </p:spTree>
+    <p:extLst>
+      <p:ext uri="{BB962C8B-B14F-4D97-AF65-F5344CB8AC3E}">
+        <p14:creationId xmlns:p14="http://schemas.microsoft.com/office/powerpoint/2010/main" val="3269534691"/>
+      </p:ext>
+    </p:extLst>
+  </p:cSld>
+  <p:clrMapOvr>
+    <a:masterClrMapping/>
+  </p:clrMapOvr>
+</p:sld>
+</file>
+
+<file path=ppt/slides/slide13.xml><?xml version="1.0" encoding="utf-8"?>
+<p:sld xmlns:a="http://schemas.openxmlformats.org/drawingml/2006/main" xmlns:r="http://schemas.openxmlformats.org/officeDocument/2006/relationships" xmlns:p="http://schemas.openxmlformats.org/presentationml/2006/main">
+  <p:cSld>
+    <p:spTree>
+      <p:nvGrpSpPr>
+        <p:cNvPr id="1" name=""/>
+        <p:cNvGrpSpPr/>
+        <p:nvPr/>
+      </p:nvGrpSpPr>
+      <p:grpSpPr>
+        <a:xfrm>
+          <a:off x="0" y="0"/>
+          <a:ext cx="0" cy="0"/>
+          <a:chOff x="0" y="0"/>
+          <a:chExt cx="0" cy="0"/>
+        </a:xfrm>
+      </p:grpSpPr>
+      <mc:AlternateContent xmlns:mc="http://schemas.openxmlformats.org/markup-compatibility/2006">
+        <mc:Choice xmlns:a14="http://schemas.microsoft.com/office/drawing/2010/main" Requires="a14">
+          <p:sp>
+            <p:nvSpPr>
+              <p:cNvPr id="2" name="コンテンツ プレースホルダー 1">
+                <a:extLst>
+                  <a:ext uri="{FF2B5EF4-FFF2-40B4-BE49-F238E27FC236}">
+                    <a16:creationId xmlns:a16="http://schemas.microsoft.com/office/drawing/2014/main" id="{54304D03-94CD-4DCA-9B5A-6FB149E44506}"/>
+                  </a:ext>
+                </a:extLst>
+              </p:cNvPr>
+              <p:cNvSpPr>
+                <a:spLocks noGrp="1"/>
+              </p:cNvSpPr>
+              <p:nvPr>
+                <p:ph idx="1"/>
+              </p:nvPr>
+            </p:nvSpPr>
+            <p:spPr/>
+            <p:txBody>
+              <a:bodyPr/>
+              <a:lstStyle/>
+              <a:p>
+                <a:r>
+                  <a:rPr lang="zh-TW" altLang="en-US"/>
+                  <a:t>第二原像計算困難性</a:t>
+                </a:r>
+                <a:endParaRPr lang="en-US" altLang="zh-TW"/>
+              </a:p>
+              <a:p>
+                <a:pPr lvl="1"/>
+                <a:r>
+                  <a:rPr lang="ja-JP" altLang="en-US"/>
+                  <a:t>あるデータ</a:t>
+                </a:r>
+                <a:r>
+                  <a:rPr lang="en-US" altLang="ja-JP"/>
+                  <a:t>X</a:t>
+                </a:r>
+                <a:r>
+                  <a:rPr lang="ja-JP" altLang="en-US"/>
+                  <a:t>が与えられたときにそのハッシュ値</a:t>
+                </a:r>
+                <a:r>
+                  <a:rPr lang="en-US" altLang="ja-JP"/>
+                  <a:t>x</a:t>
+                </a:r>
+                <a:r>
+                  <a:rPr lang="ja-JP" altLang="en-US"/>
+                  <a:t>と同じハッシュ値になる別のデータ</a:t>
+                </a:r>
+                <a:r>
+                  <a:rPr lang="en-US" altLang="ja-JP"/>
+                  <a:t>Y</a:t>
+                </a:r>
+                <a:r>
+                  <a:rPr lang="ja-JP" altLang="en-US"/>
+                  <a:t>（第二原像）を見つけるのが難しい</a:t>
+                </a:r>
+                <a:endParaRPr lang="en-US" altLang="ja-JP"/>
+              </a:p>
+              <a:p>
+                <a:pPr lvl="1"/>
+                <a:r>
+                  <a:rPr kumimoji="1" lang="ja-JP" altLang="en-US"/>
+                  <a:t>衝突困難性は</a:t>
+                </a:r>
+                <a14:m>
+                  <m:oMath xmlns:m="http://schemas.openxmlformats.org/officeDocument/2006/math">
+                    <m:r>
+                      <a:rPr kumimoji="1" lang="en-US" altLang="ja-JP" b="0" i="1" smtClean="0">
+                        <a:latin typeface="Cambria Math" panose="02040503050406030204" pitchFamily="18" charset="0"/>
+                      </a:rPr>
+                      <m:t>(</m:t>
+                    </m:r>
+                    <m:r>
+                      <a:rPr kumimoji="1" lang="en-US" altLang="ja-JP" b="0" i="1" smtClean="0">
+                        <a:latin typeface="Cambria Math" panose="02040503050406030204" pitchFamily="18" charset="0"/>
+                      </a:rPr>
+                      <m:t>𝑋</m:t>
+                    </m:r>
+                    <m:r>
+                      <a:rPr kumimoji="1" lang="en-US" altLang="ja-JP" b="0" i="1" smtClean="0">
+                        <a:latin typeface="Cambria Math" panose="02040503050406030204" pitchFamily="18" charset="0"/>
+                      </a:rPr>
+                      <m:t>, </m:t>
+                    </m:r>
+                    <m:r>
+                      <a:rPr kumimoji="1" lang="en-US" altLang="ja-JP" b="0" i="1" smtClean="0">
+                        <a:latin typeface="Cambria Math" panose="02040503050406030204" pitchFamily="18" charset="0"/>
+                      </a:rPr>
+                      <m:t>𝑌</m:t>
+                    </m:r>
+                    <m:r>
+                      <a:rPr kumimoji="1" lang="en-US" altLang="ja-JP" b="0" i="1" smtClean="0">
+                        <a:latin typeface="Cambria Math" panose="02040503050406030204" pitchFamily="18" charset="0"/>
+                      </a:rPr>
+                      <m:t>)</m:t>
+                    </m:r>
+                  </m:oMath>
+                </a14:m>
+                <a:r>
+                  <a:rPr kumimoji="1" lang="ja-JP" altLang="en-US"/>
+                  <a:t>の両方を自由に動かせる</a:t>
+                </a:r>
+                <a:r>
+                  <a:rPr kumimoji="1" lang="en-US" altLang="ja-JP"/>
+                  <a:t>. </a:t>
+                </a:r>
+                <a:r>
+                  <a:rPr kumimoji="1" lang="ja-JP" altLang="en-US"/>
+                  <a:t>こちらは</a:t>
+                </a:r>
+                <a14:m>
+                  <m:oMath xmlns:m="http://schemas.openxmlformats.org/officeDocument/2006/math">
+                    <m:r>
+                      <a:rPr kumimoji="1" lang="en-US" altLang="ja-JP" b="0" i="1" smtClean="0">
+                        <a:latin typeface="Cambria Math" panose="02040503050406030204" pitchFamily="18" charset="0"/>
+                      </a:rPr>
+                      <m:t>𝑋</m:t>
+                    </m:r>
+                  </m:oMath>
+                </a14:m>
+                <a:r>
+                  <a:rPr kumimoji="1" lang="ja-JP" altLang="en-US"/>
+                  <a:t>固定</a:t>
+                </a:r>
+                <a:endParaRPr kumimoji="1" lang="en-US" altLang="ja-JP"/>
+              </a:p>
+              <a:p>
+                <a:pPr lvl="1"/>
+                <a:endParaRPr lang="en-US" altLang="ja-JP"/>
+              </a:p>
+              <a:p>
+                <a:pPr lvl="1"/>
+                <a:endParaRPr kumimoji="1" lang="en-US" altLang="ja-JP"/>
+              </a:p>
+              <a:p>
+                <a:pPr lvl="1"/>
+                <a:endParaRPr lang="en-US" altLang="ja-JP"/>
+              </a:p>
+              <a:p>
+                <a:pPr lvl="1"/>
+                <a:endParaRPr kumimoji="1" lang="en-US" altLang="ja-JP"/>
+              </a:p>
+              <a:p>
+                <a:pPr lvl="1"/>
+                <a:endParaRPr lang="en-US" altLang="ja-JP"/>
+              </a:p>
+              <a:p>
+                <a:pPr lvl="1"/>
+                <a:endParaRPr kumimoji="1" lang="en-US" altLang="ja-JP"/>
+              </a:p>
+              <a:p>
+                <a:pPr lvl="1"/>
+                <a:endParaRPr lang="en-US" altLang="ja-JP"/>
+              </a:p>
+              <a:p>
+                <a:pPr lvl="1"/>
+                <a14:m>
+                  <m:oMath xmlns:m="http://schemas.openxmlformats.org/officeDocument/2006/math">
+                    <m:r>
+                      <a:rPr kumimoji="1" lang="en-US" altLang="ja-JP" b="0" i="1" smtClean="0">
+                        <a:latin typeface="Cambria Math" panose="02040503050406030204" pitchFamily="18" charset="0"/>
+                      </a:rPr>
+                      <m:t>𝑛</m:t>
+                    </m:r>
+                  </m:oMath>
+                </a14:m>
+                <a:r>
+                  <a:rPr kumimoji="1" lang="en-US" altLang="ja-JP"/>
+                  <a:t>bit</a:t>
+                </a:r>
+                <a:r>
+                  <a:rPr kumimoji="1" lang="ja-JP" altLang="en-US"/>
+                  <a:t>ハッシュ関数の衝突困難性を破るコスト </a:t>
+                </a:r>
+                <a:r>
+                  <a:rPr kumimoji="1" lang="en-US" altLang="ja-JP"/>
+                  <a:t>: </a:t>
+                </a:r>
+                <a14:m>
+                  <m:oMath xmlns:m="http://schemas.openxmlformats.org/officeDocument/2006/math">
+                    <m:r>
+                      <a:rPr kumimoji="1" lang="en-US" altLang="ja-JP" b="0" i="1" smtClean="0">
+                        <a:latin typeface="Cambria Math" panose="02040503050406030204" pitchFamily="18" charset="0"/>
+                      </a:rPr>
+                      <m:t>𝑂</m:t>
+                    </m:r>
+                    <m:d>
+                      <m:dPr>
+                        <m:ctrlPr>
+                          <a:rPr kumimoji="1" lang="en-US" altLang="ja-JP" b="0" i="1" smtClean="0">
+                            <a:latin typeface="Cambria Math" panose="02040503050406030204" pitchFamily="18" charset="0"/>
+                          </a:rPr>
+                        </m:ctrlPr>
+                      </m:dPr>
+                      <m:e>
+                        <m:sSup>
+                          <m:sSupPr>
+                            <m:ctrlPr>
+                              <a:rPr kumimoji="1" lang="en-US" altLang="ja-JP" b="0" i="1" smtClean="0">
+                                <a:latin typeface="Cambria Math" panose="02040503050406030204" pitchFamily="18" charset="0"/>
+                              </a:rPr>
+                            </m:ctrlPr>
+                          </m:sSupPr>
+                          <m:e>
+                            <m:r>
+                              <a:rPr kumimoji="1" lang="en-US" altLang="ja-JP" b="0" i="1" smtClean="0">
+                                <a:latin typeface="Cambria Math" panose="02040503050406030204" pitchFamily="18" charset="0"/>
+                              </a:rPr>
+                              <m:t>2</m:t>
+                            </m:r>
+                          </m:e>
+                          <m:sup>
+                            <m:f>
+                              <m:fPr>
+                                <m:ctrlPr>
+                                  <a:rPr kumimoji="1" lang="en-US" altLang="ja-JP" b="0" i="1" smtClean="0">
+                                    <a:latin typeface="Cambria Math" panose="02040503050406030204" pitchFamily="18" charset="0"/>
+                                  </a:rPr>
+                                </m:ctrlPr>
+                              </m:fPr>
+                              <m:num>
+                                <m:r>
+                                  <a:rPr kumimoji="1" lang="en-US" altLang="ja-JP" b="0" i="1" smtClean="0">
+                                    <a:latin typeface="Cambria Math" panose="02040503050406030204" pitchFamily="18" charset="0"/>
+                                  </a:rPr>
+                                  <m:t>𝑛</m:t>
+                                </m:r>
+                              </m:num>
+                              <m:den>
+                                <m:r>
+                                  <a:rPr kumimoji="1" lang="en-US" altLang="ja-JP" b="0" i="1" smtClean="0">
+                                    <a:latin typeface="Cambria Math" panose="02040503050406030204" pitchFamily="18" charset="0"/>
+                                  </a:rPr>
+                                  <m:t>2</m:t>
+                                </m:r>
+                              </m:den>
+                            </m:f>
+                          </m:sup>
+                        </m:sSup>
+                      </m:e>
+                    </m:d>
+                  </m:oMath>
+                </a14:m>
+                <a:endParaRPr kumimoji="1" lang="en-US" altLang="ja-JP" b="0"/>
+              </a:p>
+              <a:p>
+                <a:pPr lvl="1"/>
+                <a:r>
+                  <a:rPr kumimoji="1" lang="ja-JP" altLang="en-US"/>
+                  <a:t>第二現像計算困難性を破るコスト</a:t>
+                </a:r>
+                <a14:m>
+                  <m:oMath xmlns:m="http://schemas.openxmlformats.org/officeDocument/2006/math">
+                    <m:r>
+                      <a:rPr kumimoji="1" lang="en-US" altLang="ja-JP" b="0" i="1" smtClean="0">
+                        <a:latin typeface="Cambria Math" panose="02040503050406030204" pitchFamily="18" charset="0"/>
+                      </a:rPr>
+                      <m:t>𝑂</m:t>
+                    </m:r>
+                    <m:d>
+                      <m:dPr>
+                        <m:ctrlPr>
+                          <a:rPr kumimoji="1" lang="en-US" altLang="ja-JP" b="0" i="1" smtClean="0">
+                            <a:latin typeface="Cambria Math" panose="02040503050406030204" pitchFamily="18" charset="0"/>
+                          </a:rPr>
+                        </m:ctrlPr>
+                      </m:dPr>
+                      <m:e>
+                        <m:sSup>
+                          <m:sSupPr>
+                            <m:ctrlPr>
+                              <a:rPr kumimoji="1" lang="en-US" altLang="ja-JP" b="0" i="1" smtClean="0">
+                                <a:latin typeface="Cambria Math" panose="02040503050406030204" pitchFamily="18" charset="0"/>
+                              </a:rPr>
+                            </m:ctrlPr>
+                          </m:sSupPr>
+                          <m:e>
+                            <m:r>
+                              <a:rPr kumimoji="1" lang="en-US" altLang="ja-JP" b="0" i="1" smtClean="0">
+                                <a:latin typeface="Cambria Math" panose="02040503050406030204" pitchFamily="18" charset="0"/>
+                              </a:rPr>
+                              <m:t>2</m:t>
+                            </m:r>
+                          </m:e>
+                          <m:sup>
+                            <m:r>
+                              <a:rPr kumimoji="1" lang="en-US" altLang="ja-JP" b="0" i="1" smtClean="0">
+                                <a:latin typeface="Cambria Math" panose="02040503050406030204" pitchFamily="18" charset="0"/>
+                              </a:rPr>
+                              <m:t>𝑛</m:t>
+                            </m:r>
+                          </m:sup>
+                        </m:sSup>
+                      </m:e>
+                    </m:d>
+                  </m:oMath>
+                </a14:m>
+                <a:endParaRPr kumimoji="1" lang="en-US" altLang="ja-JP"/>
+              </a:p>
+              <a:p>
+                <a:pPr lvl="1"/>
+                <a:endParaRPr kumimoji="1" lang="ja-JP" altLang="en-US"/>
+              </a:p>
+            </p:txBody>
+          </p:sp>
+        </mc:Choice>
+        <mc:Fallback>
+          <p:sp>
+            <p:nvSpPr>
+              <p:cNvPr id="2" name="コンテンツ プレースホルダー 1">
+                <a:extLst>
+                  <a:ext uri="{FF2B5EF4-FFF2-40B4-BE49-F238E27FC236}">
+                    <a16:creationId xmlns:a16="http://schemas.microsoft.com/office/drawing/2014/main" id="{54304D03-94CD-4DCA-9B5A-6FB149E44506}"/>
+                  </a:ext>
+                </a:extLst>
+              </p:cNvPr>
+              <p:cNvSpPr>
+                <a:spLocks noGrp="1" noRot="1" noChangeAspect="1" noMove="1" noResize="1" noEditPoints="1" noAdjustHandles="1" noChangeArrowheads="1" noChangeShapeType="1" noTextEdit="1"/>
+              </p:cNvSpPr>
+              <p:nvPr>
+                <p:ph idx="1"/>
+              </p:nvPr>
+            </p:nvSpPr>
+            <p:spPr>
+              <a:blipFill>
+                <a:blip r:embed="rId2"/>
+                <a:stretch>
+                  <a:fillRect l="-1200" t="-1038" r="-400" b="-6750"/>
+                </a:stretch>
+              </a:blipFill>
+            </p:spPr>
+            <p:txBody>
+              <a:bodyPr/>
+              <a:lstStyle/>
+              <a:p>
+                <a:r>
+                  <a:rPr lang="ja-JP" altLang="en-US">
+                    <a:noFill/>
+                  </a:rPr>
+                  <a:t> </a:t>
+                </a:r>
+              </a:p>
+            </p:txBody>
+          </p:sp>
+        </mc:Fallback>
+      </mc:AlternateContent>
+      <p:sp>
+        <p:nvSpPr>
+          <p:cNvPr id="3" name="スライド番号プレースホルダー 2">
+            <a:extLst>
+              <a:ext uri="{FF2B5EF4-FFF2-40B4-BE49-F238E27FC236}">
+                <a16:creationId xmlns:a16="http://schemas.microsoft.com/office/drawing/2014/main" id="{71914EFE-6163-4EC4-B9FB-EEBD7221210D}"/>
+              </a:ext>
+            </a:extLst>
+          </p:cNvPr>
+          <p:cNvSpPr>
+            <a:spLocks noGrp="1"/>
+          </p:cNvSpPr>
+          <p:nvPr>
+            <p:ph type="sldNum" sz="quarter" idx="12"/>
+          </p:nvPr>
+        </p:nvSpPr>
+        <p:spPr/>
+        <p:txBody>
+          <a:bodyPr/>
+          <a:lstStyle/>
+          <a:p>
+            <a:pPr>
+              <a:defRPr/>
+            </a:pPr>
+            <a:r>
+              <a:rPr lang="en-US" altLang="ja-JP"/>
+              <a:t>    </a:t>
+            </a:r>
+            <a:fld id="{B2782DEB-472A-4FE5-AC34-C17109CF5A91}" type="slidenum">
+              <a:rPr lang="en-US" altLang="ja-JP" smtClean="0"/>
+              <a:pPr>
+                <a:defRPr/>
+              </a:pPr>
+              <a:t>13</a:t>
+            </a:fld>
+            <a:r>
+              <a:rPr lang="en-US" altLang="ja-JP"/>
+              <a:t> / 24</a:t>
+            </a:r>
+          </a:p>
+        </p:txBody>
+      </p:sp>
+      <p:sp>
+        <p:nvSpPr>
+          <p:cNvPr id="4" name="タイトル 3">
+            <a:extLst>
+              <a:ext uri="{FF2B5EF4-FFF2-40B4-BE49-F238E27FC236}">
+                <a16:creationId xmlns:a16="http://schemas.microsoft.com/office/drawing/2014/main" id="{ECCCF3BA-27E1-4E0A-8EC7-A160FAB53D13}"/>
+              </a:ext>
+            </a:extLst>
+          </p:cNvPr>
+          <p:cNvSpPr>
+            <a:spLocks noGrp="1"/>
+          </p:cNvSpPr>
+          <p:nvPr>
+            <p:ph type="title"/>
+          </p:nvPr>
+        </p:nvSpPr>
+        <p:spPr/>
+        <p:txBody>
+          <a:bodyPr/>
+          <a:lstStyle/>
+          <a:p>
+            <a:r>
+              <a:rPr kumimoji="1" lang="ja-JP" altLang="en-US"/>
+              <a:t>誕生日パラドックス</a:t>
+            </a:r>
+          </a:p>
+        </p:txBody>
+      </p:sp>
+      <p:pic>
+        <p:nvPicPr>
+          <p:cNvPr id="6" name="図 5">
+            <a:extLst>
+              <a:ext uri="{FF2B5EF4-FFF2-40B4-BE49-F238E27FC236}">
+                <a16:creationId xmlns:a16="http://schemas.microsoft.com/office/drawing/2014/main" id="{8C38A36C-F08D-4BC1-8D5F-8CDD5501347E}"/>
+              </a:ext>
+            </a:extLst>
+          </p:cNvPr>
+          <p:cNvPicPr>
+            <a:picLocks noChangeAspect="1"/>
+          </p:cNvPicPr>
+          <p:nvPr/>
+        </p:nvPicPr>
+        <p:blipFill>
+          <a:blip r:embed="rId3">
+            <a:extLst>
+              <a:ext uri="{28A0092B-C50C-407E-A947-70E740481C1C}">
+                <a14:useLocalDpi xmlns:a14="http://schemas.microsoft.com/office/drawing/2010/main" val="0"/>
+              </a:ext>
+            </a:extLst>
+          </a:blip>
+          <a:stretch>
+            <a:fillRect/>
+          </a:stretch>
+        </p:blipFill>
+        <p:spPr>
+          <a:xfrm>
+            <a:off x="1115616" y="2492896"/>
+            <a:ext cx="6048672" cy="2941167"/>
+          </a:xfrm>
+          <a:prstGeom prst="rect">
+            <a:avLst/>
+          </a:prstGeom>
+        </p:spPr>
+      </p:pic>
+    </p:spTree>
+    <p:extLst>
+      <p:ext uri="{BB962C8B-B14F-4D97-AF65-F5344CB8AC3E}">
+        <p14:creationId xmlns:p14="http://schemas.microsoft.com/office/powerpoint/2010/main" val="1863046040"/>
+      </p:ext>
+    </p:extLst>
+  </p:cSld>
+  <p:clrMapOvr>
+    <a:masterClrMapping/>
+  </p:clrMapOvr>
+</p:sld>
+</file>
+
+<file path=ppt/slides/slide14.xml><?xml version="1.0" encoding="utf-8"?>
+<p:sld xmlns:a="http://schemas.openxmlformats.org/drawingml/2006/main" xmlns:r="http://schemas.openxmlformats.org/officeDocument/2006/relationships" xmlns:p="http://schemas.openxmlformats.org/presentationml/2006/main">
+  <p:cSld>
+    <p:spTree>
+      <p:nvGrpSpPr>
+        <p:cNvPr id="1" name=""/>
+        <p:cNvGrpSpPr/>
+        <p:nvPr/>
+      </p:nvGrpSpPr>
+      <p:grpSpPr>
+        <a:xfrm>
+          <a:off x="0" y="0"/>
+          <a:ext cx="0" cy="0"/>
+          <a:chOff x="0" y="0"/>
+          <a:chExt cx="0" cy="0"/>
+        </a:xfrm>
+      </p:grpSpPr>
+      <p:pic>
+        <p:nvPicPr>
+          <p:cNvPr id="6" name="コンテンツ プレースホルダー 5">
+            <a:extLst>
+              <a:ext uri="{FF2B5EF4-FFF2-40B4-BE49-F238E27FC236}">
+                <a16:creationId xmlns:a16="http://schemas.microsoft.com/office/drawing/2014/main" id="{7241AB94-3337-4A49-A8B4-61C8610CC68A}"/>
+              </a:ext>
+            </a:extLst>
+          </p:cNvPr>
+          <p:cNvPicPr>
+            <a:picLocks noGrp="1" noChangeAspect="1"/>
+          </p:cNvPicPr>
+          <p:nvPr>
+            <p:ph idx="1"/>
+          </p:nvPr>
+        </p:nvPicPr>
+        <p:blipFill>
+          <a:blip r:embed="rId2">
+            <a:extLst>
+              <a:ext uri="{28A0092B-C50C-407E-A947-70E740481C1C}">
+                <a14:useLocalDpi xmlns:a14="http://schemas.microsoft.com/office/drawing/2010/main" val="0"/>
+              </a:ext>
+            </a:extLst>
+          </a:blip>
+          <a:stretch>
+            <a:fillRect/>
+          </a:stretch>
+        </p:blipFill>
+        <p:spPr>
+          <a:xfrm>
+            <a:off x="323528" y="1138074"/>
+            <a:ext cx="8352928" cy="2975730"/>
+          </a:xfrm>
+        </p:spPr>
+      </p:pic>
+      <p:sp>
+        <p:nvSpPr>
+          <p:cNvPr id="3" name="スライド番号プレースホルダー 2">
+            <a:extLst>
+              <a:ext uri="{FF2B5EF4-FFF2-40B4-BE49-F238E27FC236}">
+                <a16:creationId xmlns:a16="http://schemas.microsoft.com/office/drawing/2014/main" id="{F273142D-5D60-492D-98B3-8815C0D3AC5E}"/>
+              </a:ext>
+            </a:extLst>
+          </p:cNvPr>
+          <p:cNvSpPr>
+            <a:spLocks noGrp="1"/>
+          </p:cNvSpPr>
+          <p:nvPr>
+            <p:ph type="sldNum" sz="quarter" idx="12"/>
+          </p:nvPr>
+        </p:nvSpPr>
+        <p:spPr/>
+        <p:txBody>
+          <a:bodyPr/>
+          <a:lstStyle/>
+          <a:p>
+            <a:pPr>
+              <a:defRPr/>
+            </a:pPr>
+            <a:r>
+              <a:rPr lang="en-US" altLang="ja-JP"/>
+              <a:t>    </a:t>
+            </a:r>
+            <a:fld id="{B2782DEB-472A-4FE5-AC34-C17109CF5A91}" type="slidenum">
+              <a:rPr lang="en-US" altLang="ja-JP" smtClean="0"/>
+              <a:pPr>
+                <a:defRPr/>
+              </a:pPr>
+              <a:t>14</a:t>
+            </a:fld>
+            <a:r>
+              <a:rPr lang="en-US" altLang="ja-JP"/>
+              <a:t> / 24</a:t>
+            </a:r>
+          </a:p>
+        </p:txBody>
+      </p:sp>
+      <p:sp>
+        <p:nvSpPr>
+          <p:cNvPr id="4" name="タイトル 3">
+            <a:extLst>
+              <a:ext uri="{FF2B5EF4-FFF2-40B4-BE49-F238E27FC236}">
+                <a16:creationId xmlns:a16="http://schemas.microsoft.com/office/drawing/2014/main" id="{BE173A42-8DDF-4629-94DB-964C38B4959E}"/>
+              </a:ext>
+            </a:extLst>
+          </p:cNvPr>
+          <p:cNvSpPr>
+            <a:spLocks noGrp="1"/>
+          </p:cNvSpPr>
+          <p:nvPr>
+            <p:ph type="title"/>
+          </p:nvPr>
+        </p:nvSpPr>
+        <p:spPr/>
+        <p:txBody>
+          <a:bodyPr/>
+          <a:lstStyle/>
+          <a:p>
+            <a:r>
+              <a:rPr kumimoji="1" lang="ja-JP" altLang="en-US"/>
+              <a:t>ハッシュ関数の歴史</a:t>
+            </a:r>
+          </a:p>
+        </p:txBody>
+      </p:sp>
+    </p:spTree>
+    <p:extLst>
+      <p:ext uri="{BB962C8B-B14F-4D97-AF65-F5344CB8AC3E}">
+        <p14:creationId xmlns:p14="http://schemas.microsoft.com/office/powerpoint/2010/main" val="1455749635"/>
       </p:ext>
     </p:extLst>
   </p:cSld>
@@ -6970,6 +8435,209 @@
     <p:extLst>
       <p:ext uri="{BB962C8B-B14F-4D97-AF65-F5344CB8AC3E}">
         <p14:creationId xmlns:p14="http://schemas.microsoft.com/office/powerpoint/2010/main" val="1588923605"/>
+      </p:ext>
+    </p:extLst>
+  </p:cSld>
+  <p:clrMapOvr>
+    <a:masterClrMapping/>
+  </p:clrMapOvr>
+</p:sld>
+</file>
+
+<file path=ppt/slides/slide9.xml><?xml version="1.0" encoding="utf-8"?>
+<p:sld xmlns:a="http://schemas.openxmlformats.org/drawingml/2006/main" xmlns:r="http://schemas.openxmlformats.org/officeDocument/2006/relationships" xmlns:p="http://schemas.openxmlformats.org/presentationml/2006/main">
+  <p:cSld>
+    <p:spTree>
+      <p:nvGrpSpPr>
+        <p:cNvPr id="1" name=""/>
+        <p:cNvGrpSpPr/>
+        <p:nvPr/>
+      </p:nvGrpSpPr>
+      <p:grpSpPr>
+        <a:xfrm>
+          <a:off x="0" y="0"/>
+          <a:ext cx="0" cy="0"/>
+          <a:chOff x="0" y="0"/>
+          <a:chExt cx="0" cy="0"/>
+        </a:xfrm>
+      </p:grpSpPr>
+      <p:sp>
+        <p:nvSpPr>
+          <p:cNvPr id="2" name="コンテンツ プレースホルダー 1">
+            <a:extLst>
+              <a:ext uri="{FF2B5EF4-FFF2-40B4-BE49-F238E27FC236}">
+                <a16:creationId xmlns:a16="http://schemas.microsoft.com/office/drawing/2014/main" id="{423C7979-57AB-4281-A684-837CDD059DC3}"/>
+              </a:ext>
+            </a:extLst>
+          </p:cNvPr>
+          <p:cNvSpPr>
+            <a:spLocks noGrp="1"/>
+          </p:cNvSpPr>
+          <p:nvPr>
+            <p:ph idx="1"/>
+          </p:nvPr>
+        </p:nvSpPr>
+        <p:spPr/>
+        <p:txBody>
+          <a:bodyPr/>
+          <a:lstStyle/>
+          <a:p>
+            <a:r>
+              <a:rPr kumimoji="1" lang="en-US" altLang="ja-JP"/>
+              <a:t>DH</a:t>
+            </a:r>
+            <a:r>
+              <a:rPr kumimoji="1" lang="ja-JP" altLang="en-US"/>
+              <a:t>鍵共有や公開鍵暗号は通信の盗聴に対して安全</a:t>
+            </a:r>
+            <a:endParaRPr kumimoji="1" lang="en-US" altLang="ja-JP"/>
+          </a:p>
+          <a:p>
+            <a:pPr lvl="1"/>
+            <a:r>
+              <a:rPr kumimoji="1" lang="ja-JP" altLang="en-US"/>
+              <a:t>しかし改竄に対しては安全ではない</a:t>
+            </a:r>
+            <a:endParaRPr kumimoji="1" lang="en-US" altLang="ja-JP"/>
+          </a:p>
+          <a:p>
+            <a:r>
+              <a:rPr kumimoji="1" lang="en-US" altLang="ja-JP"/>
+              <a:t>DH</a:t>
+            </a:r>
+            <a:r>
+              <a:rPr kumimoji="1" lang="ja-JP" altLang="en-US"/>
+              <a:t>鍵共有への中間者攻撃</a:t>
+            </a:r>
+          </a:p>
+        </p:txBody>
+      </p:sp>
+      <p:sp>
+        <p:nvSpPr>
+          <p:cNvPr id="3" name="スライド番号プレースホルダー 2">
+            <a:extLst>
+              <a:ext uri="{FF2B5EF4-FFF2-40B4-BE49-F238E27FC236}">
+                <a16:creationId xmlns:a16="http://schemas.microsoft.com/office/drawing/2014/main" id="{ED0EA218-4593-4688-BE45-0299817D0AF9}"/>
+              </a:ext>
+            </a:extLst>
+          </p:cNvPr>
+          <p:cNvSpPr>
+            <a:spLocks noGrp="1"/>
+          </p:cNvSpPr>
+          <p:nvPr>
+            <p:ph type="sldNum" sz="quarter" idx="12"/>
+          </p:nvPr>
+        </p:nvSpPr>
+        <p:spPr/>
+        <p:txBody>
+          <a:bodyPr/>
+          <a:lstStyle/>
+          <a:p>
+            <a:pPr>
+              <a:defRPr/>
+            </a:pPr>
+            <a:r>
+              <a:rPr lang="en-US" altLang="ja-JP"/>
+              <a:t>    </a:t>
+            </a:r>
+            <a:fld id="{B2782DEB-472A-4FE5-AC34-C17109CF5A91}" type="slidenum">
+              <a:rPr lang="en-US" altLang="ja-JP" smtClean="0"/>
+              <a:pPr>
+                <a:defRPr/>
+              </a:pPr>
+              <a:t>9</a:t>
+            </a:fld>
+            <a:r>
+              <a:rPr lang="en-US" altLang="ja-JP"/>
+              <a:t> / 24</a:t>
+            </a:r>
+          </a:p>
+        </p:txBody>
+      </p:sp>
+      <p:sp>
+        <p:nvSpPr>
+          <p:cNvPr id="4" name="タイトル 3">
+            <a:extLst>
+              <a:ext uri="{FF2B5EF4-FFF2-40B4-BE49-F238E27FC236}">
+                <a16:creationId xmlns:a16="http://schemas.microsoft.com/office/drawing/2014/main" id="{3FE7EC5B-735B-4BD7-AD87-F9D9DAC85DCD}"/>
+              </a:ext>
+            </a:extLst>
+          </p:cNvPr>
+          <p:cNvSpPr>
+            <a:spLocks noGrp="1"/>
+          </p:cNvSpPr>
+          <p:nvPr>
+            <p:ph type="title"/>
+          </p:nvPr>
+        </p:nvSpPr>
+        <p:spPr/>
+        <p:txBody>
+          <a:bodyPr/>
+          <a:lstStyle/>
+          <a:p>
+            <a:r>
+              <a:rPr kumimoji="1" lang="ja-JP" altLang="en-US"/>
+              <a:t>中間者攻撃</a:t>
+            </a:r>
+            <a:r>
+              <a:rPr kumimoji="1" lang="en-US" altLang="ja-JP"/>
+              <a:t>MITM(</a:t>
+            </a:r>
+            <a:r>
+              <a:rPr lang="en-US" altLang="ja-JP"/>
+              <a:t>Man-In-The-Middle</a:t>
+            </a:r>
+            <a:r>
+              <a:rPr kumimoji="1" lang="en-US" altLang="ja-JP"/>
+              <a:t>)</a:t>
+            </a:r>
+            <a:br>
+              <a:rPr kumimoji="1" lang="en-US" altLang="ja-JP"/>
+            </a:br>
+            <a:endParaRPr kumimoji="1" lang="ja-JP" altLang="en-US"/>
+          </a:p>
+        </p:txBody>
+      </p:sp>
+      <p:pic>
+        <p:nvPicPr>
+          <p:cNvPr id="6" name="図 5">
+            <a:extLst>
+              <a:ext uri="{FF2B5EF4-FFF2-40B4-BE49-F238E27FC236}">
+                <a16:creationId xmlns:a16="http://schemas.microsoft.com/office/drawing/2014/main" id="{16612674-0DBB-45A4-803F-0A8B120B6912}"/>
+              </a:ext>
+            </a:extLst>
+          </p:cNvPr>
+          <p:cNvPicPr>
+            <a:picLocks noChangeAspect="1"/>
+          </p:cNvPicPr>
+          <p:nvPr/>
+        </p:nvPicPr>
+        <p:blipFill>
+          <a:blip r:embed="rId2">
+            <a:extLst>
+              <a:ext uri="{28A0092B-C50C-407E-A947-70E740481C1C}">
+                <a14:useLocalDpi xmlns:a14="http://schemas.microsoft.com/office/drawing/2010/main" val="0"/>
+              </a:ext>
+            </a:extLst>
+          </a:blip>
+          <a:stretch>
+            <a:fillRect/>
+          </a:stretch>
+        </p:blipFill>
+        <p:spPr>
+          <a:xfrm>
+            <a:off x="683568" y="2420888"/>
+            <a:ext cx="7776864" cy="3563182"/>
+          </a:xfrm>
+          <a:prstGeom prst="rect">
+            <a:avLst/>
+          </a:prstGeom>
+        </p:spPr>
+      </p:pic>
+    </p:spTree>
+    <p:extLst>
+      <p:ext uri="{BB962C8B-B14F-4D97-AF65-F5344CB8AC3E}">
+        <p14:creationId xmlns:p14="http://schemas.microsoft.com/office/powerpoint/2010/main" val="3945056259"/>
       </p:ext>
     </p:extLst>
   </p:cSld>

--- a/lec/anninbon6.pptx
+++ b/lec/anninbon6.pptx
@@ -5,10 +5,10 @@
     <p:sldMasterId id="2147483706" r:id="rId1"/>
   </p:sldMasterIdLst>
   <p:notesMasterIdLst>
-    <p:notesMasterId r:id="rId21"/>
+    <p:notesMasterId r:id="rId32"/>
   </p:notesMasterIdLst>
   <p:handoutMasterIdLst>
-    <p:handoutMasterId r:id="rId22"/>
+    <p:handoutMasterId r:id="rId33"/>
   </p:handoutMasterIdLst>
   <p:sldIdLst>
     <p:sldId id="552" r:id="rId2"/>
@@ -30,6 +30,17 @@
     <p:sldId id="587" r:id="rId18"/>
     <p:sldId id="588" r:id="rId19"/>
     <p:sldId id="589" r:id="rId20"/>
+    <p:sldId id="590" r:id="rId21"/>
+    <p:sldId id="591" r:id="rId22"/>
+    <p:sldId id="592" r:id="rId23"/>
+    <p:sldId id="593" r:id="rId24"/>
+    <p:sldId id="594" r:id="rId25"/>
+    <p:sldId id="595" r:id="rId26"/>
+    <p:sldId id="596" r:id="rId27"/>
+    <p:sldId id="597" r:id="rId28"/>
+    <p:sldId id="598" r:id="rId29"/>
+    <p:sldId id="599" r:id="rId30"/>
+    <p:sldId id="600" r:id="rId31"/>
   </p:sldIdLst>
   <p:sldSz cx="9144000" cy="6858000" type="screen4x3"/>
   <p:notesSz cx="7099300" cy="10234613"/>
@@ -182,6 +193,17 @@
             <p14:sldId id="587"/>
             <p14:sldId id="588"/>
             <p14:sldId id="589"/>
+            <p14:sldId id="590"/>
+            <p14:sldId id="591"/>
+            <p14:sldId id="592"/>
+            <p14:sldId id="593"/>
+            <p14:sldId id="594"/>
+            <p14:sldId id="595"/>
+            <p14:sldId id="596"/>
+            <p14:sldId id="597"/>
+            <p14:sldId id="598"/>
+            <p14:sldId id="599"/>
+            <p14:sldId id="600"/>
           </p14:sldIdLst>
         </p14:section>
       </p14:sectionLst>
@@ -5554,8 +5576,8 @@
           <a:chExt cx="0" cy="0"/>
         </a:xfrm>
       </p:grpSpPr>
-      <mc:AlternateContent xmlns:mc="http://schemas.openxmlformats.org/markup-compatibility/2006" xmlns:a14="http://schemas.microsoft.com/office/drawing/2010/main">
-        <mc:Choice Requires="a14">
+      <mc:AlternateContent xmlns:mc="http://schemas.openxmlformats.org/markup-compatibility/2006">
+        <mc:Choice xmlns:a14="http://schemas.microsoft.com/office/drawing/2010/main" Requires="a14">
           <p:sp>
             <p:nvSpPr>
               <p:cNvPr id="2" name="コンテンツ プレースホルダー 1">
@@ -5658,28 +5680,6 @@
                 <a:r>
                   <a:rPr kumimoji="1" lang="ja-JP" altLang="en-US"/>
                   <a:t>の両方を自由に動かせる</a:t>
-                </a:r>
-                <a:r>
-                  <a:rPr kumimoji="1" lang="en-US" altLang="ja-JP"/>
-                  <a:t>. </a:t>
-                </a:r>
-                <a:r>
-                  <a:rPr kumimoji="1" lang="ja-JP" altLang="en-US"/>
-                  <a:t>こちらは</a:t>
-                </a:r>
-                <a14:m>
-                  <m:oMath xmlns:m="http://schemas.openxmlformats.org/officeDocument/2006/math">
-                    <m:r>
-                      <a:rPr kumimoji="1" lang="en-US" altLang="ja-JP" b="0" i="1" smtClean="0">
-                        <a:latin typeface="Cambria Math" panose="02040503050406030204" pitchFamily="18" charset="0"/>
-                      </a:rPr>
-                      <m:t>𝑋</m:t>
-                    </m:r>
-                  </m:oMath>
-                </a14:m>
-                <a:r>
-                  <a:rPr kumimoji="1" lang="ja-JP" altLang="en-US"/>
-                  <a:t>固定</a:t>
                 </a:r>
                 <a:endParaRPr kumimoji="1" lang="en-US" altLang="ja-JP"/>
               </a:p>
@@ -5863,7 +5863,7 @@
             </p:txBody>
           </p:sp>
         </mc:Choice>
-        <mc:Fallback xmlns="">
+        <mc:Fallback>
           <p:sp>
             <p:nvSpPr>
               <p:cNvPr id="2" name="コンテンツ プレースホルダー 1">
@@ -5975,10 +5975,10 @@
       </p:sp>
       <p:pic>
         <p:nvPicPr>
-          <p:cNvPr id="6" name="図 5">
+          <p:cNvPr id="7" name="図 6">
             <a:extLst>
               <a:ext uri="{FF2B5EF4-FFF2-40B4-BE49-F238E27FC236}">
-                <a16:creationId xmlns:a16="http://schemas.microsoft.com/office/drawing/2014/main" id="{8C38A36C-F08D-4BC1-8D5F-8CDD5501347E}"/>
+                <a16:creationId xmlns:a16="http://schemas.microsoft.com/office/drawing/2014/main" id="{531F3180-5331-4009-8A36-12CB19CB978B}"/>
               </a:ext>
             </a:extLst>
           </p:cNvPr>
@@ -5988,27 +5988,378 @@
           <p:nvPr/>
         </p:nvPicPr>
         <p:blipFill>
-          <a:blip r:embed="rId3">
-            <a:extLst>
-              <a:ext uri="{28A0092B-C50C-407E-A947-70E740481C1C}">
-                <a14:useLocalDpi xmlns:a14="http://schemas.microsoft.com/office/drawing/2010/main" val="0"/>
-              </a:ext>
-            </a:extLst>
-          </a:blip>
+          <a:blip r:embed="rId3"/>
           <a:stretch>
             <a:fillRect/>
           </a:stretch>
         </p:blipFill>
         <p:spPr>
           <a:xfrm>
-            <a:off x="1115616" y="2492896"/>
-            <a:ext cx="6048672" cy="2941167"/>
+            <a:off x="2123728" y="2699527"/>
+            <a:ext cx="5112568" cy="2875820"/>
           </a:xfrm>
           <a:prstGeom prst="rect">
             <a:avLst/>
           </a:prstGeom>
         </p:spPr>
       </p:pic>
+      <mc:AlternateContent xmlns:mc="http://schemas.openxmlformats.org/markup-compatibility/2006">
+        <mc:Choice xmlns:a14="http://schemas.microsoft.com/office/drawing/2010/main" Requires="a14">
+          <p:sp>
+            <p:nvSpPr>
+              <p:cNvPr id="8" name="テキスト ボックス 7">
+                <a:extLst>
+                  <a:ext uri="{FF2B5EF4-FFF2-40B4-BE49-F238E27FC236}">
+                    <a16:creationId xmlns:a16="http://schemas.microsoft.com/office/drawing/2014/main" id="{90C9D8BE-686D-416D-857B-8D107278DEE1}"/>
+                  </a:ext>
+                </a:extLst>
+              </p:cNvPr>
+              <p:cNvSpPr txBox="1"/>
+              <p:nvPr/>
+            </p:nvSpPr>
+            <p:spPr>
+              <a:xfrm>
+                <a:off x="25974" y="2970451"/>
+                <a:ext cx="2510624" cy="738664"/>
+              </a:xfrm>
+              <a:prstGeom prst="rect">
+                <a:avLst/>
+              </a:prstGeom>
+              <a:noFill/>
+              <a:ln w="19050" cap="rnd">
+                <a:noFill/>
+              </a:ln>
+            </p:spPr>
+            <p:txBody>
+              <a:bodyPr wrap="none" rtlCol="0">
+                <a:spAutoFit/>
+              </a:bodyPr>
+              <a:lstStyle/>
+              <a:p>
+                <a:r>
+                  <a:rPr kumimoji="1" lang="ja-JP" altLang="en-US" sz="2400">
+                    <a:latin typeface="游ゴシック" panose="020B0400000000000000" pitchFamily="50" charset="-128"/>
+                    <a:ea typeface="游ゴシック" panose="020B0400000000000000" pitchFamily="50" charset="-128"/>
+                    <a:cs typeface="Courier New" pitchFamily="49" charset="0"/>
+                  </a:rPr>
+                  <a:t>第二現像</a:t>
+                </a:r>
+                <a:endParaRPr kumimoji="1" lang="en-US" altLang="ja-JP" sz="2400">
+                  <a:latin typeface="游ゴシック" panose="020B0400000000000000" pitchFamily="50" charset="-128"/>
+                  <a:ea typeface="游ゴシック" panose="020B0400000000000000" pitchFamily="50" charset="-128"/>
+                  <a:cs typeface="Courier New" pitchFamily="49" charset="0"/>
+                </a:endParaRPr>
+              </a:p>
+              <a:p>
+                <a14:m>
+                  <m:oMath xmlns:m="http://schemas.openxmlformats.org/officeDocument/2006/math">
+                    <m:r>
+                      <a:rPr kumimoji="1" lang="en-US" altLang="ja-JP" b="0" i="1" smtClean="0">
+                        <a:latin typeface="Cambria Math" panose="02040503050406030204" pitchFamily="18" charset="0"/>
+                        <a:ea typeface="游ゴシック" panose="020B0400000000000000" pitchFamily="50" charset="-128"/>
+                        <a:cs typeface="Courier New" pitchFamily="49" charset="0"/>
+                      </a:rPr>
+                      <m:t>h</m:t>
+                    </m:r>
+                    <m:r>
+                      <a:rPr kumimoji="1" lang="en-US" altLang="ja-JP" b="0" i="1" smtClean="0">
+                        <a:latin typeface="Cambria Math" panose="02040503050406030204" pitchFamily="18" charset="0"/>
+                        <a:ea typeface="游ゴシック" panose="020B0400000000000000" pitchFamily="50" charset="-128"/>
+                        <a:cs typeface="Courier New" pitchFamily="49" charset="0"/>
+                      </a:rPr>
+                      <m:t>(</m:t>
+                    </m:r>
+                    <m:r>
+                      <a:rPr kumimoji="1" lang="en-US" altLang="ja-JP" b="0" i="1" smtClean="0">
+                        <a:latin typeface="Cambria Math" panose="02040503050406030204" pitchFamily="18" charset="0"/>
+                        <a:ea typeface="游ゴシック" panose="020B0400000000000000" pitchFamily="50" charset="-128"/>
+                        <a:cs typeface="Courier New" pitchFamily="49" charset="0"/>
+                      </a:rPr>
+                      <m:t>𝑋</m:t>
+                    </m:r>
+                    <m:r>
+                      <a:rPr kumimoji="1" lang="en-US" altLang="ja-JP" b="0" i="1" smtClean="0">
+                        <a:latin typeface="Cambria Math" panose="02040503050406030204" pitchFamily="18" charset="0"/>
+                        <a:ea typeface="游ゴシック" panose="020B0400000000000000" pitchFamily="50" charset="-128"/>
+                        <a:cs typeface="Courier New" pitchFamily="49" charset="0"/>
+                      </a:rPr>
+                      <m:t>)</m:t>
+                    </m:r>
+                  </m:oMath>
+                </a14:m>
+                <a:r>
+                  <a:rPr lang="ja-JP" altLang="en-US">
+                    <a:latin typeface="游ゴシック" panose="020B0400000000000000" pitchFamily="50" charset="-128"/>
+                    <a:ea typeface="游ゴシック" panose="020B0400000000000000" pitchFamily="50" charset="-128"/>
+                    <a:cs typeface="Courier New" pitchFamily="49" charset="0"/>
+                  </a:rPr>
+                  <a:t>と同じものを探す</a:t>
+                </a:r>
+                <a:endParaRPr kumimoji="1" lang="ja-JP" altLang="en-US">
+                  <a:latin typeface="游ゴシック" panose="020B0400000000000000" pitchFamily="50" charset="-128"/>
+                  <a:ea typeface="游ゴシック" panose="020B0400000000000000" pitchFamily="50" charset="-128"/>
+                  <a:cs typeface="Courier New" pitchFamily="49" charset="0"/>
+                </a:endParaRPr>
+              </a:p>
+            </p:txBody>
+          </p:sp>
+        </mc:Choice>
+        <mc:Fallback>
+          <p:sp>
+            <p:nvSpPr>
+              <p:cNvPr id="8" name="テキスト ボックス 7">
+                <a:extLst>
+                  <a:ext uri="{FF2B5EF4-FFF2-40B4-BE49-F238E27FC236}">
+                    <a16:creationId xmlns:a16="http://schemas.microsoft.com/office/drawing/2014/main" id="{90C9D8BE-686D-416D-857B-8D107278DEE1}"/>
+                  </a:ext>
+                </a:extLst>
+              </p:cNvPr>
+              <p:cNvSpPr txBox="1">
+                <a:spLocks noRot="1" noChangeAspect="1" noMove="1" noResize="1" noEditPoints="1" noAdjustHandles="1" noChangeArrowheads="1" noChangeShapeType="1" noTextEdit="1"/>
+              </p:cNvSpPr>
+              <p:nvPr/>
+            </p:nvSpPr>
+            <p:spPr>
+              <a:xfrm>
+                <a:off x="25974" y="2970451"/>
+                <a:ext cx="2510624" cy="738664"/>
+              </a:xfrm>
+              <a:prstGeom prst="rect">
+                <a:avLst/>
+              </a:prstGeom>
+              <a:blipFill>
+                <a:blip r:embed="rId4"/>
+                <a:stretch>
+                  <a:fillRect l="-3641" t="-6612" r="-1942" b="-13223"/>
+                </a:stretch>
+              </a:blipFill>
+              <a:ln w="19050" cap="rnd">
+                <a:noFill/>
+              </a:ln>
+            </p:spPr>
+            <p:txBody>
+              <a:bodyPr/>
+              <a:lstStyle/>
+              <a:p>
+                <a:r>
+                  <a:rPr lang="ja-JP" altLang="en-US">
+                    <a:noFill/>
+                  </a:rPr>
+                  <a:t> </a:t>
+                </a:r>
+              </a:p>
+            </p:txBody>
+          </p:sp>
+        </mc:Fallback>
+      </mc:AlternateContent>
+      <mc:AlternateContent xmlns:mc="http://schemas.openxmlformats.org/markup-compatibility/2006">
+        <mc:Choice xmlns:a14="http://schemas.microsoft.com/office/drawing/2010/main" Requires="a14">
+          <p:sp>
+            <p:nvSpPr>
+              <p:cNvPr id="9" name="テキスト ボックス 8">
+                <a:extLst>
+                  <a:ext uri="{FF2B5EF4-FFF2-40B4-BE49-F238E27FC236}">
+                    <a16:creationId xmlns:a16="http://schemas.microsoft.com/office/drawing/2014/main" id="{45994211-FC14-4BEB-89AA-A9E59B343251}"/>
+                  </a:ext>
+                </a:extLst>
+              </p:cNvPr>
+              <p:cNvSpPr txBox="1"/>
+              <p:nvPr/>
+            </p:nvSpPr>
+            <p:spPr>
+              <a:xfrm>
+                <a:off x="1835696" y="2649468"/>
+                <a:ext cx="1226041" cy="461665"/>
+              </a:xfrm>
+              <a:prstGeom prst="rect">
+                <a:avLst/>
+              </a:prstGeom>
+              <a:noFill/>
+              <a:ln w="19050" cap="rnd">
+                <a:noFill/>
+              </a:ln>
+            </p:spPr>
+            <p:txBody>
+              <a:bodyPr wrap="none" rtlCol="0">
+                <a:spAutoFit/>
+              </a:bodyPr>
+              <a:lstStyle/>
+              <a:p>
+                <a14:m>
+                  <m:oMathPara xmlns:m="http://schemas.openxmlformats.org/officeDocument/2006/math">
+                    <m:oMathParaPr>
+                      <m:jc m:val="centerGroup"/>
+                    </m:oMathParaPr>
+                    <m:oMath xmlns:m="http://schemas.openxmlformats.org/officeDocument/2006/math">
+                      <m:r>
+                        <a:rPr kumimoji="1" lang="en-US" altLang="ja-JP" sz="2400" b="0" i="1" smtClean="0">
+                          <a:latin typeface="Cambria Math" panose="02040503050406030204" pitchFamily="18" charset="0"/>
+                          <a:ea typeface="游ゴシック" panose="020B0400000000000000" pitchFamily="50" charset="-128"/>
+                          <a:cs typeface="Courier New" pitchFamily="49" charset="0"/>
+                        </a:rPr>
+                        <m:t>h</m:t>
+                      </m:r>
+                      <m:d>
+                        <m:dPr>
+                          <m:ctrlPr>
+                            <a:rPr kumimoji="1" lang="en-US" altLang="ja-JP" sz="2400" b="0" i="1" smtClean="0">
+                              <a:latin typeface="Cambria Math" panose="02040503050406030204" pitchFamily="18" charset="0"/>
+                              <a:ea typeface="游ゴシック" panose="020B0400000000000000" pitchFamily="50" charset="-128"/>
+                              <a:cs typeface="Courier New" pitchFamily="49" charset="0"/>
+                            </a:rPr>
+                          </m:ctrlPr>
+                        </m:dPr>
+                        <m:e>
+                          <m:r>
+                            <a:rPr kumimoji="1" lang="en-US" altLang="ja-JP" sz="2400" b="0" i="1" smtClean="0">
+                              <a:latin typeface="Cambria Math" panose="02040503050406030204" pitchFamily="18" charset="0"/>
+                              <a:ea typeface="游ゴシック" panose="020B0400000000000000" pitchFamily="50" charset="-128"/>
+                              <a:cs typeface="Courier New" pitchFamily="49" charset="0"/>
+                            </a:rPr>
+                            <m:t>𝑋</m:t>
+                          </m:r>
+                        </m:e>
+                      </m:d>
+                      <m:r>
+                        <a:rPr kumimoji="1" lang="en-US" altLang="ja-JP" sz="2400" b="0" i="1" smtClean="0">
+                          <a:latin typeface="Cambria Math" panose="02040503050406030204" pitchFamily="18" charset="0"/>
+                          <a:ea typeface="游ゴシック" panose="020B0400000000000000" pitchFamily="50" charset="-128"/>
+                          <a:cs typeface="Courier New" pitchFamily="49" charset="0"/>
+                        </a:rPr>
+                        <m:t>=</m:t>
+                      </m:r>
+                    </m:oMath>
+                  </m:oMathPara>
+                </a14:m>
+                <a:endParaRPr kumimoji="1" lang="ja-JP" altLang="en-US">
+                  <a:latin typeface="游ゴシック" panose="020B0400000000000000" pitchFamily="50" charset="-128"/>
+                  <a:ea typeface="游ゴシック" panose="020B0400000000000000" pitchFamily="50" charset="-128"/>
+                  <a:cs typeface="Courier New" pitchFamily="49" charset="0"/>
+                </a:endParaRPr>
+              </a:p>
+            </p:txBody>
+          </p:sp>
+        </mc:Choice>
+        <mc:Fallback>
+          <p:sp>
+            <p:nvSpPr>
+              <p:cNvPr id="9" name="テキスト ボックス 8">
+                <a:extLst>
+                  <a:ext uri="{FF2B5EF4-FFF2-40B4-BE49-F238E27FC236}">
+                    <a16:creationId xmlns:a16="http://schemas.microsoft.com/office/drawing/2014/main" id="{45994211-FC14-4BEB-89AA-A9E59B343251}"/>
+                  </a:ext>
+                </a:extLst>
+              </p:cNvPr>
+              <p:cNvSpPr txBox="1">
+                <a:spLocks noRot="1" noChangeAspect="1" noMove="1" noResize="1" noEditPoints="1" noAdjustHandles="1" noChangeArrowheads="1" noChangeShapeType="1" noTextEdit="1"/>
+              </p:cNvSpPr>
+              <p:nvPr/>
+            </p:nvSpPr>
+            <p:spPr>
+              <a:xfrm>
+                <a:off x="1835696" y="2649468"/>
+                <a:ext cx="1226041" cy="461665"/>
+              </a:xfrm>
+              <a:prstGeom prst="rect">
+                <a:avLst/>
+              </a:prstGeom>
+              <a:blipFill>
+                <a:blip r:embed="rId5"/>
+                <a:stretch>
+                  <a:fillRect/>
+                </a:stretch>
+              </a:blipFill>
+              <a:ln w="19050" cap="rnd">
+                <a:noFill/>
+              </a:ln>
+            </p:spPr>
+            <p:txBody>
+              <a:bodyPr/>
+              <a:lstStyle/>
+              <a:p>
+                <a:r>
+                  <a:rPr lang="ja-JP" altLang="en-US">
+                    <a:noFill/>
+                  </a:rPr>
+                  <a:t> </a:t>
+                </a:r>
+              </a:p>
+            </p:txBody>
+          </p:sp>
+        </mc:Fallback>
+      </mc:AlternateContent>
+      <p:sp>
+        <p:nvSpPr>
+          <p:cNvPr id="10" name="テキスト ボックス 9">
+            <a:extLst>
+              <a:ext uri="{FF2B5EF4-FFF2-40B4-BE49-F238E27FC236}">
+                <a16:creationId xmlns:a16="http://schemas.microsoft.com/office/drawing/2014/main" id="{B9D54C13-D25B-4B13-957B-B60BF91F0C6F}"/>
+              </a:ext>
+            </a:extLst>
+          </p:cNvPr>
+          <p:cNvSpPr txBox="1"/>
+          <p:nvPr/>
+        </p:nvSpPr>
+        <p:spPr>
+          <a:xfrm>
+            <a:off x="7120880" y="2413337"/>
+            <a:ext cx="1800493" cy="1015663"/>
+          </a:xfrm>
+          <a:prstGeom prst="rect">
+            <a:avLst/>
+          </a:prstGeom>
+          <a:noFill/>
+          <a:ln w="19050" cap="rnd">
+            <a:noFill/>
+          </a:ln>
+        </p:spPr>
+        <p:txBody>
+          <a:bodyPr wrap="none" rtlCol="0">
+            <a:spAutoFit/>
+          </a:bodyPr>
+          <a:lstStyle/>
+          <a:p>
+            <a:r>
+              <a:rPr kumimoji="1" lang="ja-JP" altLang="en-US" sz="2400">
+                <a:latin typeface="游ゴシック" panose="020B0400000000000000" pitchFamily="50" charset="-128"/>
+                <a:ea typeface="游ゴシック" panose="020B0400000000000000" pitchFamily="50" charset="-128"/>
+                <a:cs typeface="Courier New" pitchFamily="49" charset="0"/>
+              </a:rPr>
+              <a:t>衝突</a:t>
+            </a:r>
+            <a:endParaRPr kumimoji="1" lang="en-US" altLang="ja-JP" sz="2400">
+              <a:latin typeface="游ゴシック" panose="020B0400000000000000" pitchFamily="50" charset="-128"/>
+              <a:ea typeface="游ゴシック" panose="020B0400000000000000" pitchFamily="50" charset="-128"/>
+              <a:cs typeface="Courier New" pitchFamily="49" charset="0"/>
+            </a:endParaRPr>
+          </a:p>
+          <a:p>
+            <a:r>
+              <a:rPr kumimoji="1" lang="ja-JP" altLang="en-US">
+                <a:latin typeface="游ゴシック" panose="020B0400000000000000" pitchFamily="50" charset="-128"/>
+                <a:ea typeface="游ゴシック" panose="020B0400000000000000" pitchFamily="50" charset="-128"/>
+                <a:cs typeface="Courier New" pitchFamily="49" charset="0"/>
+              </a:rPr>
+              <a:t>取ってきた中で</a:t>
+            </a:r>
+            <a:br>
+              <a:rPr kumimoji="1" lang="en-US" altLang="ja-JP">
+                <a:latin typeface="游ゴシック" panose="020B0400000000000000" pitchFamily="50" charset="-128"/>
+                <a:ea typeface="游ゴシック" panose="020B0400000000000000" pitchFamily="50" charset="-128"/>
+                <a:cs typeface="Courier New" pitchFamily="49" charset="0"/>
+              </a:rPr>
+            </a:br>
+            <a:r>
+              <a:rPr kumimoji="1" lang="ja-JP" altLang="en-US">
+                <a:latin typeface="游ゴシック" panose="020B0400000000000000" pitchFamily="50" charset="-128"/>
+                <a:ea typeface="游ゴシック" panose="020B0400000000000000" pitchFamily="50" charset="-128"/>
+                <a:cs typeface="Courier New" pitchFamily="49" charset="0"/>
+              </a:rPr>
+              <a:t>同じものを探す</a:t>
+            </a:r>
+          </a:p>
+        </p:txBody>
+      </p:sp>
     </p:spTree>
     <p:extLst>
       <p:ext uri="{BB962C8B-B14F-4D97-AF65-F5344CB8AC3E}">
@@ -6813,6 +7164,3374 @@
 </p:sld>
 </file>
 
+<file path=ppt/slides/slide20.xml><?xml version="1.0" encoding="utf-8"?>
+<p:sld xmlns:a="http://schemas.openxmlformats.org/drawingml/2006/main" xmlns:r="http://schemas.openxmlformats.org/officeDocument/2006/relationships" xmlns:p="http://schemas.openxmlformats.org/presentationml/2006/main">
+  <p:cSld>
+    <p:spTree>
+      <p:nvGrpSpPr>
+        <p:cNvPr id="1" name=""/>
+        <p:cNvGrpSpPr/>
+        <p:nvPr/>
+      </p:nvGrpSpPr>
+      <p:grpSpPr>
+        <a:xfrm>
+          <a:off x="0" y="0"/>
+          <a:ext cx="0" cy="0"/>
+          <a:chOff x="0" y="0"/>
+          <a:chExt cx="0" cy="0"/>
+        </a:xfrm>
+      </p:grpSpPr>
+      <mc:AlternateContent xmlns:mc="http://schemas.openxmlformats.org/markup-compatibility/2006">
+        <mc:Choice xmlns:a14="http://schemas.microsoft.com/office/drawing/2010/main" Requires="a14">
+          <p:sp>
+            <p:nvSpPr>
+              <p:cNvPr id="2" name="コンテンツ プレースホルダー 1">
+                <a:extLst>
+                  <a:ext uri="{FF2B5EF4-FFF2-40B4-BE49-F238E27FC236}">
+                    <a16:creationId xmlns:a16="http://schemas.microsoft.com/office/drawing/2014/main" id="{724A8ED1-F1BB-482A-97CD-B2EC8191EF56}"/>
+                  </a:ext>
+                </a:extLst>
+              </p:cNvPr>
+              <p:cNvSpPr>
+                <a:spLocks noGrp="1"/>
+              </p:cNvSpPr>
+              <p:nvPr>
+                <p:ph idx="1"/>
+              </p:nvPr>
+            </p:nvSpPr>
+            <p:spPr/>
+            <p:txBody>
+              <a:bodyPr/>
+              <a:lstStyle/>
+              <a:p>
+                <a:r>
+                  <a:rPr kumimoji="1" lang="ja-JP" altLang="en-US"/>
+                  <a:t>注意 </a:t>
+                </a:r>
+                <a:r>
+                  <a:rPr kumimoji="1" lang="en-US" altLang="ja-JP"/>
+                  <a:t>: </a:t>
+                </a:r>
+                <a:r>
+                  <a:rPr kumimoji="1" lang="ja-JP" altLang="en-US"/>
+                  <a:t>一方向性は入力候補が多数あるときのみ成立</a:t>
+                </a:r>
+                <a:endParaRPr kumimoji="1" lang="en-US" altLang="ja-JP"/>
+              </a:p>
+              <a:p>
+                <a:r>
+                  <a:rPr kumimoji="1" lang="ja-JP" altLang="en-US"/>
+                  <a:t>候補が少ししかないなら簡単に見つかる</a:t>
+                </a:r>
+                <a:endParaRPr kumimoji="1" lang="en-US" altLang="ja-JP"/>
+              </a:p>
+              <a:p>
+                <a:pPr lvl="1"/>
+                <a:r>
+                  <a:rPr kumimoji="1" lang="ja-JP" altLang="en-US"/>
+                  <a:t>例 </a:t>
+                </a:r>
+                <a:r>
+                  <a:rPr kumimoji="1" lang="en-US" altLang="ja-JP"/>
+                  <a:t>: </a:t>
+                </a:r>
+                <a14:m>
+                  <m:oMath xmlns:m="http://schemas.openxmlformats.org/officeDocument/2006/math">
+                    <m:r>
+                      <a:rPr kumimoji="1" lang="en-US" altLang="ja-JP" b="0" i="1" smtClean="0">
+                        <a:latin typeface="Cambria Math" panose="02040503050406030204" pitchFamily="18" charset="0"/>
+                      </a:rPr>
+                      <m:t>h</m:t>
+                    </m:r>
+                    <m:r>
+                      <a:rPr kumimoji="1" lang="en-US" altLang="ja-JP" b="0" i="1" smtClean="0">
+                        <a:latin typeface="Cambria Math" panose="02040503050406030204" pitchFamily="18" charset="0"/>
+                      </a:rPr>
+                      <m:t>(</m:t>
+                    </m:r>
+                    <m:r>
+                      <a:rPr kumimoji="1" lang="en-US" altLang="ja-JP" b="0" i="1" smtClean="0">
+                        <a:latin typeface="Cambria Math" panose="02040503050406030204" pitchFamily="18" charset="0"/>
+                      </a:rPr>
+                      <m:t>𝑋</m:t>
+                    </m:r>
+                    <m:r>
+                      <a:rPr kumimoji="1" lang="en-US" altLang="ja-JP" b="0" i="1" smtClean="0">
+                        <a:latin typeface="Cambria Math" panose="02040503050406030204" pitchFamily="18" charset="0"/>
+                      </a:rPr>
+                      <m:t>)</m:t>
+                    </m:r>
+                    <m:r>
+                      <m:rPr>
+                        <m:nor/>
+                      </m:rPr>
+                      <a:rPr kumimoji="1" lang="en-US" altLang="ja-JP" b="0" i="0" smtClean="0">
+                        <a:latin typeface="Cambria Math" panose="02040503050406030204" pitchFamily="18" charset="0"/>
+                      </a:rPr>
+                      <m:t>=</m:t>
+                    </m:r>
+                    <m:r>
+                      <m:rPr>
+                        <m:nor/>
+                      </m:rPr>
+                      <a:rPr lang="en-US" altLang="ja-JP" sz="1400" smtClean="0"/>
+                      <m:t>5</m:t>
+                    </m:r>
+                    <m:r>
+                      <m:rPr>
+                        <m:nor/>
+                      </m:rPr>
+                      <a:rPr lang="en-US" altLang="ja-JP" sz="1400" smtClean="0"/>
+                      <m:t>e</m:t>
+                    </m:r>
+                    <m:r>
+                      <m:rPr>
+                        <m:nor/>
+                      </m:rPr>
+                      <a:rPr lang="en-US" altLang="ja-JP" sz="1400" smtClean="0"/>
+                      <m:t>884898</m:t>
+                    </m:r>
+                    <m:r>
+                      <m:rPr>
+                        <m:nor/>
+                      </m:rPr>
+                      <a:rPr lang="en-US" altLang="ja-JP" sz="1400" smtClean="0"/>
+                      <m:t>da</m:t>
+                    </m:r>
+                    <m:r>
+                      <m:rPr>
+                        <m:nor/>
+                      </m:rPr>
+                      <a:rPr lang="en-US" altLang="ja-JP" sz="1400" smtClean="0"/>
+                      <m:t>28047151</m:t>
+                    </m:r>
+                    <m:r>
+                      <m:rPr>
+                        <m:nor/>
+                      </m:rPr>
+                      <a:rPr lang="en-US" altLang="ja-JP" sz="1400" smtClean="0"/>
+                      <m:t>d</m:t>
+                    </m:r>
+                    <m:r>
+                      <m:rPr>
+                        <m:nor/>
+                      </m:rPr>
+                      <a:rPr lang="en-US" altLang="ja-JP" sz="1400" smtClean="0"/>
+                      <m:t>0</m:t>
+                    </m:r>
+                    <m:r>
+                      <m:rPr>
+                        <m:nor/>
+                      </m:rPr>
+                      <a:rPr lang="en-US" altLang="ja-JP" sz="1400" smtClean="0"/>
+                      <m:t>e</m:t>
+                    </m:r>
+                    <m:r>
+                      <m:rPr>
+                        <m:nor/>
+                      </m:rPr>
+                      <a:rPr lang="en-US" altLang="ja-JP" sz="1400" smtClean="0"/>
+                      <m:t>56</m:t>
+                    </m:r>
+                    <m:r>
+                      <m:rPr>
+                        <m:nor/>
+                      </m:rPr>
+                      <a:rPr lang="en-US" altLang="ja-JP" sz="1400" smtClean="0"/>
+                      <m:t>f</m:t>
+                    </m:r>
+                    <m:r>
+                      <m:rPr>
+                        <m:nor/>
+                      </m:rPr>
+                      <a:rPr lang="en-US" altLang="ja-JP" sz="1400" smtClean="0"/>
+                      <m:t>8</m:t>
+                    </m:r>
+                    <m:r>
+                      <m:rPr>
+                        <m:nor/>
+                      </m:rPr>
+                      <a:rPr lang="en-US" altLang="ja-JP" sz="1400" smtClean="0"/>
+                      <m:t>dc</m:t>
+                    </m:r>
+                    <m:r>
+                      <m:rPr>
+                        <m:nor/>
+                      </m:rPr>
+                      <a:rPr lang="en-US" altLang="ja-JP" sz="1400" smtClean="0"/>
+                      <m:t>6292773603</m:t>
+                    </m:r>
+                    <m:r>
+                      <m:rPr>
+                        <m:nor/>
+                      </m:rPr>
+                      <a:rPr lang="en-US" altLang="ja-JP" sz="1400" smtClean="0"/>
+                      <m:t>d</m:t>
+                    </m:r>
+                    <m:r>
+                      <m:rPr>
+                        <m:nor/>
+                      </m:rPr>
+                      <a:rPr lang="en-US" altLang="ja-JP" sz="1400" smtClean="0"/>
+                      <m:t>0</m:t>
+                    </m:r>
+                    <m:r>
+                      <m:rPr>
+                        <m:nor/>
+                      </m:rPr>
+                      <a:rPr lang="en-US" altLang="ja-JP" sz="1400" smtClean="0"/>
+                      <m:t>d</m:t>
+                    </m:r>
+                    <m:r>
+                      <m:rPr>
+                        <m:nor/>
+                      </m:rPr>
+                      <a:rPr lang="en-US" altLang="ja-JP" sz="1400" smtClean="0"/>
+                      <m:t>6</m:t>
+                    </m:r>
+                    <m:r>
+                      <m:rPr>
+                        <m:nor/>
+                      </m:rPr>
+                      <a:rPr lang="en-US" altLang="ja-JP" sz="1400" smtClean="0"/>
+                      <m:t>aabbdd</m:t>
+                    </m:r>
+                    <m:r>
+                      <m:rPr>
+                        <m:nor/>
+                      </m:rPr>
+                      <a:rPr lang="en-US" altLang="ja-JP" sz="1400" smtClean="0"/>
+                      <m:t>62</m:t>
+                    </m:r>
+                    <m:r>
+                      <m:rPr>
+                        <m:nor/>
+                      </m:rPr>
+                      <a:rPr lang="en-US" altLang="ja-JP" sz="1400" smtClean="0"/>
+                      <m:t>a</m:t>
+                    </m:r>
+                    <m:r>
+                      <m:rPr>
+                        <m:nor/>
+                      </m:rPr>
+                      <a:rPr lang="en-US" altLang="ja-JP" sz="1400" smtClean="0"/>
+                      <m:t>11</m:t>
+                    </m:r>
+                    <m:r>
+                      <m:rPr>
+                        <m:nor/>
+                      </m:rPr>
+                      <a:rPr lang="en-US" altLang="ja-JP" sz="1400" smtClean="0"/>
+                      <m:t>ef</m:t>
+                    </m:r>
+                    <m:r>
+                      <m:rPr>
+                        <m:nor/>
+                      </m:rPr>
+                      <a:rPr lang="en-US" altLang="ja-JP" sz="1400" smtClean="0"/>
+                      <m:t>721</m:t>
+                    </m:r>
+                    <m:r>
+                      <m:rPr>
+                        <m:nor/>
+                      </m:rPr>
+                      <a:rPr lang="en-US" altLang="ja-JP" sz="1400" smtClean="0"/>
+                      <m:t>d</m:t>
+                    </m:r>
+                    <m:r>
+                      <m:rPr>
+                        <m:nor/>
+                      </m:rPr>
+                      <a:rPr lang="en-US" altLang="ja-JP" sz="1400" smtClean="0"/>
+                      <m:t>1542</m:t>
+                    </m:r>
+                    <m:r>
+                      <m:rPr>
+                        <m:nor/>
+                      </m:rPr>
+                      <a:rPr lang="en-US" altLang="ja-JP" sz="1400" smtClean="0"/>
+                      <m:t>d</m:t>
+                    </m:r>
+                    <m:r>
+                      <m:rPr>
+                        <m:nor/>
+                      </m:rPr>
+                      <a:rPr lang="en-US" altLang="ja-JP" sz="1400" smtClean="0"/>
+                      <m:t>8</m:t>
+                    </m:r>
+                  </m:oMath>
+                </a14:m>
+                <a:endParaRPr kumimoji="1" lang="ja-JP" altLang="en-US" sz="1400">
+                  <a:latin typeface="游ゴシック" panose="020B0400000000000000" pitchFamily="50" charset="-128"/>
+                  <a:cs typeface="Courier New" pitchFamily="49" charset="0"/>
+                </a:endParaRPr>
+              </a:p>
+              <a:p>
+                <a:pPr lvl="1"/>
+                <a:r>
+                  <a:rPr kumimoji="1" lang="ja-JP" altLang="en-US"/>
+                  <a:t>「</a:t>
+                </a:r>
+                <a14:m>
+                  <m:oMath xmlns:m="http://schemas.openxmlformats.org/officeDocument/2006/math">
+                    <m:r>
+                      <a:rPr kumimoji="1" lang="en-US" altLang="ja-JP" b="0" i="1" smtClean="0">
+                        <a:latin typeface="Cambria Math" panose="02040503050406030204" pitchFamily="18" charset="0"/>
+                      </a:rPr>
+                      <m:t>𝑋</m:t>
+                    </m:r>
+                  </m:oMath>
+                </a14:m>
+                <a:r>
+                  <a:rPr kumimoji="1" lang="ja-JP" altLang="en-US"/>
+                  <a:t>が</a:t>
+                </a:r>
+                <a:r>
+                  <a:rPr kumimoji="1" lang="en-US" altLang="ja-JP"/>
+                  <a:t>"abc", "password", "qwert"</a:t>
+                </a:r>
+                <a:r>
+                  <a:rPr kumimoji="1" lang="ja-JP" altLang="en-US"/>
+                  <a:t>のどれか」ならば</a:t>
+                </a:r>
+                <a:br>
+                  <a:rPr lang="en-US" altLang="ja-JP"/>
+                </a:br>
+                <a:r>
+                  <a:rPr kumimoji="1" lang="ja-JP" altLang="en-US"/>
+                  <a:t>最大</a:t>
+                </a:r>
+                <a:r>
+                  <a:rPr kumimoji="1" lang="en-US" altLang="ja-JP"/>
+                  <a:t>3</a:t>
+                </a:r>
+                <a:r>
+                  <a:rPr kumimoji="1" lang="ja-JP" altLang="en-US"/>
+                  <a:t>回ハッシュ値を求めれば判明する</a:t>
+                </a:r>
+                <a:endParaRPr kumimoji="1" lang="en-US" altLang="ja-JP"/>
+              </a:p>
+              <a:p>
+                <a:r>
+                  <a:rPr kumimoji="1" lang="ja-JP" altLang="en-US"/>
+                  <a:t>ハッシュ値から元の値を探してくれるサイト</a:t>
+                </a:r>
+                <a:br>
+                  <a:rPr kumimoji="1" lang="en-US" altLang="ja-JP"/>
+                </a:br>
+                <a:r>
+                  <a:rPr kumimoji="1" lang="en-US" altLang="ja-JP">
+                    <a:hlinkClick r:id="rId2"/>
+                  </a:rPr>
+                  <a:t>https://hashtoolkit.com/decrypt-sha256-hash/</a:t>
+                </a:r>
+                <a:endParaRPr kumimoji="1" lang="en-US" altLang="ja-JP"/>
+              </a:p>
+              <a:p>
+                <a:r>
+                  <a:rPr kumimoji="1" lang="ja-JP" altLang="en-US"/>
+                  <a:t>携帯電話のハッシュ値</a:t>
+                </a:r>
+                <a:endParaRPr kumimoji="1" lang="en-US" altLang="ja-JP"/>
+              </a:p>
+              <a:p>
+                <a:pPr lvl="1"/>
+                <a:r>
+                  <a:rPr kumimoji="1" lang="ja-JP" altLang="en-US"/>
+                  <a:t>候補は</a:t>
+                </a:r>
+                <a:r>
+                  <a:rPr kumimoji="1" lang="en-US" altLang="ja-JP"/>
+                  <a:t>8</a:t>
+                </a:r>
+                <a:r>
+                  <a:rPr kumimoji="1" lang="ja-JP" altLang="en-US"/>
+                  <a:t>桁</a:t>
+                </a:r>
+                <a:r>
+                  <a:rPr kumimoji="1" lang="en-US" altLang="ja-JP"/>
+                  <a:t>x(090, 080, 070)</a:t>
+                </a:r>
+                <a:r>
+                  <a:rPr kumimoji="1" lang="ja-JP" altLang="en-US"/>
+                  <a:t>で約</a:t>
+                </a:r>
+                <a:r>
+                  <a:rPr kumimoji="1" lang="en-US" altLang="ja-JP"/>
+                  <a:t>3</a:t>
+                </a:r>
+                <a:r>
+                  <a:rPr kumimoji="1" lang="ja-JP" altLang="en-US"/>
+                  <a:t>億通り</a:t>
+                </a:r>
+                <a:endParaRPr kumimoji="1" lang="en-US" altLang="ja-JP"/>
+              </a:p>
+              <a:p>
+                <a:pPr lvl="1"/>
+                <a:r>
+                  <a:rPr lang="en-US" altLang="ja-JP"/>
+                  <a:t>GPU</a:t>
+                </a:r>
+                <a:r>
+                  <a:rPr lang="ja-JP" altLang="en-US"/>
+                  <a:t>なら</a:t>
+                </a:r>
+                <a:r>
+                  <a:rPr lang="en-US" altLang="ja-JP"/>
+                  <a:t>80</a:t>
+                </a:r>
+                <a:r>
+                  <a:rPr lang="ja-JP" altLang="en-US"/>
+                  <a:t>億回</a:t>
+                </a:r>
+                <a:r>
+                  <a:rPr lang="en-US" altLang="ja-JP"/>
+                  <a:t>/</a:t>
+                </a:r>
+                <a:r>
+                  <a:rPr lang="ja-JP" altLang="en-US"/>
+                  <a:t>秒で探索可能→すぐばれる</a:t>
+                </a:r>
+                <a:endParaRPr lang="en-US" altLang="ja-JP"/>
+              </a:p>
+              <a:p>
+                <a:r>
+                  <a:rPr kumimoji="1" lang="en-US" altLang="ja-JP"/>
+                  <a:t>2021</a:t>
+                </a:r>
+                <a:r>
+                  <a:rPr kumimoji="1" lang="ja-JP" altLang="en-US"/>
+                  <a:t>年</a:t>
+                </a:r>
+                <a:r>
+                  <a:rPr kumimoji="1" lang="en-US" altLang="ja-JP"/>
+                  <a:t>4</a:t>
+                </a:r>
+                <a:r>
+                  <a:rPr kumimoji="1" lang="ja-JP" altLang="en-US"/>
+                  <a:t>月</a:t>
+                </a:r>
+                <a:r>
+                  <a:rPr kumimoji="1" lang="en-US" altLang="ja-JP"/>
+                  <a:t>Apple iPhone</a:t>
+                </a:r>
+                <a:r>
+                  <a:rPr kumimoji="1" lang="ja-JP" altLang="en-US"/>
+                  <a:t>の</a:t>
+                </a:r>
+                <a:r>
+                  <a:rPr kumimoji="1" lang="en-US" altLang="ja-JP"/>
+                  <a:t>Air Drop</a:t>
+                </a:r>
+                <a:r>
+                  <a:rPr kumimoji="1" lang="ja-JP" altLang="en-US"/>
+                  <a:t>の脆弱性</a:t>
+                </a:r>
+                <a:endParaRPr kumimoji="1" lang="en-US" altLang="ja-JP"/>
+              </a:p>
+              <a:p>
+                <a:pPr lvl="1"/>
+                <a:r>
+                  <a:rPr kumimoji="1" lang="ja-JP" altLang="en-US"/>
+                  <a:t>電話番号やメールアドレスの</a:t>
+                </a:r>
+                <a:r>
+                  <a:rPr kumimoji="1" lang="en-US" altLang="ja-JP"/>
+                  <a:t>SHA-256</a:t>
+                </a:r>
+                <a:r>
+                  <a:rPr kumimoji="1" lang="ja-JP" altLang="en-US"/>
+                  <a:t>の値を送信していた</a:t>
+                </a:r>
+                <a:endParaRPr kumimoji="1" lang="en-US" altLang="ja-JP"/>
+              </a:p>
+              <a:p>
+                <a:pPr lvl="1"/>
+                <a:r>
+                  <a:rPr kumimoji="1" lang="ja-JP" altLang="en-US"/>
+                  <a:t>この問題は</a:t>
+                </a:r>
+                <a:r>
+                  <a:rPr kumimoji="1" lang="en-US" altLang="ja-JP"/>
+                  <a:t>SHA-256</a:t>
+                </a:r>
+                <a:r>
+                  <a:rPr kumimoji="1" lang="ja-JP" altLang="en-US"/>
+                  <a:t>を</a:t>
+                </a:r>
+                <a:r>
+                  <a:rPr kumimoji="1" lang="en-US" altLang="ja-JP"/>
+                  <a:t>SHA3</a:t>
+                </a:r>
+                <a:r>
+                  <a:rPr kumimoji="1" lang="ja-JP" altLang="en-US"/>
+                  <a:t>や</a:t>
+                </a:r>
+                <a:r>
+                  <a:rPr kumimoji="1" lang="en-US" altLang="ja-JP"/>
+                  <a:t>SHA-512</a:t>
+                </a:r>
+                <a:r>
+                  <a:rPr kumimoji="1" lang="ja-JP" altLang="en-US"/>
+                  <a:t>に変えても同じ</a:t>
+                </a:r>
+                <a:endParaRPr kumimoji="1" lang="en-US" altLang="ja-JP"/>
+              </a:p>
+            </p:txBody>
+          </p:sp>
+        </mc:Choice>
+        <mc:Fallback>
+          <p:sp>
+            <p:nvSpPr>
+              <p:cNvPr id="2" name="コンテンツ プレースホルダー 1">
+                <a:extLst>
+                  <a:ext uri="{FF2B5EF4-FFF2-40B4-BE49-F238E27FC236}">
+                    <a16:creationId xmlns:a16="http://schemas.microsoft.com/office/drawing/2014/main" id="{724A8ED1-F1BB-482A-97CD-B2EC8191EF56}"/>
+                  </a:ext>
+                </a:extLst>
+              </p:cNvPr>
+              <p:cNvSpPr>
+                <a:spLocks noGrp="1" noRot="1" noChangeAspect="1" noMove="1" noResize="1" noEditPoints="1" noAdjustHandles="1" noChangeArrowheads="1" noChangeShapeType="1" noTextEdit="1"/>
+              </p:cNvSpPr>
+              <p:nvPr>
+                <p:ph idx="1"/>
+              </p:nvPr>
+            </p:nvSpPr>
+            <p:spPr>
+              <a:blipFill>
+                <a:blip r:embed="rId3"/>
+                <a:stretch>
+                  <a:fillRect l="-1200" t="-1454" b="-10384"/>
+                </a:stretch>
+              </a:blipFill>
+            </p:spPr>
+            <p:txBody>
+              <a:bodyPr/>
+              <a:lstStyle/>
+              <a:p>
+                <a:r>
+                  <a:rPr lang="ja-JP" altLang="en-US">
+                    <a:noFill/>
+                  </a:rPr>
+                  <a:t> </a:t>
+                </a:r>
+              </a:p>
+            </p:txBody>
+          </p:sp>
+        </mc:Fallback>
+      </mc:AlternateContent>
+      <p:sp>
+        <p:nvSpPr>
+          <p:cNvPr id="3" name="スライド番号プレースホルダー 2">
+            <a:extLst>
+              <a:ext uri="{FF2B5EF4-FFF2-40B4-BE49-F238E27FC236}">
+                <a16:creationId xmlns:a16="http://schemas.microsoft.com/office/drawing/2014/main" id="{D7928B02-FC48-4EDE-BD79-84EAB865853B}"/>
+              </a:ext>
+            </a:extLst>
+          </p:cNvPr>
+          <p:cNvSpPr>
+            <a:spLocks noGrp="1"/>
+          </p:cNvSpPr>
+          <p:nvPr>
+            <p:ph type="sldNum" sz="quarter" idx="12"/>
+          </p:nvPr>
+        </p:nvSpPr>
+        <p:spPr/>
+        <p:txBody>
+          <a:bodyPr/>
+          <a:lstStyle/>
+          <a:p>
+            <a:pPr>
+              <a:defRPr/>
+            </a:pPr>
+            <a:r>
+              <a:rPr lang="en-US" altLang="ja-JP"/>
+              <a:t>    </a:t>
+            </a:r>
+            <a:fld id="{B2782DEB-472A-4FE5-AC34-C17109CF5A91}" type="slidenum">
+              <a:rPr lang="en-US" altLang="ja-JP" smtClean="0"/>
+              <a:pPr>
+                <a:defRPr/>
+              </a:pPr>
+              <a:t>20</a:t>
+            </a:fld>
+            <a:r>
+              <a:rPr lang="en-US" altLang="ja-JP"/>
+              <a:t> / 24</a:t>
+            </a:r>
+          </a:p>
+        </p:txBody>
+      </p:sp>
+      <p:sp>
+        <p:nvSpPr>
+          <p:cNvPr id="4" name="タイトル 3">
+            <a:extLst>
+              <a:ext uri="{FF2B5EF4-FFF2-40B4-BE49-F238E27FC236}">
+                <a16:creationId xmlns:a16="http://schemas.microsoft.com/office/drawing/2014/main" id="{83D059CC-164D-4DA0-B87A-FA7674FBC14E}"/>
+              </a:ext>
+            </a:extLst>
+          </p:cNvPr>
+          <p:cNvSpPr>
+            <a:spLocks noGrp="1"/>
+          </p:cNvSpPr>
+          <p:nvPr>
+            <p:ph type="title"/>
+          </p:nvPr>
+        </p:nvSpPr>
+        <p:spPr/>
+        <p:txBody>
+          <a:bodyPr/>
+          <a:lstStyle/>
+          <a:p>
+            <a:r>
+              <a:rPr kumimoji="1" lang="ja-JP" altLang="en-US"/>
+              <a:t>パスワードとハッシュ関数</a:t>
+            </a:r>
+          </a:p>
+        </p:txBody>
+      </p:sp>
+    </p:spTree>
+    <p:extLst>
+      <p:ext uri="{BB962C8B-B14F-4D97-AF65-F5344CB8AC3E}">
+        <p14:creationId xmlns:p14="http://schemas.microsoft.com/office/powerpoint/2010/main" val="1821716477"/>
+      </p:ext>
+    </p:extLst>
+  </p:cSld>
+  <p:clrMapOvr>
+    <a:masterClrMapping/>
+  </p:clrMapOvr>
+</p:sld>
+</file>
+
+<file path=ppt/slides/slide21.xml><?xml version="1.0" encoding="utf-8"?>
+<p:sld xmlns:a="http://schemas.openxmlformats.org/drawingml/2006/main" xmlns:r="http://schemas.openxmlformats.org/officeDocument/2006/relationships" xmlns:p="http://schemas.openxmlformats.org/presentationml/2006/main">
+  <p:cSld>
+    <p:spTree>
+      <p:nvGrpSpPr>
+        <p:cNvPr id="1" name=""/>
+        <p:cNvGrpSpPr/>
+        <p:nvPr/>
+      </p:nvGrpSpPr>
+      <p:grpSpPr>
+        <a:xfrm>
+          <a:off x="0" y="0"/>
+          <a:ext cx="0" cy="0"/>
+          <a:chOff x="0" y="0"/>
+          <a:chExt cx="0" cy="0"/>
+        </a:xfrm>
+      </p:grpSpPr>
+      <mc:AlternateContent xmlns:mc="http://schemas.openxmlformats.org/markup-compatibility/2006">
+        <mc:Choice xmlns:a14="http://schemas.microsoft.com/office/drawing/2010/main" Requires="a14">
+          <p:sp>
+            <p:nvSpPr>
+              <p:cNvPr id="2" name="コンテンツ プレースホルダー 1">
+                <a:extLst>
+                  <a:ext uri="{FF2B5EF4-FFF2-40B4-BE49-F238E27FC236}">
+                    <a16:creationId xmlns:a16="http://schemas.microsoft.com/office/drawing/2014/main" id="{672FD0FF-6B82-4AF5-896F-FB4F851D595E}"/>
+                  </a:ext>
+                </a:extLst>
+              </p:cNvPr>
+              <p:cNvSpPr>
+                <a:spLocks noGrp="1"/>
+              </p:cNvSpPr>
+              <p:nvPr>
+                <p:ph idx="1"/>
+              </p:nvPr>
+            </p:nvSpPr>
+            <p:spPr/>
+            <p:txBody>
+              <a:bodyPr/>
+              <a:lstStyle/>
+              <a:p>
+                <a:r>
+                  <a:rPr kumimoji="1" lang="ja-JP" altLang="en-US"/>
+                  <a:t>ハッシュ値をそのまま保存するのはよくない</a:t>
+                </a:r>
+                <a:endParaRPr kumimoji="1" lang="en-US" altLang="ja-JP"/>
+              </a:p>
+              <a:p>
+                <a:pPr lvl="1"/>
+                <a:r>
+                  <a:rPr kumimoji="1" lang="ja-JP" altLang="en-US"/>
+                  <a:t>レインボーテーブルという効率よく探索する攻撃もある</a:t>
+                </a:r>
+                <a:endParaRPr kumimoji="1" lang="en-US" altLang="ja-JP"/>
+              </a:p>
+              <a:p>
+                <a:r>
+                  <a:rPr kumimoji="1" lang="ja-JP" altLang="en-US"/>
+                  <a:t>ユーザごとに</a:t>
+                </a:r>
+                <a:r>
+                  <a:rPr kumimoji="1" lang="en-US" altLang="ja-JP"/>
+                  <a:t>salt</a:t>
+                </a:r>
+                <a:r>
+                  <a:rPr kumimoji="1" lang="ja-JP" altLang="en-US"/>
+                  <a:t>と呼ばれる乱数をつけてハッシュ</a:t>
+                </a:r>
+                <a:endParaRPr kumimoji="1" lang="en-US" altLang="ja-JP"/>
+              </a:p>
+              <a:p>
+                <a:pPr lvl="1"/>
+                <a14:m>
+                  <m:oMath xmlns:m="http://schemas.openxmlformats.org/officeDocument/2006/math">
+                    <m:r>
+                      <a:rPr kumimoji="1" lang="en-US" altLang="ja-JP" b="0" i="1" smtClean="0">
+                        <a:latin typeface="Cambria Math" panose="02040503050406030204" pitchFamily="18" charset="0"/>
+                      </a:rPr>
+                      <m:t>h</m:t>
+                    </m:r>
+                    <m:r>
+                      <a:rPr kumimoji="1" lang="en-US" altLang="ja-JP" b="0" i="1" smtClean="0">
+                        <a:latin typeface="Cambria Math" panose="02040503050406030204" pitchFamily="18" charset="0"/>
+                      </a:rPr>
+                      <m:t>(</m:t>
+                    </m:r>
+                    <m:r>
+                      <a:rPr kumimoji="1" lang="en-US" altLang="ja-JP" b="0" i="1" smtClean="0">
+                        <a:latin typeface="Cambria Math" panose="02040503050406030204" pitchFamily="18" charset="0"/>
+                      </a:rPr>
+                      <m:t>𝑝</m:t>
+                    </m:r>
+                    <m:sSub>
+                      <m:sSubPr>
+                        <m:ctrlPr>
+                          <a:rPr kumimoji="1" lang="en-US" altLang="ja-JP" b="0" i="1" smtClean="0">
+                            <a:latin typeface="Cambria Math" panose="02040503050406030204" pitchFamily="18" charset="0"/>
+                          </a:rPr>
+                        </m:ctrlPr>
+                      </m:sSubPr>
+                      <m:e>
+                        <m:r>
+                          <a:rPr kumimoji="1" lang="en-US" altLang="ja-JP" b="0" i="1" smtClean="0">
+                            <a:latin typeface="Cambria Math" panose="02040503050406030204" pitchFamily="18" charset="0"/>
+                          </a:rPr>
+                          <m:t>𝑠</m:t>
+                        </m:r>
+                      </m:e>
+                      <m:sub>
+                        <m:r>
+                          <a:rPr kumimoji="1" lang="en-US" altLang="ja-JP" b="0" i="1" smtClean="0">
+                            <a:latin typeface="Cambria Math" panose="02040503050406030204" pitchFamily="18" charset="0"/>
+                          </a:rPr>
+                          <m:t>1</m:t>
+                        </m:r>
+                      </m:sub>
+                    </m:sSub>
+                    <m:r>
+                      <a:rPr kumimoji="1" lang="en-US" altLang="ja-JP" b="0" i="1" smtClean="0">
+                        <a:latin typeface="Cambria Math" panose="02040503050406030204" pitchFamily="18" charset="0"/>
+                      </a:rPr>
+                      <m:t>||</m:t>
+                    </m:r>
+                    <m:r>
+                      <a:rPr kumimoji="1" lang="en-US" altLang="ja-JP" b="0" i="1" smtClean="0">
+                        <a:latin typeface="Cambria Math" panose="02040503050406030204" pitchFamily="18" charset="0"/>
+                      </a:rPr>
+                      <m:t>𝑠𝑎𝑙</m:t>
+                    </m:r>
+                    <m:sSub>
+                      <m:sSubPr>
+                        <m:ctrlPr>
+                          <a:rPr kumimoji="1" lang="en-US" altLang="ja-JP" b="0" i="1" smtClean="0">
+                            <a:latin typeface="Cambria Math" panose="02040503050406030204" pitchFamily="18" charset="0"/>
+                          </a:rPr>
+                        </m:ctrlPr>
+                      </m:sSubPr>
+                      <m:e>
+                        <m:r>
+                          <a:rPr kumimoji="1" lang="en-US" altLang="ja-JP" b="0" i="1" smtClean="0">
+                            <a:latin typeface="Cambria Math" panose="02040503050406030204" pitchFamily="18" charset="0"/>
+                          </a:rPr>
+                          <m:t>𝑡</m:t>
+                        </m:r>
+                      </m:e>
+                      <m:sub>
+                        <m:r>
+                          <a:rPr kumimoji="1" lang="en-US" altLang="ja-JP" b="0" i="1" smtClean="0">
+                            <a:latin typeface="Cambria Math" panose="02040503050406030204" pitchFamily="18" charset="0"/>
+                          </a:rPr>
+                          <m:t>1</m:t>
+                        </m:r>
+                      </m:sub>
+                    </m:sSub>
+                    <m:r>
+                      <a:rPr kumimoji="1" lang="en-US" altLang="ja-JP" b="0" i="1" smtClean="0">
+                        <a:latin typeface="Cambria Math" panose="02040503050406030204" pitchFamily="18" charset="0"/>
+                      </a:rPr>
+                      <m:t>)</m:t>
+                    </m:r>
+                  </m:oMath>
+                </a14:m>
+                <a:r>
+                  <a:rPr kumimoji="1" lang="ja-JP" altLang="en-US"/>
+                  <a:t>と</a:t>
+                </a:r>
+                <a14:m>
+                  <m:oMath xmlns:m="http://schemas.openxmlformats.org/officeDocument/2006/math">
+                    <m:r>
+                      <a:rPr kumimoji="1" lang="en-US" altLang="ja-JP" b="0" i="1" smtClean="0">
+                        <a:latin typeface="Cambria Math" panose="02040503050406030204" pitchFamily="18" charset="0"/>
+                      </a:rPr>
+                      <m:t>h</m:t>
+                    </m:r>
+                    <m:r>
+                      <a:rPr kumimoji="1" lang="en-US" altLang="ja-JP" b="0" i="1" smtClean="0">
+                        <a:latin typeface="Cambria Math" panose="02040503050406030204" pitchFamily="18" charset="0"/>
+                      </a:rPr>
+                      <m:t>(</m:t>
+                    </m:r>
+                    <m:r>
+                      <a:rPr kumimoji="1" lang="en-US" altLang="ja-JP" b="0" i="1" smtClean="0">
+                        <a:latin typeface="Cambria Math" panose="02040503050406030204" pitchFamily="18" charset="0"/>
+                      </a:rPr>
+                      <m:t>𝑝</m:t>
+                    </m:r>
+                    <m:sSub>
+                      <m:sSubPr>
+                        <m:ctrlPr>
+                          <a:rPr kumimoji="1" lang="en-US" altLang="ja-JP" b="0" i="1" smtClean="0">
+                            <a:latin typeface="Cambria Math" panose="02040503050406030204" pitchFamily="18" charset="0"/>
+                          </a:rPr>
+                        </m:ctrlPr>
+                      </m:sSubPr>
+                      <m:e>
+                        <m:r>
+                          <a:rPr kumimoji="1" lang="en-US" altLang="ja-JP" b="0" i="1" smtClean="0">
+                            <a:latin typeface="Cambria Math" panose="02040503050406030204" pitchFamily="18" charset="0"/>
+                          </a:rPr>
+                          <m:t>𝑠</m:t>
+                        </m:r>
+                      </m:e>
+                      <m:sub>
+                        <m:r>
+                          <a:rPr kumimoji="1" lang="en-US" altLang="ja-JP" b="0" i="1" smtClean="0">
+                            <a:latin typeface="Cambria Math" panose="02040503050406030204" pitchFamily="18" charset="0"/>
+                          </a:rPr>
+                          <m:t>2</m:t>
+                        </m:r>
+                      </m:sub>
+                    </m:sSub>
+                    <m:r>
+                      <a:rPr kumimoji="1" lang="en-US" altLang="ja-JP" b="0" i="1" smtClean="0">
+                        <a:latin typeface="Cambria Math" panose="02040503050406030204" pitchFamily="18" charset="0"/>
+                      </a:rPr>
+                      <m:t>|</m:t>
+                    </m:r>
+                    <m:d>
+                      <m:dPr>
+                        <m:begChr m:val="|"/>
+                        <m:ctrlPr>
+                          <a:rPr kumimoji="1" lang="en-US" altLang="ja-JP" b="0" i="1" smtClean="0">
+                            <a:latin typeface="Cambria Math" panose="02040503050406030204" pitchFamily="18" charset="0"/>
+                          </a:rPr>
+                        </m:ctrlPr>
+                      </m:dPr>
+                      <m:e>
+                        <m:r>
+                          <a:rPr kumimoji="1" lang="en-US" altLang="ja-JP" b="0" i="1" smtClean="0">
+                            <a:latin typeface="Cambria Math" panose="02040503050406030204" pitchFamily="18" charset="0"/>
+                          </a:rPr>
+                          <m:t>𝑠𝑎𝑙</m:t>
+                        </m:r>
+                        <m:sSub>
+                          <m:sSubPr>
+                            <m:ctrlPr>
+                              <a:rPr kumimoji="1" lang="en-US" altLang="ja-JP" b="0" i="1" smtClean="0">
+                                <a:latin typeface="Cambria Math" panose="02040503050406030204" pitchFamily="18" charset="0"/>
+                              </a:rPr>
+                            </m:ctrlPr>
+                          </m:sSubPr>
+                          <m:e>
+                            <m:r>
+                              <a:rPr kumimoji="1" lang="en-US" altLang="ja-JP" b="0" i="1" smtClean="0">
+                                <a:latin typeface="Cambria Math" panose="02040503050406030204" pitchFamily="18" charset="0"/>
+                              </a:rPr>
+                              <m:t>𝑡</m:t>
+                            </m:r>
+                          </m:e>
+                          <m:sub>
+                            <m:r>
+                              <a:rPr kumimoji="1" lang="en-US" altLang="ja-JP" b="0" i="1" smtClean="0">
+                                <a:latin typeface="Cambria Math" panose="02040503050406030204" pitchFamily="18" charset="0"/>
+                              </a:rPr>
+                              <m:t>2</m:t>
+                            </m:r>
+                          </m:sub>
+                        </m:sSub>
+                      </m:e>
+                    </m:d>
+                  </m:oMath>
+                </a14:m>
+                <a:r>
+                  <a:rPr kumimoji="1" lang="ja-JP" altLang="en-US"/>
+                  <a:t>は</a:t>
+                </a:r>
+                <a14:m>
+                  <m:oMath xmlns:m="http://schemas.openxmlformats.org/officeDocument/2006/math">
+                    <m:r>
+                      <a:rPr kumimoji="1" lang="en-US" altLang="ja-JP" b="0" i="1" smtClean="0">
+                        <a:latin typeface="Cambria Math" panose="02040503050406030204" pitchFamily="18" charset="0"/>
+                      </a:rPr>
+                      <m:t>𝑝</m:t>
+                    </m:r>
+                    <m:sSub>
+                      <m:sSubPr>
+                        <m:ctrlPr>
+                          <a:rPr kumimoji="1" lang="en-US" altLang="ja-JP" b="0" i="1" smtClean="0">
+                            <a:latin typeface="Cambria Math" panose="02040503050406030204" pitchFamily="18" charset="0"/>
+                          </a:rPr>
+                        </m:ctrlPr>
+                      </m:sSubPr>
+                      <m:e>
+                        <m:r>
+                          <a:rPr kumimoji="1" lang="en-US" altLang="ja-JP" b="0" i="1" smtClean="0">
+                            <a:latin typeface="Cambria Math" panose="02040503050406030204" pitchFamily="18" charset="0"/>
+                          </a:rPr>
+                          <m:t>𝑠</m:t>
+                        </m:r>
+                      </m:e>
+                      <m:sub>
+                        <m:r>
+                          <a:rPr kumimoji="1" lang="en-US" altLang="ja-JP" b="0" i="1" smtClean="0">
+                            <a:latin typeface="Cambria Math" panose="02040503050406030204" pitchFamily="18" charset="0"/>
+                          </a:rPr>
+                          <m:t>1</m:t>
+                        </m:r>
+                      </m:sub>
+                    </m:sSub>
+                    <m:r>
+                      <a:rPr kumimoji="1" lang="en-US" altLang="ja-JP" b="0" i="1" smtClean="0">
+                        <a:latin typeface="Cambria Math" panose="02040503050406030204" pitchFamily="18" charset="0"/>
+                      </a:rPr>
+                      <m:t>=</m:t>
+                    </m:r>
+                    <m:r>
+                      <a:rPr kumimoji="1" lang="en-US" altLang="ja-JP" b="0" i="1" smtClean="0">
+                        <a:latin typeface="Cambria Math" panose="02040503050406030204" pitchFamily="18" charset="0"/>
+                      </a:rPr>
+                      <m:t>𝑝</m:t>
+                    </m:r>
+                    <m:sSub>
+                      <m:sSubPr>
+                        <m:ctrlPr>
+                          <a:rPr kumimoji="1" lang="en-US" altLang="ja-JP" b="0" i="1" smtClean="0">
+                            <a:latin typeface="Cambria Math" panose="02040503050406030204" pitchFamily="18" charset="0"/>
+                          </a:rPr>
+                        </m:ctrlPr>
+                      </m:sSubPr>
+                      <m:e>
+                        <m:r>
+                          <a:rPr kumimoji="1" lang="en-US" altLang="ja-JP" b="0" i="1" smtClean="0">
+                            <a:latin typeface="Cambria Math" panose="02040503050406030204" pitchFamily="18" charset="0"/>
+                          </a:rPr>
+                          <m:t>𝑠</m:t>
+                        </m:r>
+                      </m:e>
+                      <m:sub>
+                        <m:r>
+                          <a:rPr kumimoji="1" lang="en-US" altLang="ja-JP" b="0" i="1" smtClean="0">
+                            <a:latin typeface="Cambria Math" panose="02040503050406030204" pitchFamily="18" charset="0"/>
+                          </a:rPr>
+                          <m:t>2</m:t>
+                        </m:r>
+                      </m:sub>
+                    </m:sSub>
+                  </m:oMath>
+                </a14:m>
+                <a:r>
+                  <a:rPr kumimoji="1" lang="ja-JP" altLang="en-US"/>
+                  <a:t>でも</a:t>
+                </a:r>
+                <a:r>
+                  <a:rPr kumimoji="1" lang="en-US" altLang="ja-JP"/>
+                  <a:t>salt</a:t>
+                </a:r>
+                <a:r>
+                  <a:rPr kumimoji="1" lang="ja-JP" altLang="en-US"/>
+                  <a:t>が異なると</a:t>
+                </a:r>
+                <a:br>
+                  <a:rPr lang="en-US" altLang="ja-JP"/>
+                </a:br>
+                <a:r>
+                  <a:rPr lang="ja-JP" altLang="en-US"/>
+                  <a:t>異なる値になる</a:t>
+                </a:r>
+                <a:endParaRPr lang="en-US" altLang="ja-JP"/>
+              </a:p>
+              <a:p>
+                <a:pPr lvl="2"/>
+                <a:r>
+                  <a:rPr lang="ja-JP" altLang="en-US"/>
+                  <a:t>ハッシュ値だけではパスワードが同じかどうか分からない</a:t>
+                </a:r>
+                <a:endParaRPr lang="en-US" altLang="ja-JP"/>
+              </a:p>
+              <a:p>
+                <a:pPr lvl="2"/>
+                <a:r>
+                  <a:rPr lang="ja-JP" altLang="en-US"/>
+                  <a:t>レインボーテーブル攻撃が使えない</a:t>
+                </a:r>
+                <a:endParaRPr lang="en-US" altLang="ja-JP"/>
+              </a:p>
+              <a:p>
+                <a:r>
+                  <a:rPr kumimoji="1" lang="ja-JP" altLang="en-US"/>
+                  <a:t>ストレッチング</a:t>
+                </a:r>
+                <a:endParaRPr kumimoji="1" lang="en-US" altLang="ja-JP"/>
+              </a:p>
+              <a:p>
+                <a:pPr lvl="1"/>
+                <a:r>
+                  <a:rPr kumimoji="1" lang="ja-JP" altLang="en-US"/>
+                  <a:t>ハッシュ値を繰り返し適用する</a:t>
+                </a:r>
+                <a:endParaRPr kumimoji="1" lang="en-US" altLang="ja-JP"/>
+              </a:p>
+              <a:p>
+                <a:pPr lvl="1"/>
+                <a:r>
+                  <a:rPr kumimoji="1" lang="ja-JP" altLang="en-US"/>
+                  <a:t>回数だけ探索時間が増える</a:t>
+                </a:r>
+                <a:r>
+                  <a:rPr kumimoji="1" lang="en-US" altLang="ja-JP"/>
+                  <a:t>(</a:t>
+                </a:r>
+                <a:r>
+                  <a:rPr kumimoji="1" lang="ja-JP" altLang="en-US"/>
+                  <a:t>多少の気休め</a:t>
+                </a:r>
+                <a:r>
+                  <a:rPr kumimoji="1" lang="en-US" altLang="ja-JP"/>
+                  <a:t>?)</a:t>
+                </a:r>
+              </a:p>
+              <a:p>
+                <a:r>
+                  <a:rPr lang="ja-JP" altLang="en-US"/>
+                  <a:t>指針</a:t>
+                </a:r>
+                <a:endParaRPr lang="en-US" altLang="ja-JP"/>
+              </a:p>
+              <a:p>
+                <a:pPr lvl="1"/>
+                <a:r>
+                  <a:rPr kumimoji="1" lang="ja-JP" altLang="en-US"/>
+                  <a:t>重要なデータのハッシュ値は外部に出さないようにする</a:t>
+                </a:r>
+                <a:endParaRPr kumimoji="1" lang="en-US" altLang="ja-JP"/>
+              </a:p>
+              <a:p>
+                <a:pPr lvl="1"/>
+                <a:r>
+                  <a:rPr kumimoji="1" lang="ja-JP" altLang="en-US"/>
+                  <a:t>ハッシュではなく暗号化する</a:t>
+                </a:r>
+                <a:endParaRPr kumimoji="1" lang="en-US" altLang="ja-JP"/>
+              </a:p>
+            </p:txBody>
+          </p:sp>
+        </mc:Choice>
+        <mc:Fallback>
+          <p:sp>
+            <p:nvSpPr>
+              <p:cNvPr id="2" name="コンテンツ プレースホルダー 1">
+                <a:extLst>
+                  <a:ext uri="{FF2B5EF4-FFF2-40B4-BE49-F238E27FC236}">
+                    <a16:creationId xmlns:a16="http://schemas.microsoft.com/office/drawing/2014/main" id="{672FD0FF-6B82-4AF5-896F-FB4F851D595E}"/>
+                  </a:ext>
+                </a:extLst>
+              </p:cNvPr>
+              <p:cNvSpPr>
+                <a:spLocks noGrp="1" noRot="1" noChangeAspect="1" noMove="1" noResize="1" noEditPoints="1" noAdjustHandles="1" noChangeArrowheads="1" noChangeShapeType="1" noTextEdit="1"/>
+              </p:cNvSpPr>
+              <p:nvPr>
+                <p:ph idx="1"/>
+              </p:nvPr>
+            </p:nvSpPr>
+            <p:spPr>
+              <a:blipFill>
+                <a:blip r:embed="rId2"/>
+                <a:stretch>
+                  <a:fillRect l="-1200" t="-1038" b="-8204"/>
+                </a:stretch>
+              </a:blipFill>
+            </p:spPr>
+            <p:txBody>
+              <a:bodyPr/>
+              <a:lstStyle/>
+              <a:p>
+                <a:r>
+                  <a:rPr lang="ja-JP" altLang="en-US">
+                    <a:noFill/>
+                  </a:rPr>
+                  <a:t> </a:t>
+                </a:r>
+              </a:p>
+            </p:txBody>
+          </p:sp>
+        </mc:Fallback>
+      </mc:AlternateContent>
+      <p:sp>
+        <p:nvSpPr>
+          <p:cNvPr id="3" name="スライド番号プレースホルダー 2">
+            <a:extLst>
+              <a:ext uri="{FF2B5EF4-FFF2-40B4-BE49-F238E27FC236}">
+                <a16:creationId xmlns:a16="http://schemas.microsoft.com/office/drawing/2014/main" id="{81A9A06A-0CFF-4F5E-91C3-45AF34810CF0}"/>
+              </a:ext>
+            </a:extLst>
+          </p:cNvPr>
+          <p:cNvSpPr>
+            <a:spLocks noGrp="1"/>
+          </p:cNvSpPr>
+          <p:nvPr>
+            <p:ph type="sldNum" sz="quarter" idx="12"/>
+          </p:nvPr>
+        </p:nvSpPr>
+        <p:spPr/>
+        <p:txBody>
+          <a:bodyPr/>
+          <a:lstStyle/>
+          <a:p>
+            <a:pPr>
+              <a:defRPr/>
+            </a:pPr>
+            <a:r>
+              <a:rPr lang="en-US" altLang="ja-JP"/>
+              <a:t>    </a:t>
+            </a:r>
+            <a:fld id="{B2782DEB-472A-4FE5-AC34-C17109CF5A91}" type="slidenum">
+              <a:rPr lang="en-US" altLang="ja-JP" smtClean="0"/>
+              <a:pPr>
+                <a:defRPr/>
+              </a:pPr>
+              <a:t>21</a:t>
+            </a:fld>
+            <a:r>
+              <a:rPr lang="en-US" altLang="ja-JP"/>
+              <a:t> / 24</a:t>
+            </a:r>
+          </a:p>
+        </p:txBody>
+      </p:sp>
+      <p:sp>
+        <p:nvSpPr>
+          <p:cNvPr id="4" name="タイトル 3">
+            <a:extLst>
+              <a:ext uri="{FF2B5EF4-FFF2-40B4-BE49-F238E27FC236}">
+                <a16:creationId xmlns:a16="http://schemas.microsoft.com/office/drawing/2014/main" id="{F019480B-B7F8-4183-9E9A-B19E6569E2DC}"/>
+              </a:ext>
+            </a:extLst>
+          </p:cNvPr>
+          <p:cNvSpPr>
+            <a:spLocks noGrp="1"/>
+          </p:cNvSpPr>
+          <p:nvPr>
+            <p:ph type="title"/>
+          </p:nvPr>
+        </p:nvSpPr>
+        <p:spPr/>
+        <p:txBody>
+          <a:bodyPr/>
+          <a:lstStyle/>
+          <a:p>
+            <a:r>
+              <a:rPr kumimoji="1" lang="ja-JP" altLang="en-US"/>
+              <a:t>パスワードの保存方法</a:t>
+            </a:r>
+          </a:p>
+        </p:txBody>
+      </p:sp>
+    </p:spTree>
+    <p:extLst>
+      <p:ext uri="{BB962C8B-B14F-4D97-AF65-F5344CB8AC3E}">
+        <p14:creationId xmlns:p14="http://schemas.microsoft.com/office/powerpoint/2010/main" val="3730457100"/>
+      </p:ext>
+    </p:extLst>
+  </p:cSld>
+  <p:clrMapOvr>
+    <a:masterClrMapping/>
+  </p:clrMapOvr>
+</p:sld>
+</file>
+
+<file path=ppt/slides/slide22.xml><?xml version="1.0" encoding="utf-8"?>
+<p:sld xmlns:a="http://schemas.openxmlformats.org/drawingml/2006/main" xmlns:r="http://schemas.openxmlformats.org/officeDocument/2006/relationships" xmlns:p="http://schemas.openxmlformats.org/presentationml/2006/main">
+  <p:cSld>
+    <p:spTree>
+      <p:nvGrpSpPr>
+        <p:cNvPr id="1" name=""/>
+        <p:cNvGrpSpPr/>
+        <p:nvPr/>
+      </p:nvGrpSpPr>
+      <p:grpSpPr>
+        <a:xfrm>
+          <a:off x="0" y="0"/>
+          <a:ext cx="0" cy="0"/>
+          <a:chOff x="0" y="0"/>
+          <a:chExt cx="0" cy="0"/>
+        </a:xfrm>
+      </p:grpSpPr>
+      <p:sp>
+        <p:nvSpPr>
+          <p:cNvPr id="2" name="コンテンツ プレースホルダー 1">
+            <a:extLst>
+              <a:ext uri="{FF2B5EF4-FFF2-40B4-BE49-F238E27FC236}">
+                <a16:creationId xmlns:a16="http://schemas.microsoft.com/office/drawing/2014/main" id="{3E21206D-9A66-46E8-B717-04C3C3B28D8A}"/>
+              </a:ext>
+            </a:extLst>
+          </p:cNvPr>
+          <p:cNvSpPr>
+            <a:spLocks noGrp="1"/>
+          </p:cNvSpPr>
+          <p:nvPr>
+            <p:ph idx="1"/>
+          </p:nvPr>
+        </p:nvSpPr>
+        <p:spPr/>
+        <p:txBody>
+          <a:bodyPr/>
+          <a:lstStyle/>
+          <a:p>
+            <a:r>
+              <a:rPr lang="en-US" altLang="ja-JP"/>
+              <a:t>PBKDF2</a:t>
+            </a:r>
+            <a:r>
+              <a:rPr lang="ja-JP" altLang="en-US"/>
+              <a:t>（</a:t>
+            </a:r>
+            <a:r>
+              <a:rPr lang="en-US" altLang="ja-JP"/>
+              <a:t>Password-Based Key Derivation Function 2</a:t>
+            </a:r>
+            <a:r>
+              <a:rPr lang="ja-JP" altLang="en-US"/>
+              <a:t>）</a:t>
+            </a:r>
+            <a:endParaRPr lang="en-US" altLang="ja-JP"/>
+          </a:p>
+          <a:p>
+            <a:pPr lvl="1"/>
+            <a:r>
+              <a:rPr kumimoji="1" lang="ja-JP" altLang="en-US"/>
+              <a:t>パスワードから安全な鍵を導出する方法</a:t>
+            </a:r>
+            <a:endParaRPr kumimoji="1" lang="en-US" altLang="ja-JP"/>
+          </a:p>
+          <a:p>
+            <a:pPr lvl="1"/>
+            <a:endParaRPr lang="en-US" altLang="ja-JP"/>
+          </a:p>
+          <a:p>
+            <a:pPr lvl="1"/>
+            <a:endParaRPr kumimoji="1" lang="en-US" altLang="ja-JP"/>
+          </a:p>
+          <a:p>
+            <a:pPr lvl="1"/>
+            <a:endParaRPr lang="en-US" altLang="ja-JP"/>
+          </a:p>
+          <a:p>
+            <a:pPr lvl="1"/>
+            <a:endParaRPr kumimoji="1" lang="en-US" altLang="ja-JP"/>
+          </a:p>
+          <a:p>
+            <a:pPr lvl="1"/>
+            <a:endParaRPr lang="en-US" altLang="ja-JP"/>
+          </a:p>
+          <a:p>
+            <a:pPr lvl="1"/>
+            <a:endParaRPr kumimoji="1" lang="en-US" altLang="ja-JP"/>
+          </a:p>
+          <a:p>
+            <a:pPr lvl="1"/>
+            <a:r>
+              <a:rPr lang="en-US" altLang="ja-JP"/>
+              <a:t>Microsoft Office</a:t>
+            </a:r>
+            <a:r>
+              <a:rPr lang="ja-JP" altLang="en-US"/>
+              <a:t>のファイル暗号化は</a:t>
+            </a:r>
+            <a:r>
+              <a:rPr lang="en-US" altLang="ja-JP"/>
+              <a:t>10</a:t>
+            </a:r>
+            <a:r>
+              <a:rPr lang="ja-JP" altLang="en-US"/>
+              <a:t>万回のストレッチング</a:t>
+            </a:r>
+            <a:endParaRPr lang="en-US" altLang="ja-JP"/>
+          </a:p>
+          <a:p>
+            <a:r>
+              <a:rPr kumimoji="1" lang="en-US" altLang="ja-JP"/>
+              <a:t>GPU</a:t>
+            </a:r>
+            <a:r>
+              <a:rPr kumimoji="1" lang="ja-JP" altLang="en-US"/>
+              <a:t>耐性のあるハッシュ関数</a:t>
+            </a:r>
+            <a:endParaRPr kumimoji="1" lang="en-US" altLang="ja-JP"/>
+          </a:p>
+          <a:p>
+            <a:pPr lvl="1"/>
+            <a:r>
+              <a:rPr lang="en-US" altLang="ja-JP"/>
+              <a:t>Argon2 ; 2015</a:t>
+            </a:r>
+            <a:r>
+              <a:rPr lang="ja-JP" altLang="en-US"/>
+              <a:t>年パスワードハッシュの競技会で優勝</a:t>
+            </a:r>
+            <a:endParaRPr kumimoji="1" lang="ja-JP" altLang="en-US"/>
+          </a:p>
+        </p:txBody>
+      </p:sp>
+      <p:sp>
+        <p:nvSpPr>
+          <p:cNvPr id="3" name="スライド番号プレースホルダー 2">
+            <a:extLst>
+              <a:ext uri="{FF2B5EF4-FFF2-40B4-BE49-F238E27FC236}">
+                <a16:creationId xmlns:a16="http://schemas.microsoft.com/office/drawing/2014/main" id="{F23CFA99-B7AE-40C1-B916-FB9BC526EB96}"/>
+              </a:ext>
+            </a:extLst>
+          </p:cNvPr>
+          <p:cNvSpPr>
+            <a:spLocks noGrp="1"/>
+          </p:cNvSpPr>
+          <p:nvPr>
+            <p:ph type="sldNum" sz="quarter" idx="12"/>
+          </p:nvPr>
+        </p:nvSpPr>
+        <p:spPr/>
+        <p:txBody>
+          <a:bodyPr/>
+          <a:lstStyle/>
+          <a:p>
+            <a:pPr>
+              <a:defRPr/>
+            </a:pPr>
+            <a:r>
+              <a:rPr lang="en-US" altLang="ja-JP"/>
+              <a:t>    </a:t>
+            </a:r>
+            <a:fld id="{B2782DEB-472A-4FE5-AC34-C17109CF5A91}" type="slidenum">
+              <a:rPr lang="en-US" altLang="ja-JP" smtClean="0"/>
+              <a:pPr>
+                <a:defRPr/>
+              </a:pPr>
+              <a:t>22</a:t>
+            </a:fld>
+            <a:r>
+              <a:rPr lang="en-US" altLang="ja-JP"/>
+              <a:t> / 24</a:t>
+            </a:r>
+          </a:p>
+        </p:txBody>
+      </p:sp>
+      <p:sp>
+        <p:nvSpPr>
+          <p:cNvPr id="4" name="タイトル 3">
+            <a:extLst>
+              <a:ext uri="{FF2B5EF4-FFF2-40B4-BE49-F238E27FC236}">
+                <a16:creationId xmlns:a16="http://schemas.microsoft.com/office/drawing/2014/main" id="{BFB181E5-9919-42F0-B5A4-AE68B3CE21EE}"/>
+              </a:ext>
+            </a:extLst>
+          </p:cNvPr>
+          <p:cNvSpPr>
+            <a:spLocks noGrp="1"/>
+          </p:cNvSpPr>
+          <p:nvPr>
+            <p:ph type="title"/>
+          </p:nvPr>
+        </p:nvSpPr>
+        <p:spPr/>
+        <p:txBody>
+          <a:bodyPr/>
+          <a:lstStyle/>
+          <a:p>
+            <a:r>
+              <a:rPr kumimoji="1" lang="ja-JP" altLang="en-US"/>
+              <a:t>パスワードベースの暗号化</a:t>
+            </a:r>
+          </a:p>
+        </p:txBody>
+      </p:sp>
+      <p:pic>
+        <p:nvPicPr>
+          <p:cNvPr id="6" name="図 5">
+            <a:extLst>
+              <a:ext uri="{FF2B5EF4-FFF2-40B4-BE49-F238E27FC236}">
+                <a16:creationId xmlns:a16="http://schemas.microsoft.com/office/drawing/2014/main" id="{689C4942-B5FF-4F93-A482-F5D1A7F6EE68}"/>
+              </a:ext>
+            </a:extLst>
+          </p:cNvPr>
+          <p:cNvPicPr>
+            <a:picLocks noChangeAspect="1"/>
+          </p:cNvPicPr>
+          <p:nvPr/>
+        </p:nvPicPr>
+        <p:blipFill>
+          <a:blip r:embed="rId2">
+            <a:extLst>
+              <a:ext uri="{28A0092B-C50C-407E-A947-70E740481C1C}">
+                <a14:useLocalDpi xmlns:a14="http://schemas.microsoft.com/office/drawing/2010/main" val="0"/>
+              </a:ext>
+            </a:extLst>
+          </a:blip>
+          <a:stretch>
+            <a:fillRect/>
+          </a:stretch>
+        </p:blipFill>
+        <p:spPr>
+          <a:xfrm>
+            <a:off x="395536" y="2060848"/>
+            <a:ext cx="7955167" cy="2088232"/>
+          </a:xfrm>
+          <a:prstGeom prst="rect">
+            <a:avLst/>
+          </a:prstGeom>
+        </p:spPr>
+      </p:pic>
+    </p:spTree>
+    <p:extLst>
+      <p:ext uri="{BB962C8B-B14F-4D97-AF65-F5344CB8AC3E}">
+        <p14:creationId xmlns:p14="http://schemas.microsoft.com/office/powerpoint/2010/main" val="1180961550"/>
+      </p:ext>
+    </p:extLst>
+  </p:cSld>
+  <p:clrMapOvr>
+    <a:masterClrMapping/>
+  </p:clrMapOvr>
+</p:sld>
+</file>
+
+<file path=ppt/slides/slide23.xml><?xml version="1.0" encoding="utf-8"?>
+<p:sld xmlns:a="http://schemas.openxmlformats.org/drawingml/2006/main" xmlns:r="http://schemas.openxmlformats.org/officeDocument/2006/relationships" xmlns:p="http://schemas.openxmlformats.org/presentationml/2006/main">
+  <p:cSld>
+    <p:spTree>
+      <p:nvGrpSpPr>
+        <p:cNvPr id="1" name=""/>
+        <p:cNvGrpSpPr/>
+        <p:nvPr/>
+      </p:nvGrpSpPr>
+      <p:grpSpPr>
+        <a:xfrm>
+          <a:off x="0" y="0"/>
+          <a:ext cx="0" cy="0"/>
+          <a:chOff x="0" y="0"/>
+          <a:chExt cx="0" cy="0"/>
+        </a:xfrm>
+      </p:grpSpPr>
+      <p:sp>
+        <p:nvSpPr>
+          <p:cNvPr id="2" name="コンテンツ プレースホルダー 1">
+            <a:extLst>
+              <a:ext uri="{FF2B5EF4-FFF2-40B4-BE49-F238E27FC236}">
+                <a16:creationId xmlns:a16="http://schemas.microsoft.com/office/drawing/2014/main" id="{781041CB-3F13-49DB-8431-6033589449D5}"/>
+              </a:ext>
+            </a:extLst>
+          </p:cNvPr>
+          <p:cNvSpPr>
+            <a:spLocks noGrp="1"/>
+          </p:cNvSpPr>
+          <p:nvPr>
+            <p:ph idx="1"/>
+          </p:nvPr>
+        </p:nvSpPr>
+        <p:spPr/>
+        <p:txBody>
+          <a:bodyPr/>
+          <a:lstStyle/>
+          <a:p>
+            <a:r>
+              <a:rPr kumimoji="1" lang="ja-JP" altLang="en-US"/>
+              <a:t>ハッシュ値のサイズ </a:t>
+            </a:r>
+            <a:r>
+              <a:rPr kumimoji="1" lang="en-US" altLang="ja-JP"/>
+              <a:t>: 224, 256, 384, 512</a:t>
+            </a:r>
+          </a:p>
+          <a:p>
+            <a:pPr lvl="1"/>
+            <a:r>
+              <a:rPr kumimoji="1" lang="en-US" altLang="ja-JP"/>
+              <a:t>SHA-256</a:t>
+            </a:r>
+            <a:r>
+              <a:rPr kumimoji="1" lang="ja-JP" altLang="en-US"/>
+              <a:t>がよく使われている</a:t>
+            </a:r>
+            <a:endParaRPr kumimoji="1" lang="en-US" altLang="ja-JP"/>
+          </a:p>
+          <a:p>
+            <a:pPr lvl="2"/>
+            <a:r>
+              <a:rPr lang="en-US" altLang="ja-JP"/>
+              <a:t>SHA-224/SHA-256 ; 32bit</a:t>
+            </a:r>
+          </a:p>
+          <a:p>
+            <a:pPr lvl="2"/>
+            <a:r>
+              <a:rPr kumimoji="1" lang="en-US" altLang="ja-JP"/>
+              <a:t>SHA-384/SHA-512 ; 64bi</a:t>
+            </a:r>
+            <a:r>
+              <a:rPr lang="en-US" altLang="ja-JP"/>
+              <a:t>t</a:t>
+            </a:r>
+          </a:p>
+          <a:p>
+            <a:r>
+              <a:rPr lang="en-US" altLang="ja-JP"/>
+              <a:t>SHA-256</a:t>
+            </a:r>
+          </a:p>
+          <a:p>
+            <a:pPr lvl="1"/>
+            <a:r>
+              <a:rPr kumimoji="1" lang="en-US" altLang="ja-JP"/>
+              <a:t>512bit</a:t>
+            </a:r>
+            <a:r>
+              <a:rPr kumimoji="1" lang="ja-JP" altLang="en-US"/>
+              <a:t>のブロックに分割</a:t>
+            </a:r>
+            <a:endParaRPr kumimoji="1" lang="en-US" altLang="ja-JP"/>
+          </a:p>
+        </p:txBody>
+      </p:sp>
+      <p:sp>
+        <p:nvSpPr>
+          <p:cNvPr id="3" name="スライド番号プレースホルダー 2">
+            <a:extLst>
+              <a:ext uri="{FF2B5EF4-FFF2-40B4-BE49-F238E27FC236}">
+                <a16:creationId xmlns:a16="http://schemas.microsoft.com/office/drawing/2014/main" id="{0EBE5A9D-DDE8-4B10-9EF6-38918BFC07D3}"/>
+              </a:ext>
+            </a:extLst>
+          </p:cNvPr>
+          <p:cNvSpPr>
+            <a:spLocks noGrp="1"/>
+          </p:cNvSpPr>
+          <p:nvPr>
+            <p:ph type="sldNum" sz="quarter" idx="12"/>
+          </p:nvPr>
+        </p:nvSpPr>
+        <p:spPr/>
+        <p:txBody>
+          <a:bodyPr/>
+          <a:lstStyle/>
+          <a:p>
+            <a:pPr>
+              <a:defRPr/>
+            </a:pPr>
+            <a:r>
+              <a:rPr lang="en-US" altLang="ja-JP"/>
+              <a:t>    </a:t>
+            </a:r>
+            <a:fld id="{B2782DEB-472A-4FE5-AC34-C17109CF5A91}" type="slidenum">
+              <a:rPr lang="en-US" altLang="ja-JP" smtClean="0"/>
+              <a:pPr>
+                <a:defRPr/>
+              </a:pPr>
+              <a:t>23</a:t>
+            </a:fld>
+            <a:r>
+              <a:rPr lang="en-US" altLang="ja-JP"/>
+              <a:t> / 24</a:t>
+            </a:r>
+          </a:p>
+        </p:txBody>
+      </p:sp>
+      <p:sp>
+        <p:nvSpPr>
+          <p:cNvPr id="4" name="タイトル 3">
+            <a:extLst>
+              <a:ext uri="{FF2B5EF4-FFF2-40B4-BE49-F238E27FC236}">
+                <a16:creationId xmlns:a16="http://schemas.microsoft.com/office/drawing/2014/main" id="{78489492-DB05-4050-8845-F3641EE06D4C}"/>
+              </a:ext>
+            </a:extLst>
+          </p:cNvPr>
+          <p:cNvSpPr>
+            <a:spLocks noGrp="1"/>
+          </p:cNvSpPr>
+          <p:nvPr>
+            <p:ph type="title"/>
+          </p:nvPr>
+        </p:nvSpPr>
+        <p:spPr/>
+        <p:txBody>
+          <a:bodyPr/>
+          <a:lstStyle/>
+          <a:p>
+            <a:r>
+              <a:rPr kumimoji="1" lang="en-US" altLang="ja-JP"/>
+              <a:t>SHA-2</a:t>
+            </a:r>
+            <a:endParaRPr kumimoji="1" lang="ja-JP" altLang="en-US"/>
+          </a:p>
+        </p:txBody>
+      </p:sp>
+      <p:pic>
+        <p:nvPicPr>
+          <p:cNvPr id="6" name="図 5">
+            <a:extLst>
+              <a:ext uri="{FF2B5EF4-FFF2-40B4-BE49-F238E27FC236}">
+                <a16:creationId xmlns:a16="http://schemas.microsoft.com/office/drawing/2014/main" id="{2F56F5BB-2826-4AC1-8413-26676D0ABF7D}"/>
+              </a:ext>
+            </a:extLst>
+          </p:cNvPr>
+          <p:cNvPicPr>
+            <a:picLocks noChangeAspect="1"/>
+          </p:cNvPicPr>
+          <p:nvPr/>
+        </p:nvPicPr>
+        <p:blipFill>
+          <a:blip r:embed="rId2">
+            <a:extLst>
+              <a:ext uri="{28A0092B-C50C-407E-A947-70E740481C1C}">
+                <a14:useLocalDpi xmlns:a14="http://schemas.microsoft.com/office/drawing/2010/main" val="0"/>
+              </a:ext>
+            </a:extLst>
+          </a:blip>
+          <a:stretch>
+            <a:fillRect/>
+          </a:stretch>
+        </p:blipFill>
+        <p:spPr>
+          <a:xfrm>
+            <a:off x="1835696" y="3580222"/>
+            <a:ext cx="5780686" cy="3240360"/>
+          </a:xfrm>
+          <a:prstGeom prst="rect">
+            <a:avLst/>
+          </a:prstGeom>
+        </p:spPr>
+      </p:pic>
+    </p:spTree>
+    <p:extLst>
+      <p:ext uri="{BB962C8B-B14F-4D97-AF65-F5344CB8AC3E}">
+        <p14:creationId xmlns:p14="http://schemas.microsoft.com/office/powerpoint/2010/main" val="648879034"/>
+      </p:ext>
+    </p:extLst>
+  </p:cSld>
+  <p:clrMapOvr>
+    <a:masterClrMapping/>
+  </p:clrMapOvr>
+</p:sld>
+</file>
+
+<file path=ppt/slides/slide24.xml><?xml version="1.0" encoding="utf-8"?>
+<p:sld xmlns:a="http://schemas.openxmlformats.org/drawingml/2006/main" xmlns:r="http://schemas.openxmlformats.org/officeDocument/2006/relationships" xmlns:p="http://schemas.openxmlformats.org/presentationml/2006/main">
+  <p:cSld>
+    <p:spTree>
+      <p:nvGrpSpPr>
+        <p:cNvPr id="1" name=""/>
+        <p:cNvGrpSpPr/>
+        <p:nvPr/>
+      </p:nvGrpSpPr>
+      <p:grpSpPr>
+        <a:xfrm>
+          <a:off x="0" y="0"/>
+          <a:ext cx="0" cy="0"/>
+          <a:chOff x="0" y="0"/>
+          <a:chExt cx="0" cy="0"/>
+        </a:xfrm>
+      </p:grpSpPr>
+      <mc:AlternateContent xmlns:mc="http://schemas.openxmlformats.org/markup-compatibility/2006">
+        <mc:Choice xmlns:a14="http://schemas.microsoft.com/office/drawing/2010/main" Requires="a14">
+          <p:sp>
+            <p:nvSpPr>
+              <p:cNvPr id="2" name="コンテンツ プレースホルダー 1">
+                <a:extLst>
+                  <a:ext uri="{FF2B5EF4-FFF2-40B4-BE49-F238E27FC236}">
+                    <a16:creationId xmlns:a16="http://schemas.microsoft.com/office/drawing/2014/main" id="{ABFA6EAD-D267-4D3B-A971-284C7A2D0DEA}"/>
+                  </a:ext>
+                </a:extLst>
+              </p:cNvPr>
+              <p:cNvSpPr>
+                <a:spLocks noGrp="1"/>
+              </p:cNvSpPr>
+              <p:nvPr>
+                <p:ph idx="1"/>
+              </p:nvPr>
+            </p:nvSpPr>
+            <p:spPr/>
+            <p:txBody>
+              <a:bodyPr/>
+              <a:lstStyle/>
+              <a:p>
+                <a:r>
+                  <a:rPr kumimoji="1" lang="en-US" altLang="ja-JP"/>
+                  <a:t>S : 32bit</a:t>
+                </a:r>
+                <a:r>
+                  <a:rPr kumimoji="1" lang="ja-JP" altLang="en-US"/>
+                  <a:t>整数</a:t>
+                </a:r>
+                <a:r>
+                  <a:rPr kumimoji="1" lang="en-US" altLang="ja-JP"/>
+                  <a:t>8</a:t>
+                </a:r>
+                <a:r>
+                  <a:rPr kumimoji="1" lang="ja-JP" altLang="en-US"/>
+                  <a:t>個</a:t>
+                </a:r>
+                <a:endParaRPr kumimoji="1" lang="en-US" altLang="ja-JP"/>
+              </a:p>
+              <a:p>
+                <a:r>
+                  <a:rPr lang="en-US" altLang="ja-JP"/>
+                  <a:t>S</a:t>
+                </a:r>
+                <a:r>
+                  <a:rPr lang="ja-JP" altLang="en-US"/>
+                  <a:t>を初期値</a:t>
+                </a:r>
+                <a:r>
+                  <a:rPr lang="en-US" altLang="ja-JP"/>
+                  <a:t>IV</a:t>
+                </a:r>
+                <a:r>
+                  <a:rPr lang="ja-JP" altLang="en-US"/>
+                  <a:t>から出発してブロック</a:t>
+                </a:r>
+                <a14:m>
+                  <m:oMath xmlns:m="http://schemas.openxmlformats.org/officeDocument/2006/math">
+                    <m:sSub>
+                      <m:sSubPr>
+                        <m:ctrlPr>
+                          <a:rPr lang="en-US" altLang="ja-JP" b="0" i="1" smtClean="0">
+                            <a:latin typeface="Cambria Math" panose="02040503050406030204" pitchFamily="18" charset="0"/>
+                          </a:rPr>
+                        </m:ctrlPr>
+                      </m:sSubPr>
+                      <m:e>
+                        <m:r>
+                          <a:rPr lang="en-US" altLang="ja-JP" b="0" i="1" smtClean="0">
+                            <a:latin typeface="Cambria Math" panose="02040503050406030204" pitchFamily="18" charset="0"/>
+                          </a:rPr>
+                          <m:t>𝐵</m:t>
+                        </m:r>
+                      </m:e>
+                      <m:sub>
+                        <m:r>
+                          <a:rPr lang="en-US" altLang="ja-JP" b="0" i="1" smtClean="0">
+                            <a:latin typeface="Cambria Math" panose="02040503050406030204" pitchFamily="18" charset="0"/>
+                          </a:rPr>
+                          <m:t>𝑖</m:t>
+                        </m:r>
+                      </m:sub>
+                    </m:sSub>
+                  </m:oMath>
+                </a14:m>
+                <a:r>
+                  <a:rPr kumimoji="1" lang="ja-JP" altLang="en-US"/>
+                  <a:t>を</a:t>
+                </a:r>
+                <a14:m>
+                  <m:oMath xmlns:m="http://schemas.openxmlformats.org/officeDocument/2006/math">
+                    <m:r>
+                      <a:rPr kumimoji="1" lang="en-US" altLang="ja-JP" b="0" i="1" smtClean="0">
+                        <a:latin typeface="Cambria Math" panose="02040503050406030204" pitchFamily="18" charset="0"/>
+                      </a:rPr>
+                      <m:t>𝑓</m:t>
+                    </m:r>
+                  </m:oMath>
+                </a14:m>
+                <a:r>
+                  <a:rPr kumimoji="1" lang="ja-JP" altLang="en-US"/>
+                  <a:t>で変換する</a:t>
+                </a:r>
+                <a:endParaRPr kumimoji="1" lang="en-US" altLang="ja-JP"/>
+              </a:p>
+              <a:p>
+                <a:pPr lvl="1"/>
+                <a14:m>
+                  <m:oMath xmlns:m="http://schemas.openxmlformats.org/officeDocument/2006/math">
+                    <m:r>
+                      <a:rPr kumimoji="1" lang="en-US" altLang="ja-JP" b="0" i="1" smtClean="0">
+                        <a:latin typeface="Cambria Math" panose="02040503050406030204" pitchFamily="18" charset="0"/>
+                      </a:rPr>
+                      <m:t>𝑓</m:t>
+                    </m:r>
+                  </m:oMath>
+                </a14:m>
+                <a:r>
+                  <a:rPr kumimoji="1" lang="ja-JP" altLang="en-US"/>
+                  <a:t>を圧縮関数という</a:t>
+                </a:r>
+                <a:endParaRPr kumimoji="1" lang="en-US" altLang="ja-JP"/>
+              </a:p>
+              <a:p>
+                <a:r>
+                  <a:rPr kumimoji="1" lang="ja-JP" altLang="en-US"/>
+                  <a:t>マークル・ダンガード</a:t>
+                </a:r>
+                <a:r>
+                  <a:rPr lang="ja-JP" altLang="en-US"/>
+                  <a:t>（</a:t>
+                </a:r>
+                <a:r>
+                  <a:rPr lang="en-US" altLang="ja-JP"/>
+                  <a:t>Merkle–Damgård</a:t>
+                </a:r>
+                <a:r>
+                  <a:rPr lang="ja-JP" altLang="en-US"/>
+                  <a:t>）</a:t>
+                </a:r>
+                <a:r>
+                  <a:rPr kumimoji="1" lang="ja-JP" altLang="en-US"/>
+                  <a:t>構成</a:t>
+                </a:r>
+              </a:p>
+            </p:txBody>
+          </p:sp>
+        </mc:Choice>
+        <mc:Fallback>
+          <p:sp>
+            <p:nvSpPr>
+              <p:cNvPr id="2" name="コンテンツ プレースホルダー 1">
+                <a:extLst>
+                  <a:ext uri="{FF2B5EF4-FFF2-40B4-BE49-F238E27FC236}">
+                    <a16:creationId xmlns:a16="http://schemas.microsoft.com/office/drawing/2014/main" id="{ABFA6EAD-D267-4D3B-A971-284C7A2D0DEA}"/>
+                  </a:ext>
+                </a:extLst>
+              </p:cNvPr>
+              <p:cNvSpPr>
+                <a:spLocks noGrp="1" noRot="1" noChangeAspect="1" noMove="1" noResize="1" noEditPoints="1" noAdjustHandles="1" noChangeArrowheads="1" noChangeShapeType="1" noTextEdit="1"/>
+              </p:cNvSpPr>
+              <p:nvPr>
+                <p:ph idx="1"/>
+              </p:nvPr>
+            </p:nvSpPr>
+            <p:spPr>
+              <a:blipFill>
+                <a:blip r:embed="rId2"/>
+                <a:stretch>
+                  <a:fillRect l="-1200" t="-1454"/>
+                </a:stretch>
+              </a:blipFill>
+            </p:spPr>
+            <p:txBody>
+              <a:bodyPr/>
+              <a:lstStyle/>
+              <a:p>
+                <a:r>
+                  <a:rPr lang="ja-JP" altLang="en-US">
+                    <a:noFill/>
+                  </a:rPr>
+                  <a:t> </a:t>
+                </a:r>
+              </a:p>
+            </p:txBody>
+          </p:sp>
+        </mc:Fallback>
+      </mc:AlternateContent>
+      <p:sp>
+        <p:nvSpPr>
+          <p:cNvPr id="3" name="スライド番号プレースホルダー 2">
+            <a:extLst>
+              <a:ext uri="{FF2B5EF4-FFF2-40B4-BE49-F238E27FC236}">
+                <a16:creationId xmlns:a16="http://schemas.microsoft.com/office/drawing/2014/main" id="{F7F5DFCD-EB27-47AF-AD99-8561CF0ABC7D}"/>
+              </a:ext>
+            </a:extLst>
+          </p:cNvPr>
+          <p:cNvSpPr>
+            <a:spLocks noGrp="1"/>
+          </p:cNvSpPr>
+          <p:nvPr>
+            <p:ph type="sldNum" sz="quarter" idx="12"/>
+          </p:nvPr>
+        </p:nvSpPr>
+        <p:spPr/>
+        <p:txBody>
+          <a:bodyPr/>
+          <a:lstStyle/>
+          <a:p>
+            <a:pPr>
+              <a:defRPr/>
+            </a:pPr>
+            <a:r>
+              <a:rPr lang="en-US" altLang="ja-JP"/>
+              <a:t>    </a:t>
+            </a:r>
+            <a:fld id="{B2782DEB-472A-4FE5-AC34-C17109CF5A91}" type="slidenum">
+              <a:rPr lang="en-US" altLang="ja-JP" smtClean="0"/>
+              <a:pPr>
+                <a:defRPr/>
+              </a:pPr>
+              <a:t>24</a:t>
+            </a:fld>
+            <a:r>
+              <a:rPr lang="en-US" altLang="ja-JP"/>
+              <a:t> / 24</a:t>
+            </a:r>
+          </a:p>
+        </p:txBody>
+      </p:sp>
+      <p:sp>
+        <p:nvSpPr>
+          <p:cNvPr id="4" name="タイトル 3">
+            <a:extLst>
+              <a:ext uri="{FF2B5EF4-FFF2-40B4-BE49-F238E27FC236}">
+                <a16:creationId xmlns:a16="http://schemas.microsoft.com/office/drawing/2014/main" id="{502B63AE-E6CB-483D-AD4E-926CB9A94EC3}"/>
+              </a:ext>
+            </a:extLst>
+          </p:cNvPr>
+          <p:cNvSpPr>
+            <a:spLocks noGrp="1"/>
+          </p:cNvSpPr>
+          <p:nvPr>
+            <p:ph type="title"/>
+          </p:nvPr>
+        </p:nvSpPr>
+        <p:spPr/>
+        <p:txBody>
+          <a:bodyPr/>
+          <a:lstStyle/>
+          <a:p>
+            <a:r>
+              <a:rPr kumimoji="1" lang="en-US" altLang="ja-JP"/>
+              <a:t>SHA-256</a:t>
+            </a:r>
+            <a:r>
+              <a:rPr kumimoji="1" lang="ja-JP" altLang="en-US"/>
+              <a:t>の内部状態</a:t>
+            </a:r>
+            <a:r>
+              <a:rPr kumimoji="1" lang="en-US" altLang="ja-JP"/>
+              <a:t>S</a:t>
+            </a:r>
+            <a:endParaRPr kumimoji="1" lang="ja-JP" altLang="en-US"/>
+          </a:p>
+        </p:txBody>
+      </p:sp>
+      <p:pic>
+        <p:nvPicPr>
+          <p:cNvPr id="6" name="図 5">
+            <a:extLst>
+              <a:ext uri="{FF2B5EF4-FFF2-40B4-BE49-F238E27FC236}">
+                <a16:creationId xmlns:a16="http://schemas.microsoft.com/office/drawing/2014/main" id="{C14F223E-B1EF-4B27-874B-4DD29D0F3A2C}"/>
+              </a:ext>
+            </a:extLst>
+          </p:cNvPr>
+          <p:cNvPicPr>
+            <a:picLocks noChangeAspect="1"/>
+          </p:cNvPicPr>
+          <p:nvPr/>
+        </p:nvPicPr>
+        <p:blipFill>
+          <a:blip r:embed="rId3">
+            <a:extLst>
+              <a:ext uri="{28A0092B-C50C-407E-A947-70E740481C1C}">
+                <a14:useLocalDpi xmlns:a14="http://schemas.microsoft.com/office/drawing/2010/main" val="0"/>
+              </a:ext>
+            </a:extLst>
+          </a:blip>
+          <a:stretch>
+            <a:fillRect/>
+          </a:stretch>
+        </p:blipFill>
+        <p:spPr>
+          <a:xfrm>
+            <a:off x="539552" y="2900492"/>
+            <a:ext cx="7920880" cy="3480836"/>
+          </a:xfrm>
+          <a:prstGeom prst="rect">
+            <a:avLst/>
+          </a:prstGeom>
+        </p:spPr>
+      </p:pic>
+    </p:spTree>
+    <p:extLst>
+      <p:ext uri="{BB962C8B-B14F-4D97-AF65-F5344CB8AC3E}">
+        <p14:creationId xmlns:p14="http://schemas.microsoft.com/office/powerpoint/2010/main" val="2441804171"/>
+      </p:ext>
+    </p:extLst>
+  </p:cSld>
+  <p:clrMapOvr>
+    <a:masterClrMapping/>
+  </p:clrMapOvr>
+</p:sld>
+</file>
+
+<file path=ppt/slides/slide25.xml><?xml version="1.0" encoding="utf-8"?>
+<p:sld xmlns:a="http://schemas.openxmlformats.org/drawingml/2006/main" xmlns:r="http://schemas.openxmlformats.org/officeDocument/2006/relationships" xmlns:p="http://schemas.openxmlformats.org/presentationml/2006/main">
+  <p:cSld>
+    <p:spTree>
+      <p:nvGrpSpPr>
+        <p:cNvPr id="1" name=""/>
+        <p:cNvGrpSpPr/>
+        <p:nvPr/>
+      </p:nvGrpSpPr>
+      <p:grpSpPr>
+        <a:xfrm>
+          <a:off x="0" y="0"/>
+          <a:ext cx="0" cy="0"/>
+          <a:chOff x="0" y="0"/>
+          <a:chExt cx="0" cy="0"/>
+        </a:xfrm>
+      </p:grpSpPr>
+      <mc:AlternateContent xmlns:mc="http://schemas.openxmlformats.org/markup-compatibility/2006">
+        <mc:Choice xmlns:a14="http://schemas.microsoft.com/office/drawing/2010/main" Requires="a14">
+          <p:sp>
+            <p:nvSpPr>
+              <p:cNvPr id="2" name="コンテンツ プレースホルダー 1">
+                <a:extLst>
+                  <a:ext uri="{FF2B5EF4-FFF2-40B4-BE49-F238E27FC236}">
+                    <a16:creationId xmlns:a16="http://schemas.microsoft.com/office/drawing/2014/main" id="{46A8C7C8-E48D-4D49-908F-AC83E6AB62BA}"/>
+                  </a:ext>
+                </a:extLst>
+              </p:cNvPr>
+              <p:cNvSpPr>
+                <a:spLocks noGrp="1"/>
+              </p:cNvSpPr>
+              <p:nvPr>
+                <p:ph idx="1"/>
+              </p:nvPr>
+            </p:nvSpPr>
+            <p:spPr/>
+            <p:txBody>
+              <a:bodyPr/>
+              <a:lstStyle/>
+              <a:p>
+                <a:r>
+                  <a:rPr kumimoji="1" lang="en-US" altLang="ja-JP"/>
+                  <a:t>512bit</a:t>
+                </a:r>
+                <a:r>
+                  <a:rPr kumimoji="1" lang="ja-JP" altLang="en-US"/>
+                  <a:t>のブロックを</a:t>
+                </a:r>
+                <a:r>
+                  <a:rPr kumimoji="1" lang="en-US" altLang="ja-JP"/>
+                  <a:t>32bit</a:t>
+                </a:r>
+                <a:r>
+                  <a:rPr kumimoji="1" lang="ja-JP" altLang="en-US"/>
+                  <a:t>整数</a:t>
+                </a:r>
+                <a:r>
+                  <a:rPr kumimoji="1" lang="en-US" altLang="ja-JP"/>
+                  <a:t>16</a:t>
+                </a:r>
+                <a:r>
+                  <a:rPr kumimoji="1" lang="ja-JP" altLang="en-US"/>
+                  <a:t>個に分割</a:t>
+                </a:r>
+                <a:endParaRPr kumimoji="1" lang="en-US" altLang="ja-JP"/>
+              </a:p>
+              <a:p>
+                <a:pPr lvl="1"/>
+                <a:r>
+                  <a:rPr kumimoji="1" lang="ja-JP" altLang="en-US"/>
+                  <a:t>各種ビット演算を組み合わせて</a:t>
+                </a:r>
+                <a:r>
+                  <a:rPr lang="en-US" altLang="ja-JP"/>
+                  <a:t>32ibt</a:t>
+                </a:r>
+                <a:r>
+                  <a:rPr lang="ja-JP" altLang="en-US"/>
+                  <a:t>整数</a:t>
+                </a:r>
+                <a:r>
+                  <a:rPr lang="en-US" altLang="ja-JP"/>
+                  <a:t>64</a:t>
+                </a:r>
+                <a:r>
+                  <a:rPr lang="ja-JP" altLang="en-US"/>
+                  <a:t>個</a:t>
+                </a:r>
+                <a14:m>
+                  <m:oMath xmlns:m="http://schemas.openxmlformats.org/officeDocument/2006/math">
+                    <m:r>
+                      <a:rPr lang="en-US" altLang="ja-JP" b="0" i="1" smtClean="0">
+                        <a:latin typeface="Cambria Math" panose="02040503050406030204" pitchFamily="18" charset="0"/>
+                      </a:rPr>
+                      <m:t>𝑊</m:t>
+                    </m:r>
+                  </m:oMath>
+                </a14:m>
+                <a:r>
+                  <a:rPr lang="ja-JP" altLang="en-US"/>
+                  <a:t>に増やす</a:t>
+                </a:r>
+                <a:endParaRPr lang="en-US" altLang="ja-JP"/>
+              </a:p>
+              <a:p>
+                <a:pPr lvl="1"/>
+                <a14:m>
+                  <m:oMath xmlns:m="http://schemas.openxmlformats.org/officeDocument/2006/math">
+                    <m:r>
+                      <a:rPr kumimoji="1" lang="en-US" altLang="ja-JP" b="0" i="1" smtClean="0">
+                        <a:latin typeface="Cambria Math" panose="02040503050406030204" pitchFamily="18" charset="0"/>
+                      </a:rPr>
+                      <m:t>𝑊</m:t>
+                    </m:r>
+                  </m:oMath>
+                </a14:m>
+                <a:r>
+                  <a:rPr kumimoji="1" lang="ja-JP" altLang="en-US"/>
+                  <a:t>と内部状態</a:t>
+                </a:r>
+                <a14:m>
+                  <m:oMath xmlns:m="http://schemas.openxmlformats.org/officeDocument/2006/math">
+                    <m:r>
+                      <a:rPr kumimoji="1" lang="en-US" altLang="ja-JP" b="0" i="1" smtClean="0">
+                        <a:latin typeface="Cambria Math" panose="02040503050406030204" pitchFamily="18" charset="0"/>
+                      </a:rPr>
+                      <m:t>𝑆</m:t>
+                    </m:r>
+                  </m:oMath>
+                </a14:m>
+                <a:r>
+                  <a:rPr kumimoji="1" lang="ja-JP" altLang="en-US"/>
+                  <a:t>から新たな内部状態</a:t>
+                </a:r>
+                <a14:m>
+                  <m:oMath xmlns:m="http://schemas.openxmlformats.org/officeDocument/2006/math">
+                    <m:r>
+                      <a:rPr kumimoji="1" lang="en-US" altLang="ja-JP" b="0" i="1" smtClean="0">
+                        <a:latin typeface="Cambria Math" panose="02040503050406030204" pitchFamily="18" charset="0"/>
+                      </a:rPr>
+                      <m:t>𝑆</m:t>
+                    </m:r>
+                    <m:r>
+                      <a:rPr kumimoji="1" lang="en-US" altLang="ja-JP" b="0" i="1" smtClean="0">
+                        <a:latin typeface="Cambria Math" panose="02040503050406030204" pitchFamily="18" charset="0"/>
+                      </a:rPr>
+                      <m:t>′</m:t>
+                    </m:r>
+                  </m:oMath>
+                </a14:m>
+                <a:r>
+                  <a:rPr kumimoji="1" lang="ja-JP" altLang="en-US"/>
+                  <a:t>を出力する</a:t>
+                </a:r>
+                <a:endParaRPr kumimoji="1" lang="en-US" altLang="ja-JP"/>
+              </a:p>
+              <a:p>
+                <a:pPr lvl="1"/>
+                <a:endParaRPr lang="en-US" altLang="ja-JP"/>
+              </a:p>
+              <a:p>
+                <a:pPr lvl="1"/>
+                <a:endParaRPr kumimoji="1" lang="en-US" altLang="ja-JP"/>
+              </a:p>
+              <a:p>
+                <a:pPr lvl="1"/>
+                <a:endParaRPr lang="en-US" altLang="ja-JP"/>
+              </a:p>
+              <a:p>
+                <a:pPr lvl="1"/>
+                <a:endParaRPr kumimoji="1" lang="en-US" altLang="ja-JP"/>
+              </a:p>
+              <a:p>
+                <a:pPr lvl="1"/>
+                <a:endParaRPr lang="en-US" altLang="ja-JP"/>
+              </a:p>
+              <a:p>
+                <a:pPr lvl="1"/>
+                <a:endParaRPr kumimoji="1" lang="en-US" altLang="ja-JP"/>
+              </a:p>
+              <a:p>
+                <a:pPr lvl="1"/>
+                <a:endParaRPr lang="en-US" altLang="ja-JP"/>
+              </a:p>
+              <a:p>
+                <a:r>
+                  <a:rPr kumimoji="1" lang="en-US" altLang="ja-JP"/>
+                  <a:t>SHA-512</a:t>
+                </a:r>
+              </a:p>
+              <a:p>
+                <a:pPr lvl="1"/>
+                <a:r>
+                  <a:rPr lang="ja-JP" altLang="en-US"/>
+                  <a:t>内部状態 </a:t>
+                </a:r>
+                <a:r>
+                  <a:rPr lang="en-US" altLang="ja-JP"/>
+                  <a:t>: 64bit</a:t>
+                </a:r>
+                <a:r>
+                  <a:rPr lang="ja-JP" altLang="en-US"/>
+                  <a:t>整数</a:t>
+                </a:r>
+                <a:r>
+                  <a:rPr lang="en-US" altLang="ja-JP"/>
+                  <a:t>8</a:t>
+                </a:r>
+                <a:r>
+                  <a:rPr lang="ja-JP" altLang="en-US"/>
+                  <a:t>個</a:t>
+                </a:r>
+                <a:endParaRPr lang="en-US" altLang="ja-JP"/>
+              </a:p>
+              <a:p>
+                <a:pPr lvl="1"/>
+                <a:r>
+                  <a:rPr kumimoji="1" lang="ja-JP" altLang="en-US"/>
+                  <a:t>繰り返し回数は</a:t>
+                </a:r>
+                <a:r>
+                  <a:rPr kumimoji="1" lang="en-US" altLang="ja-JP"/>
+                  <a:t>80</a:t>
+                </a:r>
+                <a:r>
+                  <a:rPr kumimoji="1" lang="ja-JP" altLang="en-US"/>
+                  <a:t>回</a:t>
+                </a:r>
+                <a:r>
+                  <a:rPr lang="en-US" altLang="ja-JP"/>
+                  <a:t>(32bit</a:t>
+                </a:r>
+                <a:r>
+                  <a:rPr lang="ja-JP" altLang="en-US"/>
+                  <a:t>あたり</a:t>
+                </a:r>
+                <a:r>
+                  <a:rPr lang="en-US" altLang="ja-JP"/>
+                  <a:t>80/2=40&lt;64)</a:t>
+                </a:r>
+                <a:endParaRPr kumimoji="1" lang="ja-JP" altLang="en-US"/>
+              </a:p>
+            </p:txBody>
+          </p:sp>
+        </mc:Choice>
+        <mc:Fallback>
+          <p:sp>
+            <p:nvSpPr>
+              <p:cNvPr id="2" name="コンテンツ プレースホルダー 1">
+                <a:extLst>
+                  <a:ext uri="{FF2B5EF4-FFF2-40B4-BE49-F238E27FC236}">
+                    <a16:creationId xmlns:a16="http://schemas.microsoft.com/office/drawing/2014/main" id="{46A8C7C8-E48D-4D49-908F-AC83E6AB62BA}"/>
+                  </a:ext>
+                </a:extLst>
+              </p:cNvPr>
+              <p:cNvSpPr>
+                <a:spLocks noGrp="1" noRot="1" noChangeAspect="1" noMove="1" noResize="1" noEditPoints="1" noAdjustHandles="1" noChangeArrowheads="1" noChangeShapeType="1" noTextEdit="1"/>
+              </p:cNvSpPr>
+              <p:nvPr>
+                <p:ph idx="1"/>
+              </p:nvPr>
+            </p:nvSpPr>
+            <p:spPr>
+              <a:blipFill>
+                <a:blip r:embed="rId2"/>
+                <a:stretch>
+                  <a:fillRect l="-1200" t="-1454" b="-4673"/>
+                </a:stretch>
+              </a:blipFill>
+            </p:spPr>
+            <p:txBody>
+              <a:bodyPr/>
+              <a:lstStyle/>
+              <a:p>
+                <a:r>
+                  <a:rPr lang="ja-JP" altLang="en-US">
+                    <a:noFill/>
+                  </a:rPr>
+                  <a:t> </a:t>
+                </a:r>
+              </a:p>
+            </p:txBody>
+          </p:sp>
+        </mc:Fallback>
+      </mc:AlternateContent>
+      <p:sp>
+        <p:nvSpPr>
+          <p:cNvPr id="3" name="スライド番号プレースホルダー 2">
+            <a:extLst>
+              <a:ext uri="{FF2B5EF4-FFF2-40B4-BE49-F238E27FC236}">
+                <a16:creationId xmlns:a16="http://schemas.microsoft.com/office/drawing/2014/main" id="{2D904B7E-D5CB-46DE-AD01-9832AB090C11}"/>
+              </a:ext>
+            </a:extLst>
+          </p:cNvPr>
+          <p:cNvSpPr>
+            <a:spLocks noGrp="1"/>
+          </p:cNvSpPr>
+          <p:nvPr>
+            <p:ph type="sldNum" sz="quarter" idx="12"/>
+          </p:nvPr>
+        </p:nvSpPr>
+        <p:spPr/>
+        <p:txBody>
+          <a:bodyPr/>
+          <a:lstStyle/>
+          <a:p>
+            <a:pPr>
+              <a:defRPr/>
+            </a:pPr>
+            <a:r>
+              <a:rPr lang="en-US" altLang="ja-JP"/>
+              <a:t>    </a:t>
+            </a:r>
+            <a:fld id="{B2782DEB-472A-4FE5-AC34-C17109CF5A91}" type="slidenum">
+              <a:rPr lang="en-US" altLang="ja-JP" smtClean="0"/>
+              <a:pPr>
+                <a:defRPr/>
+              </a:pPr>
+              <a:t>25</a:t>
+            </a:fld>
+            <a:r>
+              <a:rPr lang="en-US" altLang="ja-JP"/>
+              <a:t> / 24</a:t>
+            </a:r>
+          </a:p>
+        </p:txBody>
+      </p:sp>
+      <mc:AlternateContent xmlns:mc="http://schemas.openxmlformats.org/markup-compatibility/2006">
+        <mc:Choice xmlns:a14="http://schemas.microsoft.com/office/drawing/2010/main" Requires="a14">
+          <p:sp>
+            <p:nvSpPr>
+              <p:cNvPr id="4" name="タイトル 3">
+                <a:extLst>
+                  <a:ext uri="{FF2B5EF4-FFF2-40B4-BE49-F238E27FC236}">
+                    <a16:creationId xmlns:a16="http://schemas.microsoft.com/office/drawing/2014/main" id="{8C87C4B3-68B9-42C2-B2F8-07E4659344A5}"/>
+                  </a:ext>
+                </a:extLst>
+              </p:cNvPr>
+              <p:cNvSpPr>
+                <a:spLocks noGrp="1"/>
+              </p:cNvSpPr>
+              <p:nvPr>
+                <p:ph type="title"/>
+              </p:nvPr>
+            </p:nvSpPr>
+            <p:spPr/>
+            <p:txBody>
+              <a:bodyPr/>
+              <a:lstStyle/>
+              <a:p>
+                <a:r>
+                  <a:rPr kumimoji="1" lang="en-US" altLang="ja-JP"/>
+                  <a:t>SHA-256</a:t>
+                </a:r>
+                <a:r>
+                  <a:rPr kumimoji="1" lang="ja-JP" altLang="en-US"/>
+                  <a:t>の圧縮関数</a:t>
+                </a:r>
+                <a14:m>
+                  <m:oMath xmlns:m="http://schemas.openxmlformats.org/officeDocument/2006/math">
+                    <m:r>
+                      <a:rPr kumimoji="1" lang="en-US" altLang="ja-JP" b="0" i="1" smtClean="0">
+                        <a:latin typeface="Cambria Math" panose="02040503050406030204" pitchFamily="18" charset="0"/>
+                      </a:rPr>
+                      <m:t>𝑓</m:t>
+                    </m:r>
+                  </m:oMath>
+                </a14:m>
+                <a:r>
+                  <a:rPr kumimoji="1" lang="ja-JP" altLang="en-US"/>
+                  <a:t>の概要</a:t>
+                </a:r>
+              </a:p>
+            </p:txBody>
+          </p:sp>
+        </mc:Choice>
+        <mc:Fallback>
+          <p:sp>
+            <p:nvSpPr>
+              <p:cNvPr id="4" name="タイトル 3">
+                <a:extLst>
+                  <a:ext uri="{FF2B5EF4-FFF2-40B4-BE49-F238E27FC236}">
+                    <a16:creationId xmlns:a16="http://schemas.microsoft.com/office/drawing/2014/main" id="{8C87C4B3-68B9-42C2-B2F8-07E4659344A5}"/>
+                  </a:ext>
+                </a:extLst>
+              </p:cNvPr>
+              <p:cNvSpPr>
+                <a:spLocks noGrp="1" noRot="1" noChangeAspect="1" noMove="1" noResize="1" noEditPoints="1" noAdjustHandles="1" noChangeArrowheads="1" noChangeShapeType="1" noTextEdit="1"/>
+              </p:cNvSpPr>
+              <p:nvPr>
+                <p:ph type="title"/>
+              </p:nvPr>
+            </p:nvSpPr>
+            <p:spPr>
+              <a:blipFill>
+                <a:blip r:embed="rId3"/>
+                <a:stretch>
+                  <a:fillRect l="-1669" t="-17978" b="-44944"/>
+                </a:stretch>
+              </a:blipFill>
+            </p:spPr>
+            <p:txBody>
+              <a:bodyPr/>
+              <a:lstStyle/>
+              <a:p>
+                <a:r>
+                  <a:rPr lang="ja-JP" altLang="en-US">
+                    <a:noFill/>
+                  </a:rPr>
+                  <a:t> </a:t>
+                </a:r>
+              </a:p>
+            </p:txBody>
+          </p:sp>
+        </mc:Fallback>
+      </mc:AlternateContent>
+      <p:pic>
+        <p:nvPicPr>
+          <p:cNvPr id="6" name="図 5">
+            <a:extLst>
+              <a:ext uri="{FF2B5EF4-FFF2-40B4-BE49-F238E27FC236}">
+                <a16:creationId xmlns:a16="http://schemas.microsoft.com/office/drawing/2014/main" id="{3ECB012B-E107-406A-AC14-3C384BFA8CC8}"/>
+              </a:ext>
+            </a:extLst>
+          </p:cNvPr>
+          <p:cNvPicPr>
+            <a:picLocks noChangeAspect="1"/>
+          </p:cNvPicPr>
+          <p:nvPr/>
+        </p:nvPicPr>
+        <p:blipFill>
+          <a:blip r:embed="rId4">
+            <a:extLst>
+              <a:ext uri="{28A0092B-C50C-407E-A947-70E740481C1C}">
+                <a14:useLocalDpi xmlns:a14="http://schemas.microsoft.com/office/drawing/2010/main" val="0"/>
+              </a:ext>
+            </a:extLst>
+          </a:blip>
+          <a:stretch>
+            <a:fillRect/>
+          </a:stretch>
+        </p:blipFill>
+        <p:spPr>
+          <a:xfrm>
+            <a:off x="1014979" y="2276872"/>
+            <a:ext cx="7114042" cy="2952328"/>
+          </a:xfrm>
+          <a:prstGeom prst="rect">
+            <a:avLst/>
+          </a:prstGeom>
+        </p:spPr>
+      </p:pic>
+    </p:spTree>
+    <p:extLst>
+      <p:ext uri="{BB962C8B-B14F-4D97-AF65-F5344CB8AC3E}">
+        <p14:creationId xmlns:p14="http://schemas.microsoft.com/office/powerpoint/2010/main" val="2172962467"/>
+      </p:ext>
+    </p:extLst>
+  </p:cSld>
+  <p:clrMapOvr>
+    <a:masterClrMapping/>
+  </p:clrMapOvr>
+</p:sld>
+</file>
+
+<file path=ppt/slides/slide26.xml><?xml version="1.0" encoding="utf-8"?>
+<p:sld xmlns:a="http://schemas.openxmlformats.org/drawingml/2006/main" xmlns:r="http://schemas.openxmlformats.org/officeDocument/2006/relationships" xmlns:p="http://schemas.openxmlformats.org/presentationml/2006/main">
+  <p:cSld>
+    <p:spTree>
+      <p:nvGrpSpPr>
+        <p:cNvPr id="1" name=""/>
+        <p:cNvGrpSpPr/>
+        <p:nvPr/>
+      </p:nvGrpSpPr>
+      <p:grpSpPr>
+        <a:xfrm>
+          <a:off x="0" y="0"/>
+          <a:ext cx="0" cy="0"/>
+          <a:chOff x="0" y="0"/>
+          <a:chExt cx="0" cy="0"/>
+        </a:xfrm>
+      </p:grpSpPr>
+      <mc:AlternateContent xmlns:mc="http://schemas.openxmlformats.org/markup-compatibility/2006">
+        <mc:Choice xmlns:a14="http://schemas.microsoft.com/office/drawing/2010/main" Requires="a14">
+          <p:sp>
+            <p:nvSpPr>
+              <p:cNvPr id="2" name="コンテンツ プレースホルダー 1">
+                <a:extLst>
+                  <a:ext uri="{FF2B5EF4-FFF2-40B4-BE49-F238E27FC236}">
+                    <a16:creationId xmlns:a16="http://schemas.microsoft.com/office/drawing/2014/main" id="{2AE8B58C-246A-4D73-ADC5-490BB484BC55}"/>
+                  </a:ext>
+                </a:extLst>
+              </p:cNvPr>
+              <p:cNvSpPr>
+                <a:spLocks noGrp="1"/>
+              </p:cNvSpPr>
+              <p:nvPr>
+                <p:ph idx="1"/>
+              </p:nvPr>
+            </p:nvSpPr>
+            <p:spPr/>
+            <p:txBody>
+              <a:bodyPr/>
+              <a:lstStyle/>
+              <a:p>
+                <a:r>
+                  <a:rPr kumimoji="1" lang="en-US" altLang="ja-JP"/>
+                  <a:t>SHA-2</a:t>
+                </a:r>
+                <a:r>
+                  <a:rPr kumimoji="1" lang="ja-JP" altLang="en-US"/>
+                  <a:t>に変わる新しいハッシュ関数</a:t>
+                </a:r>
+                <a:r>
+                  <a:rPr kumimoji="1" lang="en-US" altLang="ja-JP"/>
+                  <a:t>(Keccak)</a:t>
+                </a:r>
+              </a:p>
+              <a:p>
+                <a:r>
+                  <a:rPr lang="en-US" altLang="ja-JP"/>
+                  <a:t>MD</a:t>
+                </a:r>
+                <a:r>
+                  <a:rPr lang="ja-JP" altLang="en-US"/>
+                  <a:t>構成ではなくスポンジ構造</a:t>
+                </a:r>
+                <a:r>
+                  <a:rPr lang="en-US" altLang="ja-JP"/>
+                  <a:t>(=</a:t>
+                </a:r>
+                <a:r>
+                  <a:rPr lang="ja-JP" altLang="en-US"/>
+                  <a:t>吸収</a:t>
+                </a:r>
+                <a:r>
+                  <a:rPr lang="en-US" altLang="ja-JP"/>
+                  <a:t>+</a:t>
+                </a:r>
+                <a:r>
+                  <a:rPr lang="ja-JP" altLang="en-US"/>
+                  <a:t>搾取</a:t>
+                </a:r>
+                <a:r>
+                  <a:rPr lang="en-US" altLang="ja-JP"/>
+                  <a:t>)</a:t>
+                </a:r>
+              </a:p>
+              <a:p>
+                <a:r>
+                  <a:rPr kumimoji="1" lang="ja-JP" altLang="en-US"/>
+                  <a:t>分割とパディング</a:t>
+                </a:r>
+                <a:endParaRPr kumimoji="1" lang="en-US" altLang="ja-JP"/>
+              </a:p>
+              <a:p>
+                <a:pPr lvl="1"/>
+                <a:r>
+                  <a:rPr kumimoji="1" lang="ja-JP" altLang="en-US"/>
+                  <a:t>内部状態</a:t>
+                </a:r>
+                <a:r>
+                  <a:rPr kumimoji="1" lang="en-US" altLang="ja-JP"/>
+                  <a:t>S</a:t>
+                </a:r>
+                <a:r>
+                  <a:rPr kumimoji="1" lang="ja-JP" altLang="en-US"/>
+                  <a:t>は</a:t>
+                </a:r>
+                <a:r>
+                  <a:rPr kumimoji="1" lang="en-US" altLang="ja-JP"/>
+                  <a:t>1600bit</a:t>
+                </a:r>
+              </a:p>
+              <a:p>
+                <a:pPr lvl="1"/>
+                <a:r>
+                  <a:rPr lang="en-US" altLang="ja-JP"/>
+                  <a:t>SHA-3-256</a:t>
+                </a:r>
+                <a:r>
+                  <a:rPr lang="ja-JP" altLang="en-US"/>
+                  <a:t>は</a:t>
+                </a:r>
+                <a14:m>
+                  <m:oMath xmlns:m="http://schemas.openxmlformats.org/officeDocument/2006/math">
+                    <m:r>
+                      <a:rPr lang="en-US" altLang="ja-JP" b="0" i="1" smtClean="0">
+                        <a:latin typeface="Cambria Math" panose="02040503050406030204" pitchFamily="18" charset="0"/>
+                      </a:rPr>
+                      <m:t>1088(=1600−256×2)</m:t>
+                    </m:r>
+                  </m:oMath>
+                </a14:m>
+                <a:r>
+                  <a:rPr kumimoji="1" lang="en-US" altLang="ja-JP"/>
+                  <a:t>bit</a:t>
+                </a:r>
+                <a:r>
+                  <a:rPr kumimoji="1" lang="ja-JP" altLang="en-US"/>
+                  <a:t>のブロックに分割</a:t>
+                </a:r>
+              </a:p>
+            </p:txBody>
+          </p:sp>
+        </mc:Choice>
+        <mc:Fallback>
+          <p:sp>
+            <p:nvSpPr>
+              <p:cNvPr id="2" name="コンテンツ プレースホルダー 1">
+                <a:extLst>
+                  <a:ext uri="{FF2B5EF4-FFF2-40B4-BE49-F238E27FC236}">
+                    <a16:creationId xmlns:a16="http://schemas.microsoft.com/office/drawing/2014/main" id="{2AE8B58C-246A-4D73-ADC5-490BB484BC55}"/>
+                  </a:ext>
+                </a:extLst>
+              </p:cNvPr>
+              <p:cNvSpPr>
+                <a:spLocks noGrp="1" noRot="1" noChangeAspect="1" noMove="1" noResize="1" noEditPoints="1" noAdjustHandles="1" noChangeArrowheads="1" noChangeShapeType="1" noTextEdit="1"/>
+              </p:cNvSpPr>
+              <p:nvPr>
+                <p:ph idx="1"/>
+              </p:nvPr>
+            </p:nvSpPr>
+            <p:spPr>
+              <a:blipFill>
+                <a:blip r:embed="rId2"/>
+                <a:stretch>
+                  <a:fillRect l="-1200" t="-1454"/>
+                </a:stretch>
+              </a:blipFill>
+            </p:spPr>
+            <p:txBody>
+              <a:bodyPr/>
+              <a:lstStyle/>
+              <a:p>
+                <a:r>
+                  <a:rPr lang="ja-JP" altLang="en-US">
+                    <a:noFill/>
+                  </a:rPr>
+                  <a:t> </a:t>
+                </a:r>
+              </a:p>
+            </p:txBody>
+          </p:sp>
+        </mc:Fallback>
+      </mc:AlternateContent>
+      <p:sp>
+        <p:nvSpPr>
+          <p:cNvPr id="3" name="スライド番号プレースホルダー 2">
+            <a:extLst>
+              <a:ext uri="{FF2B5EF4-FFF2-40B4-BE49-F238E27FC236}">
+                <a16:creationId xmlns:a16="http://schemas.microsoft.com/office/drawing/2014/main" id="{CF2B16F7-F180-4C9C-84ED-827149E24F7F}"/>
+              </a:ext>
+            </a:extLst>
+          </p:cNvPr>
+          <p:cNvSpPr>
+            <a:spLocks noGrp="1"/>
+          </p:cNvSpPr>
+          <p:nvPr>
+            <p:ph type="sldNum" sz="quarter" idx="12"/>
+          </p:nvPr>
+        </p:nvSpPr>
+        <p:spPr/>
+        <p:txBody>
+          <a:bodyPr/>
+          <a:lstStyle/>
+          <a:p>
+            <a:pPr>
+              <a:defRPr/>
+            </a:pPr>
+            <a:r>
+              <a:rPr lang="en-US" altLang="ja-JP"/>
+              <a:t>    </a:t>
+            </a:r>
+            <a:fld id="{B2782DEB-472A-4FE5-AC34-C17109CF5A91}" type="slidenum">
+              <a:rPr lang="en-US" altLang="ja-JP" smtClean="0"/>
+              <a:pPr>
+                <a:defRPr/>
+              </a:pPr>
+              <a:t>26</a:t>
+            </a:fld>
+            <a:r>
+              <a:rPr lang="en-US" altLang="ja-JP"/>
+              <a:t> / 24</a:t>
+            </a:r>
+          </a:p>
+        </p:txBody>
+      </p:sp>
+      <p:sp>
+        <p:nvSpPr>
+          <p:cNvPr id="4" name="タイトル 3">
+            <a:extLst>
+              <a:ext uri="{FF2B5EF4-FFF2-40B4-BE49-F238E27FC236}">
+                <a16:creationId xmlns:a16="http://schemas.microsoft.com/office/drawing/2014/main" id="{E9B9C27C-991F-4B9A-9B49-3880B783495F}"/>
+              </a:ext>
+            </a:extLst>
+          </p:cNvPr>
+          <p:cNvSpPr>
+            <a:spLocks noGrp="1"/>
+          </p:cNvSpPr>
+          <p:nvPr>
+            <p:ph type="title"/>
+          </p:nvPr>
+        </p:nvSpPr>
+        <p:spPr/>
+        <p:txBody>
+          <a:bodyPr/>
+          <a:lstStyle/>
+          <a:p>
+            <a:r>
+              <a:rPr kumimoji="1" lang="en-US" altLang="ja-JP"/>
+              <a:t>SHA-3</a:t>
+            </a:r>
+            <a:endParaRPr kumimoji="1" lang="ja-JP" altLang="en-US"/>
+          </a:p>
+        </p:txBody>
+      </p:sp>
+      <p:pic>
+        <p:nvPicPr>
+          <p:cNvPr id="6" name="図 5">
+            <a:extLst>
+              <a:ext uri="{FF2B5EF4-FFF2-40B4-BE49-F238E27FC236}">
+                <a16:creationId xmlns:a16="http://schemas.microsoft.com/office/drawing/2014/main" id="{95669297-E3DE-475E-A61F-C81DA0F00E84}"/>
+              </a:ext>
+            </a:extLst>
+          </p:cNvPr>
+          <p:cNvPicPr>
+            <a:picLocks noChangeAspect="1"/>
+          </p:cNvPicPr>
+          <p:nvPr/>
+        </p:nvPicPr>
+        <p:blipFill>
+          <a:blip r:embed="rId3">
+            <a:extLst>
+              <a:ext uri="{28A0092B-C50C-407E-A947-70E740481C1C}">
+                <a14:useLocalDpi xmlns:a14="http://schemas.microsoft.com/office/drawing/2010/main" val="0"/>
+              </a:ext>
+            </a:extLst>
+          </a:blip>
+          <a:stretch>
+            <a:fillRect/>
+          </a:stretch>
+        </p:blipFill>
+        <p:spPr>
+          <a:xfrm>
+            <a:off x="1115616" y="3284984"/>
+            <a:ext cx="5976664" cy="3429112"/>
+          </a:xfrm>
+          <a:prstGeom prst="rect">
+            <a:avLst/>
+          </a:prstGeom>
+        </p:spPr>
+      </p:pic>
+    </p:spTree>
+    <p:extLst>
+      <p:ext uri="{BB962C8B-B14F-4D97-AF65-F5344CB8AC3E}">
+        <p14:creationId xmlns:p14="http://schemas.microsoft.com/office/powerpoint/2010/main" val="702691702"/>
+      </p:ext>
+    </p:extLst>
+  </p:cSld>
+  <p:clrMapOvr>
+    <a:masterClrMapping/>
+  </p:clrMapOvr>
+</p:sld>
+</file>
+
+<file path=ppt/slides/slide27.xml><?xml version="1.0" encoding="utf-8"?>
+<p:sld xmlns:a="http://schemas.openxmlformats.org/drawingml/2006/main" xmlns:r="http://schemas.openxmlformats.org/officeDocument/2006/relationships" xmlns:p="http://schemas.openxmlformats.org/presentationml/2006/main">
+  <p:cSld>
+    <p:spTree>
+      <p:nvGrpSpPr>
+        <p:cNvPr id="1" name=""/>
+        <p:cNvGrpSpPr/>
+        <p:nvPr/>
+      </p:nvGrpSpPr>
+      <p:grpSpPr>
+        <a:xfrm>
+          <a:off x="0" y="0"/>
+          <a:ext cx="0" cy="0"/>
+          <a:chOff x="0" y="0"/>
+          <a:chExt cx="0" cy="0"/>
+        </a:xfrm>
+      </p:grpSpPr>
+      <mc:AlternateContent xmlns:mc="http://schemas.openxmlformats.org/markup-compatibility/2006">
+        <mc:Choice xmlns:a14="http://schemas.microsoft.com/office/drawing/2010/main" Requires="a14">
+          <p:sp>
+            <p:nvSpPr>
+              <p:cNvPr id="2" name="コンテンツ プレースホルダー 1">
+                <a:extLst>
+                  <a:ext uri="{FF2B5EF4-FFF2-40B4-BE49-F238E27FC236}">
+                    <a16:creationId xmlns:a16="http://schemas.microsoft.com/office/drawing/2014/main" id="{BAED8367-EA3D-4D62-A6B6-F4D36EC6E21F}"/>
+                  </a:ext>
+                </a:extLst>
+              </p:cNvPr>
+              <p:cNvSpPr>
+                <a:spLocks noGrp="1"/>
+              </p:cNvSpPr>
+              <p:nvPr>
+                <p:ph idx="1"/>
+              </p:nvPr>
+            </p:nvSpPr>
+            <p:spPr/>
+            <p:txBody>
+              <a:bodyPr/>
+              <a:lstStyle/>
+              <a:p>
+                <a:r>
+                  <a:rPr kumimoji="1" lang="ja-JP" altLang="en-US"/>
+                  <a:t>内部状態のうち</a:t>
+                </a:r>
+                <a14:m>
+                  <m:oMath xmlns:m="http://schemas.openxmlformats.org/officeDocument/2006/math">
+                    <m:r>
+                      <a:rPr kumimoji="1" lang="en-US" altLang="ja-JP" b="0" i="1" smtClean="0">
+                        <a:latin typeface="Cambria Math" panose="02040503050406030204" pitchFamily="18" charset="0"/>
+                      </a:rPr>
+                      <m:t>𝑟</m:t>
+                    </m:r>
+                    <m:r>
+                      <a:rPr kumimoji="1" lang="en-US" altLang="ja-JP" b="0" i="1" smtClean="0">
+                        <a:latin typeface="Cambria Math" panose="02040503050406030204" pitchFamily="18" charset="0"/>
+                      </a:rPr>
+                      <m:t>=1088</m:t>
+                    </m:r>
+                  </m:oMath>
+                </a14:m>
+                <a:r>
+                  <a:rPr kumimoji="1" lang="en-US" altLang="ja-JP"/>
+                  <a:t>bit</a:t>
+                </a:r>
+                <a:r>
+                  <a:rPr kumimoji="1" lang="ja-JP" altLang="en-US"/>
+                  <a:t>をブロックと排他的論理和</a:t>
+                </a:r>
+                <a:endParaRPr kumimoji="1" lang="en-US" altLang="ja-JP"/>
+              </a:p>
+              <a:p>
+                <a:r>
+                  <a:rPr kumimoji="1" lang="ja-JP" altLang="en-US"/>
+                  <a:t>置換関数</a:t>
+                </a:r>
+                <a14:m>
+                  <m:oMath xmlns:m="http://schemas.openxmlformats.org/officeDocument/2006/math">
+                    <m:r>
+                      <a:rPr kumimoji="1" lang="en-US" altLang="ja-JP" b="0" i="1" smtClean="0">
+                        <a:latin typeface="Cambria Math" panose="02040503050406030204" pitchFamily="18" charset="0"/>
+                      </a:rPr>
+                      <m:t>𝑓</m:t>
+                    </m:r>
+                  </m:oMath>
+                </a14:m>
+                <a:endParaRPr kumimoji="1" lang="ja-JP" altLang="en-US"/>
+              </a:p>
+            </p:txBody>
+          </p:sp>
+        </mc:Choice>
+        <mc:Fallback>
+          <p:sp>
+            <p:nvSpPr>
+              <p:cNvPr id="2" name="コンテンツ プレースホルダー 1">
+                <a:extLst>
+                  <a:ext uri="{FF2B5EF4-FFF2-40B4-BE49-F238E27FC236}">
+                    <a16:creationId xmlns:a16="http://schemas.microsoft.com/office/drawing/2014/main" id="{BAED8367-EA3D-4D62-A6B6-F4D36EC6E21F}"/>
+                  </a:ext>
+                </a:extLst>
+              </p:cNvPr>
+              <p:cNvSpPr>
+                <a:spLocks noGrp="1" noRot="1" noChangeAspect="1" noMove="1" noResize="1" noEditPoints="1" noAdjustHandles="1" noChangeArrowheads="1" noChangeShapeType="1" noTextEdit="1"/>
+              </p:cNvSpPr>
+              <p:nvPr>
+                <p:ph idx="1"/>
+              </p:nvPr>
+            </p:nvSpPr>
+            <p:spPr>
+              <a:blipFill>
+                <a:blip r:embed="rId2"/>
+                <a:stretch>
+                  <a:fillRect l="-1200" t="-1454" r="-200"/>
+                </a:stretch>
+              </a:blipFill>
+            </p:spPr>
+            <p:txBody>
+              <a:bodyPr/>
+              <a:lstStyle/>
+              <a:p>
+                <a:r>
+                  <a:rPr lang="ja-JP" altLang="en-US">
+                    <a:noFill/>
+                  </a:rPr>
+                  <a:t> </a:t>
+                </a:r>
+              </a:p>
+            </p:txBody>
+          </p:sp>
+        </mc:Fallback>
+      </mc:AlternateContent>
+      <p:sp>
+        <p:nvSpPr>
+          <p:cNvPr id="3" name="スライド番号プレースホルダー 2">
+            <a:extLst>
+              <a:ext uri="{FF2B5EF4-FFF2-40B4-BE49-F238E27FC236}">
+                <a16:creationId xmlns:a16="http://schemas.microsoft.com/office/drawing/2014/main" id="{96D14989-31C0-4972-8EC9-A25D89AC82C3}"/>
+              </a:ext>
+            </a:extLst>
+          </p:cNvPr>
+          <p:cNvSpPr>
+            <a:spLocks noGrp="1"/>
+          </p:cNvSpPr>
+          <p:nvPr>
+            <p:ph type="sldNum" sz="quarter" idx="12"/>
+          </p:nvPr>
+        </p:nvSpPr>
+        <p:spPr/>
+        <p:txBody>
+          <a:bodyPr/>
+          <a:lstStyle/>
+          <a:p>
+            <a:pPr>
+              <a:defRPr/>
+            </a:pPr>
+            <a:r>
+              <a:rPr lang="en-US" altLang="ja-JP"/>
+              <a:t>    </a:t>
+            </a:r>
+            <a:fld id="{B2782DEB-472A-4FE5-AC34-C17109CF5A91}" type="slidenum">
+              <a:rPr lang="en-US" altLang="ja-JP" smtClean="0"/>
+              <a:pPr>
+                <a:defRPr/>
+              </a:pPr>
+              <a:t>27</a:t>
+            </a:fld>
+            <a:r>
+              <a:rPr lang="en-US" altLang="ja-JP"/>
+              <a:t> / 24</a:t>
+            </a:r>
+          </a:p>
+        </p:txBody>
+      </p:sp>
+      <p:sp>
+        <p:nvSpPr>
+          <p:cNvPr id="4" name="タイトル 3">
+            <a:extLst>
+              <a:ext uri="{FF2B5EF4-FFF2-40B4-BE49-F238E27FC236}">
+                <a16:creationId xmlns:a16="http://schemas.microsoft.com/office/drawing/2014/main" id="{5E5C9DBF-D633-4862-A7FE-474AD637DFA5}"/>
+              </a:ext>
+            </a:extLst>
+          </p:cNvPr>
+          <p:cNvSpPr>
+            <a:spLocks noGrp="1"/>
+          </p:cNvSpPr>
+          <p:nvPr>
+            <p:ph type="title"/>
+          </p:nvPr>
+        </p:nvSpPr>
+        <p:spPr/>
+        <p:txBody>
+          <a:bodyPr/>
+          <a:lstStyle/>
+          <a:p>
+            <a:r>
+              <a:rPr kumimoji="1" lang="ja-JP" altLang="en-US"/>
+              <a:t>吸収フェーズ</a:t>
+            </a:r>
+          </a:p>
+        </p:txBody>
+      </p:sp>
+      <p:pic>
+        <p:nvPicPr>
+          <p:cNvPr id="8" name="図 7">
+            <a:extLst>
+              <a:ext uri="{FF2B5EF4-FFF2-40B4-BE49-F238E27FC236}">
+                <a16:creationId xmlns:a16="http://schemas.microsoft.com/office/drawing/2014/main" id="{A7C33B89-8F2B-4833-A5BF-266D10E05FB1}"/>
+              </a:ext>
+            </a:extLst>
+          </p:cNvPr>
+          <p:cNvPicPr>
+            <a:picLocks noChangeAspect="1"/>
+          </p:cNvPicPr>
+          <p:nvPr/>
+        </p:nvPicPr>
+        <p:blipFill>
+          <a:blip r:embed="rId3">
+            <a:extLst>
+              <a:ext uri="{28A0092B-C50C-407E-A947-70E740481C1C}">
+                <a14:useLocalDpi xmlns:a14="http://schemas.microsoft.com/office/drawing/2010/main" val="0"/>
+              </a:ext>
+            </a:extLst>
+          </a:blip>
+          <a:stretch>
+            <a:fillRect/>
+          </a:stretch>
+        </p:blipFill>
+        <p:spPr>
+          <a:xfrm>
+            <a:off x="755576" y="1844823"/>
+            <a:ext cx="7776864" cy="4689419"/>
+          </a:xfrm>
+          <a:prstGeom prst="rect">
+            <a:avLst/>
+          </a:prstGeom>
+        </p:spPr>
+      </p:pic>
+    </p:spTree>
+    <p:extLst>
+      <p:ext uri="{BB962C8B-B14F-4D97-AF65-F5344CB8AC3E}">
+        <p14:creationId xmlns:p14="http://schemas.microsoft.com/office/powerpoint/2010/main" val="1896383288"/>
+      </p:ext>
+    </p:extLst>
+  </p:cSld>
+  <p:clrMapOvr>
+    <a:masterClrMapping/>
+  </p:clrMapOvr>
+</p:sld>
+</file>
+
+<file path=ppt/slides/slide28.xml><?xml version="1.0" encoding="utf-8"?>
+<p:sld xmlns:a="http://schemas.openxmlformats.org/drawingml/2006/main" xmlns:r="http://schemas.openxmlformats.org/officeDocument/2006/relationships" xmlns:p="http://schemas.openxmlformats.org/presentationml/2006/main">
+  <p:cSld>
+    <p:spTree>
+      <p:nvGrpSpPr>
+        <p:cNvPr id="1" name=""/>
+        <p:cNvGrpSpPr/>
+        <p:nvPr/>
+      </p:nvGrpSpPr>
+      <p:grpSpPr>
+        <a:xfrm>
+          <a:off x="0" y="0"/>
+          <a:ext cx="0" cy="0"/>
+          <a:chOff x="0" y="0"/>
+          <a:chExt cx="0" cy="0"/>
+        </a:xfrm>
+      </p:grpSpPr>
+      <p:sp>
+        <p:nvSpPr>
+          <p:cNvPr id="2" name="コンテンツ プレースホルダー 1">
+            <a:extLst>
+              <a:ext uri="{FF2B5EF4-FFF2-40B4-BE49-F238E27FC236}">
+                <a16:creationId xmlns:a16="http://schemas.microsoft.com/office/drawing/2014/main" id="{7D39F64F-E9D0-489E-AA21-0C2D2D57B80C}"/>
+              </a:ext>
+            </a:extLst>
+          </p:cNvPr>
+          <p:cNvSpPr>
+            <a:spLocks noGrp="1"/>
+          </p:cNvSpPr>
+          <p:nvPr>
+            <p:ph idx="1"/>
+          </p:nvPr>
+        </p:nvSpPr>
+        <p:spPr/>
+        <p:txBody>
+          <a:bodyPr/>
+          <a:lstStyle/>
+          <a:p>
+            <a:r>
+              <a:rPr kumimoji="1" lang="ja-JP" altLang="en-US"/>
+              <a:t>内部状態の先頭</a:t>
+            </a:r>
+            <a:r>
+              <a:rPr kumimoji="1" lang="en-US" altLang="ja-JP"/>
+              <a:t>256bit</a:t>
+            </a:r>
+            <a:r>
+              <a:rPr kumimoji="1" lang="ja-JP" altLang="en-US"/>
+              <a:t>を取り出すだけ</a:t>
+            </a:r>
+          </a:p>
+        </p:txBody>
+      </p:sp>
+      <p:sp>
+        <p:nvSpPr>
+          <p:cNvPr id="3" name="スライド番号プレースホルダー 2">
+            <a:extLst>
+              <a:ext uri="{FF2B5EF4-FFF2-40B4-BE49-F238E27FC236}">
+                <a16:creationId xmlns:a16="http://schemas.microsoft.com/office/drawing/2014/main" id="{6AAF98B8-D334-45B1-8724-A548A7332167}"/>
+              </a:ext>
+            </a:extLst>
+          </p:cNvPr>
+          <p:cNvSpPr>
+            <a:spLocks noGrp="1"/>
+          </p:cNvSpPr>
+          <p:nvPr>
+            <p:ph type="sldNum" sz="quarter" idx="12"/>
+          </p:nvPr>
+        </p:nvSpPr>
+        <p:spPr/>
+        <p:txBody>
+          <a:bodyPr/>
+          <a:lstStyle/>
+          <a:p>
+            <a:pPr>
+              <a:defRPr/>
+            </a:pPr>
+            <a:r>
+              <a:rPr lang="en-US" altLang="ja-JP"/>
+              <a:t>    </a:t>
+            </a:r>
+            <a:fld id="{B2782DEB-472A-4FE5-AC34-C17109CF5A91}" type="slidenum">
+              <a:rPr lang="en-US" altLang="ja-JP" smtClean="0"/>
+              <a:pPr>
+                <a:defRPr/>
+              </a:pPr>
+              <a:t>28</a:t>
+            </a:fld>
+            <a:r>
+              <a:rPr lang="en-US" altLang="ja-JP"/>
+              <a:t> / 24</a:t>
+            </a:r>
+          </a:p>
+        </p:txBody>
+      </p:sp>
+      <p:sp>
+        <p:nvSpPr>
+          <p:cNvPr id="4" name="タイトル 3">
+            <a:extLst>
+              <a:ext uri="{FF2B5EF4-FFF2-40B4-BE49-F238E27FC236}">
+                <a16:creationId xmlns:a16="http://schemas.microsoft.com/office/drawing/2014/main" id="{22396E44-4CB1-4877-BF8D-F3361E4ABBAA}"/>
+              </a:ext>
+            </a:extLst>
+          </p:cNvPr>
+          <p:cNvSpPr>
+            <a:spLocks noGrp="1"/>
+          </p:cNvSpPr>
+          <p:nvPr>
+            <p:ph type="title"/>
+          </p:nvPr>
+        </p:nvSpPr>
+        <p:spPr/>
+        <p:txBody>
+          <a:bodyPr/>
+          <a:lstStyle/>
+          <a:p>
+            <a:r>
+              <a:rPr kumimoji="1" lang="ja-JP" altLang="en-US"/>
+              <a:t>搾取フェーズ</a:t>
+            </a:r>
+          </a:p>
+        </p:txBody>
+      </p:sp>
+      <p:pic>
+        <p:nvPicPr>
+          <p:cNvPr id="6" name="図 5">
+            <a:extLst>
+              <a:ext uri="{FF2B5EF4-FFF2-40B4-BE49-F238E27FC236}">
+                <a16:creationId xmlns:a16="http://schemas.microsoft.com/office/drawing/2014/main" id="{B21C796D-B464-475D-9F79-4FE08607B40C}"/>
+              </a:ext>
+            </a:extLst>
+          </p:cNvPr>
+          <p:cNvPicPr>
+            <a:picLocks noChangeAspect="1"/>
+          </p:cNvPicPr>
+          <p:nvPr/>
+        </p:nvPicPr>
+        <p:blipFill>
+          <a:blip r:embed="rId2">
+            <a:extLst>
+              <a:ext uri="{28A0092B-C50C-407E-A947-70E740481C1C}">
+                <a14:useLocalDpi xmlns:a14="http://schemas.microsoft.com/office/drawing/2010/main" val="0"/>
+              </a:ext>
+            </a:extLst>
+          </a:blip>
+          <a:stretch>
+            <a:fillRect/>
+          </a:stretch>
+        </p:blipFill>
+        <p:spPr>
+          <a:xfrm>
+            <a:off x="2267744" y="1484784"/>
+            <a:ext cx="4464496" cy="3169793"/>
+          </a:xfrm>
+          <a:prstGeom prst="rect">
+            <a:avLst/>
+          </a:prstGeom>
+        </p:spPr>
+      </p:pic>
+    </p:spTree>
+    <p:extLst>
+      <p:ext uri="{BB962C8B-B14F-4D97-AF65-F5344CB8AC3E}">
+        <p14:creationId xmlns:p14="http://schemas.microsoft.com/office/powerpoint/2010/main" val="1260160620"/>
+      </p:ext>
+    </p:extLst>
+  </p:cSld>
+  <p:clrMapOvr>
+    <a:masterClrMapping/>
+  </p:clrMapOvr>
+</p:sld>
+</file>
+
+<file path=ppt/slides/slide29.xml><?xml version="1.0" encoding="utf-8"?>
+<p:sld xmlns:a="http://schemas.openxmlformats.org/drawingml/2006/main" xmlns:r="http://schemas.openxmlformats.org/officeDocument/2006/relationships" xmlns:p="http://schemas.openxmlformats.org/presentationml/2006/main">
+  <p:cSld>
+    <p:spTree>
+      <p:nvGrpSpPr>
+        <p:cNvPr id="1" name=""/>
+        <p:cNvGrpSpPr/>
+        <p:nvPr/>
+      </p:nvGrpSpPr>
+      <p:grpSpPr>
+        <a:xfrm>
+          <a:off x="0" y="0"/>
+          <a:ext cx="0" cy="0"/>
+          <a:chOff x="0" y="0"/>
+          <a:chExt cx="0" cy="0"/>
+        </a:xfrm>
+      </p:grpSpPr>
+      <p:sp>
+        <p:nvSpPr>
+          <p:cNvPr id="2" name="コンテンツ プレースホルダー 1">
+            <a:extLst>
+              <a:ext uri="{FF2B5EF4-FFF2-40B4-BE49-F238E27FC236}">
+                <a16:creationId xmlns:a16="http://schemas.microsoft.com/office/drawing/2014/main" id="{9CA3394C-C3A5-47CC-B6B5-484F28F224CA}"/>
+              </a:ext>
+            </a:extLst>
+          </p:cNvPr>
+          <p:cNvSpPr>
+            <a:spLocks noGrp="1"/>
+          </p:cNvSpPr>
+          <p:nvPr>
+            <p:ph idx="1"/>
+          </p:nvPr>
+        </p:nvSpPr>
+        <p:spPr/>
+        <p:txBody>
+          <a:bodyPr/>
+          <a:lstStyle/>
+          <a:p>
+            <a:r>
+              <a:rPr kumimoji="1" lang="ja-JP" altLang="en-US"/>
+              <a:t>理想のハッシュ関数はハッシュ値のサイズで決まる</a:t>
+            </a:r>
+            <a:endParaRPr kumimoji="1" lang="en-US" altLang="ja-JP"/>
+          </a:p>
+          <a:p>
+            <a:pPr lvl="1"/>
+            <a:r>
+              <a:rPr lang="en-US" altLang="ja-JP"/>
+              <a:t>256bit</a:t>
+            </a:r>
+            <a:r>
+              <a:rPr lang="ja-JP" altLang="en-US"/>
+              <a:t>なら衝突困難性に関して</a:t>
+            </a:r>
+            <a:r>
+              <a:rPr lang="en-US" altLang="ja-JP"/>
+              <a:t>128bit</a:t>
+            </a:r>
+            <a:r>
+              <a:rPr lang="ja-JP" altLang="en-US"/>
+              <a:t>セキュリティ</a:t>
+            </a:r>
+            <a:endParaRPr lang="en-US" altLang="ja-JP"/>
+          </a:p>
+          <a:p>
+            <a:pPr lvl="1"/>
+            <a:r>
+              <a:rPr kumimoji="1" lang="en-US" altLang="ja-JP"/>
+              <a:t>SHA-256</a:t>
+            </a:r>
+            <a:r>
+              <a:rPr kumimoji="1" lang="ja-JP" altLang="en-US"/>
+              <a:t>も</a:t>
+            </a:r>
+            <a:r>
+              <a:rPr kumimoji="1" lang="en-US" altLang="ja-JP"/>
+              <a:t>SHA-3-256</a:t>
+            </a:r>
+            <a:r>
+              <a:rPr kumimoji="1" lang="ja-JP" altLang="en-US"/>
+              <a:t>もほぼ同じ安全性</a:t>
+            </a:r>
+            <a:endParaRPr kumimoji="1" lang="en-US" altLang="ja-JP"/>
+          </a:p>
+          <a:p>
+            <a:pPr lvl="2"/>
+            <a:r>
+              <a:rPr lang="en-US" altLang="ja-JP"/>
+              <a:t>SHA-256</a:t>
+            </a:r>
+            <a:r>
+              <a:rPr lang="ja-JP" altLang="en-US"/>
+              <a:t>の方が速い</a:t>
+            </a:r>
+            <a:endParaRPr kumimoji="1" lang="ja-JP" altLang="en-US"/>
+          </a:p>
+        </p:txBody>
+      </p:sp>
+      <p:sp>
+        <p:nvSpPr>
+          <p:cNvPr id="3" name="スライド番号プレースホルダー 2">
+            <a:extLst>
+              <a:ext uri="{FF2B5EF4-FFF2-40B4-BE49-F238E27FC236}">
+                <a16:creationId xmlns:a16="http://schemas.microsoft.com/office/drawing/2014/main" id="{34042D94-DF33-4C66-B209-654B85462CA9}"/>
+              </a:ext>
+            </a:extLst>
+          </p:cNvPr>
+          <p:cNvSpPr>
+            <a:spLocks noGrp="1"/>
+          </p:cNvSpPr>
+          <p:nvPr>
+            <p:ph type="sldNum" sz="quarter" idx="12"/>
+          </p:nvPr>
+        </p:nvSpPr>
+        <p:spPr/>
+        <p:txBody>
+          <a:bodyPr/>
+          <a:lstStyle/>
+          <a:p>
+            <a:pPr>
+              <a:defRPr/>
+            </a:pPr>
+            <a:r>
+              <a:rPr lang="en-US" altLang="ja-JP"/>
+              <a:t>    </a:t>
+            </a:r>
+            <a:fld id="{B2782DEB-472A-4FE5-AC34-C17109CF5A91}" type="slidenum">
+              <a:rPr lang="en-US" altLang="ja-JP" smtClean="0"/>
+              <a:pPr>
+                <a:defRPr/>
+              </a:pPr>
+              <a:t>29</a:t>
+            </a:fld>
+            <a:r>
+              <a:rPr lang="en-US" altLang="ja-JP"/>
+              <a:t> / 24</a:t>
+            </a:r>
+          </a:p>
+        </p:txBody>
+      </p:sp>
+      <p:sp>
+        <p:nvSpPr>
+          <p:cNvPr id="4" name="タイトル 3">
+            <a:extLst>
+              <a:ext uri="{FF2B5EF4-FFF2-40B4-BE49-F238E27FC236}">
+                <a16:creationId xmlns:a16="http://schemas.microsoft.com/office/drawing/2014/main" id="{E944D6C3-8D82-4D2E-BE93-AE05BCFEBE70}"/>
+              </a:ext>
+            </a:extLst>
+          </p:cNvPr>
+          <p:cNvSpPr>
+            <a:spLocks noGrp="1"/>
+          </p:cNvSpPr>
+          <p:nvPr>
+            <p:ph type="title"/>
+          </p:nvPr>
+        </p:nvSpPr>
+        <p:spPr/>
+        <p:txBody>
+          <a:bodyPr/>
+          <a:lstStyle/>
+          <a:p>
+            <a:r>
+              <a:rPr kumimoji="1" lang="ja-JP" altLang="en-US"/>
+              <a:t>安全性</a:t>
+            </a:r>
+          </a:p>
+        </p:txBody>
+      </p:sp>
+    </p:spTree>
+    <p:extLst>
+      <p:ext uri="{BB962C8B-B14F-4D97-AF65-F5344CB8AC3E}">
+        <p14:creationId xmlns:p14="http://schemas.microsoft.com/office/powerpoint/2010/main" val="3629177793"/>
+      </p:ext>
+    </p:extLst>
+  </p:cSld>
+  <p:clrMapOvr>
+    <a:masterClrMapping/>
+  </p:clrMapOvr>
+</p:sld>
+</file>
+
 <file path=ppt/slides/slide3.xml><?xml version="1.0" encoding="utf-8"?>
 <p:sld xmlns:a="http://schemas.openxmlformats.org/drawingml/2006/main" xmlns:r="http://schemas.openxmlformats.org/officeDocument/2006/relationships" xmlns:p="http://schemas.openxmlformats.org/presentationml/2006/main">
   <p:cSld>
@@ -7529,6 +11248,399 @@
     <p:extLst>
       <p:ext uri="{BB962C8B-B14F-4D97-AF65-F5344CB8AC3E}">
         <p14:creationId xmlns:p14="http://schemas.microsoft.com/office/powerpoint/2010/main" val="3063434139"/>
+      </p:ext>
+    </p:extLst>
+  </p:cSld>
+  <p:clrMapOvr>
+    <a:masterClrMapping/>
+  </p:clrMapOvr>
+</p:sld>
+</file>
+
+<file path=ppt/slides/slide30.xml><?xml version="1.0" encoding="utf-8"?>
+<p:sld xmlns:a="http://schemas.openxmlformats.org/drawingml/2006/main" xmlns:r="http://schemas.openxmlformats.org/officeDocument/2006/relationships" xmlns:p="http://schemas.openxmlformats.org/presentationml/2006/main">
+  <p:cSld>
+    <p:spTree>
+      <p:nvGrpSpPr>
+        <p:cNvPr id="1" name=""/>
+        <p:cNvGrpSpPr/>
+        <p:nvPr/>
+      </p:nvGrpSpPr>
+      <p:grpSpPr>
+        <a:xfrm>
+          <a:off x="0" y="0"/>
+          <a:ext cx="0" cy="0"/>
+          <a:chOff x="0" y="0"/>
+          <a:chExt cx="0" cy="0"/>
+        </a:xfrm>
+      </p:grpSpPr>
+      <p:sp>
+        <p:nvSpPr>
+          <p:cNvPr id="2" name="コンテンツ プレースホルダー 1">
+            <a:extLst>
+              <a:ext uri="{FF2B5EF4-FFF2-40B4-BE49-F238E27FC236}">
+                <a16:creationId xmlns:a16="http://schemas.microsoft.com/office/drawing/2014/main" id="{8CAB3B66-5503-4F32-94FA-3BF5F811C496}"/>
+              </a:ext>
+            </a:extLst>
+          </p:cNvPr>
+          <p:cNvSpPr>
+            <a:spLocks noGrp="1"/>
+          </p:cNvSpPr>
+          <p:nvPr>
+            <p:ph idx="1"/>
+          </p:nvPr>
+        </p:nvSpPr>
+        <p:spPr/>
+        <p:txBody>
+          <a:bodyPr/>
+          <a:lstStyle/>
+          <a:p>
+            <a:r>
+              <a:rPr kumimoji="1" lang="en-US" altLang="ja-JP"/>
+              <a:t>SHA-1</a:t>
+            </a:r>
+            <a:r>
+              <a:rPr kumimoji="1" lang="ja-JP" altLang="en-US"/>
+              <a:t>のハッシュ値は</a:t>
+            </a:r>
+            <a:r>
+              <a:rPr kumimoji="1" lang="en-US" altLang="ja-JP"/>
+              <a:t>160bit</a:t>
+            </a:r>
+          </a:p>
+          <a:p>
+            <a:pPr lvl="1"/>
+            <a:r>
+              <a:rPr kumimoji="1" lang="en-US" altLang="ja-JP"/>
+              <a:t>80bit</a:t>
+            </a:r>
+            <a:r>
+              <a:rPr kumimoji="1" lang="ja-JP" altLang="en-US"/>
+              <a:t>セキュリティ </a:t>
+            </a:r>
+            <a:r>
+              <a:rPr kumimoji="1" lang="en-US" altLang="ja-JP"/>
+              <a:t>/ </a:t>
+            </a:r>
+            <a:r>
+              <a:rPr lang="en-US" altLang="ja-JP"/>
+              <a:t>2005</a:t>
+            </a:r>
+            <a:r>
+              <a:rPr lang="ja-JP" altLang="en-US"/>
+              <a:t>年の攻撃方法で</a:t>
+            </a:r>
+            <a:r>
+              <a:rPr lang="en-US" altLang="ja-JP"/>
+              <a:t>63bit</a:t>
+            </a:r>
+            <a:r>
+              <a:rPr lang="ja-JP" altLang="en-US"/>
+              <a:t>まで低下</a:t>
+            </a:r>
+            <a:endParaRPr kumimoji="1" lang="en-US" altLang="ja-JP"/>
+          </a:p>
+          <a:p>
+            <a:r>
+              <a:rPr kumimoji="1" lang="en-US" altLang="ja-JP"/>
+              <a:t>2017</a:t>
+            </a:r>
+            <a:r>
+              <a:rPr kumimoji="1" lang="ja-JP" altLang="en-US"/>
+              <a:t>年</a:t>
+            </a:r>
+            <a:r>
+              <a:rPr kumimoji="1" lang="en-US" altLang="ja-JP"/>
+              <a:t>CWI</a:t>
+            </a:r>
+            <a:r>
+              <a:rPr kumimoji="1" lang="ja-JP" altLang="en-US"/>
+              <a:t>と</a:t>
+            </a:r>
+            <a:r>
+              <a:rPr kumimoji="1" lang="en-US" altLang="ja-JP"/>
+              <a:t>Google</a:t>
+            </a:r>
+            <a:r>
+              <a:rPr kumimoji="1" lang="ja-JP" altLang="en-US"/>
+              <a:t>のチーム</a:t>
+            </a:r>
+            <a:endParaRPr kumimoji="1" lang="en-US" altLang="ja-JP"/>
+          </a:p>
+          <a:p>
+            <a:pPr lvl="1"/>
+            <a:r>
+              <a:rPr lang="ja-JP" altLang="en-US"/>
+              <a:t>中身が異なるのに</a:t>
+            </a:r>
+            <a:r>
+              <a:rPr lang="en-US" altLang="ja-JP"/>
+              <a:t>SHA-1</a:t>
+            </a:r>
+            <a:r>
+              <a:rPr lang="ja-JP" altLang="en-US"/>
+              <a:t>の値が同じ</a:t>
+            </a:r>
+            <a:r>
+              <a:rPr lang="en-US" altLang="ja-JP"/>
+              <a:t>2</a:t>
+            </a:r>
+            <a:r>
+              <a:rPr lang="ja-JP" altLang="en-US"/>
+              <a:t>個の</a:t>
+            </a:r>
+            <a:r>
+              <a:rPr lang="en-US" altLang="ja-JP"/>
+              <a:t>PDF</a:t>
+            </a:r>
+            <a:r>
+              <a:rPr lang="ja-JP" altLang="en-US"/>
+              <a:t>を作成</a:t>
+            </a:r>
+            <a:endParaRPr lang="en-US" altLang="ja-JP"/>
+          </a:p>
+          <a:p>
+            <a:pPr lvl="1"/>
+            <a:r>
+              <a:rPr kumimoji="1" lang="en-US" altLang="ja-JP"/>
+              <a:t>6500</a:t>
+            </a:r>
+            <a:r>
+              <a:rPr kumimoji="1" lang="ja-JP" altLang="en-US"/>
+              <a:t>年分の</a:t>
+            </a:r>
+            <a:r>
+              <a:rPr kumimoji="1" lang="en-US" altLang="ja-JP"/>
+              <a:t>CPU</a:t>
+            </a:r>
+            <a:r>
+              <a:rPr kumimoji="1" lang="ja-JP" altLang="en-US"/>
+              <a:t>と</a:t>
+            </a:r>
+            <a:r>
+              <a:rPr kumimoji="1" lang="en-US" altLang="ja-JP"/>
+              <a:t>110</a:t>
+            </a:r>
+            <a:r>
+              <a:rPr kumimoji="1" lang="ja-JP" altLang="en-US"/>
+              <a:t>年分の</a:t>
+            </a:r>
+            <a:r>
+              <a:rPr kumimoji="1" lang="en-US" altLang="ja-JP"/>
+              <a:t>GPU</a:t>
+            </a:r>
+          </a:p>
+          <a:p>
+            <a:endParaRPr lang="en-US" altLang="ja-JP"/>
+          </a:p>
+          <a:p>
+            <a:endParaRPr lang="en-US" altLang="ja-JP"/>
+          </a:p>
+          <a:p>
+            <a:endParaRPr lang="en-US" altLang="ja-JP"/>
+          </a:p>
+          <a:p>
+            <a:endParaRPr lang="en-US" altLang="ja-JP"/>
+          </a:p>
+          <a:p>
+            <a:r>
+              <a:rPr lang="en-US" altLang="ja-JP"/>
+              <a:t>2020</a:t>
+            </a:r>
+            <a:r>
+              <a:rPr lang="ja-JP" altLang="en-US"/>
+              <a:t>年</a:t>
+            </a:r>
+            <a:r>
+              <a:rPr lang="en-US" altLang="ja-JP"/>
+              <a:t>Gaëtan</a:t>
+            </a:r>
+            <a:r>
+              <a:rPr lang="ja-JP" altLang="en-US"/>
+              <a:t>と</a:t>
+            </a:r>
+            <a:r>
+              <a:rPr lang="en-US" altLang="ja-JP"/>
+              <a:t>Thomas</a:t>
+            </a:r>
+          </a:p>
+          <a:p>
+            <a:pPr lvl="1"/>
+            <a:r>
+              <a:rPr kumimoji="1" lang="en-US" altLang="ja-JP"/>
+              <a:t>900</a:t>
+            </a:r>
+            <a:r>
+              <a:rPr kumimoji="1" lang="ja-JP" altLang="en-US"/>
+              <a:t>個の</a:t>
+            </a:r>
+            <a:r>
+              <a:rPr kumimoji="1" lang="en-US" altLang="ja-JP"/>
+              <a:t>NVIDIA GeForce GTX 1060</a:t>
+            </a:r>
+            <a:r>
+              <a:rPr kumimoji="1" lang="ja-JP" altLang="en-US"/>
+              <a:t>で</a:t>
+            </a:r>
+            <a:r>
+              <a:rPr kumimoji="1" lang="en-US" altLang="ja-JP"/>
+              <a:t>2</a:t>
+            </a:r>
+            <a:r>
+              <a:rPr kumimoji="1" lang="ja-JP" altLang="en-US"/>
+              <a:t>カ月 </a:t>
+            </a:r>
+            <a:r>
+              <a:rPr kumimoji="1" lang="en-US" altLang="ja-JP"/>
+              <a:t>; 4</a:t>
+            </a:r>
+            <a:r>
+              <a:rPr kumimoji="1" lang="ja-JP" altLang="en-US"/>
+              <a:t>万</a:t>
+            </a:r>
+            <a:r>
+              <a:rPr kumimoji="1" lang="en-US" altLang="ja-JP"/>
+              <a:t>5</a:t>
+            </a:r>
+            <a:r>
+              <a:rPr kumimoji="1" lang="ja-JP" altLang="en-US"/>
+              <a:t>千ドル</a:t>
+            </a:r>
+            <a:endParaRPr kumimoji="1" lang="en-US" altLang="ja-JP"/>
+          </a:p>
+          <a:p>
+            <a:pPr lvl="1"/>
+            <a:endParaRPr kumimoji="1" lang="ja-JP" altLang="en-US"/>
+          </a:p>
+        </p:txBody>
+      </p:sp>
+      <p:sp>
+        <p:nvSpPr>
+          <p:cNvPr id="3" name="スライド番号プレースホルダー 2">
+            <a:extLst>
+              <a:ext uri="{FF2B5EF4-FFF2-40B4-BE49-F238E27FC236}">
+                <a16:creationId xmlns:a16="http://schemas.microsoft.com/office/drawing/2014/main" id="{92B0D3AA-9D2A-4CD3-AB70-4A464B0F4CBF}"/>
+              </a:ext>
+            </a:extLst>
+          </p:cNvPr>
+          <p:cNvSpPr>
+            <a:spLocks noGrp="1"/>
+          </p:cNvSpPr>
+          <p:nvPr>
+            <p:ph type="sldNum" sz="quarter" idx="12"/>
+          </p:nvPr>
+        </p:nvSpPr>
+        <p:spPr/>
+        <p:txBody>
+          <a:bodyPr/>
+          <a:lstStyle/>
+          <a:p>
+            <a:pPr>
+              <a:defRPr/>
+            </a:pPr>
+            <a:r>
+              <a:rPr lang="en-US" altLang="ja-JP"/>
+              <a:t>    </a:t>
+            </a:r>
+            <a:fld id="{B2782DEB-472A-4FE5-AC34-C17109CF5A91}" type="slidenum">
+              <a:rPr lang="en-US" altLang="ja-JP" smtClean="0"/>
+              <a:pPr>
+                <a:defRPr/>
+              </a:pPr>
+              <a:t>30</a:t>
+            </a:fld>
+            <a:r>
+              <a:rPr lang="en-US" altLang="ja-JP"/>
+              <a:t> / 24</a:t>
+            </a:r>
+          </a:p>
+        </p:txBody>
+      </p:sp>
+      <p:sp>
+        <p:nvSpPr>
+          <p:cNvPr id="4" name="タイトル 3">
+            <a:extLst>
+              <a:ext uri="{FF2B5EF4-FFF2-40B4-BE49-F238E27FC236}">
+                <a16:creationId xmlns:a16="http://schemas.microsoft.com/office/drawing/2014/main" id="{3302CC22-5989-44FD-AB90-E468E3CC74D0}"/>
+              </a:ext>
+            </a:extLst>
+          </p:cNvPr>
+          <p:cNvSpPr>
+            <a:spLocks noGrp="1"/>
+          </p:cNvSpPr>
+          <p:nvPr>
+            <p:ph type="title"/>
+          </p:nvPr>
+        </p:nvSpPr>
+        <p:spPr/>
+        <p:txBody>
+          <a:bodyPr/>
+          <a:lstStyle/>
+          <a:p>
+            <a:r>
+              <a:rPr kumimoji="1" lang="en-US" altLang="ja-JP"/>
+              <a:t>SHA-1</a:t>
+            </a:r>
+            <a:r>
+              <a:rPr kumimoji="1" lang="ja-JP" altLang="en-US"/>
+              <a:t>の攻撃</a:t>
+            </a:r>
+            <a:r>
+              <a:rPr kumimoji="1" lang="en-US" altLang="ja-JP"/>
+              <a:t>(</a:t>
+            </a:r>
+            <a:r>
+              <a:rPr kumimoji="1" lang="ja-JP" altLang="en-US"/>
+              <a:t>衝突させた</a:t>
+            </a:r>
+            <a:r>
+              <a:rPr kumimoji="1" lang="en-US" altLang="ja-JP"/>
+              <a:t>)</a:t>
+            </a:r>
+            <a:endParaRPr kumimoji="1" lang="ja-JP" altLang="en-US"/>
+          </a:p>
+        </p:txBody>
+      </p:sp>
+      <p:pic>
+        <p:nvPicPr>
+          <p:cNvPr id="6" name="図 5">
+            <a:extLst>
+              <a:ext uri="{FF2B5EF4-FFF2-40B4-BE49-F238E27FC236}">
+                <a16:creationId xmlns:a16="http://schemas.microsoft.com/office/drawing/2014/main" id="{C6A43436-C9D4-4BAB-B661-217C49597ABB}"/>
+              </a:ext>
+            </a:extLst>
+          </p:cNvPr>
+          <p:cNvPicPr>
+            <a:picLocks noChangeAspect="1"/>
+          </p:cNvPicPr>
+          <p:nvPr/>
+        </p:nvPicPr>
+        <p:blipFill>
+          <a:blip r:embed="rId2">
+            <a:extLst>
+              <a:ext uri="{28A0092B-C50C-407E-A947-70E740481C1C}">
+                <a14:useLocalDpi xmlns:a14="http://schemas.microsoft.com/office/drawing/2010/main" val="0"/>
+              </a:ext>
+            </a:extLst>
+          </a:blip>
+          <a:stretch>
+            <a:fillRect/>
+          </a:stretch>
+        </p:blipFill>
+        <p:spPr>
+          <a:xfrm>
+            <a:off x="1763688" y="3140968"/>
+            <a:ext cx="4248472" cy="2323810"/>
+          </a:xfrm>
+          <a:prstGeom prst="rect">
+            <a:avLst/>
+          </a:prstGeom>
+        </p:spPr>
+      </p:pic>
+    </p:spTree>
+    <p:extLst>
+      <p:ext uri="{BB962C8B-B14F-4D97-AF65-F5344CB8AC3E}">
+        <p14:creationId xmlns:p14="http://schemas.microsoft.com/office/powerpoint/2010/main" val="4108625531"/>
       </p:ext>
     </p:extLst>
   </p:cSld>

--- a/lec/anninbon6.pptx
+++ b/lec/anninbon6.pptx
@@ -5,10 +5,10 @@
     <p:sldMasterId id="2147483706" r:id="rId1"/>
   </p:sldMasterIdLst>
   <p:notesMasterIdLst>
-    <p:notesMasterId r:id="rId32"/>
+    <p:notesMasterId r:id="rId40"/>
   </p:notesMasterIdLst>
   <p:handoutMasterIdLst>
-    <p:handoutMasterId r:id="rId33"/>
+    <p:handoutMasterId r:id="rId41"/>
   </p:handoutMasterIdLst>
   <p:sldIdLst>
     <p:sldId id="552" r:id="rId2"/>
@@ -41,6 +41,14 @@
     <p:sldId id="598" r:id="rId29"/>
     <p:sldId id="599" r:id="rId30"/>
     <p:sldId id="600" r:id="rId31"/>
+    <p:sldId id="601" r:id="rId32"/>
+    <p:sldId id="602" r:id="rId33"/>
+    <p:sldId id="603" r:id="rId34"/>
+    <p:sldId id="604" r:id="rId35"/>
+    <p:sldId id="605" r:id="rId36"/>
+    <p:sldId id="606" r:id="rId37"/>
+    <p:sldId id="607" r:id="rId38"/>
+    <p:sldId id="608" r:id="rId39"/>
   </p:sldIdLst>
   <p:sldSz cx="9144000" cy="6858000" type="screen4x3"/>
   <p:notesSz cx="7099300" cy="10234613"/>
@@ -204,6 +212,14 @@
             <p14:sldId id="598"/>
             <p14:sldId id="599"/>
             <p14:sldId id="600"/>
+            <p14:sldId id="601"/>
+            <p14:sldId id="602"/>
+            <p14:sldId id="603"/>
+            <p14:sldId id="604"/>
+            <p14:sldId id="605"/>
+            <p14:sldId id="606"/>
+            <p14:sldId id="607"/>
+            <p14:sldId id="608"/>
           </p14:sldIdLst>
         </p14:section>
       </p14:sectionLst>
@@ -5576,8 +5592,8 @@
           <a:chExt cx="0" cy="0"/>
         </a:xfrm>
       </p:grpSpPr>
-      <mc:AlternateContent xmlns:mc="http://schemas.openxmlformats.org/markup-compatibility/2006">
-        <mc:Choice xmlns:a14="http://schemas.microsoft.com/office/drawing/2010/main" Requires="a14">
+      <mc:AlternateContent xmlns:mc="http://schemas.openxmlformats.org/markup-compatibility/2006" xmlns:a14="http://schemas.microsoft.com/office/drawing/2010/main">
+        <mc:Choice Requires="a14">
           <p:sp>
             <p:nvSpPr>
               <p:cNvPr id="2" name="コンテンツ プレースホルダー 1">
@@ -5863,7 +5879,7 @@
             </p:txBody>
           </p:sp>
         </mc:Choice>
-        <mc:Fallback>
+        <mc:Fallback xmlns="">
           <p:sp>
             <p:nvSpPr>
               <p:cNvPr id="2" name="コンテンツ プレースホルダー 1">
@@ -6003,8 +6019,8 @@
           </a:prstGeom>
         </p:spPr>
       </p:pic>
-      <mc:AlternateContent xmlns:mc="http://schemas.openxmlformats.org/markup-compatibility/2006">
-        <mc:Choice xmlns:a14="http://schemas.microsoft.com/office/drawing/2010/main" Requires="a14">
+      <mc:AlternateContent xmlns:mc="http://schemas.openxmlformats.org/markup-compatibility/2006" xmlns:a14="http://schemas.microsoft.com/office/drawing/2010/main">
+        <mc:Choice Requires="a14">
           <p:sp>
             <p:nvSpPr>
               <p:cNvPr id="8" name="テキスト ボックス 7">
@@ -6104,7 +6120,7 @@
             </p:txBody>
           </p:sp>
         </mc:Choice>
-        <mc:Fallback>
+        <mc:Fallback xmlns="">
           <p:sp>
             <p:nvSpPr>
               <p:cNvPr id="8" name="テキスト ボックス 7">
@@ -6152,8 +6168,8 @@
           </p:sp>
         </mc:Fallback>
       </mc:AlternateContent>
-      <mc:AlternateContent xmlns:mc="http://schemas.openxmlformats.org/markup-compatibility/2006">
-        <mc:Choice xmlns:a14="http://schemas.microsoft.com/office/drawing/2010/main" Requires="a14">
+      <mc:AlternateContent xmlns:mc="http://schemas.openxmlformats.org/markup-compatibility/2006" xmlns:a14="http://schemas.microsoft.com/office/drawing/2010/main">
+        <mc:Choice Requires="a14">
           <p:sp>
             <p:nvSpPr>
               <p:cNvPr id="9" name="テキスト ボックス 8">
@@ -6185,6 +6201,7 @@
               </a:bodyPr>
               <a:lstStyle/>
               <a:p>
+                <a:pPr/>
                 <a14:m>
                   <m:oMathPara xmlns:m="http://schemas.openxmlformats.org/officeDocument/2006/math">
                     <m:oMathParaPr>
@@ -6240,7 +6257,7 @@
             </p:txBody>
           </p:sp>
         </mc:Choice>
-        <mc:Fallback>
+        <mc:Fallback xmlns="">
           <p:sp>
             <p:nvSpPr>
               <p:cNvPr id="9" name="テキスト ボックス 8">
@@ -7181,8 +7198,8 @@
           <a:chExt cx="0" cy="0"/>
         </a:xfrm>
       </p:grpSpPr>
-      <mc:AlternateContent xmlns:mc="http://schemas.openxmlformats.org/markup-compatibility/2006">
-        <mc:Choice xmlns:a14="http://schemas.microsoft.com/office/drawing/2010/main" Requires="a14">
+      <mc:AlternateContent xmlns:mc="http://schemas.openxmlformats.org/markup-compatibility/2006" xmlns:a14="http://schemas.microsoft.com/office/drawing/2010/main">
+        <mc:Choice Requires="a14">
           <p:sp>
             <p:nvSpPr>
               <p:cNvPr id="2" name="コンテンツ プレースホルダー 1">
@@ -7680,7 +7697,7 @@
             </p:txBody>
           </p:sp>
         </mc:Choice>
-        <mc:Fallback>
+        <mc:Fallback xmlns="">
           <p:sp>
             <p:nvSpPr>
               <p:cNvPr id="2" name="コンテンツ プレースホルダー 1">
@@ -7820,8 +7837,8 @@
           <a:chExt cx="0" cy="0"/>
         </a:xfrm>
       </p:grpSpPr>
-      <mc:AlternateContent xmlns:mc="http://schemas.openxmlformats.org/markup-compatibility/2006">
-        <mc:Choice xmlns:a14="http://schemas.microsoft.com/office/drawing/2010/main" Requires="a14">
+      <mc:AlternateContent xmlns:mc="http://schemas.openxmlformats.org/markup-compatibility/2006" xmlns:a14="http://schemas.microsoft.com/office/drawing/2010/main">
+        <mc:Choice Requires="a14">
           <p:sp>
             <p:nvSpPr>
               <p:cNvPr id="2" name="コンテンツ プレースホルダー 1">
@@ -8237,7 +8254,7 @@
             </p:txBody>
           </p:sp>
         </mc:Choice>
-        <mc:Fallback>
+        <mc:Fallback xmlns="">
           <p:sp>
             <p:nvSpPr>
               <p:cNvPr id="2" name="コンテンツ プレースホルダー 1">
@@ -8846,8 +8863,8 @@
           <a:chExt cx="0" cy="0"/>
         </a:xfrm>
       </p:grpSpPr>
-      <mc:AlternateContent xmlns:mc="http://schemas.openxmlformats.org/markup-compatibility/2006">
-        <mc:Choice xmlns:a14="http://schemas.microsoft.com/office/drawing/2010/main" Requires="a14">
+      <mc:AlternateContent xmlns:mc="http://schemas.openxmlformats.org/markup-compatibility/2006" xmlns:a14="http://schemas.microsoft.com/office/drawing/2010/main">
+        <mc:Choice Requires="a14">
           <p:sp>
             <p:nvSpPr>
               <p:cNvPr id="2" name="コンテンツ プレースホルダー 1">
@@ -8996,7 +9013,7 @@
             </p:txBody>
           </p:sp>
         </mc:Choice>
-        <mc:Fallback>
+        <mc:Fallback xmlns="">
           <p:sp>
             <p:nvSpPr>
               <p:cNvPr id="2" name="コンテンツ プレースホルダー 1">
@@ -9181,8 +9198,8 @@
           <a:chExt cx="0" cy="0"/>
         </a:xfrm>
       </p:grpSpPr>
-      <mc:AlternateContent xmlns:mc="http://schemas.openxmlformats.org/markup-compatibility/2006">
-        <mc:Choice xmlns:a14="http://schemas.microsoft.com/office/drawing/2010/main" Requires="a14">
+      <mc:AlternateContent xmlns:mc="http://schemas.openxmlformats.org/markup-compatibility/2006" xmlns:a14="http://schemas.microsoft.com/office/drawing/2010/main">
+        <mc:Choice Requires="a14">
           <p:sp>
             <p:nvSpPr>
               <p:cNvPr id="2" name="コンテンツ プレースホルダー 1">
@@ -9409,7 +9426,7 @@
             </p:txBody>
           </p:sp>
         </mc:Choice>
-        <mc:Fallback>
+        <mc:Fallback xmlns="">
           <p:sp>
             <p:nvSpPr>
               <p:cNvPr id="2" name="コンテンツ プレースホルダー 1">
@@ -9491,8 +9508,8 @@
           </a:p>
         </p:txBody>
       </p:sp>
-      <mc:AlternateContent xmlns:mc="http://schemas.openxmlformats.org/markup-compatibility/2006">
-        <mc:Choice xmlns:a14="http://schemas.microsoft.com/office/drawing/2010/main" Requires="a14">
+      <mc:AlternateContent xmlns:mc="http://schemas.openxmlformats.org/markup-compatibility/2006" xmlns:a14="http://schemas.microsoft.com/office/drawing/2010/main">
+        <mc:Choice Requires="a14">
           <p:sp>
             <p:nvSpPr>
               <p:cNvPr id="4" name="タイトル 3">
@@ -9540,7 +9557,7 @@
             </p:txBody>
           </p:sp>
         </mc:Choice>
-        <mc:Fallback>
+        <mc:Fallback xmlns="">
           <p:sp>
             <p:nvSpPr>
               <p:cNvPr id="4" name="タイトル 3">
@@ -9646,8 +9663,8 @@
           <a:chExt cx="0" cy="0"/>
         </a:xfrm>
       </p:grpSpPr>
-      <mc:AlternateContent xmlns:mc="http://schemas.openxmlformats.org/markup-compatibility/2006">
-        <mc:Choice xmlns:a14="http://schemas.microsoft.com/office/drawing/2010/main" Requires="a14">
+      <mc:AlternateContent xmlns:mc="http://schemas.openxmlformats.org/markup-compatibility/2006" xmlns:a14="http://schemas.microsoft.com/office/drawing/2010/main">
+        <mc:Choice Requires="a14">
           <p:sp>
             <p:nvSpPr>
               <p:cNvPr id="2" name="コンテンツ プレースホルダー 1">
@@ -9770,7 +9787,7 @@
             </p:txBody>
           </p:sp>
         </mc:Choice>
-        <mc:Fallback>
+        <mc:Fallback xmlns="">
           <p:sp>
             <p:nvSpPr>
               <p:cNvPr id="2" name="コンテンツ プレースホルダー 1">
@@ -9947,8 +9964,8 @@
           <a:chExt cx="0" cy="0"/>
         </a:xfrm>
       </p:grpSpPr>
-      <mc:AlternateContent xmlns:mc="http://schemas.openxmlformats.org/markup-compatibility/2006">
-        <mc:Choice xmlns:a14="http://schemas.microsoft.com/office/drawing/2010/main" Requires="a14">
+      <mc:AlternateContent xmlns:mc="http://schemas.openxmlformats.org/markup-compatibility/2006" xmlns:a14="http://schemas.microsoft.com/office/drawing/2010/main">
+        <mc:Choice Requires="a14">
           <p:sp>
             <p:nvSpPr>
               <p:cNvPr id="2" name="コンテンツ プレースホルダー 1">
@@ -10020,7 +10037,7 @@
             </p:txBody>
           </p:sp>
         </mc:Choice>
-        <mc:Fallback>
+        <mc:Fallback xmlns="">
           <p:sp>
             <p:nvSpPr>
               <p:cNvPr id="2" name="コンテンツ プレースホルダー 1">
@@ -11641,6 +11658,2836 @@
     <p:extLst>
       <p:ext uri="{BB962C8B-B14F-4D97-AF65-F5344CB8AC3E}">
         <p14:creationId xmlns:p14="http://schemas.microsoft.com/office/powerpoint/2010/main" val="4108625531"/>
+      </p:ext>
+    </p:extLst>
+  </p:cSld>
+  <p:clrMapOvr>
+    <a:masterClrMapping/>
+  </p:clrMapOvr>
+</p:sld>
+</file>
+
+<file path=ppt/slides/slide31.xml><?xml version="1.0" encoding="utf-8"?>
+<p:sld xmlns:a="http://schemas.openxmlformats.org/drawingml/2006/main" xmlns:r="http://schemas.openxmlformats.org/officeDocument/2006/relationships" xmlns:p="http://schemas.openxmlformats.org/presentationml/2006/main">
+  <p:cSld>
+    <p:spTree>
+      <p:nvGrpSpPr>
+        <p:cNvPr id="1" name=""/>
+        <p:cNvGrpSpPr/>
+        <p:nvPr/>
+      </p:nvGrpSpPr>
+      <p:grpSpPr>
+        <a:xfrm>
+          <a:off x="0" y="0"/>
+          <a:ext cx="0" cy="0"/>
+          <a:chOff x="0" y="0"/>
+          <a:chExt cx="0" cy="0"/>
+        </a:xfrm>
+      </p:grpSpPr>
+      <p:pic>
+        <p:nvPicPr>
+          <p:cNvPr id="6" name="図 5">
+            <a:extLst>
+              <a:ext uri="{FF2B5EF4-FFF2-40B4-BE49-F238E27FC236}">
+                <a16:creationId xmlns:a16="http://schemas.microsoft.com/office/drawing/2014/main" id="{9A9510CD-B09D-4C27-B64A-C24AC9FDCCC2}"/>
+              </a:ext>
+            </a:extLst>
+          </p:cNvPr>
+          <p:cNvPicPr>
+            <a:picLocks noChangeAspect="1"/>
+          </p:cNvPicPr>
+          <p:nvPr/>
+        </p:nvPicPr>
+        <p:blipFill>
+          <a:blip r:embed="rId2">
+            <a:extLst>
+              <a:ext uri="{28A0092B-C50C-407E-A947-70E740481C1C}">
+                <a14:useLocalDpi xmlns:a14="http://schemas.microsoft.com/office/drawing/2010/main" val="0"/>
+              </a:ext>
+            </a:extLst>
+          </a:blip>
+          <a:stretch>
+            <a:fillRect/>
+          </a:stretch>
+        </p:blipFill>
+        <p:spPr>
+          <a:xfrm>
+            <a:off x="503548" y="3284984"/>
+            <a:ext cx="8136904" cy="2359702"/>
+          </a:xfrm>
+          <a:prstGeom prst="rect">
+            <a:avLst/>
+          </a:prstGeom>
+        </p:spPr>
+      </p:pic>
+      <mc:AlternateContent xmlns:mc="http://schemas.openxmlformats.org/markup-compatibility/2006">
+        <mc:Choice xmlns:a14="http://schemas.microsoft.com/office/drawing/2010/main" Requires="a14">
+          <p:sp>
+            <p:nvSpPr>
+              <p:cNvPr id="2" name="コンテンツ プレースホルダー 1">
+                <a:extLst>
+                  <a:ext uri="{FF2B5EF4-FFF2-40B4-BE49-F238E27FC236}">
+                    <a16:creationId xmlns:a16="http://schemas.microsoft.com/office/drawing/2014/main" id="{3AABD75A-6888-4AAF-8444-E613829A7E18}"/>
+                  </a:ext>
+                </a:extLst>
+              </p:cNvPr>
+              <p:cNvSpPr>
+                <a:spLocks noGrp="1"/>
+              </p:cNvSpPr>
+              <p:nvPr>
+                <p:ph idx="1"/>
+              </p:nvPr>
+            </p:nvSpPr>
+            <p:spPr/>
+            <p:txBody>
+              <a:bodyPr/>
+              <a:lstStyle/>
+              <a:p>
+                <a:r>
+                  <a:rPr kumimoji="1" lang="ja-JP" altLang="en-US"/>
+                  <a:t>衝突困難性を破る</a:t>
+                </a:r>
+                <a:endParaRPr kumimoji="1" lang="en-US" altLang="ja-JP"/>
+              </a:p>
+              <a:p>
+                <a:pPr lvl="1"/>
+                <a:r>
+                  <a:rPr kumimoji="1" lang="ja-JP" altLang="en-US"/>
+                  <a:t>何でもよいから</a:t>
+                </a:r>
+                <a14:m>
+                  <m:oMath xmlns:m="http://schemas.openxmlformats.org/officeDocument/2006/math">
+                    <m:r>
+                      <a:rPr kumimoji="1" lang="en-US" altLang="ja-JP" b="0" i="1" smtClean="0">
+                        <a:latin typeface="Cambria Math" panose="02040503050406030204" pitchFamily="18" charset="0"/>
+                      </a:rPr>
+                      <m:t>h</m:t>
+                    </m:r>
+                    <m:d>
+                      <m:dPr>
+                        <m:ctrlPr>
+                          <a:rPr kumimoji="1" lang="en-US" altLang="ja-JP" b="0" i="1" smtClean="0">
+                            <a:latin typeface="Cambria Math" panose="02040503050406030204" pitchFamily="18" charset="0"/>
+                          </a:rPr>
+                        </m:ctrlPr>
+                      </m:dPr>
+                      <m:e>
+                        <m:r>
+                          <a:rPr kumimoji="1" lang="en-US" altLang="ja-JP" b="0" i="1" smtClean="0">
+                            <a:latin typeface="Cambria Math" panose="02040503050406030204" pitchFamily="18" charset="0"/>
+                          </a:rPr>
+                          <m:t>𝑋</m:t>
+                        </m:r>
+                      </m:e>
+                    </m:d>
+                    <m:r>
+                      <a:rPr kumimoji="1" lang="en-US" altLang="ja-JP" b="0" i="1" smtClean="0">
+                        <a:latin typeface="Cambria Math" panose="02040503050406030204" pitchFamily="18" charset="0"/>
+                      </a:rPr>
+                      <m:t>=</m:t>
+                    </m:r>
+                    <m:r>
+                      <a:rPr kumimoji="1" lang="en-US" altLang="ja-JP" b="0" i="1" smtClean="0">
+                        <a:latin typeface="Cambria Math" panose="02040503050406030204" pitchFamily="18" charset="0"/>
+                      </a:rPr>
+                      <m:t>h</m:t>
+                    </m:r>
+                    <m:r>
+                      <a:rPr kumimoji="1" lang="en-US" altLang="ja-JP" b="0" i="1" smtClean="0">
+                        <a:latin typeface="Cambria Math" panose="02040503050406030204" pitchFamily="18" charset="0"/>
+                      </a:rPr>
+                      <m:t>(</m:t>
+                    </m:r>
+                    <m:sSup>
+                      <m:sSupPr>
+                        <m:ctrlPr>
+                          <a:rPr kumimoji="1" lang="en-US" altLang="ja-JP" b="0" i="1" smtClean="0">
+                            <a:latin typeface="Cambria Math" panose="02040503050406030204" pitchFamily="18" charset="0"/>
+                          </a:rPr>
+                        </m:ctrlPr>
+                      </m:sSupPr>
+                      <m:e>
+                        <m:r>
+                          <a:rPr kumimoji="1" lang="en-US" altLang="ja-JP" b="0" i="1" smtClean="0">
+                            <a:latin typeface="Cambria Math" panose="02040503050406030204" pitchFamily="18" charset="0"/>
+                          </a:rPr>
+                          <m:t>𝑋</m:t>
+                        </m:r>
+                      </m:e>
+                      <m:sup>
+                        <m:r>
+                          <a:rPr kumimoji="1" lang="en-US" altLang="ja-JP" b="0" i="1" smtClean="0">
+                            <a:latin typeface="Cambria Math" panose="02040503050406030204" pitchFamily="18" charset="0"/>
+                          </a:rPr>
+                          <m:t>′</m:t>
+                        </m:r>
+                      </m:sup>
+                    </m:sSup>
+                    <m:r>
+                      <a:rPr kumimoji="1" lang="en-US" altLang="ja-JP" b="0" i="1" smtClean="0">
+                        <a:latin typeface="Cambria Math" panose="02040503050406030204" pitchFamily="18" charset="0"/>
+                      </a:rPr>
+                      <m:t>)</m:t>
+                    </m:r>
+                  </m:oMath>
+                </a14:m>
+                <a:r>
+                  <a:rPr kumimoji="1" lang="ja-JP" altLang="en-US"/>
+                  <a:t>となる異なる</a:t>
+                </a:r>
+                <a14:m>
+                  <m:oMath xmlns:m="http://schemas.openxmlformats.org/officeDocument/2006/math">
+                    <m:r>
+                      <a:rPr kumimoji="1" lang="en-US" altLang="ja-JP" b="0" i="1" smtClean="0">
+                        <a:latin typeface="Cambria Math" panose="02040503050406030204" pitchFamily="18" charset="0"/>
+                      </a:rPr>
+                      <m:t>𝑋</m:t>
+                    </m:r>
+                    <m:r>
+                      <a:rPr kumimoji="1" lang="en-US" altLang="ja-JP" b="0" i="1" smtClean="0">
+                        <a:latin typeface="Cambria Math" panose="02040503050406030204" pitchFamily="18" charset="0"/>
+                      </a:rPr>
+                      <m:t>, </m:t>
+                    </m:r>
+                    <m:r>
+                      <a:rPr kumimoji="1" lang="en-US" altLang="ja-JP" b="0" i="1" smtClean="0">
+                        <a:latin typeface="Cambria Math" panose="02040503050406030204" pitchFamily="18" charset="0"/>
+                      </a:rPr>
+                      <m:t>𝑋</m:t>
+                    </m:r>
+                    <m:r>
+                      <a:rPr kumimoji="1" lang="en-US" altLang="ja-JP" b="0" i="1" smtClean="0">
+                        <a:latin typeface="Cambria Math" panose="02040503050406030204" pitchFamily="18" charset="0"/>
+                      </a:rPr>
+                      <m:t>′</m:t>
+                    </m:r>
+                  </m:oMath>
+                </a14:m>
+                <a:r>
+                  <a:rPr kumimoji="1" lang="ja-JP" altLang="en-US"/>
+                  <a:t>を見つける</a:t>
+                </a:r>
+                <a:endParaRPr kumimoji="1" lang="en-US" altLang="ja-JP"/>
+              </a:p>
+              <a:p>
+                <a:pPr lvl="1"/>
+                <a:r>
+                  <a:rPr kumimoji="1" lang="ja-JP" altLang="en-US"/>
+                  <a:t>見つけた</a:t>
+                </a:r>
+                <a14:m>
+                  <m:oMath xmlns:m="http://schemas.openxmlformats.org/officeDocument/2006/math">
+                    <m:r>
+                      <a:rPr kumimoji="1" lang="en-US" altLang="ja-JP" b="0" i="1" smtClean="0">
+                        <a:latin typeface="Cambria Math" panose="02040503050406030204" pitchFamily="18" charset="0"/>
+                      </a:rPr>
+                      <m:t>𝑋</m:t>
+                    </m:r>
+                  </m:oMath>
+                </a14:m>
+                <a:r>
+                  <a:rPr kumimoji="1" lang="ja-JP" altLang="en-US"/>
+                  <a:t>や</a:t>
+                </a:r>
+                <a14:m>
+                  <m:oMath xmlns:m="http://schemas.openxmlformats.org/officeDocument/2006/math">
+                    <m:r>
+                      <a:rPr kumimoji="1" lang="en-US" altLang="ja-JP" b="0" i="1" smtClean="0">
+                        <a:latin typeface="Cambria Math" panose="02040503050406030204" pitchFamily="18" charset="0"/>
+                      </a:rPr>
+                      <m:t>𝑋</m:t>
+                    </m:r>
+                    <m:r>
+                      <a:rPr kumimoji="1" lang="en-US" altLang="ja-JP" b="0" i="1" smtClean="0">
+                        <a:latin typeface="Cambria Math" panose="02040503050406030204" pitchFamily="18" charset="0"/>
+                      </a:rPr>
+                      <m:t>′</m:t>
+                    </m:r>
+                  </m:oMath>
+                </a14:m>
+                <a:r>
+                  <a:rPr kumimoji="1" lang="ja-JP" altLang="en-US"/>
+                  <a:t>が「たまたま</a:t>
+                </a:r>
+                <a:r>
+                  <a:rPr kumimoji="1" lang="en-US" altLang="ja-JP"/>
+                  <a:t>PDF</a:t>
+                </a:r>
+                <a:r>
+                  <a:rPr kumimoji="1" lang="ja-JP" altLang="en-US"/>
+                  <a:t>」であることはありえない</a:t>
+                </a:r>
+                <a:endParaRPr kumimoji="1" lang="en-US" altLang="ja-JP"/>
+              </a:p>
+              <a:p>
+                <a:r>
+                  <a:rPr kumimoji="1" lang="ja-JP" altLang="en-US"/>
+                  <a:t>衝突した</a:t>
+                </a:r>
+                <a:r>
+                  <a:rPr kumimoji="1" lang="en-US" altLang="ja-JP"/>
+                  <a:t>2</a:t>
+                </a:r>
+                <a:r>
+                  <a:rPr kumimoji="1" lang="ja-JP" altLang="en-US"/>
+                  <a:t>個の</a:t>
+                </a:r>
+                <a:r>
+                  <a:rPr kumimoji="1" lang="en-US" altLang="ja-JP"/>
+                  <a:t>PDF</a:t>
+                </a:r>
+              </a:p>
+              <a:p>
+                <a:pPr lvl="1"/>
+                <a:r>
+                  <a:rPr kumimoji="1" lang="ja-JP" altLang="en-US"/>
+                  <a:t>違いは</a:t>
+                </a:r>
+                <a:r>
+                  <a:rPr kumimoji="1" lang="en-US" altLang="ja-JP"/>
+                  <a:t>422435byte</a:t>
+                </a:r>
+                <a:r>
+                  <a:rPr kumimoji="1" lang="ja-JP" altLang="en-US"/>
+                  <a:t>中のたった</a:t>
+                </a:r>
+                <a:r>
+                  <a:rPr kumimoji="1" lang="en-US" altLang="ja-JP"/>
+                  <a:t>62byte</a:t>
+                </a:r>
+                <a:r>
+                  <a:rPr kumimoji="1" lang="ja-JP" altLang="en-US"/>
+                  <a:t>だけ</a:t>
+                </a:r>
+                <a:endParaRPr kumimoji="1" lang="en-US" altLang="ja-JP"/>
+              </a:p>
+              <a:p>
+                <a:pPr lvl="1"/>
+                <a:endParaRPr lang="en-US" altLang="ja-JP"/>
+              </a:p>
+              <a:p>
+                <a:pPr lvl="1"/>
+                <a:endParaRPr kumimoji="1" lang="en-US" altLang="ja-JP"/>
+              </a:p>
+              <a:p>
+                <a:pPr lvl="1"/>
+                <a:endParaRPr lang="en-US" altLang="ja-JP"/>
+              </a:p>
+              <a:p>
+                <a:pPr lvl="1"/>
+                <a:endParaRPr kumimoji="1" lang="en-US" altLang="ja-JP"/>
+              </a:p>
+              <a:p>
+                <a:pPr lvl="1"/>
+                <a:endParaRPr lang="en-US" altLang="ja-JP"/>
+              </a:p>
+              <a:p>
+                <a:r>
+                  <a:rPr kumimoji="1" lang="ja-JP" altLang="en-US"/>
+                  <a:t>疑問</a:t>
+                </a:r>
+                <a:endParaRPr kumimoji="1" lang="en-US" altLang="ja-JP"/>
+              </a:p>
+              <a:p>
+                <a:pPr lvl="1"/>
+                <a:r>
+                  <a:rPr kumimoji="1" lang="ja-JP" altLang="en-US"/>
+                  <a:t>どうやってそのようなファイルを探したのか</a:t>
+                </a:r>
+                <a:endParaRPr kumimoji="1" lang="en-US" altLang="ja-JP"/>
+              </a:p>
+              <a:p>
+                <a:pPr lvl="1"/>
+                <a:r>
+                  <a:rPr kumimoji="1" lang="ja-JP" altLang="en-US"/>
+                  <a:t>なぜ異なる画像が表示されているのか</a:t>
+                </a:r>
+              </a:p>
+            </p:txBody>
+          </p:sp>
+        </mc:Choice>
+        <mc:Fallback>
+          <p:sp>
+            <p:nvSpPr>
+              <p:cNvPr id="2" name="コンテンツ プレースホルダー 1">
+                <a:extLst>
+                  <a:ext uri="{FF2B5EF4-FFF2-40B4-BE49-F238E27FC236}">
+                    <a16:creationId xmlns:a16="http://schemas.microsoft.com/office/drawing/2014/main" id="{3AABD75A-6888-4AAF-8444-E613829A7E18}"/>
+                  </a:ext>
+                </a:extLst>
+              </p:cNvPr>
+              <p:cNvSpPr>
+                <a:spLocks noGrp="1" noRot="1" noChangeAspect="1" noMove="1" noResize="1" noEditPoints="1" noAdjustHandles="1" noChangeArrowheads="1" noChangeShapeType="1" noTextEdit="1"/>
+              </p:cNvSpPr>
+              <p:nvPr>
+                <p:ph idx="1"/>
+              </p:nvPr>
+            </p:nvSpPr>
+            <p:spPr>
+              <a:blipFill>
+                <a:blip r:embed="rId3"/>
+                <a:stretch>
+                  <a:fillRect l="-1200" t="-1038" b="-7061"/>
+                </a:stretch>
+              </a:blipFill>
+            </p:spPr>
+            <p:txBody>
+              <a:bodyPr/>
+              <a:lstStyle/>
+              <a:p>
+                <a:r>
+                  <a:rPr lang="ja-JP" altLang="en-US">
+                    <a:noFill/>
+                  </a:rPr>
+                  <a:t> </a:t>
+                </a:r>
+              </a:p>
+            </p:txBody>
+          </p:sp>
+        </mc:Fallback>
+      </mc:AlternateContent>
+      <p:sp>
+        <p:nvSpPr>
+          <p:cNvPr id="3" name="スライド番号プレースホルダー 2">
+            <a:extLst>
+              <a:ext uri="{FF2B5EF4-FFF2-40B4-BE49-F238E27FC236}">
+                <a16:creationId xmlns:a16="http://schemas.microsoft.com/office/drawing/2014/main" id="{B36D7BFD-3291-45EB-98DC-130753C1DCBC}"/>
+              </a:ext>
+            </a:extLst>
+          </p:cNvPr>
+          <p:cNvSpPr>
+            <a:spLocks noGrp="1"/>
+          </p:cNvSpPr>
+          <p:nvPr>
+            <p:ph type="sldNum" sz="quarter" idx="12"/>
+          </p:nvPr>
+        </p:nvSpPr>
+        <p:spPr/>
+        <p:txBody>
+          <a:bodyPr/>
+          <a:lstStyle/>
+          <a:p>
+            <a:pPr>
+              <a:defRPr/>
+            </a:pPr>
+            <a:r>
+              <a:rPr lang="en-US" altLang="ja-JP"/>
+              <a:t>    </a:t>
+            </a:r>
+            <a:fld id="{B2782DEB-472A-4FE5-AC34-C17109CF5A91}" type="slidenum">
+              <a:rPr lang="en-US" altLang="ja-JP" smtClean="0"/>
+              <a:pPr>
+                <a:defRPr/>
+              </a:pPr>
+              <a:t>31</a:t>
+            </a:fld>
+            <a:r>
+              <a:rPr lang="en-US" altLang="ja-JP"/>
+              <a:t> / 24</a:t>
+            </a:r>
+          </a:p>
+        </p:txBody>
+      </p:sp>
+      <p:sp>
+        <p:nvSpPr>
+          <p:cNvPr id="4" name="タイトル 3">
+            <a:extLst>
+              <a:ext uri="{FF2B5EF4-FFF2-40B4-BE49-F238E27FC236}">
+                <a16:creationId xmlns:a16="http://schemas.microsoft.com/office/drawing/2014/main" id="{F6659A98-13C4-463F-A4EC-AEC813BF7D34}"/>
+              </a:ext>
+            </a:extLst>
+          </p:cNvPr>
+          <p:cNvSpPr>
+            <a:spLocks noGrp="1"/>
+          </p:cNvSpPr>
+          <p:nvPr>
+            <p:ph type="title"/>
+          </p:nvPr>
+        </p:nvSpPr>
+        <p:spPr/>
+        <p:txBody>
+          <a:bodyPr/>
+          <a:lstStyle/>
+          <a:p>
+            <a:r>
+              <a:rPr kumimoji="1" lang="ja-JP" altLang="en-US"/>
+              <a:t>衝突した</a:t>
+            </a:r>
+            <a:r>
+              <a:rPr kumimoji="1" lang="en-US" altLang="ja-JP"/>
+              <a:t>2</a:t>
+            </a:r>
+            <a:r>
+              <a:rPr kumimoji="1" lang="ja-JP" altLang="en-US"/>
+              <a:t>個の</a:t>
+            </a:r>
+            <a:r>
+              <a:rPr kumimoji="1" lang="en-US" altLang="ja-JP"/>
+              <a:t>PDF</a:t>
+            </a:r>
+            <a:endParaRPr kumimoji="1" lang="ja-JP" altLang="en-US"/>
+          </a:p>
+        </p:txBody>
+      </p:sp>
+    </p:spTree>
+    <p:extLst>
+      <p:ext uri="{BB962C8B-B14F-4D97-AF65-F5344CB8AC3E}">
+        <p14:creationId xmlns:p14="http://schemas.microsoft.com/office/powerpoint/2010/main" val="3391357524"/>
+      </p:ext>
+    </p:extLst>
+  </p:cSld>
+  <p:clrMapOvr>
+    <a:masterClrMapping/>
+  </p:clrMapOvr>
+</p:sld>
+</file>
+
+<file path=ppt/slides/slide32.xml><?xml version="1.0" encoding="utf-8"?>
+<p:sld xmlns:a="http://schemas.openxmlformats.org/drawingml/2006/main" xmlns:r="http://schemas.openxmlformats.org/officeDocument/2006/relationships" xmlns:p="http://schemas.openxmlformats.org/presentationml/2006/main">
+  <p:cSld>
+    <p:spTree>
+      <p:nvGrpSpPr>
+        <p:cNvPr id="1" name=""/>
+        <p:cNvGrpSpPr/>
+        <p:nvPr/>
+      </p:nvGrpSpPr>
+      <p:grpSpPr>
+        <a:xfrm>
+          <a:off x="0" y="0"/>
+          <a:ext cx="0" cy="0"/>
+          <a:chOff x="0" y="0"/>
+          <a:chExt cx="0" cy="0"/>
+        </a:xfrm>
+      </p:grpSpPr>
+      <mc:AlternateContent xmlns:mc="http://schemas.openxmlformats.org/markup-compatibility/2006">
+        <mc:Choice xmlns:a14="http://schemas.microsoft.com/office/drawing/2010/main" Requires="a14">
+          <p:sp>
+            <p:nvSpPr>
+              <p:cNvPr id="2" name="コンテンツ プレースホルダー 1">
+                <a:extLst>
+                  <a:ext uri="{FF2B5EF4-FFF2-40B4-BE49-F238E27FC236}">
+                    <a16:creationId xmlns:a16="http://schemas.microsoft.com/office/drawing/2014/main" id="{38465BC3-394C-42A6-9CC2-39ADE9638741}"/>
+                  </a:ext>
+                </a:extLst>
+              </p:cNvPr>
+              <p:cNvSpPr>
+                <a:spLocks noGrp="1"/>
+              </p:cNvSpPr>
+              <p:nvPr>
+                <p:ph idx="1"/>
+              </p:nvPr>
+            </p:nvSpPr>
+            <p:spPr/>
+            <p:txBody>
+              <a:bodyPr/>
+              <a:lstStyle/>
+              <a:p>
+                <a:r>
+                  <a:rPr lang="en-US" altLang="ja-JP"/>
+                  <a:t>Merkle–Damgård</a:t>
+                </a:r>
+                <a:r>
+                  <a:rPr lang="ja-JP" altLang="en-US"/>
+                  <a:t>構成</a:t>
+                </a:r>
+                <a:endParaRPr lang="en-US" altLang="ja-JP"/>
+              </a:p>
+              <a:p>
+                <a:pPr lvl="1"/>
+                <a:r>
+                  <a:rPr kumimoji="1" lang="ja-JP" altLang="en-US"/>
+                  <a:t>入力データをブロックに分割して内部状態を圧縮関数</a:t>
+                </a:r>
+                <a14:m>
+                  <m:oMath xmlns:m="http://schemas.openxmlformats.org/officeDocument/2006/math">
+                    <m:r>
+                      <a:rPr kumimoji="1" lang="en-US" altLang="ja-JP" b="0" i="1" smtClean="0">
+                        <a:latin typeface="Cambria Math" panose="02040503050406030204" pitchFamily="18" charset="0"/>
+                      </a:rPr>
+                      <m:t>𝑓</m:t>
+                    </m:r>
+                  </m:oMath>
+                </a14:m>
+                <a:r>
+                  <a:rPr kumimoji="1" lang="ja-JP" altLang="en-US"/>
+                  <a:t>で更新</a:t>
+                </a:r>
+                <a:endParaRPr kumimoji="1" lang="en-US" altLang="ja-JP"/>
+              </a:p>
+              <a:p>
+                <a:pPr lvl="1"/>
+                <a:r>
+                  <a:rPr kumimoji="1" lang="ja-JP" altLang="en-US"/>
+                  <a:t>途中で内部状態が衝突</a:t>
+                </a:r>
+                <a:r>
+                  <a:rPr kumimoji="1" lang="en-US" altLang="ja-JP"/>
+                  <a:t>(</a:t>
+                </a:r>
+                <a:r>
+                  <a:rPr kumimoji="1" lang="ja-JP" altLang="en-US"/>
+                  <a:t>同じになる</a:t>
+                </a:r>
+                <a:r>
+                  <a:rPr kumimoji="1" lang="en-US" altLang="ja-JP"/>
+                  <a:t>)</a:t>
+                </a:r>
+                <a:r>
+                  <a:rPr kumimoji="1" lang="ja-JP" altLang="en-US"/>
+                  <a:t>とそれ以降が同じなら</a:t>
+                </a:r>
+                <a:br>
+                  <a:rPr kumimoji="1" lang="en-US" altLang="ja-JP"/>
+                </a:br>
+                <a:r>
+                  <a:rPr kumimoji="1" lang="ja-JP" altLang="en-US"/>
+                  <a:t>ずっと同じ内部状態</a:t>
+                </a:r>
+              </a:p>
+            </p:txBody>
+          </p:sp>
+        </mc:Choice>
+        <mc:Fallback>
+          <p:sp>
+            <p:nvSpPr>
+              <p:cNvPr id="2" name="コンテンツ プレースホルダー 1">
+                <a:extLst>
+                  <a:ext uri="{FF2B5EF4-FFF2-40B4-BE49-F238E27FC236}">
+                    <a16:creationId xmlns:a16="http://schemas.microsoft.com/office/drawing/2014/main" id="{38465BC3-394C-42A6-9CC2-39ADE9638741}"/>
+                  </a:ext>
+                </a:extLst>
+              </p:cNvPr>
+              <p:cNvSpPr>
+                <a:spLocks noGrp="1" noRot="1" noChangeAspect="1" noMove="1" noResize="1" noEditPoints="1" noAdjustHandles="1" noChangeArrowheads="1" noChangeShapeType="1" noTextEdit="1"/>
+              </p:cNvSpPr>
+              <p:nvPr>
+                <p:ph idx="1"/>
+              </p:nvPr>
+            </p:nvSpPr>
+            <p:spPr>
+              <a:blipFill>
+                <a:blip r:embed="rId2"/>
+                <a:stretch>
+                  <a:fillRect l="-1200" t="-1454" r="-467"/>
+                </a:stretch>
+              </a:blipFill>
+            </p:spPr>
+            <p:txBody>
+              <a:bodyPr/>
+              <a:lstStyle/>
+              <a:p>
+                <a:r>
+                  <a:rPr lang="ja-JP" altLang="en-US">
+                    <a:noFill/>
+                  </a:rPr>
+                  <a:t> </a:t>
+                </a:r>
+              </a:p>
+            </p:txBody>
+          </p:sp>
+        </mc:Fallback>
+      </mc:AlternateContent>
+      <p:sp>
+        <p:nvSpPr>
+          <p:cNvPr id="3" name="スライド番号プレースホルダー 2">
+            <a:extLst>
+              <a:ext uri="{FF2B5EF4-FFF2-40B4-BE49-F238E27FC236}">
+                <a16:creationId xmlns:a16="http://schemas.microsoft.com/office/drawing/2014/main" id="{AEA12DC3-498D-4625-8F2A-C44A7D21337D}"/>
+              </a:ext>
+            </a:extLst>
+          </p:cNvPr>
+          <p:cNvSpPr>
+            <a:spLocks noGrp="1"/>
+          </p:cNvSpPr>
+          <p:nvPr>
+            <p:ph type="sldNum" sz="quarter" idx="12"/>
+          </p:nvPr>
+        </p:nvSpPr>
+        <p:spPr/>
+        <p:txBody>
+          <a:bodyPr/>
+          <a:lstStyle/>
+          <a:p>
+            <a:pPr>
+              <a:defRPr/>
+            </a:pPr>
+            <a:r>
+              <a:rPr lang="en-US" altLang="ja-JP"/>
+              <a:t>    </a:t>
+            </a:r>
+            <a:fld id="{B2782DEB-472A-4FE5-AC34-C17109CF5A91}" type="slidenum">
+              <a:rPr lang="en-US" altLang="ja-JP" smtClean="0"/>
+              <a:pPr>
+                <a:defRPr/>
+              </a:pPr>
+              <a:t>32</a:t>
+            </a:fld>
+            <a:r>
+              <a:rPr lang="en-US" altLang="ja-JP"/>
+              <a:t> / 24</a:t>
+            </a:r>
+          </a:p>
+        </p:txBody>
+      </p:sp>
+      <p:sp>
+        <p:nvSpPr>
+          <p:cNvPr id="4" name="タイトル 3">
+            <a:extLst>
+              <a:ext uri="{FF2B5EF4-FFF2-40B4-BE49-F238E27FC236}">
+                <a16:creationId xmlns:a16="http://schemas.microsoft.com/office/drawing/2014/main" id="{21CC995A-A6A6-4B85-8520-BA7054EA491B}"/>
+              </a:ext>
+            </a:extLst>
+          </p:cNvPr>
+          <p:cNvSpPr>
+            <a:spLocks noGrp="1"/>
+          </p:cNvSpPr>
+          <p:nvPr>
+            <p:ph type="title"/>
+          </p:nvPr>
+        </p:nvSpPr>
+        <p:spPr/>
+        <p:txBody>
+          <a:bodyPr/>
+          <a:lstStyle/>
+          <a:p>
+            <a:r>
+              <a:rPr kumimoji="1" lang="en-US" altLang="ja-JP"/>
+              <a:t>SHA-1</a:t>
+            </a:r>
+            <a:r>
+              <a:rPr kumimoji="1" lang="ja-JP" altLang="en-US"/>
+              <a:t>の構造</a:t>
+            </a:r>
+          </a:p>
+        </p:txBody>
+      </p:sp>
+      <p:pic>
+        <p:nvPicPr>
+          <p:cNvPr id="6" name="図 5">
+            <a:extLst>
+              <a:ext uri="{FF2B5EF4-FFF2-40B4-BE49-F238E27FC236}">
+                <a16:creationId xmlns:a16="http://schemas.microsoft.com/office/drawing/2014/main" id="{F8559D47-5668-46B6-A932-20E559DB4A93}"/>
+              </a:ext>
+            </a:extLst>
+          </p:cNvPr>
+          <p:cNvPicPr>
+            <a:picLocks noChangeAspect="1"/>
+          </p:cNvPicPr>
+          <p:nvPr/>
+        </p:nvPicPr>
+        <p:blipFill>
+          <a:blip r:embed="rId3">
+            <a:extLst>
+              <a:ext uri="{28A0092B-C50C-407E-A947-70E740481C1C}">
+                <a14:useLocalDpi xmlns:a14="http://schemas.microsoft.com/office/drawing/2010/main" val="0"/>
+              </a:ext>
+            </a:extLst>
+          </a:blip>
+          <a:stretch>
+            <a:fillRect/>
+          </a:stretch>
+        </p:blipFill>
+        <p:spPr>
+          <a:xfrm>
+            <a:off x="1439652" y="2544270"/>
+            <a:ext cx="6264696" cy="4103377"/>
+          </a:xfrm>
+          <a:prstGeom prst="rect">
+            <a:avLst/>
+          </a:prstGeom>
+        </p:spPr>
+      </p:pic>
+    </p:spTree>
+    <p:extLst>
+      <p:ext uri="{BB962C8B-B14F-4D97-AF65-F5344CB8AC3E}">
+        <p14:creationId xmlns:p14="http://schemas.microsoft.com/office/powerpoint/2010/main" val="1656817531"/>
+      </p:ext>
+    </p:extLst>
+  </p:cSld>
+  <p:clrMapOvr>
+    <a:masterClrMapping/>
+  </p:clrMapOvr>
+</p:sld>
+</file>
+
+<file path=ppt/slides/slide33.xml><?xml version="1.0" encoding="utf-8"?>
+<p:sld xmlns:a="http://schemas.openxmlformats.org/drawingml/2006/main" xmlns:r="http://schemas.openxmlformats.org/officeDocument/2006/relationships" xmlns:p="http://schemas.openxmlformats.org/presentationml/2006/main">
+  <p:cSld>
+    <p:spTree>
+      <p:nvGrpSpPr>
+        <p:cNvPr id="1" name=""/>
+        <p:cNvGrpSpPr/>
+        <p:nvPr/>
+      </p:nvGrpSpPr>
+      <p:grpSpPr>
+        <a:xfrm>
+          <a:off x="0" y="0"/>
+          <a:ext cx="0" cy="0"/>
+          <a:chOff x="0" y="0"/>
+          <a:chExt cx="0" cy="0"/>
+        </a:xfrm>
+      </p:grpSpPr>
+      <mc:AlternateContent xmlns:mc="http://schemas.openxmlformats.org/markup-compatibility/2006">
+        <mc:Choice xmlns:a14="http://schemas.microsoft.com/office/drawing/2010/main" Requires="a14">
+          <p:sp>
+            <p:nvSpPr>
+              <p:cNvPr id="2" name="コンテンツ プレースホルダー 1">
+                <a:extLst>
+                  <a:ext uri="{FF2B5EF4-FFF2-40B4-BE49-F238E27FC236}">
+                    <a16:creationId xmlns:a16="http://schemas.microsoft.com/office/drawing/2014/main" id="{E6ABDBF8-88A5-4B85-A2AC-1C8C68987215}"/>
+                  </a:ext>
+                </a:extLst>
+              </p:cNvPr>
+              <p:cNvSpPr>
+                <a:spLocks noGrp="1"/>
+              </p:cNvSpPr>
+              <p:nvPr>
+                <p:ph idx="1"/>
+              </p:nvPr>
+            </p:nvSpPr>
+            <p:spPr/>
+            <p:txBody>
+              <a:bodyPr/>
+              <a:lstStyle/>
+              <a:p>
+                <a:r>
+                  <a:rPr kumimoji="1" lang="ja-JP" altLang="en-US"/>
+                  <a:t>同じ内部状態</a:t>
+                </a:r>
+                <a14:m>
+                  <m:oMath xmlns:m="http://schemas.openxmlformats.org/officeDocument/2006/math">
+                    <m:sSub>
+                      <m:sSubPr>
+                        <m:ctrlPr>
+                          <a:rPr kumimoji="1" lang="en-US" altLang="ja-JP" b="0" i="1" smtClean="0">
+                            <a:latin typeface="Cambria Math" panose="02040503050406030204" pitchFamily="18" charset="0"/>
+                          </a:rPr>
+                        </m:ctrlPr>
+                      </m:sSubPr>
+                      <m:e>
+                        <m:r>
+                          <a:rPr kumimoji="1" lang="en-US" altLang="ja-JP" b="0" i="1" smtClean="0">
+                            <a:latin typeface="Cambria Math" panose="02040503050406030204" pitchFamily="18" charset="0"/>
+                          </a:rPr>
+                          <m:t>𝑆</m:t>
+                        </m:r>
+                      </m:e>
+                      <m:sub>
+                        <m:r>
+                          <a:rPr kumimoji="1" lang="en-US" altLang="ja-JP" b="0" i="1" smtClean="0">
+                            <a:latin typeface="Cambria Math" panose="02040503050406030204" pitchFamily="18" charset="0"/>
+                          </a:rPr>
+                          <m:t>0</m:t>
+                        </m:r>
+                      </m:sub>
+                    </m:sSub>
+                  </m:oMath>
+                </a14:m>
+                <a:r>
+                  <a:rPr kumimoji="1" lang="ja-JP" altLang="en-US"/>
+                  <a:t>に異なるブロック</a:t>
+                </a:r>
+                <a14:m>
+                  <m:oMath xmlns:m="http://schemas.openxmlformats.org/officeDocument/2006/math">
+                    <m:sSub>
+                      <m:sSubPr>
+                        <m:ctrlPr>
+                          <a:rPr kumimoji="1" lang="en-US" altLang="ja-JP" b="0" i="1" smtClean="0">
+                            <a:latin typeface="Cambria Math" panose="02040503050406030204" pitchFamily="18" charset="0"/>
+                          </a:rPr>
+                        </m:ctrlPr>
+                      </m:sSubPr>
+                      <m:e>
+                        <m:r>
+                          <a:rPr kumimoji="1" lang="en-US" altLang="ja-JP" b="0" i="1" smtClean="0">
+                            <a:latin typeface="Cambria Math" panose="02040503050406030204" pitchFamily="18" charset="0"/>
+                          </a:rPr>
+                          <m:t>𝐵</m:t>
+                        </m:r>
+                      </m:e>
+                      <m:sub>
+                        <m:r>
+                          <a:rPr kumimoji="1" lang="en-US" altLang="ja-JP" b="0" i="1" smtClean="0">
+                            <a:latin typeface="Cambria Math" panose="02040503050406030204" pitchFamily="18" charset="0"/>
+                          </a:rPr>
+                          <m:t>0</m:t>
+                        </m:r>
+                      </m:sub>
+                    </m:sSub>
+                    <m:r>
+                      <a:rPr kumimoji="1" lang="en-US" altLang="ja-JP" b="0" i="1" smtClean="0">
+                        <a:latin typeface="Cambria Math" panose="02040503050406030204" pitchFamily="18" charset="0"/>
+                      </a:rPr>
+                      <m:t>,</m:t>
+                    </m:r>
+                    <m:sSub>
+                      <m:sSubPr>
+                        <m:ctrlPr>
+                          <a:rPr kumimoji="1" lang="en-US" altLang="ja-JP" b="0" i="1" smtClean="0">
+                            <a:latin typeface="Cambria Math" panose="02040503050406030204" pitchFamily="18" charset="0"/>
+                          </a:rPr>
+                        </m:ctrlPr>
+                      </m:sSubPr>
+                      <m:e>
+                        <m:r>
+                          <a:rPr kumimoji="1" lang="en-US" altLang="ja-JP" b="0" i="1" smtClean="0">
+                            <a:latin typeface="Cambria Math" panose="02040503050406030204" pitchFamily="18" charset="0"/>
+                          </a:rPr>
+                          <m:t>𝐵</m:t>
+                        </m:r>
+                      </m:e>
+                      <m:sub>
+                        <m:r>
+                          <a:rPr kumimoji="1" lang="en-US" altLang="ja-JP" b="0" i="1" smtClean="0">
+                            <a:latin typeface="Cambria Math" panose="02040503050406030204" pitchFamily="18" charset="0"/>
+                          </a:rPr>
+                          <m:t>0</m:t>
+                        </m:r>
+                      </m:sub>
+                    </m:sSub>
+                    <m:r>
+                      <a:rPr kumimoji="1" lang="en-US" altLang="ja-JP" b="0" i="1" smtClean="0">
+                        <a:latin typeface="Cambria Math" panose="02040503050406030204" pitchFamily="18" charset="0"/>
+                      </a:rPr>
+                      <m:t>′</m:t>
+                    </m:r>
+                  </m:oMath>
+                </a14:m>
+                <a:r>
+                  <a:rPr kumimoji="1" lang="ja-JP" altLang="en-US"/>
+                  <a:t>を与える</a:t>
+                </a:r>
+                <a:endParaRPr kumimoji="1" lang="en-US" altLang="ja-JP"/>
+              </a:p>
+              <a:p>
+                <a:pPr lvl="1"/>
+                <a:r>
+                  <a:rPr kumimoji="1" lang="ja-JP" altLang="en-US"/>
+                  <a:t>少しだけ異なる内部状態になる</a:t>
+                </a:r>
+                <a:endParaRPr kumimoji="1" lang="en-US" altLang="ja-JP"/>
+              </a:p>
+              <a:p>
+                <a:pPr lvl="1"/>
+                <a:r>
+                  <a:rPr kumimoji="1" lang="ja-JP" altLang="en-US"/>
+                  <a:t>そのあと別のブロック</a:t>
+                </a:r>
+                <a14:m>
+                  <m:oMath xmlns:m="http://schemas.openxmlformats.org/officeDocument/2006/math">
+                    <m:sSub>
+                      <m:sSubPr>
+                        <m:ctrlPr>
+                          <a:rPr kumimoji="1" lang="en-US" altLang="ja-JP" b="0" i="1" smtClean="0">
+                            <a:latin typeface="Cambria Math" panose="02040503050406030204" pitchFamily="18" charset="0"/>
+                          </a:rPr>
+                        </m:ctrlPr>
+                      </m:sSubPr>
+                      <m:e>
+                        <m:r>
+                          <a:rPr kumimoji="1" lang="en-US" altLang="ja-JP" b="0" i="1" smtClean="0">
+                            <a:latin typeface="Cambria Math" panose="02040503050406030204" pitchFamily="18" charset="0"/>
+                          </a:rPr>
+                          <m:t>𝐵</m:t>
+                        </m:r>
+                      </m:e>
+                      <m:sub>
+                        <m:r>
+                          <a:rPr kumimoji="1" lang="en-US" altLang="ja-JP" b="0" i="1" smtClean="0">
+                            <a:latin typeface="Cambria Math" panose="02040503050406030204" pitchFamily="18" charset="0"/>
+                          </a:rPr>
+                          <m:t>1</m:t>
+                        </m:r>
+                      </m:sub>
+                    </m:sSub>
+                    <m:r>
+                      <a:rPr kumimoji="1" lang="en-US" altLang="ja-JP" b="0" i="1" smtClean="0">
+                        <a:latin typeface="Cambria Math" panose="02040503050406030204" pitchFamily="18" charset="0"/>
+                      </a:rPr>
+                      <m:t>,</m:t>
+                    </m:r>
+                    <m:sSub>
+                      <m:sSubPr>
+                        <m:ctrlPr>
+                          <a:rPr kumimoji="1" lang="en-US" altLang="ja-JP" b="0" i="1" smtClean="0">
+                            <a:latin typeface="Cambria Math" panose="02040503050406030204" pitchFamily="18" charset="0"/>
+                          </a:rPr>
+                        </m:ctrlPr>
+                      </m:sSubPr>
+                      <m:e>
+                        <m:r>
+                          <a:rPr kumimoji="1" lang="en-US" altLang="ja-JP" b="0" i="1" smtClean="0">
+                            <a:latin typeface="Cambria Math" panose="02040503050406030204" pitchFamily="18" charset="0"/>
+                          </a:rPr>
+                          <m:t>𝐵</m:t>
+                        </m:r>
+                      </m:e>
+                      <m:sub>
+                        <m:r>
+                          <a:rPr kumimoji="1" lang="en-US" altLang="ja-JP" b="0" i="1" smtClean="0">
+                            <a:latin typeface="Cambria Math" panose="02040503050406030204" pitchFamily="18" charset="0"/>
+                          </a:rPr>
+                          <m:t>1</m:t>
+                        </m:r>
+                      </m:sub>
+                    </m:sSub>
+                    <m:r>
+                      <a:rPr kumimoji="1" lang="en-US" altLang="ja-JP" b="0" i="1" smtClean="0">
+                        <a:latin typeface="Cambria Math" panose="02040503050406030204" pitchFamily="18" charset="0"/>
+                      </a:rPr>
+                      <m:t>′</m:t>
+                    </m:r>
+                  </m:oMath>
+                </a14:m>
+                <a:r>
+                  <a:rPr kumimoji="1" lang="ja-JP" altLang="en-US"/>
+                  <a:t>を与えて内部状態を衝突させる</a:t>
+                </a:r>
+                <a:endParaRPr kumimoji="1" lang="en-US" altLang="ja-JP"/>
+              </a:p>
+              <a:p>
+                <a:pPr lvl="1"/>
+                <a:r>
+                  <a:rPr kumimoji="1" lang="ja-JP" altLang="en-US"/>
+                  <a:t>そのようなブロックのペアを効率よく探す研究と計算資源</a:t>
+                </a:r>
+              </a:p>
+            </p:txBody>
+          </p:sp>
+        </mc:Choice>
+        <mc:Fallback>
+          <p:sp>
+            <p:nvSpPr>
+              <p:cNvPr id="2" name="コンテンツ プレースホルダー 1">
+                <a:extLst>
+                  <a:ext uri="{FF2B5EF4-FFF2-40B4-BE49-F238E27FC236}">
+                    <a16:creationId xmlns:a16="http://schemas.microsoft.com/office/drawing/2014/main" id="{E6ABDBF8-88A5-4B85-A2AC-1C8C68987215}"/>
+                  </a:ext>
+                </a:extLst>
+              </p:cNvPr>
+              <p:cNvSpPr>
+                <a:spLocks noGrp="1" noRot="1" noChangeAspect="1" noMove="1" noResize="1" noEditPoints="1" noAdjustHandles="1" noChangeArrowheads="1" noChangeShapeType="1" noTextEdit="1"/>
+              </p:cNvSpPr>
+              <p:nvPr>
+                <p:ph idx="1"/>
+              </p:nvPr>
+            </p:nvSpPr>
+            <p:spPr>
+              <a:blipFill>
+                <a:blip r:embed="rId2"/>
+                <a:stretch>
+                  <a:fillRect l="-1200" t="-1038"/>
+                </a:stretch>
+              </a:blipFill>
+            </p:spPr>
+            <p:txBody>
+              <a:bodyPr/>
+              <a:lstStyle/>
+              <a:p>
+                <a:r>
+                  <a:rPr lang="ja-JP" altLang="en-US">
+                    <a:noFill/>
+                  </a:rPr>
+                  <a:t> </a:t>
+                </a:r>
+              </a:p>
+            </p:txBody>
+          </p:sp>
+        </mc:Fallback>
+      </mc:AlternateContent>
+      <p:sp>
+        <p:nvSpPr>
+          <p:cNvPr id="3" name="スライド番号プレースホルダー 2">
+            <a:extLst>
+              <a:ext uri="{FF2B5EF4-FFF2-40B4-BE49-F238E27FC236}">
+                <a16:creationId xmlns:a16="http://schemas.microsoft.com/office/drawing/2014/main" id="{B9D38565-3F1E-417A-A9D5-B5529F123074}"/>
+              </a:ext>
+            </a:extLst>
+          </p:cNvPr>
+          <p:cNvSpPr>
+            <a:spLocks noGrp="1"/>
+          </p:cNvSpPr>
+          <p:nvPr>
+            <p:ph type="sldNum" sz="quarter" idx="12"/>
+          </p:nvPr>
+        </p:nvSpPr>
+        <p:spPr/>
+        <p:txBody>
+          <a:bodyPr/>
+          <a:lstStyle/>
+          <a:p>
+            <a:pPr>
+              <a:defRPr/>
+            </a:pPr>
+            <a:r>
+              <a:rPr lang="en-US" altLang="ja-JP"/>
+              <a:t>    </a:t>
+            </a:r>
+            <a:fld id="{B2782DEB-472A-4FE5-AC34-C17109CF5A91}" type="slidenum">
+              <a:rPr lang="en-US" altLang="ja-JP" smtClean="0"/>
+              <a:pPr>
+                <a:defRPr/>
+              </a:pPr>
+              <a:t>33</a:t>
+            </a:fld>
+            <a:r>
+              <a:rPr lang="en-US" altLang="ja-JP"/>
+              <a:t> / 24</a:t>
+            </a:r>
+          </a:p>
+        </p:txBody>
+      </p:sp>
+      <p:sp>
+        <p:nvSpPr>
+          <p:cNvPr id="4" name="タイトル 3">
+            <a:extLst>
+              <a:ext uri="{FF2B5EF4-FFF2-40B4-BE49-F238E27FC236}">
+                <a16:creationId xmlns:a16="http://schemas.microsoft.com/office/drawing/2014/main" id="{B2D19018-F581-4768-88D2-0370D5A96137}"/>
+              </a:ext>
+            </a:extLst>
+          </p:cNvPr>
+          <p:cNvSpPr>
+            <a:spLocks noGrp="1"/>
+          </p:cNvSpPr>
+          <p:nvPr>
+            <p:ph type="title"/>
+          </p:nvPr>
+        </p:nvSpPr>
+        <p:spPr/>
+        <p:txBody>
+          <a:bodyPr/>
+          <a:lstStyle/>
+          <a:p>
+            <a:r>
+              <a:rPr kumimoji="1" lang="ja-JP" altLang="en-US"/>
+              <a:t>衝突困難性を破る部分</a:t>
+            </a:r>
+          </a:p>
+        </p:txBody>
+      </p:sp>
+      <p:pic>
+        <p:nvPicPr>
+          <p:cNvPr id="6" name="図 5">
+            <a:extLst>
+              <a:ext uri="{FF2B5EF4-FFF2-40B4-BE49-F238E27FC236}">
+                <a16:creationId xmlns:a16="http://schemas.microsoft.com/office/drawing/2014/main" id="{B937B23C-EBBC-4327-A83F-3A1B2DBF8401}"/>
+              </a:ext>
+            </a:extLst>
+          </p:cNvPr>
+          <p:cNvPicPr>
+            <a:picLocks noChangeAspect="1"/>
+          </p:cNvPicPr>
+          <p:nvPr/>
+        </p:nvPicPr>
+        <p:blipFill>
+          <a:blip r:embed="rId3">
+            <a:extLst>
+              <a:ext uri="{28A0092B-C50C-407E-A947-70E740481C1C}">
+                <a14:useLocalDpi xmlns:a14="http://schemas.microsoft.com/office/drawing/2010/main" val="0"/>
+              </a:ext>
+            </a:extLst>
+          </a:blip>
+          <a:stretch>
+            <a:fillRect/>
+          </a:stretch>
+        </p:blipFill>
+        <p:spPr>
+          <a:xfrm>
+            <a:off x="1691680" y="2674749"/>
+            <a:ext cx="5904656" cy="4059452"/>
+          </a:xfrm>
+          <a:prstGeom prst="rect">
+            <a:avLst/>
+          </a:prstGeom>
+        </p:spPr>
+      </p:pic>
+    </p:spTree>
+    <p:extLst>
+      <p:ext uri="{BB962C8B-B14F-4D97-AF65-F5344CB8AC3E}">
+        <p14:creationId xmlns:p14="http://schemas.microsoft.com/office/powerpoint/2010/main" val="3284175813"/>
+      </p:ext>
+    </p:extLst>
+  </p:cSld>
+  <p:clrMapOvr>
+    <a:masterClrMapping/>
+  </p:clrMapOvr>
+</p:sld>
+</file>
+
+<file path=ppt/slides/slide34.xml><?xml version="1.0" encoding="utf-8"?>
+<p:sld xmlns:a="http://schemas.openxmlformats.org/drawingml/2006/main" xmlns:r="http://schemas.openxmlformats.org/officeDocument/2006/relationships" xmlns:p="http://schemas.openxmlformats.org/presentationml/2006/main">
+  <p:cSld>
+    <p:spTree>
+      <p:nvGrpSpPr>
+        <p:cNvPr id="1" name=""/>
+        <p:cNvGrpSpPr/>
+        <p:nvPr/>
+      </p:nvGrpSpPr>
+      <p:grpSpPr>
+        <a:xfrm>
+          <a:off x="0" y="0"/>
+          <a:ext cx="0" cy="0"/>
+          <a:chOff x="0" y="0"/>
+          <a:chExt cx="0" cy="0"/>
+        </a:xfrm>
+      </p:grpSpPr>
+      <mc:AlternateContent xmlns:mc="http://schemas.openxmlformats.org/markup-compatibility/2006">
+        <mc:Choice xmlns:a14="http://schemas.microsoft.com/office/drawing/2010/main" Requires="a14">
+          <p:sp>
+            <p:nvSpPr>
+              <p:cNvPr id="2" name="コンテンツ プレースホルダー 1">
+                <a:extLst>
+                  <a:ext uri="{FF2B5EF4-FFF2-40B4-BE49-F238E27FC236}">
+                    <a16:creationId xmlns:a16="http://schemas.microsoft.com/office/drawing/2014/main" id="{5EF0BABB-FD3B-41F2-92C4-FFA76F54C28A}"/>
+                  </a:ext>
+                </a:extLst>
+              </p:cNvPr>
+              <p:cNvSpPr>
+                <a:spLocks noGrp="1"/>
+              </p:cNvSpPr>
+              <p:nvPr>
+                <p:ph idx="1"/>
+              </p:nvPr>
+            </p:nvSpPr>
+            <p:spPr/>
+            <p:txBody>
+              <a:bodyPr/>
+              <a:lstStyle/>
+              <a:p>
+                <a:r>
+                  <a:rPr kumimoji="1" lang="en-US" altLang="ja-JP"/>
+                  <a:t>2</a:t>
+                </a:r>
+                <a:r>
+                  <a:rPr kumimoji="1" lang="ja-JP" altLang="en-US"/>
+                  <a:t>個の</a:t>
+                </a:r>
+                <a:r>
+                  <a:rPr kumimoji="1" lang="en-US" altLang="ja-JP"/>
+                  <a:t>JPEG</a:t>
+                </a:r>
+                <a:r>
+                  <a:rPr kumimoji="1" lang="ja-JP" altLang="en-US"/>
+                  <a:t>画像</a:t>
+                </a:r>
+                <a:r>
+                  <a:rPr kumimoji="1" lang="en-US" altLang="ja-JP"/>
+                  <a:t>X, Y</a:t>
+                </a:r>
+                <a:r>
+                  <a:rPr kumimoji="1" lang="ja-JP" altLang="en-US"/>
+                  <a:t>を用意する</a:t>
+                </a:r>
+                <a:endParaRPr kumimoji="1" lang="en-US" altLang="ja-JP"/>
+              </a:p>
+              <a:p>
+                <a:r>
+                  <a:rPr kumimoji="1" lang="ja-JP" altLang="en-US"/>
+                  <a:t>「もし先頭から</a:t>
+                </a:r>
+                <a:r>
+                  <a:rPr kumimoji="1" lang="en-US" altLang="ja-JP"/>
+                  <a:t>192byte</a:t>
+                </a:r>
+                <a:r>
+                  <a:rPr kumimoji="1" lang="ja-JP" altLang="en-US"/>
+                  <a:t>目が</a:t>
+                </a:r>
+                <a14:m>
+                  <m:oMath xmlns:m="http://schemas.openxmlformats.org/officeDocument/2006/math">
+                    <m:r>
+                      <a:rPr kumimoji="1" lang="en-US" altLang="ja-JP" b="0" i="1" smtClean="0">
+                        <a:latin typeface="Cambria Math" panose="02040503050406030204" pitchFamily="18" charset="0"/>
+                      </a:rPr>
+                      <m:t>(</m:t>
+                    </m:r>
+                    <m:sSub>
+                      <m:sSubPr>
+                        <m:ctrlPr>
+                          <a:rPr kumimoji="1" lang="en-US" altLang="ja-JP" b="0" i="1" smtClean="0">
+                            <a:latin typeface="Cambria Math" panose="02040503050406030204" pitchFamily="18" charset="0"/>
+                          </a:rPr>
+                        </m:ctrlPr>
+                      </m:sSubPr>
+                      <m:e>
+                        <m:r>
+                          <a:rPr kumimoji="1" lang="en-US" altLang="ja-JP" b="0" i="1" smtClean="0">
+                            <a:latin typeface="Cambria Math" panose="02040503050406030204" pitchFamily="18" charset="0"/>
+                          </a:rPr>
+                          <m:t>𝐵</m:t>
+                        </m:r>
+                      </m:e>
+                      <m:sub>
+                        <m:r>
+                          <a:rPr kumimoji="1" lang="en-US" altLang="ja-JP" b="0" i="1" smtClean="0">
+                            <a:latin typeface="Cambria Math" panose="02040503050406030204" pitchFamily="18" charset="0"/>
+                          </a:rPr>
+                          <m:t>0</m:t>
+                        </m:r>
+                      </m:sub>
+                    </m:sSub>
+                    <m:r>
+                      <a:rPr kumimoji="1" lang="en-US" altLang="ja-JP" b="0" i="1" smtClean="0">
+                        <a:latin typeface="Cambria Math" panose="02040503050406030204" pitchFamily="18" charset="0"/>
+                      </a:rPr>
+                      <m:t>,</m:t>
+                    </m:r>
+                    <m:sSub>
+                      <m:sSubPr>
+                        <m:ctrlPr>
+                          <a:rPr kumimoji="1" lang="en-US" altLang="ja-JP" b="0" i="1" smtClean="0">
+                            <a:latin typeface="Cambria Math" panose="02040503050406030204" pitchFamily="18" charset="0"/>
+                          </a:rPr>
+                        </m:ctrlPr>
+                      </m:sSubPr>
+                      <m:e>
+                        <m:r>
+                          <a:rPr kumimoji="1" lang="en-US" altLang="ja-JP" b="0" i="1" smtClean="0">
+                            <a:latin typeface="Cambria Math" panose="02040503050406030204" pitchFamily="18" charset="0"/>
+                          </a:rPr>
+                          <m:t>𝐵</m:t>
+                        </m:r>
+                      </m:e>
+                      <m:sub>
+                        <m:r>
+                          <a:rPr kumimoji="1" lang="en-US" altLang="ja-JP" b="0" i="1" smtClean="0">
+                            <a:latin typeface="Cambria Math" panose="02040503050406030204" pitchFamily="18" charset="0"/>
+                          </a:rPr>
+                          <m:t>1</m:t>
+                        </m:r>
+                      </m:sub>
+                    </m:sSub>
+                    <m:r>
+                      <a:rPr kumimoji="1" lang="en-US" altLang="ja-JP" b="0" i="1" smtClean="0">
+                        <a:latin typeface="Cambria Math" panose="02040503050406030204" pitchFamily="18" charset="0"/>
+                      </a:rPr>
+                      <m:t>)</m:t>
+                    </m:r>
+                  </m:oMath>
+                </a14:m>
+                <a:r>
+                  <a:rPr kumimoji="1" lang="ja-JP" altLang="en-US"/>
+                  <a:t>なら</a:t>
+                </a:r>
+                <a:r>
+                  <a:rPr kumimoji="1" lang="en-US" altLang="ja-JP"/>
+                  <a:t>X,</a:t>
+                </a:r>
+                <a:br>
+                  <a:rPr kumimoji="1" lang="en-US" altLang="ja-JP"/>
+                </a:br>
+                <a:r>
+                  <a:rPr kumimoji="1" lang="ja-JP" altLang="en-US"/>
+                  <a:t>そうでなければ</a:t>
+                </a:r>
+                <a:r>
+                  <a:rPr kumimoji="1" lang="en-US" altLang="ja-JP"/>
+                  <a:t>Y</a:t>
+                </a:r>
+                <a:r>
+                  <a:rPr kumimoji="1" lang="ja-JP" altLang="en-US"/>
+                  <a:t>を表示する」</a:t>
+                </a:r>
+                <a:r>
+                  <a:rPr kumimoji="1" lang="en-US" altLang="ja-JP"/>
+                  <a:t>PDF1</a:t>
+                </a:r>
+                <a:r>
+                  <a:rPr kumimoji="1" lang="ja-JP" altLang="en-US"/>
+                  <a:t>を作成する</a:t>
+                </a:r>
+                <a:endParaRPr kumimoji="1" lang="en-US" altLang="ja-JP"/>
+              </a:p>
+              <a:p>
+                <a:pPr lvl="1"/>
+                <a:r>
+                  <a:rPr lang="en-US" altLang="ja-JP"/>
+                  <a:t>PDF1</a:t>
+                </a:r>
+                <a:r>
+                  <a:rPr lang="ja-JP" altLang="en-US"/>
+                  <a:t>のブロックを</a:t>
+                </a:r>
+                <a14:m>
+                  <m:oMath xmlns:m="http://schemas.openxmlformats.org/officeDocument/2006/math">
+                    <m:r>
+                      <a:rPr lang="en-US" altLang="ja-JP" b="0" i="1" smtClean="0">
+                        <a:latin typeface="Cambria Math" panose="02040503050406030204" pitchFamily="18" charset="0"/>
+                      </a:rPr>
+                      <m:t>(</m:t>
+                    </m:r>
+                    <m:sSubSup>
+                      <m:sSubSupPr>
+                        <m:ctrlPr>
+                          <a:rPr lang="en-US" altLang="ja-JP" b="0" i="1" smtClean="0">
+                            <a:latin typeface="Cambria Math" panose="02040503050406030204" pitchFamily="18" charset="0"/>
+                          </a:rPr>
+                        </m:ctrlPr>
+                      </m:sSubSupPr>
+                      <m:e>
+                        <m:r>
+                          <a:rPr lang="en-US" altLang="ja-JP" b="0" i="1" smtClean="0">
+                            <a:latin typeface="Cambria Math" panose="02040503050406030204" pitchFamily="18" charset="0"/>
+                          </a:rPr>
+                          <m:t>𝐵</m:t>
+                        </m:r>
+                      </m:e>
+                      <m:sub>
+                        <m:r>
+                          <a:rPr lang="en-US" altLang="ja-JP" b="0" i="1" smtClean="0">
+                            <a:latin typeface="Cambria Math" panose="02040503050406030204" pitchFamily="18" charset="0"/>
+                          </a:rPr>
+                          <m:t>0</m:t>
+                        </m:r>
+                      </m:sub>
+                      <m:sup>
+                        <m:r>
+                          <a:rPr lang="en-US" altLang="ja-JP" b="0" i="1" smtClean="0">
+                            <a:latin typeface="Cambria Math" panose="02040503050406030204" pitchFamily="18" charset="0"/>
+                          </a:rPr>
+                          <m:t>′</m:t>
+                        </m:r>
+                      </m:sup>
+                    </m:sSubSup>
+                    <m:r>
+                      <a:rPr lang="en-US" altLang="ja-JP" b="0" i="1" smtClean="0">
+                        <a:latin typeface="Cambria Math" panose="02040503050406030204" pitchFamily="18" charset="0"/>
+                      </a:rPr>
+                      <m:t>,</m:t>
+                    </m:r>
+                    <m:sSubSup>
+                      <m:sSubSupPr>
+                        <m:ctrlPr>
+                          <a:rPr lang="en-US" altLang="ja-JP" b="0" i="1" smtClean="0">
+                            <a:latin typeface="Cambria Math" panose="02040503050406030204" pitchFamily="18" charset="0"/>
+                          </a:rPr>
+                        </m:ctrlPr>
+                      </m:sSubSupPr>
+                      <m:e>
+                        <m:r>
+                          <a:rPr lang="en-US" altLang="ja-JP" b="0" i="1" smtClean="0">
+                            <a:latin typeface="Cambria Math" panose="02040503050406030204" pitchFamily="18" charset="0"/>
+                          </a:rPr>
+                          <m:t>𝐵</m:t>
+                        </m:r>
+                      </m:e>
+                      <m:sub>
+                        <m:r>
+                          <a:rPr lang="en-US" altLang="ja-JP" b="0" i="1" smtClean="0">
+                            <a:latin typeface="Cambria Math" panose="02040503050406030204" pitchFamily="18" charset="0"/>
+                          </a:rPr>
+                          <m:t>1</m:t>
+                        </m:r>
+                      </m:sub>
+                      <m:sup>
+                        <m:r>
+                          <a:rPr lang="en-US" altLang="ja-JP" b="0" i="1" smtClean="0">
+                            <a:latin typeface="Cambria Math" panose="02040503050406030204" pitchFamily="18" charset="0"/>
+                          </a:rPr>
+                          <m:t>′</m:t>
+                        </m:r>
+                      </m:sup>
+                    </m:sSubSup>
+                    <m:r>
+                      <a:rPr lang="en-US" altLang="ja-JP" b="0" i="1" smtClean="0">
+                        <a:latin typeface="Cambria Math" panose="02040503050406030204" pitchFamily="18" charset="0"/>
+                      </a:rPr>
+                      <m:t>)</m:t>
+                    </m:r>
+                  </m:oMath>
+                </a14:m>
+                <a:r>
+                  <a:rPr kumimoji="1" lang="ja-JP" altLang="en-US"/>
+                  <a:t>に置き換えた</a:t>
+                </a:r>
+                <a:r>
+                  <a:rPr kumimoji="1" lang="en-US" altLang="ja-JP"/>
+                  <a:t>PDF2</a:t>
+                </a:r>
+                <a:r>
+                  <a:rPr kumimoji="1" lang="ja-JP" altLang="en-US"/>
+                  <a:t>は</a:t>
+                </a:r>
+                <a:r>
+                  <a:rPr kumimoji="1" lang="en-US" altLang="ja-JP"/>
+                  <a:t>Y</a:t>
+                </a:r>
+                <a:r>
+                  <a:rPr kumimoji="1" lang="ja-JP" altLang="en-US"/>
+                  <a:t>を表示する</a:t>
+                </a:r>
+                <a:endParaRPr kumimoji="1" lang="en-US" altLang="ja-JP"/>
+              </a:p>
+              <a:p>
+                <a:pPr lvl="1"/>
+                <a:r>
+                  <a:rPr kumimoji="1" lang="ja-JP" altLang="en-US"/>
+                  <a:t>置き換えたブロック以外は同じなので</a:t>
+                </a:r>
+                <a:r>
+                  <a:rPr kumimoji="1" lang="en-US" altLang="ja-JP"/>
+                  <a:t>SHA-1</a:t>
+                </a:r>
+                <a:r>
+                  <a:rPr kumimoji="1" lang="ja-JP" altLang="en-US"/>
+                  <a:t>が一致する</a:t>
+                </a:r>
+                <a:endParaRPr kumimoji="1" lang="en-US" altLang="ja-JP"/>
+              </a:p>
+              <a:p>
+                <a:r>
+                  <a:rPr kumimoji="1" lang="ja-JP" altLang="en-US"/>
+                  <a:t>「もし</a:t>
+                </a:r>
+                <a:r>
+                  <a:rPr kumimoji="1" lang="en-US" altLang="ja-JP"/>
+                  <a:t>~</a:t>
+                </a:r>
+                <a:r>
+                  <a:rPr kumimoji="1" lang="ja-JP" altLang="en-US"/>
+                  <a:t>なら</a:t>
+                </a:r>
+                <a:r>
+                  <a:rPr kumimoji="1" lang="en-US" altLang="ja-JP"/>
+                  <a:t>~</a:t>
+                </a:r>
+                <a:r>
+                  <a:rPr kumimoji="1" lang="ja-JP" altLang="en-US"/>
+                  <a:t>を表示する</a:t>
+                </a:r>
+                <a:r>
+                  <a:rPr kumimoji="1" lang="en-US" altLang="ja-JP"/>
+                  <a:t>PDF</a:t>
+                </a:r>
+                <a:r>
+                  <a:rPr kumimoji="1" lang="ja-JP" altLang="en-US"/>
+                  <a:t>」</a:t>
+                </a:r>
+                <a:endParaRPr kumimoji="1" lang="en-US" altLang="ja-JP"/>
+              </a:p>
+              <a:p>
+                <a:pPr lvl="1"/>
+                <a:r>
+                  <a:rPr lang="en-US" altLang="ja-JP"/>
+                  <a:t>JPEG</a:t>
+                </a:r>
+                <a:r>
+                  <a:rPr lang="ja-JP" altLang="en-US"/>
+                  <a:t>のコメント機能を利用</a:t>
+                </a:r>
+                <a:r>
+                  <a:rPr lang="en-US" altLang="ja-JP"/>
+                  <a:t>(PDF1</a:t>
+                </a:r>
+                <a:r>
+                  <a:rPr lang="ja-JP" altLang="en-US"/>
+                  <a:t>と</a:t>
+                </a:r>
+                <a:r>
+                  <a:rPr lang="en-US" altLang="ja-JP"/>
+                  <a:t>2</a:t>
+                </a:r>
+                <a:r>
+                  <a:rPr lang="ja-JP" altLang="en-US"/>
+                  <a:t>で異なるコメント区間</a:t>
+                </a:r>
+                <a:r>
+                  <a:rPr lang="en-US" altLang="ja-JP"/>
+                  <a:t>)</a:t>
+                </a:r>
+              </a:p>
+              <a:p>
+                <a:pPr lvl="1"/>
+                <a:endParaRPr kumimoji="1" lang="ja-JP" altLang="en-US"/>
+              </a:p>
+            </p:txBody>
+          </p:sp>
+        </mc:Choice>
+        <mc:Fallback>
+          <p:sp>
+            <p:nvSpPr>
+              <p:cNvPr id="2" name="コンテンツ プレースホルダー 1">
+                <a:extLst>
+                  <a:ext uri="{FF2B5EF4-FFF2-40B4-BE49-F238E27FC236}">
+                    <a16:creationId xmlns:a16="http://schemas.microsoft.com/office/drawing/2014/main" id="{5EF0BABB-FD3B-41F2-92C4-FFA76F54C28A}"/>
+                  </a:ext>
+                </a:extLst>
+              </p:cNvPr>
+              <p:cNvSpPr>
+                <a:spLocks noGrp="1" noRot="1" noChangeAspect="1" noMove="1" noResize="1" noEditPoints="1" noAdjustHandles="1" noChangeArrowheads="1" noChangeShapeType="1" noTextEdit="1"/>
+              </p:cNvSpPr>
+              <p:nvPr>
+                <p:ph idx="1"/>
+              </p:nvPr>
+            </p:nvSpPr>
+            <p:spPr>
+              <a:blipFill>
+                <a:blip r:embed="rId2"/>
+                <a:stretch>
+                  <a:fillRect l="-1200" t="-1454"/>
+                </a:stretch>
+              </a:blipFill>
+            </p:spPr>
+            <p:txBody>
+              <a:bodyPr/>
+              <a:lstStyle/>
+              <a:p>
+                <a:r>
+                  <a:rPr lang="ja-JP" altLang="en-US">
+                    <a:noFill/>
+                  </a:rPr>
+                  <a:t> </a:t>
+                </a:r>
+              </a:p>
+            </p:txBody>
+          </p:sp>
+        </mc:Fallback>
+      </mc:AlternateContent>
+      <p:sp>
+        <p:nvSpPr>
+          <p:cNvPr id="3" name="スライド番号プレースホルダー 2">
+            <a:extLst>
+              <a:ext uri="{FF2B5EF4-FFF2-40B4-BE49-F238E27FC236}">
+                <a16:creationId xmlns:a16="http://schemas.microsoft.com/office/drawing/2014/main" id="{15D9118C-9756-4CB6-9514-D84C065E3901}"/>
+              </a:ext>
+            </a:extLst>
+          </p:cNvPr>
+          <p:cNvSpPr>
+            <a:spLocks noGrp="1"/>
+          </p:cNvSpPr>
+          <p:nvPr>
+            <p:ph type="sldNum" sz="quarter" idx="12"/>
+          </p:nvPr>
+        </p:nvSpPr>
+        <p:spPr/>
+        <p:txBody>
+          <a:bodyPr/>
+          <a:lstStyle/>
+          <a:p>
+            <a:pPr>
+              <a:defRPr/>
+            </a:pPr>
+            <a:r>
+              <a:rPr lang="en-US" altLang="ja-JP"/>
+              <a:t>    </a:t>
+            </a:r>
+            <a:fld id="{B2782DEB-472A-4FE5-AC34-C17109CF5A91}" type="slidenum">
+              <a:rPr lang="en-US" altLang="ja-JP" smtClean="0"/>
+              <a:pPr>
+                <a:defRPr/>
+              </a:pPr>
+              <a:t>34</a:t>
+            </a:fld>
+            <a:r>
+              <a:rPr lang="en-US" altLang="ja-JP"/>
+              <a:t> / 24</a:t>
+            </a:r>
+          </a:p>
+        </p:txBody>
+      </p:sp>
+      <p:sp>
+        <p:nvSpPr>
+          <p:cNvPr id="4" name="タイトル 3">
+            <a:extLst>
+              <a:ext uri="{FF2B5EF4-FFF2-40B4-BE49-F238E27FC236}">
+                <a16:creationId xmlns:a16="http://schemas.microsoft.com/office/drawing/2014/main" id="{B1732C84-7499-4BD8-BF63-0DF51C074976}"/>
+              </a:ext>
+            </a:extLst>
+          </p:cNvPr>
+          <p:cNvSpPr>
+            <a:spLocks noGrp="1"/>
+          </p:cNvSpPr>
+          <p:nvPr>
+            <p:ph type="title"/>
+          </p:nvPr>
+        </p:nvSpPr>
+        <p:spPr/>
+        <p:txBody>
+          <a:bodyPr/>
+          <a:lstStyle/>
+          <a:p>
+            <a:r>
+              <a:rPr kumimoji="1" lang="en-US" altLang="ja-JP"/>
+              <a:t>PDF</a:t>
+            </a:r>
+            <a:r>
+              <a:rPr kumimoji="1" lang="ja-JP" altLang="en-US"/>
+              <a:t>に</a:t>
+            </a:r>
+            <a:r>
+              <a:rPr kumimoji="1" lang="en-US" altLang="ja-JP"/>
+              <a:t>2</a:t>
+            </a:r>
+            <a:r>
+              <a:rPr kumimoji="1" lang="ja-JP" altLang="en-US"/>
+              <a:t>個の</a:t>
+            </a:r>
+            <a:r>
+              <a:rPr kumimoji="1" lang="en-US" altLang="ja-JP"/>
+              <a:t>JPEG</a:t>
+            </a:r>
+            <a:r>
+              <a:rPr kumimoji="1" lang="ja-JP" altLang="en-US"/>
+              <a:t>を埋め込む方法</a:t>
+            </a:r>
+          </a:p>
+        </p:txBody>
+      </p:sp>
+      <p:pic>
+        <p:nvPicPr>
+          <p:cNvPr id="6" name="図 5">
+            <a:extLst>
+              <a:ext uri="{FF2B5EF4-FFF2-40B4-BE49-F238E27FC236}">
+                <a16:creationId xmlns:a16="http://schemas.microsoft.com/office/drawing/2014/main" id="{C7D55C35-BE07-4AF8-B83F-99DD977573CC}"/>
+              </a:ext>
+            </a:extLst>
+          </p:cNvPr>
+          <p:cNvPicPr>
+            <a:picLocks noChangeAspect="1"/>
+          </p:cNvPicPr>
+          <p:nvPr/>
+        </p:nvPicPr>
+        <p:blipFill>
+          <a:blip r:embed="rId3">
+            <a:extLst>
+              <a:ext uri="{28A0092B-C50C-407E-A947-70E740481C1C}">
+                <a14:useLocalDpi xmlns:a14="http://schemas.microsoft.com/office/drawing/2010/main" val="0"/>
+              </a:ext>
+            </a:extLst>
+          </a:blip>
+          <a:stretch>
+            <a:fillRect/>
+          </a:stretch>
+        </p:blipFill>
+        <p:spPr>
+          <a:xfrm>
+            <a:off x="755576" y="4235145"/>
+            <a:ext cx="7200800" cy="2601289"/>
+          </a:xfrm>
+          <a:prstGeom prst="rect">
+            <a:avLst/>
+          </a:prstGeom>
+        </p:spPr>
+      </p:pic>
+    </p:spTree>
+    <p:extLst>
+      <p:ext uri="{BB962C8B-B14F-4D97-AF65-F5344CB8AC3E}">
+        <p14:creationId xmlns:p14="http://schemas.microsoft.com/office/powerpoint/2010/main" val="1065848028"/>
+      </p:ext>
+    </p:extLst>
+  </p:cSld>
+  <p:clrMapOvr>
+    <a:masterClrMapping/>
+  </p:clrMapOvr>
+</p:sld>
+</file>
+
+<file path=ppt/slides/slide35.xml><?xml version="1.0" encoding="utf-8"?>
+<p:sld xmlns:a="http://schemas.openxmlformats.org/drawingml/2006/main" xmlns:r="http://schemas.openxmlformats.org/officeDocument/2006/relationships" xmlns:p="http://schemas.openxmlformats.org/presentationml/2006/main">
+  <p:cSld>
+    <p:spTree>
+      <p:nvGrpSpPr>
+        <p:cNvPr id="1" name=""/>
+        <p:cNvGrpSpPr/>
+        <p:nvPr/>
+      </p:nvGrpSpPr>
+      <p:grpSpPr>
+        <a:xfrm>
+          <a:off x="0" y="0"/>
+          <a:ext cx="0" cy="0"/>
+          <a:chOff x="0" y="0"/>
+          <a:chExt cx="0" cy="0"/>
+        </a:xfrm>
+      </p:grpSpPr>
+      <p:sp>
+        <p:nvSpPr>
+          <p:cNvPr id="2" name="コンテンツ プレースホルダー 1">
+            <a:extLst>
+              <a:ext uri="{FF2B5EF4-FFF2-40B4-BE49-F238E27FC236}">
+                <a16:creationId xmlns:a16="http://schemas.microsoft.com/office/drawing/2014/main" id="{3084BC54-D08D-4CBA-887F-8B9F7C293682}"/>
+              </a:ext>
+            </a:extLst>
+          </p:cNvPr>
+          <p:cNvSpPr>
+            <a:spLocks noGrp="1"/>
+          </p:cNvSpPr>
+          <p:nvPr>
+            <p:ph idx="1"/>
+          </p:nvPr>
+        </p:nvSpPr>
+        <p:spPr/>
+        <p:txBody>
+          <a:bodyPr/>
+          <a:lstStyle/>
+          <a:p>
+            <a:r>
+              <a:rPr lang="en-US" altLang="ja-JP"/>
+              <a:t>MAC</a:t>
+            </a:r>
+            <a:r>
+              <a:rPr lang="ja-JP" altLang="en-US"/>
+              <a:t>（</a:t>
+            </a:r>
+            <a:r>
+              <a:rPr lang="en-US" altLang="ja-JP"/>
+              <a:t>Message Authentication Code</a:t>
+            </a:r>
+            <a:r>
+              <a:rPr lang="ja-JP" altLang="en-US"/>
+              <a:t>）</a:t>
+            </a:r>
+            <a:endParaRPr lang="en-US" altLang="ja-JP"/>
+          </a:p>
+          <a:p>
+            <a:pPr lvl="1"/>
+            <a:r>
+              <a:rPr kumimoji="1" lang="ja-JP" altLang="en-US"/>
+              <a:t>データの完全性</a:t>
+            </a:r>
+            <a:r>
+              <a:rPr kumimoji="1" lang="en-US" altLang="ja-JP"/>
+              <a:t>(</a:t>
+            </a:r>
+            <a:r>
+              <a:rPr kumimoji="1" lang="ja-JP" altLang="en-US"/>
+              <a:t>変わっていないこと</a:t>
+            </a:r>
+            <a:r>
+              <a:rPr kumimoji="1" lang="en-US" altLang="ja-JP"/>
+              <a:t>)</a:t>
+            </a:r>
+            <a:r>
+              <a:rPr kumimoji="1" lang="ja-JP" altLang="en-US"/>
+              <a:t>を保証する仕組み</a:t>
+            </a:r>
+            <a:endParaRPr kumimoji="1" lang="en-US" altLang="ja-JP"/>
+          </a:p>
+          <a:p>
+            <a:r>
+              <a:rPr lang="en-US" altLang="ja-JP"/>
+              <a:t>MAC</a:t>
+            </a:r>
+            <a:r>
+              <a:rPr lang="ja-JP" altLang="en-US"/>
+              <a:t>のアルゴリズム</a:t>
+            </a:r>
+            <a:endParaRPr lang="en-US" altLang="ja-JP"/>
+          </a:p>
+          <a:p>
+            <a:pPr lvl="1"/>
+            <a:r>
+              <a:rPr kumimoji="1" lang="ja-JP" altLang="en-US"/>
+              <a:t>秘密鍵</a:t>
+            </a:r>
+            <a:r>
+              <a:rPr kumimoji="1" lang="en-US" altLang="ja-JP"/>
+              <a:t>s</a:t>
+            </a:r>
+            <a:r>
+              <a:rPr kumimoji="1" lang="ja-JP" altLang="en-US"/>
+              <a:t>とデータ</a:t>
+            </a:r>
+            <a:r>
+              <a:rPr kumimoji="1" lang="en-US" altLang="ja-JP"/>
+              <a:t>m</a:t>
+            </a:r>
+            <a:r>
+              <a:rPr kumimoji="1" lang="ja-JP" altLang="en-US"/>
+              <a:t>から</a:t>
+            </a:r>
+            <a:r>
+              <a:rPr kumimoji="1" lang="en-US" altLang="ja-JP"/>
+              <a:t>MAC</a:t>
+            </a:r>
+            <a:r>
+              <a:rPr kumimoji="1" lang="ja-JP" altLang="en-US"/>
+              <a:t>値</a:t>
+            </a:r>
+            <a:r>
+              <a:rPr kumimoji="1" lang="en-US" altLang="ja-JP"/>
+              <a:t>t(</a:t>
+            </a:r>
+            <a:r>
+              <a:rPr kumimoji="1" lang="ja-JP" altLang="en-US"/>
+              <a:t>固定長</a:t>
+            </a:r>
+            <a:r>
+              <a:rPr kumimoji="1" lang="en-US" altLang="ja-JP"/>
+              <a:t>)</a:t>
+            </a:r>
+            <a:r>
+              <a:rPr kumimoji="1" lang="ja-JP" altLang="en-US"/>
+              <a:t>を生成する</a:t>
+            </a:r>
+            <a:endParaRPr kumimoji="1" lang="en-US" altLang="ja-JP"/>
+          </a:p>
+          <a:p>
+            <a:pPr lvl="1"/>
+            <a:r>
+              <a:rPr kumimoji="1" lang="en-US" altLang="ja-JP"/>
+              <a:t>t</a:t>
+            </a:r>
+            <a:r>
+              <a:rPr kumimoji="1" lang="ja-JP" altLang="en-US"/>
+              <a:t>からもとのデータは復元できない</a:t>
+            </a:r>
+            <a:r>
+              <a:rPr kumimoji="1" lang="en-US" altLang="ja-JP"/>
+              <a:t>(</a:t>
+            </a:r>
+            <a:r>
+              <a:rPr kumimoji="1" lang="ja-JP" altLang="en-US"/>
+              <a:t>「暗号化」ではない</a:t>
+            </a:r>
+            <a:r>
+              <a:rPr kumimoji="1" lang="en-US" altLang="ja-JP"/>
+              <a:t>)</a:t>
+            </a:r>
+            <a:endParaRPr kumimoji="1" lang="ja-JP" altLang="en-US"/>
+          </a:p>
+        </p:txBody>
+      </p:sp>
+      <p:sp>
+        <p:nvSpPr>
+          <p:cNvPr id="3" name="スライド番号プレースホルダー 2">
+            <a:extLst>
+              <a:ext uri="{FF2B5EF4-FFF2-40B4-BE49-F238E27FC236}">
+                <a16:creationId xmlns:a16="http://schemas.microsoft.com/office/drawing/2014/main" id="{8BC7527F-286E-4247-AD60-CDC53026228F}"/>
+              </a:ext>
+            </a:extLst>
+          </p:cNvPr>
+          <p:cNvSpPr>
+            <a:spLocks noGrp="1"/>
+          </p:cNvSpPr>
+          <p:nvPr>
+            <p:ph type="sldNum" sz="quarter" idx="12"/>
+          </p:nvPr>
+        </p:nvSpPr>
+        <p:spPr/>
+        <p:txBody>
+          <a:bodyPr/>
+          <a:lstStyle/>
+          <a:p>
+            <a:pPr>
+              <a:defRPr/>
+            </a:pPr>
+            <a:r>
+              <a:rPr lang="en-US" altLang="ja-JP"/>
+              <a:t>    </a:t>
+            </a:r>
+            <a:fld id="{B2782DEB-472A-4FE5-AC34-C17109CF5A91}" type="slidenum">
+              <a:rPr lang="en-US" altLang="ja-JP" smtClean="0"/>
+              <a:pPr>
+                <a:defRPr/>
+              </a:pPr>
+              <a:t>35</a:t>
+            </a:fld>
+            <a:r>
+              <a:rPr lang="en-US" altLang="ja-JP"/>
+              <a:t> / 24</a:t>
+            </a:r>
+          </a:p>
+        </p:txBody>
+      </p:sp>
+      <p:sp>
+        <p:nvSpPr>
+          <p:cNvPr id="4" name="タイトル 3">
+            <a:extLst>
+              <a:ext uri="{FF2B5EF4-FFF2-40B4-BE49-F238E27FC236}">
+                <a16:creationId xmlns:a16="http://schemas.microsoft.com/office/drawing/2014/main" id="{63CDA181-8C0B-439C-AB11-071496FCEFC7}"/>
+              </a:ext>
+            </a:extLst>
+          </p:cNvPr>
+          <p:cNvSpPr>
+            <a:spLocks noGrp="1"/>
+          </p:cNvSpPr>
+          <p:nvPr>
+            <p:ph type="title"/>
+          </p:nvPr>
+        </p:nvSpPr>
+        <p:spPr/>
+        <p:txBody>
+          <a:bodyPr/>
+          <a:lstStyle/>
+          <a:p>
+            <a:r>
+              <a:rPr kumimoji="1" lang="ja-JP" altLang="en-US"/>
+              <a:t>メッセージ認証符号</a:t>
+            </a:r>
+          </a:p>
+        </p:txBody>
+      </p:sp>
+      <p:pic>
+        <p:nvPicPr>
+          <p:cNvPr id="6" name="図 5">
+            <a:extLst>
+              <a:ext uri="{FF2B5EF4-FFF2-40B4-BE49-F238E27FC236}">
+                <a16:creationId xmlns:a16="http://schemas.microsoft.com/office/drawing/2014/main" id="{5D5C3A0A-C34E-487E-A335-75B441296C46}"/>
+              </a:ext>
+            </a:extLst>
+          </p:cNvPr>
+          <p:cNvPicPr>
+            <a:picLocks noChangeAspect="1"/>
+          </p:cNvPicPr>
+          <p:nvPr/>
+        </p:nvPicPr>
+        <p:blipFill>
+          <a:blip r:embed="rId2">
+            <a:extLst>
+              <a:ext uri="{28A0092B-C50C-407E-A947-70E740481C1C}">
+                <a14:useLocalDpi xmlns:a14="http://schemas.microsoft.com/office/drawing/2010/main" val="0"/>
+              </a:ext>
+            </a:extLst>
+          </a:blip>
+          <a:stretch>
+            <a:fillRect/>
+          </a:stretch>
+        </p:blipFill>
+        <p:spPr>
+          <a:xfrm>
+            <a:off x="611560" y="3212960"/>
+            <a:ext cx="7488832" cy="3604001"/>
+          </a:xfrm>
+          <a:prstGeom prst="rect">
+            <a:avLst/>
+          </a:prstGeom>
+        </p:spPr>
+      </p:pic>
+    </p:spTree>
+    <p:extLst>
+      <p:ext uri="{BB962C8B-B14F-4D97-AF65-F5344CB8AC3E}">
+        <p14:creationId xmlns:p14="http://schemas.microsoft.com/office/powerpoint/2010/main" val="4280411654"/>
+      </p:ext>
+    </p:extLst>
+  </p:cSld>
+  <p:clrMapOvr>
+    <a:masterClrMapping/>
+  </p:clrMapOvr>
+</p:sld>
+</file>
+
+<file path=ppt/slides/slide36.xml><?xml version="1.0" encoding="utf-8"?>
+<p:sld xmlns:a="http://schemas.openxmlformats.org/drawingml/2006/main" xmlns:r="http://schemas.openxmlformats.org/officeDocument/2006/relationships" xmlns:p="http://schemas.openxmlformats.org/presentationml/2006/main">
+  <p:cSld>
+    <p:spTree>
+      <p:nvGrpSpPr>
+        <p:cNvPr id="1" name=""/>
+        <p:cNvGrpSpPr/>
+        <p:nvPr/>
+      </p:nvGrpSpPr>
+      <p:grpSpPr>
+        <a:xfrm>
+          <a:off x="0" y="0"/>
+          <a:ext cx="0" cy="0"/>
+          <a:chOff x="0" y="0"/>
+          <a:chExt cx="0" cy="0"/>
+        </a:xfrm>
+      </p:grpSpPr>
+      <p:sp>
+        <p:nvSpPr>
+          <p:cNvPr id="2" name="コンテンツ プレースホルダー 1">
+            <a:extLst>
+              <a:ext uri="{FF2B5EF4-FFF2-40B4-BE49-F238E27FC236}">
+                <a16:creationId xmlns:a16="http://schemas.microsoft.com/office/drawing/2014/main" id="{0658738D-4B78-4BC4-BCDC-2541129C7BB8}"/>
+              </a:ext>
+            </a:extLst>
+          </p:cNvPr>
+          <p:cNvSpPr>
+            <a:spLocks noGrp="1"/>
+          </p:cNvSpPr>
+          <p:nvPr>
+            <p:ph idx="1"/>
+          </p:nvPr>
+        </p:nvSpPr>
+        <p:spPr/>
+        <p:txBody>
+          <a:bodyPr/>
+          <a:lstStyle/>
+          <a:p>
+            <a:r>
+              <a:rPr kumimoji="1" lang="en-US" altLang="ja-JP"/>
+              <a:t>MAC</a:t>
+            </a:r>
+            <a:r>
+              <a:rPr kumimoji="1" lang="ja-JP" altLang="en-US"/>
+              <a:t>利用時のデータ</a:t>
+            </a:r>
+            <a:r>
+              <a:rPr kumimoji="1" lang="en-US" altLang="ja-JP"/>
+              <a:t>m</a:t>
+            </a:r>
+            <a:r>
+              <a:rPr kumimoji="1" lang="ja-JP" altLang="en-US"/>
+              <a:t>はそのまま送る</a:t>
+            </a:r>
+            <a:endParaRPr kumimoji="1" lang="en-US" altLang="ja-JP"/>
+          </a:p>
+          <a:p>
+            <a:pPr lvl="1"/>
+            <a:r>
+              <a:rPr kumimoji="1" lang="ja-JP" altLang="en-US"/>
+              <a:t>通信を盗聴すればデータは見える</a:t>
+            </a:r>
+            <a:endParaRPr kumimoji="1" lang="en-US" altLang="ja-JP"/>
+          </a:p>
+          <a:p>
+            <a:pPr lvl="1"/>
+            <a:r>
+              <a:rPr kumimoji="1" lang="ja-JP" altLang="en-US"/>
+              <a:t>秘匿性が必要ならデータ</a:t>
+            </a:r>
+            <a:r>
+              <a:rPr kumimoji="1" lang="en-US" altLang="ja-JP"/>
+              <a:t>m</a:t>
+            </a:r>
+            <a:r>
+              <a:rPr kumimoji="1" lang="ja-JP" altLang="en-US"/>
+              <a:t>を暗号化しなければならない</a:t>
+            </a:r>
+            <a:endParaRPr kumimoji="1" lang="en-US" altLang="ja-JP"/>
+          </a:p>
+          <a:p>
+            <a:r>
+              <a:rPr kumimoji="1" lang="ja-JP" altLang="en-US"/>
+              <a:t>逆に</a:t>
+            </a:r>
+            <a:endParaRPr kumimoji="1" lang="en-US" altLang="ja-JP"/>
+          </a:p>
+          <a:p>
+            <a:pPr lvl="1"/>
+            <a:r>
+              <a:rPr kumimoji="1" lang="ja-JP" altLang="en-US"/>
+              <a:t>データが暗号化されているからといって改竄されていない</a:t>
+            </a:r>
+            <a:br>
+              <a:rPr kumimoji="1" lang="en-US" altLang="ja-JP"/>
+            </a:br>
+            <a:r>
+              <a:rPr kumimoji="1" lang="ja-JP" altLang="en-US"/>
+              <a:t>とは限らない</a:t>
+            </a:r>
+            <a:endParaRPr kumimoji="1" lang="en-US" altLang="ja-JP"/>
+          </a:p>
+          <a:p>
+            <a:pPr lvl="1"/>
+            <a:endParaRPr lang="en-US" altLang="ja-JP"/>
+          </a:p>
+          <a:p>
+            <a:pPr lvl="1"/>
+            <a:endParaRPr kumimoji="1" lang="en-US" altLang="ja-JP"/>
+          </a:p>
+          <a:p>
+            <a:pPr lvl="1"/>
+            <a:endParaRPr lang="en-US" altLang="ja-JP"/>
+          </a:p>
+          <a:p>
+            <a:pPr lvl="1"/>
+            <a:endParaRPr kumimoji="1" lang="en-US" altLang="ja-JP"/>
+          </a:p>
+          <a:p>
+            <a:pPr lvl="1"/>
+            <a:endParaRPr lang="en-US" altLang="ja-JP"/>
+          </a:p>
+          <a:p>
+            <a:pPr lvl="1"/>
+            <a:r>
+              <a:rPr kumimoji="1" lang="ja-JP" altLang="en-US"/>
+              <a:t>秘匿性と完全性の両立→認証付き暗号</a:t>
+            </a:r>
+          </a:p>
+        </p:txBody>
+      </p:sp>
+      <p:sp>
+        <p:nvSpPr>
+          <p:cNvPr id="3" name="スライド番号プレースホルダー 2">
+            <a:extLst>
+              <a:ext uri="{FF2B5EF4-FFF2-40B4-BE49-F238E27FC236}">
+                <a16:creationId xmlns:a16="http://schemas.microsoft.com/office/drawing/2014/main" id="{DA97A676-1D09-4E18-83F7-7230133901CB}"/>
+              </a:ext>
+            </a:extLst>
+          </p:cNvPr>
+          <p:cNvSpPr>
+            <a:spLocks noGrp="1"/>
+          </p:cNvSpPr>
+          <p:nvPr>
+            <p:ph type="sldNum" sz="quarter" idx="12"/>
+          </p:nvPr>
+        </p:nvSpPr>
+        <p:spPr/>
+        <p:txBody>
+          <a:bodyPr/>
+          <a:lstStyle/>
+          <a:p>
+            <a:pPr>
+              <a:defRPr/>
+            </a:pPr>
+            <a:r>
+              <a:rPr lang="en-US" altLang="ja-JP"/>
+              <a:t>    </a:t>
+            </a:r>
+            <a:fld id="{B2782DEB-472A-4FE5-AC34-C17109CF5A91}" type="slidenum">
+              <a:rPr lang="en-US" altLang="ja-JP" smtClean="0"/>
+              <a:pPr>
+                <a:defRPr/>
+              </a:pPr>
+              <a:t>36</a:t>
+            </a:fld>
+            <a:r>
+              <a:rPr lang="en-US" altLang="ja-JP"/>
+              <a:t> / 24</a:t>
+            </a:r>
+          </a:p>
+        </p:txBody>
+      </p:sp>
+      <p:sp>
+        <p:nvSpPr>
+          <p:cNvPr id="4" name="タイトル 3">
+            <a:extLst>
+              <a:ext uri="{FF2B5EF4-FFF2-40B4-BE49-F238E27FC236}">
+                <a16:creationId xmlns:a16="http://schemas.microsoft.com/office/drawing/2014/main" id="{49D15ADE-8606-44B6-9A5F-73B67C3E607C}"/>
+              </a:ext>
+            </a:extLst>
+          </p:cNvPr>
+          <p:cNvSpPr>
+            <a:spLocks noGrp="1"/>
+          </p:cNvSpPr>
+          <p:nvPr>
+            <p:ph type="title"/>
+          </p:nvPr>
+        </p:nvSpPr>
+        <p:spPr/>
+        <p:txBody>
+          <a:bodyPr/>
+          <a:lstStyle/>
+          <a:p>
+            <a:r>
+              <a:rPr kumimoji="1" lang="ja-JP" altLang="en-US"/>
+              <a:t>完全性と秘匿性</a:t>
+            </a:r>
+          </a:p>
+        </p:txBody>
+      </p:sp>
+      <p:graphicFrame>
+        <p:nvGraphicFramePr>
+          <p:cNvPr id="5" name="表 5">
+            <a:extLst>
+              <a:ext uri="{FF2B5EF4-FFF2-40B4-BE49-F238E27FC236}">
+                <a16:creationId xmlns:a16="http://schemas.microsoft.com/office/drawing/2014/main" id="{D2D7DC45-D5E8-4C46-B6AB-D2DCDEAEB6D4}"/>
+              </a:ext>
+            </a:extLst>
+          </p:cNvPr>
+          <p:cNvGraphicFramePr>
+            <a:graphicFrameLocks noGrp="1"/>
+          </p:cNvGraphicFramePr>
+          <p:nvPr>
+            <p:extLst>
+              <p:ext uri="{D42A27DB-BD31-4B8C-83A1-F6EECF244321}">
+                <p14:modId xmlns:p14="http://schemas.microsoft.com/office/powerpoint/2010/main" val="635265750"/>
+              </p:ext>
+            </p:extLst>
+          </p:nvPr>
+        </p:nvGraphicFramePr>
+        <p:xfrm>
+          <a:off x="1403648" y="3933056"/>
+          <a:ext cx="6096000" cy="1112520"/>
+        </p:xfrm>
+        <a:graphic>
+          <a:graphicData uri="http://schemas.openxmlformats.org/drawingml/2006/table">
+            <a:tbl>
+              <a:tblPr firstRow="1" bandRow="1">
+                <a:tableStyleId>{5C22544A-7EE6-4342-B048-85BDC9FD1C3A}</a:tableStyleId>
+              </a:tblPr>
+              <a:tblGrid>
+                <a:gridCol w="2032000">
+                  <a:extLst>
+                    <a:ext uri="{9D8B030D-6E8A-4147-A177-3AD203B41FA5}">
+                      <a16:colId xmlns:a16="http://schemas.microsoft.com/office/drawing/2014/main" val="2109175061"/>
+                    </a:ext>
+                  </a:extLst>
+                </a:gridCol>
+                <a:gridCol w="2032000">
+                  <a:extLst>
+                    <a:ext uri="{9D8B030D-6E8A-4147-A177-3AD203B41FA5}">
+                      <a16:colId xmlns:a16="http://schemas.microsoft.com/office/drawing/2014/main" val="3442624890"/>
+                    </a:ext>
+                  </a:extLst>
+                </a:gridCol>
+                <a:gridCol w="2032000">
+                  <a:extLst>
+                    <a:ext uri="{9D8B030D-6E8A-4147-A177-3AD203B41FA5}">
+                      <a16:colId xmlns:a16="http://schemas.microsoft.com/office/drawing/2014/main" val="3809667354"/>
+                    </a:ext>
+                  </a:extLst>
+                </a:gridCol>
+              </a:tblGrid>
+              <a:tr h="370840">
+                <a:tc>
+                  <a:txBody>
+                    <a:bodyPr/>
+                    <a:lstStyle/>
+                    <a:p>
+                      <a:r>
+                        <a:rPr kumimoji="1" lang="ja-JP" altLang="en-US"/>
+                        <a:t>暗号技術＼性質</a:t>
+                      </a:r>
+                    </a:p>
+                  </a:txBody>
+                  <a:tcPr/>
+                </a:tc>
+                <a:tc>
+                  <a:txBody>
+                    <a:bodyPr/>
+                    <a:lstStyle/>
+                    <a:p>
+                      <a:r>
+                        <a:rPr kumimoji="1" lang="ja-JP" altLang="en-US"/>
+                        <a:t>秘匿性</a:t>
+                      </a:r>
+                    </a:p>
+                  </a:txBody>
+                  <a:tcPr/>
+                </a:tc>
+                <a:tc>
+                  <a:txBody>
+                    <a:bodyPr/>
+                    <a:lstStyle/>
+                    <a:p>
+                      <a:r>
+                        <a:rPr kumimoji="1" lang="ja-JP" altLang="en-US"/>
+                        <a:t>完全性</a:t>
+                      </a:r>
+                    </a:p>
+                  </a:txBody>
+                  <a:tcPr/>
+                </a:tc>
+                <a:extLst>
+                  <a:ext uri="{0D108BD9-81ED-4DB2-BD59-A6C34878D82A}">
+                    <a16:rowId xmlns:a16="http://schemas.microsoft.com/office/drawing/2014/main" val="1777765356"/>
+                  </a:ext>
+                </a:extLst>
+              </a:tr>
+              <a:tr h="370840">
+                <a:tc>
+                  <a:txBody>
+                    <a:bodyPr/>
+                    <a:lstStyle/>
+                    <a:p>
+                      <a:r>
+                        <a:rPr kumimoji="1" lang="ja-JP" altLang="en-US"/>
+                        <a:t>共通鍵暗号</a:t>
+                      </a:r>
+                    </a:p>
+                  </a:txBody>
+                  <a:tcPr/>
+                </a:tc>
+                <a:tc>
+                  <a:txBody>
+                    <a:bodyPr/>
+                    <a:lstStyle/>
+                    <a:p>
+                      <a:r>
+                        <a:rPr kumimoji="1" lang="ja-JP" altLang="en-US"/>
+                        <a:t>ある</a:t>
+                      </a:r>
+                    </a:p>
+                  </a:txBody>
+                  <a:tcPr/>
+                </a:tc>
+                <a:tc>
+                  <a:txBody>
+                    <a:bodyPr/>
+                    <a:lstStyle/>
+                    <a:p>
+                      <a:r>
+                        <a:rPr kumimoji="1" lang="ja-JP" altLang="en-US"/>
+                        <a:t>無い</a:t>
+                      </a:r>
+                    </a:p>
+                  </a:txBody>
+                  <a:tcPr/>
+                </a:tc>
+                <a:extLst>
+                  <a:ext uri="{0D108BD9-81ED-4DB2-BD59-A6C34878D82A}">
+                    <a16:rowId xmlns:a16="http://schemas.microsoft.com/office/drawing/2014/main" val="2877552023"/>
+                  </a:ext>
+                </a:extLst>
+              </a:tr>
+              <a:tr h="370840">
+                <a:tc>
+                  <a:txBody>
+                    <a:bodyPr/>
+                    <a:lstStyle/>
+                    <a:p>
+                      <a:r>
+                        <a:rPr kumimoji="1" lang="en-US" altLang="ja-JP"/>
+                        <a:t>MAC</a:t>
+                      </a:r>
+                      <a:endParaRPr kumimoji="1" lang="ja-JP" altLang="en-US"/>
+                    </a:p>
+                  </a:txBody>
+                  <a:tcPr/>
+                </a:tc>
+                <a:tc>
+                  <a:txBody>
+                    <a:bodyPr/>
+                    <a:lstStyle/>
+                    <a:p>
+                      <a:r>
+                        <a:rPr kumimoji="1" lang="ja-JP" altLang="en-US"/>
+                        <a:t>無い</a:t>
+                      </a:r>
+                    </a:p>
+                  </a:txBody>
+                  <a:tcPr/>
+                </a:tc>
+                <a:tc>
+                  <a:txBody>
+                    <a:bodyPr/>
+                    <a:lstStyle/>
+                    <a:p>
+                      <a:r>
+                        <a:rPr kumimoji="1" lang="ja-JP" altLang="en-US"/>
+                        <a:t>ある</a:t>
+                      </a:r>
+                    </a:p>
+                  </a:txBody>
+                  <a:tcPr/>
+                </a:tc>
+                <a:extLst>
+                  <a:ext uri="{0D108BD9-81ED-4DB2-BD59-A6C34878D82A}">
+                    <a16:rowId xmlns:a16="http://schemas.microsoft.com/office/drawing/2014/main" val="468618717"/>
+                  </a:ext>
+                </a:extLst>
+              </a:tr>
+            </a:tbl>
+          </a:graphicData>
+        </a:graphic>
+      </p:graphicFrame>
+    </p:spTree>
+    <p:extLst>
+      <p:ext uri="{BB962C8B-B14F-4D97-AF65-F5344CB8AC3E}">
+        <p14:creationId xmlns:p14="http://schemas.microsoft.com/office/powerpoint/2010/main" val="3117221223"/>
+      </p:ext>
+    </p:extLst>
+  </p:cSld>
+  <p:clrMapOvr>
+    <a:masterClrMapping/>
+  </p:clrMapOvr>
+</p:sld>
+</file>
+
+<file path=ppt/slides/slide37.xml><?xml version="1.0" encoding="utf-8"?>
+<p:sld xmlns:a="http://schemas.openxmlformats.org/drawingml/2006/main" xmlns:r="http://schemas.openxmlformats.org/officeDocument/2006/relationships" xmlns:p="http://schemas.openxmlformats.org/presentationml/2006/main">
+  <p:cSld>
+    <p:spTree>
+      <p:nvGrpSpPr>
+        <p:cNvPr id="1" name=""/>
+        <p:cNvGrpSpPr/>
+        <p:nvPr/>
+      </p:nvGrpSpPr>
+      <p:grpSpPr>
+        <a:xfrm>
+          <a:off x="0" y="0"/>
+          <a:ext cx="0" cy="0"/>
+          <a:chOff x="0" y="0"/>
+          <a:chExt cx="0" cy="0"/>
+        </a:xfrm>
+      </p:grpSpPr>
+      <p:sp>
+        <p:nvSpPr>
+          <p:cNvPr id="2" name="コンテンツ プレースホルダー 1">
+            <a:extLst>
+              <a:ext uri="{FF2B5EF4-FFF2-40B4-BE49-F238E27FC236}">
+                <a16:creationId xmlns:a16="http://schemas.microsoft.com/office/drawing/2014/main" id="{42E86D18-CF28-459C-89E8-FFD55DB26AE1}"/>
+              </a:ext>
+            </a:extLst>
+          </p:cNvPr>
+          <p:cNvSpPr>
+            <a:spLocks noGrp="1"/>
+          </p:cNvSpPr>
+          <p:nvPr>
+            <p:ph idx="1"/>
+          </p:nvPr>
+        </p:nvSpPr>
+        <p:spPr/>
+        <p:txBody>
+          <a:bodyPr/>
+          <a:lstStyle/>
+          <a:p>
+            <a:r>
+              <a:rPr kumimoji="1" lang="ja-JP" altLang="en-US"/>
+              <a:t>盗聴した攻撃者は偽データとその</a:t>
+            </a:r>
+            <a:r>
+              <a:rPr kumimoji="1" lang="en-US" altLang="ja-JP"/>
+              <a:t>MAC</a:t>
+            </a:r>
+            <a:r>
+              <a:rPr kumimoji="1" lang="ja-JP" altLang="en-US"/>
+              <a:t>値の組を作れてはいけない</a:t>
+            </a:r>
+          </a:p>
+        </p:txBody>
+      </p:sp>
+      <p:sp>
+        <p:nvSpPr>
+          <p:cNvPr id="3" name="スライド番号プレースホルダー 2">
+            <a:extLst>
+              <a:ext uri="{FF2B5EF4-FFF2-40B4-BE49-F238E27FC236}">
+                <a16:creationId xmlns:a16="http://schemas.microsoft.com/office/drawing/2014/main" id="{AB9F26F4-83DE-4194-BC8D-DD0C7E4176A1}"/>
+              </a:ext>
+            </a:extLst>
+          </p:cNvPr>
+          <p:cNvSpPr>
+            <a:spLocks noGrp="1"/>
+          </p:cNvSpPr>
+          <p:nvPr>
+            <p:ph type="sldNum" sz="quarter" idx="12"/>
+          </p:nvPr>
+        </p:nvSpPr>
+        <p:spPr/>
+        <p:txBody>
+          <a:bodyPr/>
+          <a:lstStyle/>
+          <a:p>
+            <a:pPr>
+              <a:defRPr/>
+            </a:pPr>
+            <a:r>
+              <a:rPr lang="en-US" altLang="ja-JP"/>
+              <a:t>    </a:t>
+            </a:r>
+            <a:fld id="{B2782DEB-472A-4FE5-AC34-C17109CF5A91}" type="slidenum">
+              <a:rPr lang="en-US" altLang="ja-JP" smtClean="0"/>
+              <a:pPr>
+                <a:defRPr/>
+              </a:pPr>
+              <a:t>37</a:t>
+            </a:fld>
+            <a:r>
+              <a:rPr lang="en-US" altLang="ja-JP"/>
+              <a:t> / 24</a:t>
+            </a:r>
+          </a:p>
+        </p:txBody>
+      </p:sp>
+      <p:sp>
+        <p:nvSpPr>
+          <p:cNvPr id="4" name="タイトル 3">
+            <a:extLst>
+              <a:ext uri="{FF2B5EF4-FFF2-40B4-BE49-F238E27FC236}">
+                <a16:creationId xmlns:a16="http://schemas.microsoft.com/office/drawing/2014/main" id="{1F7BE459-0612-4E1D-AB5B-E5BFEA451764}"/>
+              </a:ext>
+            </a:extLst>
+          </p:cNvPr>
+          <p:cNvSpPr>
+            <a:spLocks noGrp="1"/>
+          </p:cNvSpPr>
+          <p:nvPr>
+            <p:ph type="title"/>
+          </p:nvPr>
+        </p:nvSpPr>
+        <p:spPr/>
+        <p:txBody>
+          <a:bodyPr/>
+          <a:lstStyle/>
+          <a:p>
+            <a:r>
+              <a:rPr kumimoji="1" lang="en-US" altLang="ja-JP"/>
+              <a:t>MAC</a:t>
+            </a:r>
+            <a:r>
+              <a:rPr kumimoji="1" lang="ja-JP" altLang="en-US"/>
+              <a:t>の安全性</a:t>
+            </a:r>
+          </a:p>
+        </p:txBody>
+      </p:sp>
+      <p:pic>
+        <p:nvPicPr>
+          <p:cNvPr id="6" name="図 5">
+            <a:extLst>
+              <a:ext uri="{FF2B5EF4-FFF2-40B4-BE49-F238E27FC236}">
+                <a16:creationId xmlns:a16="http://schemas.microsoft.com/office/drawing/2014/main" id="{E8F42C36-8C67-46B0-8157-4C0E3640D457}"/>
+              </a:ext>
+            </a:extLst>
+          </p:cNvPr>
+          <p:cNvPicPr>
+            <a:picLocks noChangeAspect="1"/>
+          </p:cNvPicPr>
+          <p:nvPr/>
+        </p:nvPicPr>
+        <p:blipFill>
+          <a:blip r:embed="rId2">
+            <a:extLst>
+              <a:ext uri="{28A0092B-C50C-407E-A947-70E740481C1C}">
+                <a14:useLocalDpi xmlns:a14="http://schemas.microsoft.com/office/drawing/2010/main" val="0"/>
+              </a:ext>
+            </a:extLst>
+          </a:blip>
+          <a:stretch>
+            <a:fillRect/>
+          </a:stretch>
+        </p:blipFill>
+        <p:spPr>
+          <a:xfrm>
+            <a:off x="791580" y="1988840"/>
+            <a:ext cx="7560840" cy="4007246"/>
+          </a:xfrm>
+          <a:prstGeom prst="rect">
+            <a:avLst/>
+          </a:prstGeom>
+        </p:spPr>
+      </p:pic>
+    </p:spTree>
+    <p:extLst>
+      <p:ext uri="{BB962C8B-B14F-4D97-AF65-F5344CB8AC3E}">
+        <p14:creationId xmlns:p14="http://schemas.microsoft.com/office/powerpoint/2010/main" val="2782088609"/>
+      </p:ext>
+    </p:extLst>
+  </p:cSld>
+  <p:clrMapOvr>
+    <a:masterClrMapping/>
+  </p:clrMapOvr>
+</p:sld>
+</file>
+
+<file path=ppt/slides/slide38.xml><?xml version="1.0" encoding="utf-8"?>
+<p:sld xmlns:a="http://schemas.openxmlformats.org/drawingml/2006/main" xmlns:r="http://schemas.openxmlformats.org/officeDocument/2006/relationships" xmlns:p="http://schemas.openxmlformats.org/presentationml/2006/main">
+  <p:cSld>
+    <p:spTree>
+      <p:nvGrpSpPr>
+        <p:cNvPr id="1" name=""/>
+        <p:cNvGrpSpPr/>
+        <p:nvPr/>
+      </p:nvGrpSpPr>
+      <p:grpSpPr>
+        <a:xfrm>
+          <a:off x="0" y="0"/>
+          <a:ext cx="0" cy="0"/>
+          <a:chOff x="0" y="0"/>
+          <a:chExt cx="0" cy="0"/>
+        </a:xfrm>
+      </p:grpSpPr>
+      <p:pic>
+        <p:nvPicPr>
+          <p:cNvPr id="6" name="図 5">
+            <a:extLst>
+              <a:ext uri="{FF2B5EF4-FFF2-40B4-BE49-F238E27FC236}">
+                <a16:creationId xmlns:a16="http://schemas.microsoft.com/office/drawing/2014/main" id="{DE499AA4-1F5A-4D9A-8AE8-BD48AEB54818}"/>
+              </a:ext>
+            </a:extLst>
+          </p:cNvPr>
+          <p:cNvPicPr>
+            <a:picLocks noChangeAspect="1"/>
+          </p:cNvPicPr>
+          <p:nvPr/>
+        </p:nvPicPr>
+        <p:blipFill>
+          <a:blip r:embed="rId2"/>
+          <a:stretch>
+            <a:fillRect/>
+          </a:stretch>
+        </p:blipFill>
+        <p:spPr>
+          <a:xfrm>
+            <a:off x="1403648" y="3674322"/>
+            <a:ext cx="6696744" cy="2878878"/>
+          </a:xfrm>
+          <a:prstGeom prst="rect">
+            <a:avLst/>
+          </a:prstGeom>
+        </p:spPr>
+      </p:pic>
+      <p:sp>
+        <p:nvSpPr>
+          <p:cNvPr id="2" name="コンテンツ プレースホルダー 1">
+            <a:extLst>
+              <a:ext uri="{FF2B5EF4-FFF2-40B4-BE49-F238E27FC236}">
+                <a16:creationId xmlns:a16="http://schemas.microsoft.com/office/drawing/2014/main" id="{18D8C69C-DD55-4420-A2AE-7AC3FB8C2A5B}"/>
+              </a:ext>
+            </a:extLst>
+          </p:cNvPr>
+          <p:cNvSpPr>
+            <a:spLocks noGrp="1"/>
+          </p:cNvSpPr>
+          <p:nvPr>
+            <p:ph idx="1"/>
+          </p:nvPr>
+        </p:nvSpPr>
+        <p:spPr/>
+        <p:txBody>
+          <a:bodyPr/>
+          <a:lstStyle/>
+          <a:p>
+            <a:r>
+              <a:rPr kumimoji="1" lang="en-US" altLang="ja-JP"/>
+              <a:t>HMAC(Hash-based MAC)</a:t>
+            </a:r>
+          </a:p>
+          <a:p>
+            <a:pPr lvl="1"/>
+            <a:r>
+              <a:rPr kumimoji="1" lang="ja-JP" altLang="en-US"/>
+              <a:t>ハッシュ関数を使って構成する</a:t>
+            </a:r>
+            <a:endParaRPr kumimoji="1" lang="en-US" altLang="ja-JP"/>
+          </a:p>
+          <a:p>
+            <a:r>
+              <a:rPr kumimoji="1" lang="en-US" altLang="ja-JP"/>
+              <a:t>CMAC(Cipher-based MAC)</a:t>
+            </a:r>
+          </a:p>
+          <a:p>
+            <a:pPr lvl="1"/>
+            <a:r>
+              <a:rPr kumimoji="1" lang="ja-JP" altLang="en-US"/>
+              <a:t>ブロック暗号を使って構成する</a:t>
+            </a:r>
+            <a:endParaRPr kumimoji="1" lang="en-US" altLang="ja-JP"/>
+          </a:p>
+          <a:p>
+            <a:pPr lvl="1"/>
+            <a:r>
+              <a:rPr kumimoji="1" lang="ja-JP" altLang="en-US"/>
+              <a:t>他いろいろ</a:t>
+            </a:r>
+            <a:endParaRPr kumimoji="1" lang="en-US" altLang="ja-JP"/>
+          </a:p>
+          <a:p>
+            <a:r>
+              <a:rPr kumimoji="1" lang="en-US" altLang="ja-JP"/>
+              <a:t>HMAC-SHA-256 ; </a:t>
+            </a:r>
+            <a:r>
+              <a:rPr kumimoji="1" lang="ja-JP" altLang="en-US"/>
+              <a:t>秘密鍵</a:t>
+            </a:r>
+            <a:r>
+              <a:rPr kumimoji="1" lang="en-US" altLang="ja-JP"/>
+              <a:t>s, </a:t>
+            </a:r>
+            <a:r>
+              <a:rPr kumimoji="1" lang="ja-JP" altLang="en-US"/>
+              <a:t>データ</a:t>
+            </a:r>
+            <a:r>
+              <a:rPr kumimoji="1" lang="en-US" altLang="ja-JP"/>
+              <a:t>m</a:t>
+            </a:r>
+          </a:p>
+          <a:p>
+            <a:endParaRPr lang="en-US" altLang="ja-JP"/>
+          </a:p>
+          <a:p>
+            <a:endParaRPr kumimoji="1" lang="en-US" altLang="ja-JP"/>
+          </a:p>
+          <a:p>
+            <a:endParaRPr lang="en-US" altLang="ja-JP"/>
+          </a:p>
+          <a:p>
+            <a:endParaRPr kumimoji="1" lang="en-US" altLang="ja-JP"/>
+          </a:p>
+          <a:p>
+            <a:pPr marL="0" indent="0">
+              <a:buNone/>
+            </a:pPr>
+            <a:r>
+              <a:rPr kumimoji="1" lang="en-US" altLang="ja-JP" sz="1800"/>
+              <a:t>                                                                                              『</a:t>
+            </a:r>
+            <a:r>
+              <a:rPr kumimoji="1" lang="ja-JP" altLang="en-US" sz="1800"/>
+              <a:t>暗認本</a:t>
+            </a:r>
+            <a:r>
+              <a:rPr kumimoji="1" lang="en-US" altLang="ja-JP" sz="1800"/>
+              <a:t>』p.163</a:t>
+            </a:r>
+            <a:endParaRPr kumimoji="1" lang="ja-JP" altLang="en-US" sz="1800"/>
+          </a:p>
+        </p:txBody>
+      </p:sp>
+      <p:sp>
+        <p:nvSpPr>
+          <p:cNvPr id="3" name="スライド番号プレースホルダー 2">
+            <a:extLst>
+              <a:ext uri="{FF2B5EF4-FFF2-40B4-BE49-F238E27FC236}">
+                <a16:creationId xmlns:a16="http://schemas.microsoft.com/office/drawing/2014/main" id="{62CB4FE8-92AC-4ADC-A3E0-EF3C414B368F}"/>
+              </a:ext>
+            </a:extLst>
+          </p:cNvPr>
+          <p:cNvSpPr>
+            <a:spLocks noGrp="1"/>
+          </p:cNvSpPr>
+          <p:nvPr>
+            <p:ph type="sldNum" sz="quarter" idx="12"/>
+          </p:nvPr>
+        </p:nvSpPr>
+        <p:spPr/>
+        <p:txBody>
+          <a:bodyPr/>
+          <a:lstStyle/>
+          <a:p>
+            <a:pPr>
+              <a:defRPr/>
+            </a:pPr>
+            <a:r>
+              <a:rPr lang="en-US" altLang="ja-JP"/>
+              <a:t>    </a:t>
+            </a:r>
+            <a:fld id="{B2782DEB-472A-4FE5-AC34-C17109CF5A91}" type="slidenum">
+              <a:rPr lang="en-US" altLang="ja-JP" smtClean="0"/>
+              <a:pPr>
+                <a:defRPr/>
+              </a:pPr>
+              <a:t>38</a:t>
+            </a:fld>
+            <a:r>
+              <a:rPr lang="en-US" altLang="ja-JP"/>
+              <a:t> / 24</a:t>
+            </a:r>
+          </a:p>
+        </p:txBody>
+      </p:sp>
+      <p:sp>
+        <p:nvSpPr>
+          <p:cNvPr id="4" name="タイトル 3">
+            <a:extLst>
+              <a:ext uri="{FF2B5EF4-FFF2-40B4-BE49-F238E27FC236}">
+                <a16:creationId xmlns:a16="http://schemas.microsoft.com/office/drawing/2014/main" id="{5EB1DF60-3A6C-4FBC-9974-BB8F88A5E486}"/>
+              </a:ext>
+            </a:extLst>
+          </p:cNvPr>
+          <p:cNvSpPr>
+            <a:spLocks noGrp="1"/>
+          </p:cNvSpPr>
+          <p:nvPr>
+            <p:ph type="title"/>
+          </p:nvPr>
+        </p:nvSpPr>
+        <p:spPr/>
+        <p:txBody>
+          <a:bodyPr/>
+          <a:lstStyle/>
+          <a:p>
+            <a:r>
+              <a:rPr lang="en-US" altLang="ja-JP"/>
+              <a:t>MAC</a:t>
+            </a:r>
+            <a:r>
+              <a:rPr lang="ja-JP" altLang="en-US"/>
+              <a:t>の構成法</a:t>
+            </a:r>
+            <a:endParaRPr kumimoji="1" lang="ja-JP" altLang="en-US"/>
+          </a:p>
+        </p:txBody>
+      </p:sp>
+    </p:spTree>
+    <p:extLst>
+      <p:ext uri="{BB962C8B-B14F-4D97-AF65-F5344CB8AC3E}">
+        <p14:creationId xmlns:p14="http://schemas.microsoft.com/office/powerpoint/2010/main" val="408895616"/>
       </p:ext>
     </p:extLst>
   </p:cSld>

--- a/lec/anninbon6.pptx
+++ b/lec/anninbon6.pptx
@@ -5,10 +5,10 @@
     <p:sldMasterId id="2147483706" r:id="rId1"/>
   </p:sldMasterIdLst>
   <p:notesMasterIdLst>
-    <p:notesMasterId r:id="rId40"/>
+    <p:notesMasterId r:id="rId24"/>
   </p:notesMasterIdLst>
   <p:handoutMasterIdLst>
-    <p:handoutMasterId r:id="rId41"/>
+    <p:handoutMasterId r:id="rId25"/>
   </p:handoutMasterIdLst>
   <p:sldIdLst>
     <p:sldId id="552" r:id="rId2"/>
@@ -33,22 +33,6 @@
     <p:sldId id="590" r:id="rId21"/>
     <p:sldId id="591" r:id="rId22"/>
     <p:sldId id="592" r:id="rId23"/>
-    <p:sldId id="593" r:id="rId24"/>
-    <p:sldId id="594" r:id="rId25"/>
-    <p:sldId id="595" r:id="rId26"/>
-    <p:sldId id="596" r:id="rId27"/>
-    <p:sldId id="597" r:id="rId28"/>
-    <p:sldId id="598" r:id="rId29"/>
-    <p:sldId id="599" r:id="rId30"/>
-    <p:sldId id="600" r:id="rId31"/>
-    <p:sldId id="601" r:id="rId32"/>
-    <p:sldId id="602" r:id="rId33"/>
-    <p:sldId id="603" r:id="rId34"/>
-    <p:sldId id="604" r:id="rId35"/>
-    <p:sldId id="605" r:id="rId36"/>
-    <p:sldId id="606" r:id="rId37"/>
-    <p:sldId id="607" r:id="rId38"/>
-    <p:sldId id="608" r:id="rId39"/>
   </p:sldIdLst>
   <p:sldSz cx="9144000" cy="6858000" type="screen4x3"/>
   <p:notesSz cx="7099300" cy="10234613"/>
@@ -204,22 +188,6 @@
             <p14:sldId id="590"/>
             <p14:sldId id="591"/>
             <p14:sldId id="592"/>
-            <p14:sldId id="593"/>
-            <p14:sldId id="594"/>
-            <p14:sldId id="595"/>
-            <p14:sldId id="596"/>
-            <p14:sldId id="597"/>
-            <p14:sldId id="598"/>
-            <p14:sldId id="599"/>
-            <p14:sldId id="600"/>
-            <p14:sldId id="601"/>
-            <p14:sldId id="602"/>
-            <p14:sldId id="603"/>
-            <p14:sldId id="604"/>
-            <p14:sldId id="605"/>
-            <p14:sldId id="606"/>
-            <p14:sldId id="607"/>
-            <p14:sldId id="608"/>
           </p14:sldIdLst>
         </p14:section>
       </p14:sectionLst>
@@ -1524,7 +1492,7 @@
             </a:fld>
             <a:r>
               <a:rPr lang="en-US" altLang="ja-JP"/>
-              <a:t> / 24</a:t>
+              <a:t> / 22</a:t>
             </a:r>
           </a:p>
         </p:txBody>
@@ -2791,48 +2759,6 @@
       </mc:AlternateContent>
       <p:sp>
         <p:nvSpPr>
-          <p:cNvPr id="3" name="スライド番号プレースホルダー 2">
-            <a:extLst>
-              <a:ext uri="{FF2B5EF4-FFF2-40B4-BE49-F238E27FC236}">
-                <a16:creationId xmlns:a16="http://schemas.microsoft.com/office/drawing/2014/main" id="{4B18195E-1E01-4AC3-AC6F-B1E8768F05E8}"/>
-              </a:ext>
-            </a:extLst>
-          </p:cNvPr>
-          <p:cNvSpPr>
-            <a:spLocks noGrp="1"/>
-          </p:cNvSpPr>
-          <p:nvPr>
-            <p:ph type="sldNum" sz="quarter" idx="12"/>
-          </p:nvPr>
-        </p:nvSpPr>
-        <p:spPr/>
-        <p:txBody>
-          <a:bodyPr/>
-          <a:lstStyle/>
-          <a:p>
-            <a:pPr>
-              <a:defRPr/>
-            </a:pPr>
-            <a:r>
-              <a:rPr lang="en-US" altLang="ja-JP"/>
-              <a:t>    </a:t>
-            </a:r>
-            <a:fld id="{B2782DEB-472A-4FE5-AC34-C17109CF5A91}" type="slidenum">
-              <a:rPr lang="en-US" altLang="ja-JP" smtClean="0"/>
-              <a:pPr>
-                <a:defRPr/>
-              </a:pPr>
-              <a:t>10</a:t>
-            </a:fld>
-            <a:r>
-              <a:rPr lang="en-US" altLang="ja-JP"/>
-              <a:t> / 24</a:t>
-            </a:r>
-          </a:p>
-        </p:txBody>
-      </p:sp>
-      <p:sp>
-        <p:nvSpPr>
           <p:cNvPr id="4" name="タイトル 3">
             <a:extLst>
               <a:ext uri="{FF2B5EF4-FFF2-40B4-BE49-F238E27FC236}">
@@ -2895,6 +2821,48 @@
           </a:prstGeom>
         </p:spPr>
       </p:pic>
+      <p:sp>
+        <p:nvSpPr>
+          <p:cNvPr id="5" name="スライド番号プレースホルダー 4">
+            <a:extLst>
+              <a:ext uri="{FF2B5EF4-FFF2-40B4-BE49-F238E27FC236}">
+                <a16:creationId xmlns:a16="http://schemas.microsoft.com/office/drawing/2014/main" id="{6148DF83-8956-4D2E-B2DB-1C229F9542EC}"/>
+              </a:ext>
+            </a:extLst>
+          </p:cNvPr>
+          <p:cNvSpPr>
+            <a:spLocks noGrp="1"/>
+          </p:cNvSpPr>
+          <p:nvPr>
+            <p:ph type="sldNum" sz="quarter" idx="12"/>
+          </p:nvPr>
+        </p:nvSpPr>
+        <p:spPr/>
+        <p:txBody>
+          <a:bodyPr/>
+          <a:lstStyle/>
+          <a:p>
+            <a:pPr>
+              <a:defRPr/>
+            </a:pPr>
+            <a:r>
+              <a:rPr lang="en-US" altLang="ja-JP"/>
+              <a:t>    </a:t>
+            </a:r>
+            <a:fld id="{B2782DEB-472A-4FE5-AC34-C17109CF5A91}" type="slidenum">
+              <a:rPr lang="en-US" altLang="ja-JP" smtClean="0"/>
+              <a:pPr>
+                <a:defRPr/>
+              </a:pPr>
+              <a:t>10</a:t>
+            </a:fld>
+            <a:r>
+              <a:rPr lang="en-US" altLang="ja-JP"/>
+              <a:t> / 22</a:t>
+            </a:r>
+          </a:p>
+        </p:txBody>
+      </p:sp>
     </p:spTree>
     <p:extLst>
       <p:ext uri="{BB962C8B-B14F-4D97-AF65-F5344CB8AC3E}">
@@ -3552,48 +3520,6 @@
       </mc:AlternateContent>
       <p:sp>
         <p:nvSpPr>
-          <p:cNvPr id="3" name="スライド番号プレースホルダー 2">
-            <a:extLst>
-              <a:ext uri="{FF2B5EF4-FFF2-40B4-BE49-F238E27FC236}">
-                <a16:creationId xmlns:a16="http://schemas.microsoft.com/office/drawing/2014/main" id="{A85D87D4-88E7-49FB-8F74-5C7AA60831F8}"/>
-              </a:ext>
-            </a:extLst>
-          </p:cNvPr>
-          <p:cNvSpPr>
-            <a:spLocks noGrp="1"/>
-          </p:cNvSpPr>
-          <p:nvPr>
-            <p:ph type="sldNum" sz="quarter" idx="12"/>
-          </p:nvPr>
-        </p:nvSpPr>
-        <p:spPr/>
-        <p:txBody>
-          <a:bodyPr/>
-          <a:lstStyle/>
-          <a:p>
-            <a:pPr>
-              <a:defRPr/>
-            </a:pPr>
-            <a:r>
-              <a:rPr lang="en-US" altLang="ja-JP"/>
-              <a:t>    </a:t>
-            </a:r>
-            <a:fld id="{B2782DEB-472A-4FE5-AC34-C17109CF5A91}" type="slidenum">
-              <a:rPr lang="en-US" altLang="ja-JP" smtClean="0"/>
-              <a:pPr>
-                <a:defRPr/>
-              </a:pPr>
-              <a:t>11</a:t>
-            </a:fld>
-            <a:r>
-              <a:rPr lang="en-US" altLang="ja-JP"/>
-              <a:t> / 24</a:t>
-            </a:r>
-          </a:p>
-        </p:txBody>
-      </p:sp>
-      <p:sp>
-        <p:nvSpPr>
           <p:cNvPr id="4" name="タイトル 3">
             <a:extLst>
               <a:ext uri="{FF2B5EF4-FFF2-40B4-BE49-F238E27FC236}">
@@ -3665,6 +3591,48 @@
           </a:prstGeom>
         </p:spPr>
       </p:pic>
+      <p:sp>
+        <p:nvSpPr>
+          <p:cNvPr id="5" name="スライド番号プレースホルダー 4">
+            <a:extLst>
+              <a:ext uri="{FF2B5EF4-FFF2-40B4-BE49-F238E27FC236}">
+                <a16:creationId xmlns:a16="http://schemas.microsoft.com/office/drawing/2014/main" id="{9DFEAC83-3642-408A-8FF8-570ADF30C38B}"/>
+              </a:ext>
+            </a:extLst>
+          </p:cNvPr>
+          <p:cNvSpPr>
+            <a:spLocks noGrp="1"/>
+          </p:cNvSpPr>
+          <p:nvPr>
+            <p:ph type="sldNum" sz="quarter" idx="12"/>
+          </p:nvPr>
+        </p:nvSpPr>
+        <p:spPr/>
+        <p:txBody>
+          <a:bodyPr/>
+          <a:lstStyle/>
+          <a:p>
+            <a:pPr>
+              <a:defRPr/>
+            </a:pPr>
+            <a:r>
+              <a:rPr lang="en-US" altLang="ja-JP"/>
+              <a:t>    </a:t>
+            </a:r>
+            <a:fld id="{B2782DEB-472A-4FE5-AC34-C17109CF5A91}" type="slidenum">
+              <a:rPr lang="en-US" altLang="ja-JP" smtClean="0"/>
+              <a:pPr>
+                <a:defRPr/>
+              </a:pPr>
+              <a:t>11</a:t>
+            </a:fld>
+            <a:r>
+              <a:rPr lang="en-US" altLang="ja-JP"/>
+              <a:t> / 22</a:t>
+            </a:r>
+          </a:p>
+        </p:txBody>
+      </p:sp>
     </p:spTree>
     <p:extLst>
       <p:ext uri="{BB962C8B-B14F-4D97-AF65-F5344CB8AC3E}">
@@ -3741,48 +3709,6 @@
       </p:sp>
       <p:sp>
         <p:nvSpPr>
-          <p:cNvPr id="3" name="スライド番号プレースホルダー 2">
-            <a:extLst>
-              <a:ext uri="{FF2B5EF4-FFF2-40B4-BE49-F238E27FC236}">
-                <a16:creationId xmlns:a16="http://schemas.microsoft.com/office/drawing/2014/main" id="{5C02CCE0-9B6A-4938-B740-CD6D8F81493F}"/>
-              </a:ext>
-            </a:extLst>
-          </p:cNvPr>
-          <p:cNvSpPr>
-            <a:spLocks noGrp="1"/>
-          </p:cNvSpPr>
-          <p:nvPr>
-            <p:ph type="sldNum" sz="quarter" idx="12"/>
-          </p:nvPr>
-        </p:nvSpPr>
-        <p:spPr/>
-        <p:txBody>
-          <a:bodyPr/>
-          <a:lstStyle/>
-          <a:p>
-            <a:pPr>
-              <a:defRPr/>
-            </a:pPr>
-            <a:r>
-              <a:rPr lang="en-US" altLang="ja-JP"/>
-              <a:t>    </a:t>
-            </a:r>
-            <a:fld id="{B2782DEB-472A-4FE5-AC34-C17109CF5A91}" type="slidenum">
-              <a:rPr lang="en-US" altLang="ja-JP" smtClean="0"/>
-              <a:pPr>
-                <a:defRPr/>
-              </a:pPr>
-              <a:t>12</a:t>
-            </a:fld>
-            <a:r>
-              <a:rPr lang="en-US" altLang="ja-JP"/>
-              <a:t> / 24</a:t>
-            </a:r>
-          </a:p>
-        </p:txBody>
-      </p:sp>
-      <p:sp>
-        <p:nvSpPr>
           <p:cNvPr id="4" name="タイトル 3">
             <a:extLst>
               <a:ext uri="{FF2B5EF4-FFF2-40B4-BE49-F238E27FC236}">
@@ -3849,6 +3775,48 @@
           </a:prstGeom>
         </p:spPr>
       </p:pic>
+      <p:sp>
+        <p:nvSpPr>
+          <p:cNvPr id="5" name="スライド番号プレースホルダー 4">
+            <a:extLst>
+              <a:ext uri="{FF2B5EF4-FFF2-40B4-BE49-F238E27FC236}">
+                <a16:creationId xmlns:a16="http://schemas.microsoft.com/office/drawing/2014/main" id="{8A320D83-C744-4212-801D-7E431B8A197E}"/>
+              </a:ext>
+            </a:extLst>
+          </p:cNvPr>
+          <p:cNvSpPr>
+            <a:spLocks noGrp="1"/>
+          </p:cNvSpPr>
+          <p:nvPr>
+            <p:ph type="sldNum" sz="quarter" idx="12"/>
+          </p:nvPr>
+        </p:nvSpPr>
+        <p:spPr/>
+        <p:txBody>
+          <a:bodyPr/>
+          <a:lstStyle/>
+          <a:p>
+            <a:pPr>
+              <a:defRPr/>
+            </a:pPr>
+            <a:r>
+              <a:rPr lang="en-US" altLang="ja-JP"/>
+              <a:t>    </a:t>
+            </a:r>
+            <a:fld id="{B2782DEB-472A-4FE5-AC34-C17109CF5A91}" type="slidenum">
+              <a:rPr lang="en-US" altLang="ja-JP" smtClean="0"/>
+              <a:pPr>
+                <a:defRPr/>
+              </a:pPr>
+              <a:t>12</a:t>
+            </a:fld>
+            <a:r>
+              <a:rPr lang="en-US" altLang="ja-JP"/>
+              <a:t> / 22</a:t>
+            </a:r>
+          </a:p>
+        </p:txBody>
+      </p:sp>
     </p:spTree>
     <p:extLst>
       <p:ext uri="{BB962C8B-B14F-4D97-AF65-F5344CB8AC3E}">
@@ -4028,48 +3996,6 @@
             <a:r>
               <a:rPr kumimoji="1" lang="ja-JP" altLang="en-US"/>
               <a:t>でよい</a:t>
-            </a:r>
-          </a:p>
-        </p:txBody>
-      </p:sp>
-      <p:sp>
-        <p:nvSpPr>
-          <p:cNvPr id="3" name="スライド番号プレースホルダー 2">
-            <a:extLst>
-              <a:ext uri="{FF2B5EF4-FFF2-40B4-BE49-F238E27FC236}">
-                <a16:creationId xmlns:a16="http://schemas.microsoft.com/office/drawing/2014/main" id="{37886743-2721-47EC-AEEA-2CD48E7C0465}"/>
-              </a:ext>
-            </a:extLst>
-          </p:cNvPr>
-          <p:cNvSpPr>
-            <a:spLocks noGrp="1"/>
-          </p:cNvSpPr>
-          <p:nvPr>
-            <p:ph type="sldNum" sz="quarter" idx="12"/>
-          </p:nvPr>
-        </p:nvSpPr>
-        <p:spPr/>
-        <p:txBody>
-          <a:bodyPr/>
-          <a:lstStyle/>
-          <a:p>
-            <a:pPr>
-              <a:defRPr/>
-            </a:pPr>
-            <a:r>
-              <a:rPr lang="en-US" altLang="ja-JP"/>
-              <a:t>    </a:t>
-            </a:r>
-            <a:fld id="{B2782DEB-472A-4FE5-AC34-C17109CF5A91}" type="slidenum">
-              <a:rPr lang="en-US" altLang="ja-JP" smtClean="0"/>
-              <a:pPr>
-                <a:defRPr/>
-              </a:pPr>
-              <a:t>13</a:t>
-            </a:fld>
-            <a:r>
-              <a:rPr lang="en-US" altLang="ja-JP"/>
-              <a:t> / 24</a:t>
             </a:r>
           </a:p>
         </p:txBody>
@@ -4527,6 +4453,48 @@
           </a:graphicData>
         </a:graphic>
       </p:graphicFrame>
+      <p:sp>
+        <p:nvSpPr>
+          <p:cNvPr id="6" name="スライド番号プレースホルダー 5">
+            <a:extLst>
+              <a:ext uri="{FF2B5EF4-FFF2-40B4-BE49-F238E27FC236}">
+                <a16:creationId xmlns:a16="http://schemas.microsoft.com/office/drawing/2014/main" id="{3CDB8DFD-8A7A-44EB-87C7-959FC231922A}"/>
+              </a:ext>
+            </a:extLst>
+          </p:cNvPr>
+          <p:cNvSpPr>
+            <a:spLocks noGrp="1"/>
+          </p:cNvSpPr>
+          <p:nvPr>
+            <p:ph type="sldNum" sz="quarter" idx="12"/>
+          </p:nvPr>
+        </p:nvSpPr>
+        <p:spPr/>
+        <p:txBody>
+          <a:bodyPr/>
+          <a:lstStyle/>
+          <a:p>
+            <a:pPr>
+              <a:defRPr/>
+            </a:pPr>
+            <a:r>
+              <a:rPr lang="en-US" altLang="ja-JP"/>
+              <a:t>    </a:t>
+            </a:r>
+            <a:fld id="{B2782DEB-472A-4FE5-AC34-C17109CF5A91}" type="slidenum">
+              <a:rPr lang="en-US" altLang="ja-JP" smtClean="0"/>
+              <a:pPr>
+                <a:defRPr/>
+              </a:pPr>
+              <a:t>13</a:t>
+            </a:fld>
+            <a:r>
+              <a:rPr lang="en-US" altLang="ja-JP"/>
+              <a:t> / 22</a:t>
+            </a:r>
+          </a:p>
+        </p:txBody>
+      </p:sp>
     </p:spTree>
     <p:extLst>
       <p:ext uri="{BB962C8B-B14F-4D97-AF65-F5344CB8AC3E}">
@@ -4610,48 +4578,6 @@
       </p:sp>
       <p:sp>
         <p:nvSpPr>
-          <p:cNvPr id="3" name="スライド番号プレースホルダー 2">
-            <a:extLst>
-              <a:ext uri="{FF2B5EF4-FFF2-40B4-BE49-F238E27FC236}">
-                <a16:creationId xmlns:a16="http://schemas.microsoft.com/office/drawing/2014/main" id="{ED0EA218-4593-4688-BE45-0299817D0AF9}"/>
-              </a:ext>
-            </a:extLst>
-          </p:cNvPr>
-          <p:cNvSpPr>
-            <a:spLocks noGrp="1"/>
-          </p:cNvSpPr>
-          <p:nvPr>
-            <p:ph type="sldNum" sz="quarter" idx="12"/>
-          </p:nvPr>
-        </p:nvSpPr>
-        <p:spPr/>
-        <p:txBody>
-          <a:bodyPr/>
-          <a:lstStyle/>
-          <a:p>
-            <a:pPr>
-              <a:defRPr/>
-            </a:pPr>
-            <a:r>
-              <a:rPr lang="en-US" altLang="ja-JP"/>
-              <a:t>    </a:t>
-            </a:r>
-            <a:fld id="{B2782DEB-472A-4FE5-AC34-C17109CF5A91}" type="slidenum">
-              <a:rPr lang="en-US" altLang="ja-JP" smtClean="0"/>
-              <a:pPr>
-                <a:defRPr/>
-              </a:pPr>
-              <a:t>14</a:t>
-            </a:fld>
-            <a:r>
-              <a:rPr lang="en-US" altLang="ja-JP"/>
-              <a:t> / 24</a:t>
-            </a:r>
-          </a:p>
-        </p:txBody>
-      </p:sp>
-      <p:sp>
-        <p:nvSpPr>
           <p:cNvPr id="4" name="タイトル 3">
             <a:extLst>
               <a:ext uri="{FF2B5EF4-FFF2-40B4-BE49-F238E27FC236}">
@@ -4730,6 +4656,48 @@
           </a:prstGeom>
         </p:spPr>
       </p:pic>
+      <p:sp>
+        <p:nvSpPr>
+          <p:cNvPr id="5" name="スライド番号プレースホルダー 4">
+            <a:extLst>
+              <a:ext uri="{FF2B5EF4-FFF2-40B4-BE49-F238E27FC236}">
+                <a16:creationId xmlns:a16="http://schemas.microsoft.com/office/drawing/2014/main" id="{50068FF5-CFC5-4B44-9C3D-223B1EC97020}"/>
+              </a:ext>
+            </a:extLst>
+          </p:cNvPr>
+          <p:cNvSpPr>
+            <a:spLocks noGrp="1"/>
+          </p:cNvSpPr>
+          <p:nvPr>
+            <p:ph type="sldNum" sz="quarter" idx="12"/>
+          </p:nvPr>
+        </p:nvSpPr>
+        <p:spPr/>
+        <p:txBody>
+          <a:bodyPr/>
+          <a:lstStyle/>
+          <a:p>
+            <a:pPr>
+              <a:defRPr/>
+            </a:pPr>
+            <a:r>
+              <a:rPr lang="en-US" altLang="ja-JP"/>
+              <a:t>    </a:t>
+            </a:r>
+            <a:fld id="{B2782DEB-472A-4FE5-AC34-C17109CF5A91}" type="slidenum">
+              <a:rPr lang="en-US" altLang="ja-JP" smtClean="0"/>
+              <a:pPr>
+                <a:defRPr/>
+              </a:pPr>
+              <a:t>14</a:t>
+            </a:fld>
+            <a:r>
+              <a:rPr lang="en-US" altLang="ja-JP"/>
+              <a:t> / 22</a:t>
+            </a:r>
+          </a:p>
+        </p:txBody>
+      </p:sp>
     </p:spTree>
     <p:extLst>
       <p:ext uri="{BB962C8B-B14F-4D97-AF65-F5344CB8AC3E}">
@@ -4818,48 +4786,6 @@
       </p:sp>
       <p:sp>
         <p:nvSpPr>
-          <p:cNvPr id="3" name="スライド番号プレースホルダー 2">
-            <a:extLst>
-              <a:ext uri="{FF2B5EF4-FFF2-40B4-BE49-F238E27FC236}">
-                <a16:creationId xmlns:a16="http://schemas.microsoft.com/office/drawing/2014/main" id="{BED375D2-6824-4914-A229-F136691E1A59}"/>
-              </a:ext>
-            </a:extLst>
-          </p:cNvPr>
-          <p:cNvSpPr>
-            <a:spLocks noGrp="1"/>
-          </p:cNvSpPr>
-          <p:nvPr>
-            <p:ph type="sldNum" sz="quarter" idx="12"/>
-          </p:nvPr>
-        </p:nvSpPr>
-        <p:spPr>
-          <a:xfrm>
-            <a:off x="7884368" y="6553200"/>
-            <a:ext cx="1224136" cy="304800"/>
-          </a:xfrm>
-        </p:spPr>
-        <p:txBody>
-          <a:bodyPr/>
-          <a:lstStyle/>
-          <a:p>
-            <a:r>
-              <a:rPr lang="en-US" altLang="ja-JP"/>
-              <a:t>    </a:t>
-            </a:r>
-            <a:fld id="{B2782DEB-472A-4FE5-AC34-C17109CF5A91}" type="slidenum">
-              <a:rPr lang="en-US" altLang="ja-JP" smtClean="0"/>
-              <a:pPr/>
-              <a:t>15</a:t>
-            </a:fld>
-            <a:r>
-              <a:rPr lang="en-US" altLang="ja-JP"/>
-              <a:t> / 24</a:t>
-            </a:r>
-          </a:p>
-        </p:txBody>
-      </p:sp>
-      <p:sp>
-        <p:nvSpPr>
           <p:cNvPr id="4" name="タイトル 3">
             <a:extLst>
               <a:ext uri="{FF2B5EF4-FFF2-40B4-BE49-F238E27FC236}">
@@ -4927,6 +4853,48 @@
           </a:prstGeom>
         </p:spPr>
       </p:pic>
+      <p:sp>
+        <p:nvSpPr>
+          <p:cNvPr id="2" name="スライド番号プレースホルダー 1">
+            <a:extLst>
+              <a:ext uri="{FF2B5EF4-FFF2-40B4-BE49-F238E27FC236}">
+                <a16:creationId xmlns:a16="http://schemas.microsoft.com/office/drawing/2014/main" id="{3350492E-3AD2-4E55-92C9-03491268CBB9}"/>
+              </a:ext>
+            </a:extLst>
+          </p:cNvPr>
+          <p:cNvSpPr>
+            <a:spLocks noGrp="1"/>
+          </p:cNvSpPr>
+          <p:nvPr>
+            <p:ph type="sldNum" sz="quarter" idx="12"/>
+          </p:nvPr>
+        </p:nvSpPr>
+        <p:spPr/>
+        <p:txBody>
+          <a:bodyPr/>
+          <a:lstStyle/>
+          <a:p>
+            <a:pPr>
+              <a:defRPr/>
+            </a:pPr>
+            <a:r>
+              <a:rPr lang="en-US" altLang="ja-JP"/>
+              <a:t>    </a:t>
+            </a:r>
+            <a:fld id="{B2782DEB-472A-4FE5-AC34-C17109CF5A91}" type="slidenum">
+              <a:rPr lang="en-US" altLang="ja-JP" smtClean="0"/>
+              <a:pPr>
+                <a:defRPr/>
+              </a:pPr>
+              <a:t>15</a:t>
+            </a:fld>
+            <a:r>
+              <a:rPr lang="en-US" altLang="ja-JP"/>
+              <a:t> / 22</a:t>
+            </a:r>
+          </a:p>
+        </p:txBody>
+      </p:sp>
     </p:spTree>
     <p:extLst>
       <p:ext uri="{BB962C8B-B14F-4D97-AF65-F5344CB8AC3E}">
@@ -5026,48 +4994,6 @@
       </p:sp>
       <p:sp>
         <p:nvSpPr>
-          <p:cNvPr id="3" name="スライド番号プレースホルダー 2">
-            <a:extLst>
-              <a:ext uri="{FF2B5EF4-FFF2-40B4-BE49-F238E27FC236}">
-                <a16:creationId xmlns:a16="http://schemas.microsoft.com/office/drawing/2014/main" id="{03F3D084-4DF1-473B-B115-262A31D1A6FF}"/>
-              </a:ext>
-            </a:extLst>
-          </p:cNvPr>
-          <p:cNvSpPr>
-            <a:spLocks noGrp="1"/>
-          </p:cNvSpPr>
-          <p:nvPr>
-            <p:ph type="sldNum" sz="quarter" idx="12"/>
-          </p:nvPr>
-        </p:nvSpPr>
-        <p:spPr/>
-        <p:txBody>
-          <a:bodyPr/>
-          <a:lstStyle/>
-          <a:p>
-            <a:pPr>
-              <a:defRPr/>
-            </a:pPr>
-            <a:r>
-              <a:rPr lang="en-US" altLang="ja-JP"/>
-              <a:t>    </a:t>
-            </a:r>
-            <a:fld id="{B2782DEB-472A-4FE5-AC34-C17109CF5A91}" type="slidenum">
-              <a:rPr lang="en-US" altLang="ja-JP" smtClean="0"/>
-              <a:pPr>
-                <a:defRPr/>
-              </a:pPr>
-              <a:t>16</a:t>
-            </a:fld>
-            <a:r>
-              <a:rPr lang="en-US" altLang="ja-JP"/>
-              <a:t> / 24</a:t>
-            </a:r>
-          </a:p>
-        </p:txBody>
-      </p:sp>
-      <p:sp>
-        <p:nvSpPr>
           <p:cNvPr id="4" name="タイトル 3">
             <a:extLst>
               <a:ext uri="{FF2B5EF4-FFF2-40B4-BE49-F238E27FC236}">
@@ -5130,6 +5056,48 @@
           </a:prstGeom>
         </p:spPr>
       </p:pic>
+      <p:sp>
+        <p:nvSpPr>
+          <p:cNvPr id="5" name="スライド番号プレースホルダー 4">
+            <a:extLst>
+              <a:ext uri="{FF2B5EF4-FFF2-40B4-BE49-F238E27FC236}">
+                <a16:creationId xmlns:a16="http://schemas.microsoft.com/office/drawing/2014/main" id="{D92D1731-150A-429B-82DA-5CA5F7513F7A}"/>
+              </a:ext>
+            </a:extLst>
+          </p:cNvPr>
+          <p:cNvSpPr>
+            <a:spLocks noGrp="1"/>
+          </p:cNvSpPr>
+          <p:nvPr>
+            <p:ph type="sldNum" sz="quarter" idx="12"/>
+          </p:nvPr>
+        </p:nvSpPr>
+        <p:spPr/>
+        <p:txBody>
+          <a:bodyPr/>
+          <a:lstStyle/>
+          <a:p>
+            <a:pPr>
+              <a:defRPr/>
+            </a:pPr>
+            <a:r>
+              <a:rPr lang="en-US" altLang="ja-JP"/>
+              <a:t>    </a:t>
+            </a:r>
+            <a:fld id="{B2782DEB-472A-4FE5-AC34-C17109CF5A91}" type="slidenum">
+              <a:rPr lang="en-US" altLang="ja-JP" smtClean="0"/>
+              <a:pPr>
+                <a:defRPr/>
+              </a:pPr>
+              <a:t>16</a:t>
+            </a:fld>
+            <a:r>
+              <a:rPr lang="en-US" altLang="ja-JP"/>
+              <a:t> / 22</a:t>
+            </a:r>
+          </a:p>
+        </p:txBody>
+      </p:sp>
     </p:spTree>
     <p:extLst>
       <p:ext uri="{BB962C8B-B14F-4D97-AF65-F5344CB8AC3E}">
@@ -5378,48 +5346,6 @@
           </p:sp>
         </mc:Fallback>
       </mc:AlternateContent>
-      <p:sp>
-        <p:nvSpPr>
-          <p:cNvPr id="3" name="スライド番号プレースホルダー 2">
-            <a:extLst>
-              <a:ext uri="{FF2B5EF4-FFF2-40B4-BE49-F238E27FC236}">
-                <a16:creationId xmlns:a16="http://schemas.microsoft.com/office/drawing/2014/main" id="{9FB210CA-FEA8-433B-AADB-D8DE93656C5F}"/>
-              </a:ext>
-            </a:extLst>
-          </p:cNvPr>
-          <p:cNvSpPr>
-            <a:spLocks noGrp="1"/>
-          </p:cNvSpPr>
-          <p:nvPr>
-            <p:ph type="sldNum" sz="quarter" idx="12"/>
-          </p:nvPr>
-        </p:nvSpPr>
-        <p:spPr/>
-        <p:txBody>
-          <a:bodyPr/>
-          <a:lstStyle/>
-          <a:p>
-            <a:pPr>
-              <a:defRPr/>
-            </a:pPr>
-            <a:r>
-              <a:rPr lang="en-US" altLang="ja-JP"/>
-              <a:t>    </a:t>
-            </a:r>
-            <a:fld id="{B2782DEB-472A-4FE5-AC34-C17109CF5A91}" type="slidenum">
-              <a:rPr lang="en-US" altLang="ja-JP" smtClean="0"/>
-              <a:pPr>
-                <a:defRPr/>
-              </a:pPr>
-              <a:t>17</a:t>
-            </a:fld>
-            <a:r>
-              <a:rPr lang="en-US" altLang="ja-JP"/>
-              <a:t> / 24</a:t>
-            </a:r>
-          </a:p>
-        </p:txBody>
-      </p:sp>
       <mc:AlternateContent xmlns:mc="http://schemas.openxmlformats.org/markup-compatibility/2006" xmlns:a14="http://schemas.microsoft.com/office/drawing/2010/main">
         <mc:Choice Requires="a14">
           <p:sp>
@@ -5562,6 +5488,48 @@
           </a:prstGeom>
         </p:spPr>
       </p:pic>
+      <p:sp>
+        <p:nvSpPr>
+          <p:cNvPr id="5" name="スライド番号プレースホルダー 4">
+            <a:extLst>
+              <a:ext uri="{FF2B5EF4-FFF2-40B4-BE49-F238E27FC236}">
+                <a16:creationId xmlns:a16="http://schemas.microsoft.com/office/drawing/2014/main" id="{C382C357-56D3-4AEB-B046-50ACAA37C855}"/>
+              </a:ext>
+            </a:extLst>
+          </p:cNvPr>
+          <p:cNvSpPr>
+            <a:spLocks noGrp="1"/>
+          </p:cNvSpPr>
+          <p:nvPr>
+            <p:ph type="sldNum" sz="quarter" idx="12"/>
+          </p:nvPr>
+        </p:nvSpPr>
+        <p:spPr/>
+        <p:txBody>
+          <a:bodyPr/>
+          <a:lstStyle/>
+          <a:p>
+            <a:pPr>
+              <a:defRPr/>
+            </a:pPr>
+            <a:r>
+              <a:rPr lang="en-US" altLang="ja-JP"/>
+              <a:t>    </a:t>
+            </a:r>
+            <a:fld id="{B2782DEB-472A-4FE5-AC34-C17109CF5A91}" type="slidenum">
+              <a:rPr lang="en-US" altLang="ja-JP" smtClean="0"/>
+              <a:pPr>
+                <a:defRPr/>
+              </a:pPr>
+              <a:t>17</a:t>
+            </a:fld>
+            <a:r>
+              <a:rPr lang="en-US" altLang="ja-JP"/>
+              <a:t> / 22</a:t>
+            </a:r>
+          </a:p>
+        </p:txBody>
+      </p:sp>
     </p:spTree>
     <p:extLst>
       <p:ext uri="{BB962C8B-B14F-4D97-AF65-F5344CB8AC3E}">
@@ -5919,48 +5887,6 @@
           </p:sp>
         </mc:Fallback>
       </mc:AlternateContent>
-      <p:sp>
-        <p:nvSpPr>
-          <p:cNvPr id="3" name="スライド番号プレースホルダー 2">
-            <a:extLst>
-              <a:ext uri="{FF2B5EF4-FFF2-40B4-BE49-F238E27FC236}">
-                <a16:creationId xmlns:a16="http://schemas.microsoft.com/office/drawing/2014/main" id="{71914EFE-6163-4EC4-B9FB-EEBD7221210D}"/>
-              </a:ext>
-            </a:extLst>
-          </p:cNvPr>
-          <p:cNvSpPr>
-            <a:spLocks noGrp="1"/>
-          </p:cNvSpPr>
-          <p:nvPr>
-            <p:ph type="sldNum" sz="quarter" idx="12"/>
-          </p:nvPr>
-        </p:nvSpPr>
-        <p:spPr/>
-        <p:txBody>
-          <a:bodyPr/>
-          <a:lstStyle/>
-          <a:p>
-            <a:pPr>
-              <a:defRPr/>
-            </a:pPr>
-            <a:r>
-              <a:rPr lang="en-US" altLang="ja-JP"/>
-              <a:t>    </a:t>
-            </a:r>
-            <a:fld id="{B2782DEB-472A-4FE5-AC34-C17109CF5A91}" type="slidenum">
-              <a:rPr lang="en-US" altLang="ja-JP" smtClean="0"/>
-              <a:pPr>
-                <a:defRPr/>
-              </a:pPr>
-              <a:t>18</a:t>
-            </a:fld>
-            <a:r>
-              <a:rPr lang="en-US" altLang="ja-JP"/>
-              <a:t> / 24</a:t>
-            </a:r>
-          </a:p>
-        </p:txBody>
-      </p:sp>
       <p:sp>
         <p:nvSpPr>
           <p:cNvPr id="4" name="タイトル 3">
@@ -6377,6 +6303,48 @@
           </a:p>
         </p:txBody>
       </p:sp>
+      <p:sp>
+        <p:nvSpPr>
+          <p:cNvPr id="5" name="スライド番号プレースホルダー 4">
+            <a:extLst>
+              <a:ext uri="{FF2B5EF4-FFF2-40B4-BE49-F238E27FC236}">
+                <a16:creationId xmlns:a16="http://schemas.microsoft.com/office/drawing/2014/main" id="{B265FB81-2305-49DC-9098-9260B17E059E}"/>
+              </a:ext>
+            </a:extLst>
+          </p:cNvPr>
+          <p:cNvSpPr>
+            <a:spLocks noGrp="1"/>
+          </p:cNvSpPr>
+          <p:nvPr>
+            <p:ph type="sldNum" sz="quarter" idx="12"/>
+          </p:nvPr>
+        </p:nvSpPr>
+        <p:spPr/>
+        <p:txBody>
+          <a:bodyPr/>
+          <a:lstStyle/>
+          <a:p>
+            <a:pPr>
+              <a:defRPr/>
+            </a:pPr>
+            <a:r>
+              <a:rPr lang="en-US" altLang="ja-JP"/>
+              <a:t>    </a:t>
+            </a:r>
+            <a:fld id="{B2782DEB-472A-4FE5-AC34-C17109CF5A91}" type="slidenum">
+              <a:rPr lang="en-US" altLang="ja-JP" smtClean="0"/>
+              <a:pPr>
+                <a:defRPr/>
+              </a:pPr>
+              <a:t>18</a:t>
+            </a:fld>
+            <a:r>
+              <a:rPr lang="en-US" altLang="ja-JP"/>
+              <a:t> / 22</a:t>
+            </a:r>
+          </a:p>
+        </p:txBody>
+      </p:sp>
     </p:spTree>
     <p:extLst>
       <p:ext uri="{BB962C8B-B14F-4D97-AF65-F5344CB8AC3E}">
@@ -6444,48 +6412,6 @@
       </p:pic>
       <p:sp>
         <p:nvSpPr>
-          <p:cNvPr id="3" name="スライド番号プレースホルダー 2">
-            <a:extLst>
-              <a:ext uri="{FF2B5EF4-FFF2-40B4-BE49-F238E27FC236}">
-                <a16:creationId xmlns:a16="http://schemas.microsoft.com/office/drawing/2014/main" id="{F273142D-5D60-492D-98B3-8815C0D3AC5E}"/>
-              </a:ext>
-            </a:extLst>
-          </p:cNvPr>
-          <p:cNvSpPr>
-            <a:spLocks noGrp="1"/>
-          </p:cNvSpPr>
-          <p:nvPr>
-            <p:ph type="sldNum" sz="quarter" idx="12"/>
-          </p:nvPr>
-        </p:nvSpPr>
-        <p:spPr/>
-        <p:txBody>
-          <a:bodyPr/>
-          <a:lstStyle/>
-          <a:p>
-            <a:pPr>
-              <a:defRPr/>
-            </a:pPr>
-            <a:r>
-              <a:rPr lang="en-US" altLang="ja-JP"/>
-              <a:t>    </a:t>
-            </a:r>
-            <a:fld id="{B2782DEB-472A-4FE5-AC34-C17109CF5A91}" type="slidenum">
-              <a:rPr lang="en-US" altLang="ja-JP" smtClean="0"/>
-              <a:pPr>
-                <a:defRPr/>
-              </a:pPr>
-              <a:t>19</a:t>
-            </a:fld>
-            <a:r>
-              <a:rPr lang="en-US" altLang="ja-JP"/>
-              <a:t> / 24</a:t>
-            </a:r>
-          </a:p>
-        </p:txBody>
-      </p:sp>
-      <p:sp>
-        <p:nvSpPr>
           <p:cNvPr id="4" name="タイトル 3">
             <a:extLst>
               <a:ext uri="{FF2B5EF4-FFF2-40B4-BE49-F238E27FC236}">
@@ -6508,6 +6434,48 @@
             <a:r>
               <a:rPr kumimoji="1" lang="ja-JP" altLang="en-US"/>
               <a:t>ハッシュ関数の歴史</a:t>
+            </a:r>
+          </a:p>
+        </p:txBody>
+      </p:sp>
+      <p:sp>
+        <p:nvSpPr>
+          <p:cNvPr id="2" name="スライド番号プレースホルダー 1">
+            <a:extLst>
+              <a:ext uri="{FF2B5EF4-FFF2-40B4-BE49-F238E27FC236}">
+                <a16:creationId xmlns:a16="http://schemas.microsoft.com/office/drawing/2014/main" id="{9D790B13-D7DF-43D3-8B44-E7F4271A7904}"/>
+              </a:ext>
+            </a:extLst>
+          </p:cNvPr>
+          <p:cNvSpPr>
+            <a:spLocks noGrp="1"/>
+          </p:cNvSpPr>
+          <p:nvPr>
+            <p:ph type="sldNum" sz="quarter" idx="12"/>
+          </p:nvPr>
+        </p:nvSpPr>
+        <p:spPr/>
+        <p:txBody>
+          <a:bodyPr/>
+          <a:lstStyle/>
+          <a:p>
+            <a:pPr>
+              <a:defRPr/>
+            </a:pPr>
+            <a:r>
+              <a:rPr lang="en-US" altLang="ja-JP"/>
+              <a:t>    </a:t>
+            </a:r>
+            <a:fld id="{B2782DEB-472A-4FE5-AC34-C17109CF5A91}" type="slidenum">
+              <a:rPr lang="en-US" altLang="ja-JP" smtClean="0"/>
+              <a:pPr>
+                <a:defRPr/>
+              </a:pPr>
+              <a:t>19</a:t>
+            </a:fld>
+            <a:r>
+              <a:rPr lang="en-US" altLang="ja-JP"/>
+              <a:t> / 22</a:t>
             </a:r>
           </a:p>
         </p:txBody>
@@ -7034,48 +7002,6 @@
           </p:sp>
         </mc:Fallback>
       </mc:AlternateContent>
-      <p:sp>
-        <p:nvSpPr>
-          <p:cNvPr id="3" name="スライド番号プレースホルダー 2">
-            <a:extLst>
-              <a:ext uri="{FF2B5EF4-FFF2-40B4-BE49-F238E27FC236}">
-                <a16:creationId xmlns:a16="http://schemas.microsoft.com/office/drawing/2014/main" id="{8D526329-3EE1-485C-ABB1-A42ECF6A257B}"/>
-              </a:ext>
-            </a:extLst>
-          </p:cNvPr>
-          <p:cNvSpPr>
-            <a:spLocks noGrp="1"/>
-          </p:cNvSpPr>
-          <p:nvPr>
-            <p:ph type="sldNum" sz="quarter" idx="12"/>
-          </p:nvPr>
-        </p:nvSpPr>
-        <p:spPr/>
-        <p:txBody>
-          <a:bodyPr/>
-          <a:lstStyle/>
-          <a:p>
-            <a:pPr>
-              <a:defRPr/>
-            </a:pPr>
-            <a:r>
-              <a:rPr lang="en-US" altLang="ja-JP"/>
-              <a:t>    </a:t>
-            </a:r>
-            <a:fld id="{B2782DEB-472A-4FE5-AC34-C17109CF5A91}" type="slidenum">
-              <a:rPr lang="en-US" altLang="ja-JP" smtClean="0"/>
-              <a:pPr>
-                <a:defRPr/>
-              </a:pPr>
-              <a:t>2</a:t>
-            </a:fld>
-            <a:r>
-              <a:rPr lang="en-US" altLang="ja-JP"/>
-              <a:t> / 24</a:t>
-            </a:r>
-          </a:p>
-        </p:txBody>
-      </p:sp>
       <p:sp>
         <p:nvSpPr>
           <p:cNvPr id="4" name="タイトル 3">
@@ -7168,6 +7094,48 @@
           </a:prstGeom>
         </p:spPr>
       </p:pic>
+      <p:sp>
+        <p:nvSpPr>
+          <p:cNvPr id="5" name="スライド番号プレースホルダー 4">
+            <a:extLst>
+              <a:ext uri="{FF2B5EF4-FFF2-40B4-BE49-F238E27FC236}">
+                <a16:creationId xmlns:a16="http://schemas.microsoft.com/office/drawing/2014/main" id="{D7AFA61C-2FC9-4F3C-AE9A-5458507AE1F9}"/>
+              </a:ext>
+            </a:extLst>
+          </p:cNvPr>
+          <p:cNvSpPr>
+            <a:spLocks noGrp="1"/>
+          </p:cNvSpPr>
+          <p:nvPr>
+            <p:ph type="sldNum" sz="quarter" idx="12"/>
+          </p:nvPr>
+        </p:nvSpPr>
+        <p:spPr/>
+        <p:txBody>
+          <a:bodyPr/>
+          <a:lstStyle/>
+          <a:p>
+            <a:pPr>
+              <a:defRPr/>
+            </a:pPr>
+            <a:r>
+              <a:rPr lang="en-US" altLang="ja-JP"/>
+              <a:t>    </a:t>
+            </a:r>
+            <a:fld id="{B2782DEB-472A-4FE5-AC34-C17109CF5A91}" type="slidenum">
+              <a:rPr lang="en-US" altLang="ja-JP" smtClean="0"/>
+              <a:pPr>
+                <a:defRPr/>
+              </a:pPr>
+              <a:t>2</a:t>
+            </a:fld>
+            <a:r>
+              <a:rPr lang="en-US" altLang="ja-JP"/>
+              <a:t> / 22</a:t>
+            </a:r>
+          </a:p>
+        </p:txBody>
+      </p:sp>
     </p:spTree>
     <p:extLst>
       <p:ext uri="{BB962C8B-B14F-4D97-AF65-F5344CB8AC3E}">
@@ -7739,48 +7707,6 @@
       </mc:AlternateContent>
       <p:sp>
         <p:nvSpPr>
-          <p:cNvPr id="3" name="スライド番号プレースホルダー 2">
-            <a:extLst>
-              <a:ext uri="{FF2B5EF4-FFF2-40B4-BE49-F238E27FC236}">
-                <a16:creationId xmlns:a16="http://schemas.microsoft.com/office/drawing/2014/main" id="{D7928B02-FC48-4EDE-BD79-84EAB865853B}"/>
-              </a:ext>
-            </a:extLst>
-          </p:cNvPr>
-          <p:cNvSpPr>
-            <a:spLocks noGrp="1"/>
-          </p:cNvSpPr>
-          <p:nvPr>
-            <p:ph type="sldNum" sz="quarter" idx="12"/>
-          </p:nvPr>
-        </p:nvSpPr>
-        <p:spPr/>
-        <p:txBody>
-          <a:bodyPr/>
-          <a:lstStyle/>
-          <a:p>
-            <a:pPr>
-              <a:defRPr/>
-            </a:pPr>
-            <a:r>
-              <a:rPr lang="en-US" altLang="ja-JP"/>
-              <a:t>    </a:t>
-            </a:r>
-            <a:fld id="{B2782DEB-472A-4FE5-AC34-C17109CF5A91}" type="slidenum">
-              <a:rPr lang="en-US" altLang="ja-JP" smtClean="0"/>
-              <a:pPr>
-                <a:defRPr/>
-              </a:pPr>
-              <a:t>20</a:t>
-            </a:fld>
-            <a:r>
-              <a:rPr lang="en-US" altLang="ja-JP"/>
-              <a:t> / 24</a:t>
-            </a:r>
-          </a:p>
-        </p:txBody>
-      </p:sp>
-      <p:sp>
-        <p:nvSpPr>
           <p:cNvPr id="4" name="タイトル 3">
             <a:extLst>
               <a:ext uri="{FF2B5EF4-FFF2-40B4-BE49-F238E27FC236}">
@@ -7803,6 +7729,48 @@
             <a:r>
               <a:rPr kumimoji="1" lang="ja-JP" altLang="en-US"/>
               <a:t>パスワードとハッシュ関数</a:t>
+            </a:r>
+          </a:p>
+        </p:txBody>
+      </p:sp>
+      <p:sp>
+        <p:nvSpPr>
+          <p:cNvPr id="5" name="スライド番号プレースホルダー 4">
+            <a:extLst>
+              <a:ext uri="{FF2B5EF4-FFF2-40B4-BE49-F238E27FC236}">
+                <a16:creationId xmlns:a16="http://schemas.microsoft.com/office/drawing/2014/main" id="{8C229238-CEFB-4C4E-8AE9-EBC8637038EA}"/>
+              </a:ext>
+            </a:extLst>
+          </p:cNvPr>
+          <p:cNvSpPr>
+            <a:spLocks noGrp="1"/>
+          </p:cNvSpPr>
+          <p:nvPr>
+            <p:ph type="sldNum" sz="quarter" idx="12"/>
+          </p:nvPr>
+        </p:nvSpPr>
+        <p:spPr/>
+        <p:txBody>
+          <a:bodyPr/>
+          <a:lstStyle/>
+          <a:p>
+            <a:pPr>
+              <a:defRPr/>
+            </a:pPr>
+            <a:r>
+              <a:rPr lang="en-US" altLang="ja-JP"/>
+              <a:t>    </a:t>
+            </a:r>
+            <a:fld id="{B2782DEB-472A-4FE5-AC34-C17109CF5A91}" type="slidenum">
+              <a:rPr lang="en-US" altLang="ja-JP" smtClean="0"/>
+              <a:pPr>
+                <a:defRPr/>
+              </a:pPr>
+              <a:t>20</a:t>
+            </a:fld>
+            <a:r>
+              <a:rPr lang="en-US" altLang="ja-JP"/>
+              <a:t> / 22</a:t>
             </a:r>
           </a:p>
         </p:txBody>
@@ -8296,48 +8264,6 @@
       </mc:AlternateContent>
       <p:sp>
         <p:nvSpPr>
-          <p:cNvPr id="3" name="スライド番号プレースホルダー 2">
-            <a:extLst>
-              <a:ext uri="{FF2B5EF4-FFF2-40B4-BE49-F238E27FC236}">
-                <a16:creationId xmlns:a16="http://schemas.microsoft.com/office/drawing/2014/main" id="{81A9A06A-0CFF-4F5E-91C3-45AF34810CF0}"/>
-              </a:ext>
-            </a:extLst>
-          </p:cNvPr>
-          <p:cNvSpPr>
-            <a:spLocks noGrp="1"/>
-          </p:cNvSpPr>
-          <p:nvPr>
-            <p:ph type="sldNum" sz="quarter" idx="12"/>
-          </p:nvPr>
-        </p:nvSpPr>
-        <p:spPr/>
-        <p:txBody>
-          <a:bodyPr/>
-          <a:lstStyle/>
-          <a:p>
-            <a:pPr>
-              <a:defRPr/>
-            </a:pPr>
-            <a:r>
-              <a:rPr lang="en-US" altLang="ja-JP"/>
-              <a:t>    </a:t>
-            </a:r>
-            <a:fld id="{B2782DEB-472A-4FE5-AC34-C17109CF5A91}" type="slidenum">
-              <a:rPr lang="en-US" altLang="ja-JP" smtClean="0"/>
-              <a:pPr>
-                <a:defRPr/>
-              </a:pPr>
-              <a:t>21</a:t>
-            </a:fld>
-            <a:r>
-              <a:rPr lang="en-US" altLang="ja-JP"/>
-              <a:t> / 24</a:t>
-            </a:r>
-          </a:p>
-        </p:txBody>
-      </p:sp>
-      <p:sp>
-        <p:nvSpPr>
           <p:cNvPr id="4" name="タイトル 3">
             <a:extLst>
               <a:ext uri="{FF2B5EF4-FFF2-40B4-BE49-F238E27FC236}">
@@ -8360,6 +8286,48 @@
             <a:r>
               <a:rPr kumimoji="1" lang="ja-JP" altLang="en-US"/>
               <a:t>パスワードの保存方法</a:t>
+            </a:r>
+          </a:p>
+        </p:txBody>
+      </p:sp>
+      <p:sp>
+        <p:nvSpPr>
+          <p:cNvPr id="5" name="スライド番号プレースホルダー 4">
+            <a:extLst>
+              <a:ext uri="{FF2B5EF4-FFF2-40B4-BE49-F238E27FC236}">
+                <a16:creationId xmlns:a16="http://schemas.microsoft.com/office/drawing/2014/main" id="{E2C56CAC-38B6-4F22-9D99-047FA14F6076}"/>
+              </a:ext>
+            </a:extLst>
+          </p:cNvPr>
+          <p:cNvSpPr>
+            <a:spLocks noGrp="1"/>
+          </p:cNvSpPr>
+          <p:nvPr>
+            <p:ph type="sldNum" sz="quarter" idx="12"/>
+          </p:nvPr>
+        </p:nvSpPr>
+        <p:spPr/>
+        <p:txBody>
+          <a:bodyPr/>
+          <a:lstStyle/>
+          <a:p>
+            <a:pPr>
+              <a:defRPr/>
+            </a:pPr>
+            <a:r>
+              <a:rPr lang="en-US" altLang="ja-JP"/>
+              <a:t>    </a:t>
+            </a:r>
+            <a:fld id="{B2782DEB-472A-4FE5-AC34-C17109CF5A91}" type="slidenum">
+              <a:rPr lang="en-US" altLang="ja-JP" smtClean="0"/>
+              <a:pPr>
+                <a:defRPr/>
+              </a:pPr>
+              <a:t>21</a:t>
+            </a:fld>
+            <a:r>
+              <a:rPr lang="en-US" altLang="ja-JP"/>
+              <a:t> / 22</a:t>
             </a:r>
           </a:p>
         </p:txBody>
@@ -8512,48 +8480,6 @@
       </p:sp>
       <p:sp>
         <p:nvSpPr>
-          <p:cNvPr id="3" name="スライド番号プレースホルダー 2">
-            <a:extLst>
-              <a:ext uri="{FF2B5EF4-FFF2-40B4-BE49-F238E27FC236}">
-                <a16:creationId xmlns:a16="http://schemas.microsoft.com/office/drawing/2014/main" id="{F23CFA99-B7AE-40C1-B916-FB9BC526EB96}"/>
-              </a:ext>
-            </a:extLst>
-          </p:cNvPr>
-          <p:cNvSpPr>
-            <a:spLocks noGrp="1"/>
-          </p:cNvSpPr>
-          <p:nvPr>
-            <p:ph type="sldNum" sz="quarter" idx="12"/>
-          </p:nvPr>
-        </p:nvSpPr>
-        <p:spPr/>
-        <p:txBody>
-          <a:bodyPr/>
-          <a:lstStyle/>
-          <a:p>
-            <a:pPr>
-              <a:defRPr/>
-            </a:pPr>
-            <a:r>
-              <a:rPr lang="en-US" altLang="ja-JP"/>
-              <a:t>    </a:t>
-            </a:r>
-            <a:fld id="{B2782DEB-472A-4FE5-AC34-C17109CF5A91}" type="slidenum">
-              <a:rPr lang="en-US" altLang="ja-JP" smtClean="0"/>
-              <a:pPr>
-                <a:defRPr/>
-              </a:pPr>
-              <a:t>22</a:t>
-            </a:fld>
-            <a:r>
-              <a:rPr lang="en-US" altLang="ja-JP"/>
-              <a:t> / 24</a:t>
-            </a:r>
-          </a:p>
-        </p:txBody>
-      </p:sp>
-      <p:sp>
-        <p:nvSpPr>
           <p:cNvPr id="4" name="タイトル 3">
             <a:extLst>
               <a:ext uri="{FF2B5EF4-FFF2-40B4-BE49-F238E27FC236}">
@@ -8616,122 +8542,12 @@
           </a:prstGeom>
         </p:spPr>
       </p:pic>
-    </p:spTree>
-    <p:extLst>
-      <p:ext uri="{BB962C8B-B14F-4D97-AF65-F5344CB8AC3E}">
-        <p14:creationId xmlns:p14="http://schemas.microsoft.com/office/powerpoint/2010/main" val="1180961550"/>
-      </p:ext>
-    </p:extLst>
-  </p:cSld>
-  <p:clrMapOvr>
-    <a:masterClrMapping/>
-  </p:clrMapOvr>
-</p:sld>
-</file>
-
-<file path=ppt/slides/slide23.xml><?xml version="1.0" encoding="utf-8"?>
-<p:sld xmlns:a="http://schemas.openxmlformats.org/drawingml/2006/main" xmlns:r="http://schemas.openxmlformats.org/officeDocument/2006/relationships" xmlns:p="http://schemas.openxmlformats.org/presentationml/2006/main">
-  <p:cSld>
-    <p:spTree>
-      <p:nvGrpSpPr>
-        <p:cNvPr id="1" name=""/>
-        <p:cNvGrpSpPr/>
-        <p:nvPr/>
-      </p:nvGrpSpPr>
-      <p:grpSpPr>
-        <a:xfrm>
-          <a:off x="0" y="0"/>
-          <a:ext cx="0" cy="0"/>
-          <a:chOff x="0" y="0"/>
-          <a:chExt cx="0" cy="0"/>
-        </a:xfrm>
-      </p:grpSpPr>
       <p:sp>
         <p:nvSpPr>
-          <p:cNvPr id="2" name="コンテンツ プレースホルダー 1">
+          <p:cNvPr id="5" name="スライド番号プレースホルダー 4">
             <a:extLst>
               <a:ext uri="{FF2B5EF4-FFF2-40B4-BE49-F238E27FC236}">
-                <a16:creationId xmlns:a16="http://schemas.microsoft.com/office/drawing/2014/main" id="{781041CB-3F13-49DB-8431-6033589449D5}"/>
-              </a:ext>
-            </a:extLst>
-          </p:cNvPr>
-          <p:cNvSpPr>
-            <a:spLocks noGrp="1"/>
-          </p:cNvSpPr>
-          <p:nvPr>
-            <p:ph idx="1"/>
-          </p:nvPr>
-        </p:nvSpPr>
-        <p:spPr/>
-        <p:txBody>
-          <a:bodyPr/>
-          <a:lstStyle/>
-          <a:p>
-            <a:r>
-              <a:rPr kumimoji="1" lang="ja-JP" altLang="en-US"/>
-              <a:t>ハッシュ値のサイズ </a:t>
-            </a:r>
-            <a:r>
-              <a:rPr kumimoji="1" lang="en-US" altLang="ja-JP"/>
-              <a:t>: 224, 256, 384, 512</a:t>
-            </a:r>
-          </a:p>
-          <a:p>
-            <a:pPr lvl="1"/>
-            <a:r>
-              <a:rPr kumimoji="1" lang="en-US" altLang="ja-JP"/>
-              <a:t>SHA-256</a:t>
-            </a:r>
-            <a:r>
-              <a:rPr kumimoji="1" lang="ja-JP" altLang="en-US"/>
-              <a:t>がよく使われている</a:t>
-            </a:r>
-            <a:endParaRPr kumimoji="1" lang="en-US" altLang="ja-JP"/>
-          </a:p>
-          <a:p>
-            <a:pPr lvl="2"/>
-            <a:r>
-              <a:rPr lang="en-US" altLang="ja-JP"/>
-              <a:t>SHA-224/SHA-256 ; 32bit</a:t>
-            </a:r>
-          </a:p>
-          <a:p>
-            <a:pPr lvl="2"/>
-            <a:r>
-              <a:rPr kumimoji="1" lang="en-US" altLang="ja-JP"/>
-              <a:t>SHA-384/SHA-512 ; 64bi</a:t>
-            </a:r>
-            <a:r>
-              <a:rPr lang="en-US" altLang="ja-JP"/>
-              <a:t>t</a:t>
-            </a:r>
-          </a:p>
-          <a:p>
-            <a:r>
-              <a:rPr lang="en-US" altLang="ja-JP"/>
-              <a:t>SHA-256</a:t>
-            </a:r>
-          </a:p>
-          <a:p>
-            <a:pPr lvl="1"/>
-            <a:r>
-              <a:rPr kumimoji="1" lang="en-US" altLang="ja-JP"/>
-              <a:t>512bit</a:t>
-            </a:r>
-            <a:r>
-              <a:rPr kumimoji="1" lang="ja-JP" altLang="en-US"/>
-              <a:t>のブロックに分割</a:t>
-            </a:r>
-            <a:endParaRPr kumimoji="1" lang="en-US" altLang="ja-JP"/>
-          </a:p>
-        </p:txBody>
-      </p:sp>
-      <p:sp>
-        <p:nvSpPr>
-          <p:cNvPr id="3" name="スライド番号プレースホルダー 2">
-            <a:extLst>
-              <a:ext uri="{FF2B5EF4-FFF2-40B4-BE49-F238E27FC236}">
-                <a16:creationId xmlns:a16="http://schemas.microsoft.com/office/drawing/2014/main" id="{0EBE5A9D-DDE8-4B10-9EF6-38918BFC07D3}"/>
+                <a16:creationId xmlns:a16="http://schemas.microsoft.com/office/drawing/2014/main" id="{BAF7554D-796A-4CE4-96BD-319BF521D24E}"/>
               </a:ext>
             </a:extLst>
           </p:cNvPr>
@@ -8759,1779 +8575,11 @@
               <a:pPr>
                 <a:defRPr/>
               </a:pPr>
-              <a:t>23</a:t>
+              <a:t>22</a:t>
             </a:fld>
             <a:r>
               <a:rPr lang="en-US" altLang="ja-JP"/>
-              <a:t> / 24</a:t>
-            </a:r>
-          </a:p>
-        </p:txBody>
-      </p:sp>
-      <p:sp>
-        <p:nvSpPr>
-          <p:cNvPr id="4" name="タイトル 3">
-            <a:extLst>
-              <a:ext uri="{FF2B5EF4-FFF2-40B4-BE49-F238E27FC236}">
-                <a16:creationId xmlns:a16="http://schemas.microsoft.com/office/drawing/2014/main" id="{78489492-DB05-4050-8845-F3641EE06D4C}"/>
-              </a:ext>
-            </a:extLst>
-          </p:cNvPr>
-          <p:cNvSpPr>
-            <a:spLocks noGrp="1"/>
-          </p:cNvSpPr>
-          <p:nvPr>
-            <p:ph type="title"/>
-          </p:nvPr>
-        </p:nvSpPr>
-        <p:spPr/>
-        <p:txBody>
-          <a:bodyPr/>
-          <a:lstStyle/>
-          <a:p>
-            <a:r>
-              <a:rPr kumimoji="1" lang="en-US" altLang="ja-JP"/>
-              <a:t>SHA-2</a:t>
-            </a:r>
-            <a:endParaRPr kumimoji="1" lang="ja-JP" altLang="en-US"/>
-          </a:p>
-        </p:txBody>
-      </p:sp>
-      <p:pic>
-        <p:nvPicPr>
-          <p:cNvPr id="6" name="図 5">
-            <a:extLst>
-              <a:ext uri="{FF2B5EF4-FFF2-40B4-BE49-F238E27FC236}">
-                <a16:creationId xmlns:a16="http://schemas.microsoft.com/office/drawing/2014/main" id="{2F56F5BB-2826-4AC1-8413-26676D0ABF7D}"/>
-              </a:ext>
-            </a:extLst>
-          </p:cNvPr>
-          <p:cNvPicPr>
-            <a:picLocks noChangeAspect="1"/>
-          </p:cNvPicPr>
-          <p:nvPr/>
-        </p:nvPicPr>
-        <p:blipFill>
-          <a:blip r:embed="rId2">
-            <a:extLst>
-              <a:ext uri="{28A0092B-C50C-407E-A947-70E740481C1C}">
-                <a14:useLocalDpi xmlns:a14="http://schemas.microsoft.com/office/drawing/2010/main" val="0"/>
-              </a:ext>
-            </a:extLst>
-          </a:blip>
-          <a:stretch>
-            <a:fillRect/>
-          </a:stretch>
-        </p:blipFill>
-        <p:spPr>
-          <a:xfrm>
-            <a:off x="1835696" y="3580222"/>
-            <a:ext cx="5780686" cy="3240360"/>
-          </a:xfrm>
-          <a:prstGeom prst="rect">
-            <a:avLst/>
-          </a:prstGeom>
-        </p:spPr>
-      </p:pic>
-    </p:spTree>
-    <p:extLst>
-      <p:ext uri="{BB962C8B-B14F-4D97-AF65-F5344CB8AC3E}">
-        <p14:creationId xmlns:p14="http://schemas.microsoft.com/office/powerpoint/2010/main" val="648879034"/>
-      </p:ext>
-    </p:extLst>
-  </p:cSld>
-  <p:clrMapOvr>
-    <a:masterClrMapping/>
-  </p:clrMapOvr>
-</p:sld>
-</file>
-
-<file path=ppt/slides/slide24.xml><?xml version="1.0" encoding="utf-8"?>
-<p:sld xmlns:a="http://schemas.openxmlformats.org/drawingml/2006/main" xmlns:r="http://schemas.openxmlformats.org/officeDocument/2006/relationships" xmlns:p="http://schemas.openxmlformats.org/presentationml/2006/main">
-  <p:cSld>
-    <p:spTree>
-      <p:nvGrpSpPr>
-        <p:cNvPr id="1" name=""/>
-        <p:cNvGrpSpPr/>
-        <p:nvPr/>
-      </p:nvGrpSpPr>
-      <p:grpSpPr>
-        <a:xfrm>
-          <a:off x="0" y="0"/>
-          <a:ext cx="0" cy="0"/>
-          <a:chOff x="0" y="0"/>
-          <a:chExt cx="0" cy="0"/>
-        </a:xfrm>
-      </p:grpSpPr>
-      <mc:AlternateContent xmlns:mc="http://schemas.openxmlformats.org/markup-compatibility/2006" xmlns:a14="http://schemas.microsoft.com/office/drawing/2010/main">
-        <mc:Choice Requires="a14">
-          <p:sp>
-            <p:nvSpPr>
-              <p:cNvPr id="2" name="コンテンツ プレースホルダー 1">
-                <a:extLst>
-                  <a:ext uri="{FF2B5EF4-FFF2-40B4-BE49-F238E27FC236}">
-                    <a16:creationId xmlns:a16="http://schemas.microsoft.com/office/drawing/2014/main" id="{ABFA6EAD-D267-4D3B-A971-284C7A2D0DEA}"/>
-                  </a:ext>
-                </a:extLst>
-              </p:cNvPr>
-              <p:cNvSpPr>
-                <a:spLocks noGrp="1"/>
-              </p:cNvSpPr>
-              <p:nvPr>
-                <p:ph idx="1"/>
-              </p:nvPr>
-            </p:nvSpPr>
-            <p:spPr/>
-            <p:txBody>
-              <a:bodyPr/>
-              <a:lstStyle/>
-              <a:p>
-                <a:r>
-                  <a:rPr kumimoji="1" lang="en-US" altLang="ja-JP"/>
-                  <a:t>S : 32bit</a:t>
-                </a:r>
-                <a:r>
-                  <a:rPr kumimoji="1" lang="ja-JP" altLang="en-US"/>
-                  <a:t>整数</a:t>
-                </a:r>
-                <a:r>
-                  <a:rPr kumimoji="1" lang="en-US" altLang="ja-JP"/>
-                  <a:t>8</a:t>
-                </a:r>
-                <a:r>
-                  <a:rPr kumimoji="1" lang="ja-JP" altLang="en-US"/>
-                  <a:t>個</a:t>
-                </a:r>
-                <a:endParaRPr kumimoji="1" lang="en-US" altLang="ja-JP"/>
-              </a:p>
-              <a:p>
-                <a:r>
-                  <a:rPr lang="en-US" altLang="ja-JP"/>
-                  <a:t>S</a:t>
-                </a:r>
-                <a:r>
-                  <a:rPr lang="ja-JP" altLang="en-US"/>
-                  <a:t>を初期値</a:t>
-                </a:r>
-                <a:r>
-                  <a:rPr lang="en-US" altLang="ja-JP"/>
-                  <a:t>IV</a:t>
-                </a:r>
-                <a:r>
-                  <a:rPr lang="ja-JP" altLang="en-US"/>
-                  <a:t>から出発してブロック</a:t>
-                </a:r>
-                <a14:m>
-                  <m:oMath xmlns:m="http://schemas.openxmlformats.org/officeDocument/2006/math">
-                    <m:sSub>
-                      <m:sSubPr>
-                        <m:ctrlPr>
-                          <a:rPr lang="en-US" altLang="ja-JP" b="0" i="1" smtClean="0">
-                            <a:latin typeface="Cambria Math" panose="02040503050406030204" pitchFamily="18" charset="0"/>
-                          </a:rPr>
-                        </m:ctrlPr>
-                      </m:sSubPr>
-                      <m:e>
-                        <m:r>
-                          <a:rPr lang="en-US" altLang="ja-JP" b="0" i="1" smtClean="0">
-                            <a:latin typeface="Cambria Math" panose="02040503050406030204" pitchFamily="18" charset="0"/>
-                          </a:rPr>
-                          <m:t>𝐵</m:t>
-                        </m:r>
-                      </m:e>
-                      <m:sub>
-                        <m:r>
-                          <a:rPr lang="en-US" altLang="ja-JP" b="0" i="1" smtClean="0">
-                            <a:latin typeface="Cambria Math" panose="02040503050406030204" pitchFamily="18" charset="0"/>
-                          </a:rPr>
-                          <m:t>𝑖</m:t>
-                        </m:r>
-                      </m:sub>
-                    </m:sSub>
-                  </m:oMath>
-                </a14:m>
-                <a:r>
-                  <a:rPr kumimoji="1" lang="ja-JP" altLang="en-US"/>
-                  <a:t>を</a:t>
-                </a:r>
-                <a14:m>
-                  <m:oMath xmlns:m="http://schemas.openxmlformats.org/officeDocument/2006/math">
-                    <m:r>
-                      <a:rPr kumimoji="1" lang="en-US" altLang="ja-JP" b="0" i="1" smtClean="0">
-                        <a:latin typeface="Cambria Math" panose="02040503050406030204" pitchFamily="18" charset="0"/>
-                      </a:rPr>
-                      <m:t>𝑓</m:t>
-                    </m:r>
-                  </m:oMath>
-                </a14:m>
-                <a:r>
-                  <a:rPr kumimoji="1" lang="ja-JP" altLang="en-US"/>
-                  <a:t>で変換する</a:t>
-                </a:r>
-                <a:endParaRPr kumimoji="1" lang="en-US" altLang="ja-JP"/>
-              </a:p>
-              <a:p>
-                <a:pPr lvl="1"/>
-                <a14:m>
-                  <m:oMath xmlns:m="http://schemas.openxmlformats.org/officeDocument/2006/math">
-                    <m:r>
-                      <a:rPr kumimoji="1" lang="en-US" altLang="ja-JP" b="0" i="1" smtClean="0">
-                        <a:latin typeface="Cambria Math" panose="02040503050406030204" pitchFamily="18" charset="0"/>
-                      </a:rPr>
-                      <m:t>𝑓</m:t>
-                    </m:r>
-                  </m:oMath>
-                </a14:m>
-                <a:r>
-                  <a:rPr kumimoji="1" lang="ja-JP" altLang="en-US"/>
-                  <a:t>を圧縮関数という</a:t>
-                </a:r>
-                <a:endParaRPr kumimoji="1" lang="en-US" altLang="ja-JP"/>
-              </a:p>
-              <a:p>
-                <a:r>
-                  <a:rPr kumimoji="1" lang="ja-JP" altLang="en-US"/>
-                  <a:t>マークル・ダンガード</a:t>
-                </a:r>
-                <a:r>
-                  <a:rPr lang="ja-JP" altLang="en-US"/>
-                  <a:t>（</a:t>
-                </a:r>
-                <a:r>
-                  <a:rPr lang="en-US" altLang="ja-JP"/>
-                  <a:t>Merkle–Damgård</a:t>
-                </a:r>
-                <a:r>
-                  <a:rPr lang="ja-JP" altLang="en-US"/>
-                  <a:t>）</a:t>
-                </a:r>
-                <a:r>
-                  <a:rPr kumimoji="1" lang="ja-JP" altLang="en-US"/>
-                  <a:t>構成</a:t>
-                </a:r>
-              </a:p>
-            </p:txBody>
-          </p:sp>
-        </mc:Choice>
-        <mc:Fallback xmlns="">
-          <p:sp>
-            <p:nvSpPr>
-              <p:cNvPr id="2" name="コンテンツ プレースホルダー 1">
-                <a:extLst>
-                  <a:ext uri="{FF2B5EF4-FFF2-40B4-BE49-F238E27FC236}">
-                    <a16:creationId xmlns:a16="http://schemas.microsoft.com/office/drawing/2014/main" id="{ABFA6EAD-D267-4D3B-A971-284C7A2D0DEA}"/>
-                  </a:ext>
-                </a:extLst>
-              </p:cNvPr>
-              <p:cNvSpPr>
-                <a:spLocks noGrp="1" noRot="1" noChangeAspect="1" noMove="1" noResize="1" noEditPoints="1" noAdjustHandles="1" noChangeArrowheads="1" noChangeShapeType="1" noTextEdit="1"/>
-              </p:cNvSpPr>
-              <p:nvPr>
-                <p:ph idx="1"/>
-              </p:nvPr>
-            </p:nvSpPr>
-            <p:spPr>
-              <a:blipFill>
-                <a:blip r:embed="rId2"/>
-                <a:stretch>
-                  <a:fillRect l="-1200" t="-1454"/>
-                </a:stretch>
-              </a:blipFill>
-            </p:spPr>
-            <p:txBody>
-              <a:bodyPr/>
-              <a:lstStyle/>
-              <a:p>
-                <a:r>
-                  <a:rPr lang="ja-JP" altLang="en-US">
-                    <a:noFill/>
-                  </a:rPr>
-                  <a:t> </a:t>
-                </a:r>
-              </a:p>
-            </p:txBody>
-          </p:sp>
-        </mc:Fallback>
-      </mc:AlternateContent>
-      <p:sp>
-        <p:nvSpPr>
-          <p:cNvPr id="3" name="スライド番号プレースホルダー 2">
-            <a:extLst>
-              <a:ext uri="{FF2B5EF4-FFF2-40B4-BE49-F238E27FC236}">
-                <a16:creationId xmlns:a16="http://schemas.microsoft.com/office/drawing/2014/main" id="{F7F5DFCD-EB27-47AF-AD99-8561CF0ABC7D}"/>
-              </a:ext>
-            </a:extLst>
-          </p:cNvPr>
-          <p:cNvSpPr>
-            <a:spLocks noGrp="1"/>
-          </p:cNvSpPr>
-          <p:nvPr>
-            <p:ph type="sldNum" sz="quarter" idx="12"/>
-          </p:nvPr>
-        </p:nvSpPr>
-        <p:spPr/>
-        <p:txBody>
-          <a:bodyPr/>
-          <a:lstStyle/>
-          <a:p>
-            <a:pPr>
-              <a:defRPr/>
-            </a:pPr>
-            <a:r>
-              <a:rPr lang="en-US" altLang="ja-JP"/>
-              <a:t>    </a:t>
-            </a:r>
-            <a:fld id="{B2782DEB-472A-4FE5-AC34-C17109CF5A91}" type="slidenum">
-              <a:rPr lang="en-US" altLang="ja-JP" smtClean="0"/>
-              <a:pPr>
-                <a:defRPr/>
-              </a:pPr>
-              <a:t>24</a:t>
-            </a:fld>
-            <a:r>
-              <a:rPr lang="en-US" altLang="ja-JP"/>
-              <a:t> / 24</a:t>
-            </a:r>
-          </a:p>
-        </p:txBody>
-      </p:sp>
-      <p:sp>
-        <p:nvSpPr>
-          <p:cNvPr id="4" name="タイトル 3">
-            <a:extLst>
-              <a:ext uri="{FF2B5EF4-FFF2-40B4-BE49-F238E27FC236}">
-                <a16:creationId xmlns:a16="http://schemas.microsoft.com/office/drawing/2014/main" id="{502B63AE-E6CB-483D-AD4E-926CB9A94EC3}"/>
-              </a:ext>
-            </a:extLst>
-          </p:cNvPr>
-          <p:cNvSpPr>
-            <a:spLocks noGrp="1"/>
-          </p:cNvSpPr>
-          <p:nvPr>
-            <p:ph type="title"/>
-          </p:nvPr>
-        </p:nvSpPr>
-        <p:spPr/>
-        <p:txBody>
-          <a:bodyPr/>
-          <a:lstStyle/>
-          <a:p>
-            <a:r>
-              <a:rPr kumimoji="1" lang="en-US" altLang="ja-JP"/>
-              <a:t>SHA-256</a:t>
-            </a:r>
-            <a:r>
-              <a:rPr kumimoji="1" lang="ja-JP" altLang="en-US"/>
-              <a:t>の内部状態</a:t>
-            </a:r>
-            <a:r>
-              <a:rPr kumimoji="1" lang="en-US" altLang="ja-JP"/>
-              <a:t>S</a:t>
-            </a:r>
-            <a:endParaRPr kumimoji="1" lang="ja-JP" altLang="en-US"/>
-          </a:p>
-        </p:txBody>
-      </p:sp>
-      <p:pic>
-        <p:nvPicPr>
-          <p:cNvPr id="6" name="図 5">
-            <a:extLst>
-              <a:ext uri="{FF2B5EF4-FFF2-40B4-BE49-F238E27FC236}">
-                <a16:creationId xmlns:a16="http://schemas.microsoft.com/office/drawing/2014/main" id="{C14F223E-B1EF-4B27-874B-4DD29D0F3A2C}"/>
-              </a:ext>
-            </a:extLst>
-          </p:cNvPr>
-          <p:cNvPicPr>
-            <a:picLocks noChangeAspect="1"/>
-          </p:cNvPicPr>
-          <p:nvPr/>
-        </p:nvPicPr>
-        <p:blipFill>
-          <a:blip r:embed="rId3">
-            <a:extLst>
-              <a:ext uri="{28A0092B-C50C-407E-A947-70E740481C1C}">
-                <a14:useLocalDpi xmlns:a14="http://schemas.microsoft.com/office/drawing/2010/main" val="0"/>
-              </a:ext>
-            </a:extLst>
-          </a:blip>
-          <a:stretch>
-            <a:fillRect/>
-          </a:stretch>
-        </p:blipFill>
-        <p:spPr>
-          <a:xfrm>
-            <a:off x="539552" y="2900492"/>
-            <a:ext cx="7920880" cy="3480836"/>
-          </a:xfrm>
-          <a:prstGeom prst="rect">
-            <a:avLst/>
-          </a:prstGeom>
-        </p:spPr>
-      </p:pic>
-    </p:spTree>
-    <p:extLst>
-      <p:ext uri="{BB962C8B-B14F-4D97-AF65-F5344CB8AC3E}">
-        <p14:creationId xmlns:p14="http://schemas.microsoft.com/office/powerpoint/2010/main" val="2441804171"/>
-      </p:ext>
-    </p:extLst>
-  </p:cSld>
-  <p:clrMapOvr>
-    <a:masterClrMapping/>
-  </p:clrMapOvr>
-</p:sld>
-</file>
-
-<file path=ppt/slides/slide25.xml><?xml version="1.0" encoding="utf-8"?>
-<p:sld xmlns:a="http://schemas.openxmlformats.org/drawingml/2006/main" xmlns:r="http://schemas.openxmlformats.org/officeDocument/2006/relationships" xmlns:p="http://schemas.openxmlformats.org/presentationml/2006/main">
-  <p:cSld>
-    <p:spTree>
-      <p:nvGrpSpPr>
-        <p:cNvPr id="1" name=""/>
-        <p:cNvGrpSpPr/>
-        <p:nvPr/>
-      </p:nvGrpSpPr>
-      <p:grpSpPr>
-        <a:xfrm>
-          <a:off x="0" y="0"/>
-          <a:ext cx="0" cy="0"/>
-          <a:chOff x="0" y="0"/>
-          <a:chExt cx="0" cy="0"/>
-        </a:xfrm>
-      </p:grpSpPr>
-      <mc:AlternateContent xmlns:mc="http://schemas.openxmlformats.org/markup-compatibility/2006" xmlns:a14="http://schemas.microsoft.com/office/drawing/2010/main">
-        <mc:Choice Requires="a14">
-          <p:sp>
-            <p:nvSpPr>
-              <p:cNvPr id="2" name="コンテンツ プレースホルダー 1">
-                <a:extLst>
-                  <a:ext uri="{FF2B5EF4-FFF2-40B4-BE49-F238E27FC236}">
-                    <a16:creationId xmlns:a16="http://schemas.microsoft.com/office/drawing/2014/main" id="{46A8C7C8-E48D-4D49-908F-AC83E6AB62BA}"/>
-                  </a:ext>
-                </a:extLst>
-              </p:cNvPr>
-              <p:cNvSpPr>
-                <a:spLocks noGrp="1"/>
-              </p:cNvSpPr>
-              <p:nvPr>
-                <p:ph idx="1"/>
-              </p:nvPr>
-            </p:nvSpPr>
-            <p:spPr/>
-            <p:txBody>
-              <a:bodyPr/>
-              <a:lstStyle/>
-              <a:p>
-                <a:r>
-                  <a:rPr kumimoji="1" lang="en-US" altLang="ja-JP"/>
-                  <a:t>512bit</a:t>
-                </a:r>
-                <a:r>
-                  <a:rPr kumimoji="1" lang="ja-JP" altLang="en-US"/>
-                  <a:t>のブロックを</a:t>
-                </a:r>
-                <a:r>
-                  <a:rPr kumimoji="1" lang="en-US" altLang="ja-JP"/>
-                  <a:t>32bit</a:t>
-                </a:r>
-                <a:r>
-                  <a:rPr kumimoji="1" lang="ja-JP" altLang="en-US"/>
-                  <a:t>整数</a:t>
-                </a:r>
-                <a:r>
-                  <a:rPr kumimoji="1" lang="en-US" altLang="ja-JP"/>
-                  <a:t>16</a:t>
-                </a:r>
-                <a:r>
-                  <a:rPr kumimoji="1" lang="ja-JP" altLang="en-US"/>
-                  <a:t>個に分割</a:t>
-                </a:r>
-                <a:endParaRPr kumimoji="1" lang="en-US" altLang="ja-JP"/>
-              </a:p>
-              <a:p>
-                <a:pPr lvl="1"/>
-                <a:r>
-                  <a:rPr kumimoji="1" lang="ja-JP" altLang="en-US"/>
-                  <a:t>各種ビット演算を組み合わせて</a:t>
-                </a:r>
-                <a:r>
-                  <a:rPr lang="en-US" altLang="ja-JP"/>
-                  <a:t>32ibt</a:t>
-                </a:r>
-                <a:r>
-                  <a:rPr lang="ja-JP" altLang="en-US"/>
-                  <a:t>整数</a:t>
-                </a:r>
-                <a:r>
-                  <a:rPr lang="en-US" altLang="ja-JP"/>
-                  <a:t>64</a:t>
-                </a:r>
-                <a:r>
-                  <a:rPr lang="ja-JP" altLang="en-US"/>
-                  <a:t>個</a:t>
-                </a:r>
-                <a14:m>
-                  <m:oMath xmlns:m="http://schemas.openxmlformats.org/officeDocument/2006/math">
-                    <m:r>
-                      <a:rPr lang="en-US" altLang="ja-JP" b="0" i="1" smtClean="0">
-                        <a:latin typeface="Cambria Math" panose="02040503050406030204" pitchFamily="18" charset="0"/>
-                      </a:rPr>
-                      <m:t>𝑊</m:t>
-                    </m:r>
-                  </m:oMath>
-                </a14:m>
-                <a:r>
-                  <a:rPr lang="ja-JP" altLang="en-US"/>
-                  <a:t>に増やす</a:t>
-                </a:r>
-                <a:endParaRPr lang="en-US" altLang="ja-JP"/>
-              </a:p>
-              <a:p>
-                <a:pPr lvl="1"/>
-                <a14:m>
-                  <m:oMath xmlns:m="http://schemas.openxmlformats.org/officeDocument/2006/math">
-                    <m:r>
-                      <a:rPr kumimoji="1" lang="en-US" altLang="ja-JP" b="0" i="1" smtClean="0">
-                        <a:latin typeface="Cambria Math" panose="02040503050406030204" pitchFamily="18" charset="0"/>
-                      </a:rPr>
-                      <m:t>𝑊</m:t>
-                    </m:r>
-                  </m:oMath>
-                </a14:m>
-                <a:r>
-                  <a:rPr kumimoji="1" lang="ja-JP" altLang="en-US"/>
-                  <a:t>と内部状態</a:t>
-                </a:r>
-                <a14:m>
-                  <m:oMath xmlns:m="http://schemas.openxmlformats.org/officeDocument/2006/math">
-                    <m:r>
-                      <a:rPr kumimoji="1" lang="en-US" altLang="ja-JP" b="0" i="1" smtClean="0">
-                        <a:latin typeface="Cambria Math" panose="02040503050406030204" pitchFamily="18" charset="0"/>
-                      </a:rPr>
-                      <m:t>𝑆</m:t>
-                    </m:r>
-                  </m:oMath>
-                </a14:m>
-                <a:r>
-                  <a:rPr kumimoji="1" lang="ja-JP" altLang="en-US"/>
-                  <a:t>から新たな内部状態</a:t>
-                </a:r>
-                <a14:m>
-                  <m:oMath xmlns:m="http://schemas.openxmlformats.org/officeDocument/2006/math">
-                    <m:r>
-                      <a:rPr kumimoji="1" lang="en-US" altLang="ja-JP" b="0" i="1" smtClean="0">
-                        <a:latin typeface="Cambria Math" panose="02040503050406030204" pitchFamily="18" charset="0"/>
-                      </a:rPr>
-                      <m:t>𝑆</m:t>
-                    </m:r>
-                    <m:r>
-                      <a:rPr kumimoji="1" lang="en-US" altLang="ja-JP" b="0" i="1" smtClean="0">
-                        <a:latin typeface="Cambria Math" panose="02040503050406030204" pitchFamily="18" charset="0"/>
-                      </a:rPr>
-                      <m:t>′</m:t>
-                    </m:r>
-                  </m:oMath>
-                </a14:m>
-                <a:r>
-                  <a:rPr kumimoji="1" lang="ja-JP" altLang="en-US"/>
-                  <a:t>を出力する</a:t>
-                </a:r>
-                <a:endParaRPr kumimoji="1" lang="en-US" altLang="ja-JP"/>
-              </a:p>
-              <a:p>
-                <a:pPr lvl="1"/>
-                <a:endParaRPr lang="en-US" altLang="ja-JP"/>
-              </a:p>
-              <a:p>
-                <a:pPr lvl="1"/>
-                <a:endParaRPr kumimoji="1" lang="en-US" altLang="ja-JP"/>
-              </a:p>
-              <a:p>
-                <a:pPr lvl="1"/>
-                <a:endParaRPr lang="en-US" altLang="ja-JP"/>
-              </a:p>
-              <a:p>
-                <a:pPr lvl="1"/>
-                <a:endParaRPr kumimoji="1" lang="en-US" altLang="ja-JP"/>
-              </a:p>
-              <a:p>
-                <a:pPr lvl="1"/>
-                <a:endParaRPr lang="en-US" altLang="ja-JP"/>
-              </a:p>
-              <a:p>
-                <a:pPr lvl="1"/>
-                <a:endParaRPr kumimoji="1" lang="en-US" altLang="ja-JP"/>
-              </a:p>
-              <a:p>
-                <a:pPr lvl="1"/>
-                <a:endParaRPr lang="en-US" altLang="ja-JP"/>
-              </a:p>
-              <a:p>
-                <a:r>
-                  <a:rPr kumimoji="1" lang="en-US" altLang="ja-JP"/>
-                  <a:t>SHA-512</a:t>
-                </a:r>
-              </a:p>
-              <a:p>
-                <a:pPr lvl="1"/>
-                <a:r>
-                  <a:rPr lang="ja-JP" altLang="en-US"/>
-                  <a:t>内部状態 </a:t>
-                </a:r>
-                <a:r>
-                  <a:rPr lang="en-US" altLang="ja-JP"/>
-                  <a:t>: 64bit</a:t>
-                </a:r>
-                <a:r>
-                  <a:rPr lang="ja-JP" altLang="en-US"/>
-                  <a:t>整数</a:t>
-                </a:r>
-                <a:r>
-                  <a:rPr lang="en-US" altLang="ja-JP"/>
-                  <a:t>8</a:t>
-                </a:r>
-                <a:r>
-                  <a:rPr lang="ja-JP" altLang="en-US"/>
-                  <a:t>個</a:t>
-                </a:r>
-                <a:endParaRPr lang="en-US" altLang="ja-JP"/>
-              </a:p>
-              <a:p>
-                <a:pPr lvl="1"/>
-                <a:r>
-                  <a:rPr kumimoji="1" lang="ja-JP" altLang="en-US"/>
-                  <a:t>繰り返し回数は</a:t>
-                </a:r>
-                <a:r>
-                  <a:rPr kumimoji="1" lang="en-US" altLang="ja-JP"/>
-                  <a:t>80</a:t>
-                </a:r>
-                <a:r>
-                  <a:rPr kumimoji="1" lang="ja-JP" altLang="en-US"/>
-                  <a:t>回</a:t>
-                </a:r>
-                <a:r>
-                  <a:rPr lang="en-US" altLang="ja-JP"/>
-                  <a:t>(32bit</a:t>
-                </a:r>
-                <a:r>
-                  <a:rPr lang="ja-JP" altLang="en-US"/>
-                  <a:t>あたり</a:t>
-                </a:r>
-                <a:r>
-                  <a:rPr lang="en-US" altLang="ja-JP"/>
-                  <a:t>80/2=40&lt;64)</a:t>
-                </a:r>
-                <a:endParaRPr kumimoji="1" lang="ja-JP" altLang="en-US"/>
-              </a:p>
-            </p:txBody>
-          </p:sp>
-        </mc:Choice>
-        <mc:Fallback xmlns="">
-          <p:sp>
-            <p:nvSpPr>
-              <p:cNvPr id="2" name="コンテンツ プレースホルダー 1">
-                <a:extLst>
-                  <a:ext uri="{FF2B5EF4-FFF2-40B4-BE49-F238E27FC236}">
-                    <a16:creationId xmlns:a16="http://schemas.microsoft.com/office/drawing/2014/main" id="{46A8C7C8-E48D-4D49-908F-AC83E6AB62BA}"/>
-                  </a:ext>
-                </a:extLst>
-              </p:cNvPr>
-              <p:cNvSpPr>
-                <a:spLocks noGrp="1" noRot="1" noChangeAspect="1" noMove="1" noResize="1" noEditPoints="1" noAdjustHandles="1" noChangeArrowheads="1" noChangeShapeType="1" noTextEdit="1"/>
-              </p:cNvSpPr>
-              <p:nvPr>
-                <p:ph idx="1"/>
-              </p:nvPr>
-            </p:nvSpPr>
-            <p:spPr>
-              <a:blipFill>
-                <a:blip r:embed="rId2"/>
-                <a:stretch>
-                  <a:fillRect l="-1200" t="-1454" b="-4673"/>
-                </a:stretch>
-              </a:blipFill>
-            </p:spPr>
-            <p:txBody>
-              <a:bodyPr/>
-              <a:lstStyle/>
-              <a:p>
-                <a:r>
-                  <a:rPr lang="ja-JP" altLang="en-US">
-                    <a:noFill/>
-                  </a:rPr>
-                  <a:t> </a:t>
-                </a:r>
-              </a:p>
-            </p:txBody>
-          </p:sp>
-        </mc:Fallback>
-      </mc:AlternateContent>
-      <p:sp>
-        <p:nvSpPr>
-          <p:cNvPr id="3" name="スライド番号プレースホルダー 2">
-            <a:extLst>
-              <a:ext uri="{FF2B5EF4-FFF2-40B4-BE49-F238E27FC236}">
-                <a16:creationId xmlns:a16="http://schemas.microsoft.com/office/drawing/2014/main" id="{2D904B7E-D5CB-46DE-AD01-9832AB090C11}"/>
-              </a:ext>
-            </a:extLst>
-          </p:cNvPr>
-          <p:cNvSpPr>
-            <a:spLocks noGrp="1"/>
-          </p:cNvSpPr>
-          <p:nvPr>
-            <p:ph type="sldNum" sz="quarter" idx="12"/>
-          </p:nvPr>
-        </p:nvSpPr>
-        <p:spPr/>
-        <p:txBody>
-          <a:bodyPr/>
-          <a:lstStyle/>
-          <a:p>
-            <a:pPr>
-              <a:defRPr/>
-            </a:pPr>
-            <a:r>
-              <a:rPr lang="en-US" altLang="ja-JP"/>
-              <a:t>    </a:t>
-            </a:r>
-            <a:fld id="{B2782DEB-472A-4FE5-AC34-C17109CF5A91}" type="slidenum">
-              <a:rPr lang="en-US" altLang="ja-JP" smtClean="0"/>
-              <a:pPr>
-                <a:defRPr/>
-              </a:pPr>
-              <a:t>25</a:t>
-            </a:fld>
-            <a:r>
-              <a:rPr lang="en-US" altLang="ja-JP"/>
-              <a:t> / 24</a:t>
-            </a:r>
-          </a:p>
-        </p:txBody>
-      </p:sp>
-      <mc:AlternateContent xmlns:mc="http://schemas.openxmlformats.org/markup-compatibility/2006" xmlns:a14="http://schemas.microsoft.com/office/drawing/2010/main">
-        <mc:Choice Requires="a14">
-          <p:sp>
-            <p:nvSpPr>
-              <p:cNvPr id="4" name="タイトル 3">
-                <a:extLst>
-                  <a:ext uri="{FF2B5EF4-FFF2-40B4-BE49-F238E27FC236}">
-                    <a16:creationId xmlns:a16="http://schemas.microsoft.com/office/drawing/2014/main" id="{8C87C4B3-68B9-42C2-B2F8-07E4659344A5}"/>
-                  </a:ext>
-                </a:extLst>
-              </p:cNvPr>
-              <p:cNvSpPr>
-                <a:spLocks noGrp="1"/>
-              </p:cNvSpPr>
-              <p:nvPr>
-                <p:ph type="title"/>
-              </p:nvPr>
-            </p:nvSpPr>
-            <p:spPr/>
-            <p:txBody>
-              <a:bodyPr/>
-              <a:lstStyle/>
-              <a:p>
-                <a:r>
-                  <a:rPr kumimoji="1" lang="en-US" altLang="ja-JP"/>
-                  <a:t>SHA-256</a:t>
-                </a:r>
-                <a:r>
-                  <a:rPr kumimoji="1" lang="ja-JP" altLang="en-US"/>
-                  <a:t>の圧縮関数</a:t>
-                </a:r>
-                <a14:m>
-                  <m:oMath xmlns:m="http://schemas.openxmlformats.org/officeDocument/2006/math">
-                    <m:r>
-                      <a:rPr kumimoji="1" lang="en-US" altLang="ja-JP" b="0" i="1" smtClean="0">
-                        <a:latin typeface="Cambria Math" panose="02040503050406030204" pitchFamily="18" charset="0"/>
-                      </a:rPr>
-                      <m:t>𝑓</m:t>
-                    </m:r>
-                  </m:oMath>
-                </a14:m>
-                <a:r>
-                  <a:rPr kumimoji="1" lang="ja-JP" altLang="en-US"/>
-                  <a:t>の概要</a:t>
-                </a:r>
-              </a:p>
-            </p:txBody>
-          </p:sp>
-        </mc:Choice>
-        <mc:Fallback xmlns="">
-          <p:sp>
-            <p:nvSpPr>
-              <p:cNvPr id="4" name="タイトル 3">
-                <a:extLst>
-                  <a:ext uri="{FF2B5EF4-FFF2-40B4-BE49-F238E27FC236}">
-                    <a16:creationId xmlns:a16="http://schemas.microsoft.com/office/drawing/2014/main" id="{8C87C4B3-68B9-42C2-B2F8-07E4659344A5}"/>
-                  </a:ext>
-                </a:extLst>
-              </p:cNvPr>
-              <p:cNvSpPr>
-                <a:spLocks noGrp="1" noRot="1" noChangeAspect="1" noMove="1" noResize="1" noEditPoints="1" noAdjustHandles="1" noChangeArrowheads="1" noChangeShapeType="1" noTextEdit="1"/>
-              </p:cNvSpPr>
-              <p:nvPr>
-                <p:ph type="title"/>
-              </p:nvPr>
-            </p:nvSpPr>
-            <p:spPr>
-              <a:blipFill>
-                <a:blip r:embed="rId3"/>
-                <a:stretch>
-                  <a:fillRect l="-1669" t="-17978" b="-44944"/>
-                </a:stretch>
-              </a:blipFill>
-            </p:spPr>
-            <p:txBody>
-              <a:bodyPr/>
-              <a:lstStyle/>
-              <a:p>
-                <a:r>
-                  <a:rPr lang="ja-JP" altLang="en-US">
-                    <a:noFill/>
-                  </a:rPr>
-                  <a:t> </a:t>
-                </a:r>
-              </a:p>
-            </p:txBody>
-          </p:sp>
-        </mc:Fallback>
-      </mc:AlternateContent>
-      <p:pic>
-        <p:nvPicPr>
-          <p:cNvPr id="6" name="図 5">
-            <a:extLst>
-              <a:ext uri="{FF2B5EF4-FFF2-40B4-BE49-F238E27FC236}">
-                <a16:creationId xmlns:a16="http://schemas.microsoft.com/office/drawing/2014/main" id="{3ECB012B-E107-406A-AC14-3C384BFA8CC8}"/>
-              </a:ext>
-            </a:extLst>
-          </p:cNvPr>
-          <p:cNvPicPr>
-            <a:picLocks noChangeAspect="1"/>
-          </p:cNvPicPr>
-          <p:nvPr/>
-        </p:nvPicPr>
-        <p:blipFill>
-          <a:blip r:embed="rId4">
-            <a:extLst>
-              <a:ext uri="{28A0092B-C50C-407E-A947-70E740481C1C}">
-                <a14:useLocalDpi xmlns:a14="http://schemas.microsoft.com/office/drawing/2010/main" val="0"/>
-              </a:ext>
-            </a:extLst>
-          </a:blip>
-          <a:stretch>
-            <a:fillRect/>
-          </a:stretch>
-        </p:blipFill>
-        <p:spPr>
-          <a:xfrm>
-            <a:off x="1014979" y="2276872"/>
-            <a:ext cx="7114042" cy="2952328"/>
-          </a:xfrm>
-          <a:prstGeom prst="rect">
-            <a:avLst/>
-          </a:prstGeom>
-        </p:spPr>
-      </p:pic>
-    </p:spTree>
-    <p:extLst>
-      <p:ext uri="{BB962C8B-B14F-4D97-AF65-F5344CB8AC3E}">
-        <p14:creationId xmlns:p14="http://schemas.microsoft.com/office/powerpoint/2010/main" val="2172962467"/>
-      </p:ext>
-    </p:extLst>
-  </p:cSld>
-  <p:clrMapOvr>
-    <a:masterClrMapping/>
-  </p:clrMapOvr>
-</p:sld>
-</file>
-
-<file path=ppt/slides/slide26.xml><?xml version="1.0" encoding="utf-8"?>
-<p:sld xmlns:a="http://schemas.openxmlformats.org/drawingml/2006/main" xmlns:r="http://schemas.openxmlformats.org/officeDocument/2006/relationships" xmlns:p="http://schemas.openxmlformats.org/presentationml/2006/main">
-  <p:cSld>
-    <p:spTree>
-      <p:nvGrpSpPr>
-        <p:cNvPr id="1" name=""/>
-        <p:cNvGrpSpPr/>
-        <p:nvPr/>
-      </p:nvGrpSpPr>
-      <p:grpSpPr>
-        <a:xfrm>
-          <a:off x="0" y="0"/>
-          <a:ext cx="0" cy="0"/>
-          <a:chOff x="0" y="0"/>
-          <a:chExt cx="0" cy="0"/>
-        </a:xfrm>
-      </p:grpSpPr>
-      <mc:AlternateContent xmlns:mc="http://schemas.openxmlformats.org/markup-compatibility/2006" xmlns:a14="http://schemas.microsoft.com/office/drawing/2010/main">
-        <mc:Choice Requires="a14">
-          <p:sp>
-            <p:nvSpPr>
-              <p:cNvPr id="2" name="コンテンツ プレースホルダー 1">
-                <a:extLst>
-                  <a:ext uri="{FF2B5EF4-FFF2-40B4-BE49-F238E27FC236}">
-                    <a16:creationId xmlns:a16="http://schemas.microsoft.com/office/drawing/2014/main" id="{2AE8B58C-246A-4D73-ADC5-490BB484BC55}"/>
-                  </a:ext>
-                </a:extLst>
-              </p:cNvPr>
-              <p:cNvSpPr>
-                <a:spLocks noGrp="1"/>
-              </p:cNvSpPr>
-              <p:nvPr>
-                <p:ph idx="1"/>
-              </p:nvPr>
-            </p:nvSpPr>
-            <p:spPr/>
-            <p:txBody>
-              <a:bodyPr/>
-              <a:lstStyle/>
-              <a:p>
-                <a:r>
-                  <a:rPr kumimoji="1" lang="en-US" altLang="ja-JP"/>
-                  <a:t>SHA-2</a:t>
-                </a:r>
-                <a:r>
-                  <a:rPr kumimoji="1" lang="ja-JP" altLang="en-US"/>
-                  <a:t>に変わる新しいハッシュ関数</a:t>
-                </a:r>
-                <a:r>
-                  <a:rPr kumimoji="1" lang="en-US" altLang="ja-JP"/>
-                  <a:t>(Keccak)</a:t>
-                </a:r>
-              </a:p>
-              <a:p>
-                <a:r>
-                  <a:rPr lang="en-US" altLang="ja-JP"/>
-                  <a:t>MD</a:t>
-                </a:r>
-                <a:r>
-                  <a:rPr lang="ja-JP" altLang="en-US"/>
-                  <a:t>構成ではなくスポンジ構造</a:t>
-                </a:r>
-                <a:r>
-                  <a:rPr lang="en-US" altLang="ja-JP"/>
-                  <a:t>(=</a:t>
-                </a:r>
-                <a:r>
-                  <a:rPr lang="ja-JP" altLang="en-US"/>
-                  <a:t>吸収</a:t>
-                </a:r>
-                <a:r>
-                  <a:rPr lang="en-US" altLang="ja-JP"/>
-                  <a:t>+</a:t>
-                </a:r>
-                <a:r>
-                  <a:rPr lang="ja-JP" altLang="en-US"/>
-                  <a:t>搾取</a:t>
-                </a:r>
-                <a:r>
-                  <a:rPr lang="en-US" altLang="ja-JP"/>
-                  <a:t>)</a:t>
-                </a:r>
-              </a:p>
-              <a:p>
-                <a:r>
-                  <a:rPr kumimoji="1" lang="ja-JP" altLang="en-US"/>
-                  <a:t>分割とパディング</a:t>
-                </a:r>
-                <a:endParaRPr kumimoji="1" lang="en-US" altLang="ja-JP"/>
-              </a:p>
-              <a:p>
-                <a:pPr lvl="1"/>
-                <a:r>
-                  <a:rPr kumimoji="1" lang="ja-JP" altLang="en-US"/>
-                  <a:t>内部状態</a:t>
-                </a:r>
-                <a:r>
-                  <a:rPr kumimoji="1" lang="en-US" altLang="ja-JP"/>
-                  <a:t>S</a:t>
-                </a:r>
-                <a:r>
-                  <a:rPr kumimoji="1" lang="ja-JP" altLang="en-US"/>
-                  <a:t>は</a:t>
-                </a:r>
-                <a:r>
-                  <a:rPr kumimoji="1" lang="en-US" altLang="ja-JP"/>
-                  <a:t>1600bit</a:t>
-                </a:r>
-              </a:p>
-              <a:p>
-                <a:pPr lvl="1"/>
-                <a:r>
-                  <a:rPr lang="en-US" altLang="ja-JP"/>
-                  <a:t>SHA-3-256</a:t>
-                </a:r>
-                <a:r>
-                  <a:rPr lang="ja-JP" altLang="en-US"/>
-                  <a:t>は</a:t>
-                </a:r>
-                <a14:m>
-                  <m:oMath xmlns:m="http://schemas.openxmlformats.org/officeDocument/2006/math">
-                    <m:r>
-                      <a:rPr lang="en-US" altLang="ja-JP" b="0" i="1" smtClean="0">
-                        <a:latin typeface="Cambria Math" panose="02040503050406030204" pitchFamily="18" charset="0"/>
-                      </a:rPr>
-                      <m:t>1088(=1600−256×2)</m:t>
-                    </m:r>
-                  </m:oMath>
-                </a14:m>
-                <a:r>
-                  <a:rPr kumimoji="1" lang="en-US" altLang="ja-JP"/>
-                  <a:t>bit</a:t>
-                </a:r>
-                <a:r>
-                  <a:rPr kumimoji="1" lang="ja-JP" altLang="en-US"/>
-                  <a:t>のブロックに分割</a:t>
-                </a:r>
-              </a:p>
-            </p:txBody>
-          </p:sp>
-        </mc:Choice>
-        <mc:Fallback xmlns="">
-          <p:sp>
-            <p:nvSpPr>
-              <p:cNvPr id="2" name="コンテンツ プレースホルダー 1">
-                <a:extLst>
-                  <a:ext uri="{FF2B5EF4-FFF2-40B4-BE49-F238E27FC236}">
-                    <a16:creationId xmlns:a16="http://schemas.microsoft.com/office/drawing/2014/main" id="{2AE8B58C-246A-4D73-ADC5-490BB484BC55}"/>
-                  </a:ext>
-                </a:extLst>
-              </p:cNvPr>
-              <p:cNvSpPr>
-                <a:spLocks noGrp="1" noRot="1" noChangeAspect="1" noMove="1" noResize="1" noEditPoints="1" noAdjustHandles="1" noChangeArrowheads="1" noChangeShapeType="1" noTextEdit="1"/>
-              </p:cNvSpPr>
-              <p:nvPr>
-                <p:ph idx="1"/>
-              </p:nvPr>
-            </p:nvSpPr>
-            <p:spPr>
-              <a:blipFill>
-                <a:blip r:embed="rId2"/>
-                <a:stretch>
-                  <a:fillRect l="-1200" t="-1454"/>
-                </a:stretch>
-              </a:blipFill>
-            </p:spPr>
-            <p:txBody>
-              <a:bodyPr/>
-              <a:lstStyle/>
-              <a:p>
-                <a:r>
-                  <a:rPr lang="ja-JP" altLang="en-US">
-                    <a:noFill/>
-                  </a:rPr>
-                  <a:t> </a:t>
-                </a:r>
-              </a:p>
-            </p:txBody>
-          </p:sp>
-        </mc:Fallback>
-      </mc:AlternateContent>
-      <p:sp>
-        <p:nvSpPr>
-          <p:cNvPr id="3" name="スライド番号プレースホルダー 2">
-            <a:extLst>
-              <a:ext uri="{FF2B5EF4-FFF2-40B4-BE49-F238E27FC236}">
-                <a16:creationId xmlns:a16="http://schemas.microsoft.com/office/drawing/2014/main" id="{CF2B16F7-F180-4C9C-84ED-827149E24F7F}"/>
-              </a:ext>
-            </a:extLst>
-          </p:cNvPr>
-          <p:cNvSpPr>
-            <a:spLocks noGrp="1"/>
-          </p:cNvSpPr>
-          <p:nvPr>
-            <p:ph type="sldNum" sz="quarter" idx="12"/>
-          </p:nvPr>
-        </p:nvSpPr>
-        <p:spPr/>
-        <p:txBody>
-          <a:bodyPr/>
-          <a:lstStyle/>
-          <a:p>
-            <a:pPr>
-              <a:defRPr/>
-            </a:pPr>
-            <a:r>
-              <a:rPr lang="en-US" altLang="ja-JP"/>
-              <a:t>    </a:t>
-            </a:r>
-            <a:fld id="{B2782DEB-472A-4FE5-AC34-C17109CF5A91}" type="slidenum">
-              <a:rPr lang="en-US" altLang="ja-JP" smtClean="0"/>
-              <a:pPr>
-                <a:defRPr/>
-              </a:pPr>
-              <a:t>26</a:t>
-            </a:fld>
-            <a:r>
-              <a:rPr lang="en-US" altLang="ja-JP"/>
-              <a:t> / 24</a:t>
-            </a:r>
-          </a:p>
-        </p:txBody>
-      </p:sp>
-      <p:sp>
-        <p:nvSpPr>
-          <p:cNvPr id="4" name="タイトル 3">
-            <a:extLst>
-              <a:ext uri="{FF2B5EF4-FFF2-40B4-BE49-F238E27FC236}">
-                <a16:creationId xmlns:a16="http://schemas.microsoft.com/office/drawing/2014/main" id="{E9B9C27C-991F-4B9A-9B49-3880B783495F}"/>
-              </a:ext>
-            </a:extLst>
-          </p:cNvPr>
-          <p:cNvSpPr>
-            <a:spLocks noGrp="1"/>
-          </p:cNvSpPr>
-          <p:nvPr>
-            <p:ph type="title"/>
-          </p:nvPr>
-        </p:nvSpPr>
-        <p:spPr/>
-        <p:txBody>
-          <a:bodyPr/>
-          <a:lstStyle/>
-          <a:p>
-            <a:r>
-              <a:rPr kumimoji="1" lang="en-US" altLang="ja-JP"/>
-              <a:t>SHA-3</a:t>
-            </a:r>
-            <a:endParaRPr kumimoji="1" lang="ja-JP" altLang="en-US"/>
-          </a:p>
-        </p:txBody>
-      </p:sp>
-      <p:pic>
-        <p:nvPicPr>
-          <p:cNvPr id="6" name="図 5">
-            <a:extLst>
-              <a:ext uri="{FF2B5EF4-FFF2-40B4-BE49-F238E27FC236}">
-                <a16:creationId xmlns:a16="http://schemas.microsoft.com/office/drawing/2014/main" id="{95669297-E3DE-475E-A61F-C81DA0F00E84}"/>
-              </a:ext>
-            </a:extLst>
-          </p:cNvPr>
-          <p:cNvPicPr>
-            <a:picLocks noChangeAspect="1"/>
-          </p:cNvPicPr>
-          <p:nvPr/>
-        </p:nvPicPr>
-        <p:blipFill>
-          <a:blip r:embed="rId3">
-            <a:extLst>
-              <a:ext uri="{28A0092B-C50C-407E-A947-70E740481C1C}">
-                <a14:useLocalDpi xmlns:a14="http://schemas.microsoft.com/office/drawing/2010/main" val="0"/>
-              </a:ext>
-            </a:extLst>
-          </a:blip>
-          <a:stretch>
-            <a:fillRect/>
-          </a:stretch>
-        </p:blipFill>
-        <p:spPr>
-          <a:xfrm>
-            <a:off x="1115616" y="3284984"/>
-            <a:ext cx="5976664" cy="3429112"/>
-          </a:xfrm>
-          <a:prstGeom prst="rect">
-            <a:avLst/>
-          </a:prstGeom>
-        </p:spPr>
-      </p:pic>
-    </p:spTree>
-    <p:extLst>
-      <p:ext uri="{BB962C8B-B14F-4D97-AF65-F5344CB8AC3E}">
-        <p14:creationId xmlns:p14="http://schemas.microsoft.com/office/powerpoint/2010/main" val="702691702"/>
-      </p:ext>
-    </p:extLst>
-  </p:cSld>
-  <p:clrMapOvr>
-    <a:masterClrMapping/>
-  </p:clrMapOvr>
-</p:sld>
-</file>
-
-<file path=ppt/slides/slide27.xml><?xml version="1.0" encoding="utf-8"?>
-<p:sld xmlns:a="http://schemas.openxmlformats.org/drawingml/2006/main" xmlns:r="http://schemas.openxmlformats.org/officeDocument/2006/relationships" xmlns:p="http://schemas.openxmlformats.org/presentationml/2006/main">
-  <p:cSld>
-    <p:spTree>
-      <p:nvGrpSpPr>
-        <p:cNvPr id="1" name=""/>
-        <p:cNvGrpSpPr/>
-        <p:nvPr/>
-      </p:nvGrpSpPr>
-      <p:grpSpPr>
-        <a:xfrm>
-          <a:off x="0" y="0"/>
-          <a:ext cx="0" cy="0"/>
-          <a:chOff x="0" y="0"/>
-          <a:chExt cx="0" cy="0"/>
-        </a:xfrm>
-      </p:grpSpPr>
-      <mc:AlternateContent xmlns:mc="http://schemas.openxmlformats.org/markup-compatibility/2006" xmlns:a14="http://schemas.microsoft.com/office/drawing/2010/main">
-        <mc:Choice Requires="a14">
-          <p:sp>
-            <p:nvSpPr>
-              <p:cNvPr id="2" name="コンテンツ プレースホルダー 1">
-                <a:extLst>
-                  <a:ext uri="{FF2B5EF4-FFF2-40B4-BE49-F238E27FC236}">
-                    <a16:creationId xmlns:a16="http://schemas.microsoft.com/office/drawing/2014/main" id="{BAED8367-EA3D-4D62-A6B6-F4D36EC6E21F}"/>
-                  </a:ext>
-                </a:extLst>
-              </p:cNvPr>
-              <p:cNvSpPr>
-                <a:spLocks noGrp="1"/>
-              </p:cNvSpPr>
-              <p:nvPr>
-                <p:ph idx="1"/>
-              </p:nvPr>
-            </p:nvSpPr>
-            <p:spPr/>
-            <p:txBody>
-              <a:bodyPr/>
-              <a:lstStyle/>
-              <a:p>
-                <a:r>
-                  <a:rPr kumimoji="1" lang="ja-JP" altLang="en-US"/>
-                  <a:t>内部状態のうち</a:t>
-                </a:r>
-                <a14:m>
-                  <m:oMath xmlns:m="http://schemas.openxmlformats.org/officeDocument/2006/math">
-                    <m:r>
-                      <a:rPr kumimoji="1" lang="en-US" altLang="ja-JP" b="0" i="1" smtClean="0">
-                        <a:latin typeface="Cambria Math" panose="02040503050406030204" pitchFamily="18" charset="0"/>
-                      </a:rPr>
-                      <m:t>𝑟</m:t>
-                    </m:r>
-                    <m:r>
-                      <a:rPr kumimoji="1" lang="en-US" altLang="ja-JP" b="0" i="1" smtClean="0">
-                        <a:latin typeface="Cambria Math" panose="02040503050406030204" pitchFamily="18" charset="0"/>
-                      </a:rPr>
-                      <m:t>=1088</m:t>
-                    </m:r>
-                  </m:oMath>
-                </a14:m>
-                <a:r>
-                  <a:rPr kumimoji="1" lang="en-US" altLang="ja-JP"/>
-                  <a:t>bit</a:t>
-                </a:r>
-                <a:r>
-                  <a:rPr kumimoji="1" lang="ja-JP" altLang="en-US"/>
-                  <a:t>をブロックと排他的論理和</a:t>
-                </a:r>
-                <a:endParaRPr kumimoji="1" lang="en-US" altLang="ja-JP"/>
-              </a:p>
-              <a:p>
-                <a:r>
-                  <a:rPr kumimoji="1" lang="ja-JP" altLang="en-US"/>
-                  <a:t>置換関数</a:t>
-                </a:r>
-                <a14:m>
-                  <m:oMath xmlns:m="http://schemas.openxmlformats.org/officeDocument/2006/math">
-                    <m:r>
-                      <a:rPr kumimoji="1" lang="en-US" altLang="ja-JP" b="0" i="1" smtClean="0">
-                        <a:latin typeface="Cambria Math" panose="02040503050406030204" pitchFamily="18" charset="0"/>
-                      </a:rPr>
-                      <m:t>𝑓</m:t>
-                    </m:r>
-                  </m:oMath>
-                </a14:m>
-                <a:endParaRPr kumimoji="1" lang="ja-JP" altLang="en-US"/>
-              </a:p>
-            </p:txBody>
-          </p:sp>
-        </mc:Choice>
-        <mc:Fallback xmlns="">
-          <p:sp>
-            <p:nvSpPr>
-              <p:cNvPr id="2" name="コンテンツ プレースホルダー 1">
-                <a:extLst>
-                  <a:ext uri="{FF2B5EF4-FFF2-40B4-BE49-F238E27FC236}">
-                    <a16:creationId xmlns:a16="http://schemas.microsoft.com/office/drawing/2014/main" id="{BAED8367-EA3D-4D62-A6B6-F4D36EC6E21F}"/>
-                  </a:ext>
-                </a:extLst>
-              </p:cNvPr>
-              <p:cNvSpPr>
-                <a:spLocks noGrp="1" noRot="1" noChangeAspect="1" noMove="1" noResize="1" noEditPoints="1" noAdjustHandles="1" noChangeArrowheads="1" noChangeShapeType="1" noTextEdit="1"/>
-              </p:cNvSpPr>
-              <p:nvPr>
-                <p:ph idx="1"/>
-              </p:nvPr>
-            </p:nvSpPr>
-            <p:spPr>
-              <a:blipFill>
-                <a:blip r:embed="rId2"/>
-                <a:stretch>
-                  <a:fillRect l="-1200" t="-1454" r="-200"/>
-                </a:stretch>
-              </a:blipFill>
-            </p:spPr>
-            <p:txBody>
-              <a:bodyPr/>
-              <a:lstStyle/>
-              <a:p>
-                <a:r>
-                  <a:rPr lang="ja-JP" altLang="en-US">
-                    <a:noFill/>
-                  </a:rPr>
-                  <a:t> </a:t>
-                </a:r>
-              </a:p>
-            </p:txBody>
-          </p:sp>
-        </mc:Fallback>
-      </mc:AlternateContent>
-      <p:sp>
-        <p:nvSpPr>
-          <p:cNvPr id="3" name="スライド番号プレースホルダー 2">
-            <a:extLst>
-              <a:ext uri="{FF2B5EF4-FFF2-40B4-BE49-F238E27FC236}">
-                <a16:creationId xmlns:a16="http://schemas.microsoft.com/office/drawing/2014/main" id="{96D14989-31C0-4972-8EC9-A25D89AC82C3}"/>
-              </a:ext>
-            </a:extLst>
-          </p:cNvPr>
-          <p:cNvSpPr>
-            <a:spLocks noGrp="1"/>
-          </p:cNvSpPr>
-          <p:nvPr>
-            <p:ph type="sldNum" sz="quarter" idx="12"/>
-          </p:nvPr>
-        </p:nvSpPr>
-        <p:spPr/>
-        <p:txBody>
-          <a:bodyPr/>
-          <a:lstStyle/>
-          <a:p>
-            <a:pPr>
-              <a:defRPr/>
-            </a:pPr>
-            <a:r>
-              <a:rPr lang="en-US" altLang="ja-JP"/>
-              <a:t>    </a:t>
-            </a:r>
-            <a:fld id="{B2782DEB-472A-4FE5-AC34-C17109CF5A91}" type="slidenum">
-              <a:rPr lang="en-US" altLang="ja-JP" smtClean="0"/>
-              <a:pPr>
-                <a:defRPr/>
-              </a:pPr>
-              <a:t>27</a:t>
-            </a:fld>
-            <a:r>
-              <a:rPr lang="en-US" altLang="ja-JP"/>
-              <a:t> / 24</a:t>
-            </a:r>
-          </a:p>
-        </p:txBody>
-      </p:sp>
-      <p:sp>
-        <p:nvSpPr>
-          <p:cNvPr id="4" name="タイトル 3">
-            <a:extLst>
-              <a:ext uri="{FF2B5EF4-FFF2-40B4-BE49-F238E27FC236}">
-                <a16:creationId xmlns:a16="http://schemas.microsoft.com/office/drawing/2014/main" id="{5E5C9DBF-D633-4862-A7FE-474AD637DFA5}"/>
-              </a:ext>
-            </a:extLst>
-          </p:cNvPr>
-          <p:cNvSpPr>
-            <a:spLocks noGrp="1"/>
-          </p:cNvSpPr>
-          <p:nvPr>
-            <p:ph type="title"/>
-          </p:nvPr>
-        </p:nvSpPr>
-        <p:spPr/>
-        <p:txBody>
-          <a:bodyPr/>
-          <a:lstStyle/>
-          <a:p>
-            <a:r>
-              <a:rPr kumimoji="1" lang="ja-JP" altLang="en-US"/>
-              <a:t>吸収フェーズ</a:t>
-            </a:r>
-          </a:p>
-        </p:txBody>
-      </p:sp>
-      <p:pic>
-        <p:nvPicPr>
-          <p:cNvPr id="8" name="図 7">
-            <a:extLst>
-              <a:ext uri="{FF2B5EF4-FFF2-40B4-BE49-F238E27FC236}">
-                <a16:creationId xmlns:a16="http://schemas.microsoft.com/office/drawing/2014/main" id="{A7C33B89-8F2B-4833-A5BF-266D10E05FB1}"/>
-              </a:ext>
-            </a:extLst>
-          </p:cNvPr>
-          <p:cNvPicPr>
-            <a:picLocks noChangeAspect="1"/>
-          </p:cNvPicPr>
-          <p:nvPr/>
-        </p:nvPicPr>
-        <p:blipFill>
-          <a:blip r:embed="rId3">
-            <a:extLst>
-              <a:ext uri="{28A0092B-C50C-407E-A947-70E740481C1C}">
-                <a14:useLocalDpi xmlns:a14="http://schemas.microsoft.com/office/drawing/2010/main" val="0"/>
-              </a:ext>
-            </a:extLst>
-          </a:blip>
-          <a:stretch>
-            <a:fillRect/>
-          </a:stretch>
-        </p:blipFill>
-        <p:spPr>
-          <a:xfrm>
-            <a:off x="755576" y="1844823"/>
-            <a:ext cx="7776864" cy="4689419"/>
-          </a:xfrm>
-          <a:prstGeom prst="rect">
-            <a:avLst/>
-          </a:prstGeom>
-        </p:spPr>
-      </p:pic>
-    </p:spTree>
-    <p:extLst>
-      <p:ext uri="{BB962C8B-B14F-4D97-AF65-F5344CB8AC3E}">
-        <p14:creationId xmlns:p14="http://schemas.microsoft.com/office/powerpoint/2010/main" val="1896383288"/>
-      </p:ext>
-    </p:extLst>
-  </p:cSld>
-  <p:clrMapOvr>
-    <a:masterClrMapping/>
-  </p:clrMapOvr>
-</p:sld>
-</file>
-
-<file path=ppt/slides/slide28.xml><?xml version="1.0" encoding="utf-8"?>
-<p:sld xmlns:a="http://schemas.openxmlformats.org/drawingml/2006/main" xmlns:r="http://schemas.openxmlformats.org/officeDocument/2006/relationships" xmlns:p="http://schemas.openxmlformats.org/presentationml/2006/main">
-  <p:cSld>
-    <p:spTree>
-      <p:nvGrpSpPr>
-        <p:cNvPr id="1" name=""/>
-        <p:cNvGrpSpPr/>
-        <p:nvPr/>
-      </p:nvGrpSpPr>
-      <p:grpSpPr>
-        <a:xfrm>
-          <a:off x="0" y="0"/>
-          <a:ext cx="0" cy="0"/>
-          <a:chOff x="0" y="0"/>
-          <a:chExt cx="0" cy="0"/>
-        </a:xfrm>
-      </p:grpSpPr>
-      <p:sp>
-        <p:nvSpPr>
-          <p:cNvPr id="2" name="コンテンツ プレースホルダー 1">
-            <a:extLst>
-              <a:ext uri="{FF2B5EF4-FFF2-40B4-BE49-F238E27FC236}">
-                <a16:creationId xmlns:a16="http://schemas.microsoft.com/office/drawing/2014/main" id="{7D39F64F-E9D0-489E-AA21-0C2D2D57B80C}"/>
-              </a:ext>
-            </a:extLst>
-          </p:cNvPr>
-          <p:cNvSpPr>
-            <a:spLocks noGrp="1"/>
-          </p:cNvSpPr>
-          <p:nvPr>
-            <p:ph idx="1"/>
-          </p:nvPr>
-        </p:nvSpPr>
-        <p:spPr/>
-        <p:txBody>
-          <a:bodyPr/>
-          <a:lstStyle/>
-          <a:p>
-            <a:r>
-              <a:rPr kumimoji="1" lang="ja-JP" altLang="en-US"/>
-              <a:t>内部状態の先頭</a:t>
-            </a:r>
-            <a:r>
-              <a:rPr kumimoji="1" lang="en-US" altLang="ja-JP"/>
-              <a:t>256bit</a:t>
-            </a:r>
-            <a:r>
-              <a:rPr kumimoji="1" lang="ja-JP" altLang="en-US"/>
-              <a:t>を取り出すだけ</a:t>
-            </a:r>
-          </a:p>
-        </p:txBody>
-      </p:sp>
-      <p:sp>
-        <p:nvSpPr>
-          <p:cNvPr id="3" name="スライド番号プレースホルダー 2">
-            <a:extLst>
-              <a:ext uri="{FF2B5EF4-FFF2-40B4-BE49-F238E27FC236}">
-                <a16:creationId xmlns:a16="http://schemas.microsoft.com/office/drawing/2014/main" id="{6AAF98B8-D334-45B1-8724-A548A7332167}"/>
-              </a:ext>
-            </a:extLst>
-          </p:cNvPr>
-          <p:cNvSpPr>
-            <a:spLocks noGrp="1"/>
-          </p:cNvSpPr>
-          <p:nvPr>
-            <p:ph type="sldNum" sz="quarter" idx="12"/>
-          </p:nvPr>
-        </p:nvSpPr>
-        <p:spPr/>
-        <p:txBody>
-          <a:bodyPr/>
-          <a:lstStyle/>
-          <a:p>
-            <a:pPr>
-              <a:defRPr/>
-            </a:pPr>
-            <a:r>
-              <a:rPr lang="en-US" altLang="ja-JP"/>
-              <a:t>    </a:t>
-            </a:r>
-            <a:fld id="{B2782DEB-472A-4FE5-AC34-C17109CF5A91}" type="slidenum">
-              <a:rPr lang="en-US" altLang="ja-JP" smtClean="0"/>
-              <a:pPr>
-                <a:defRPr/>
-              </a:pPr>
-              <a:t>28</a:t>
-            </a:fld>
-            <a:r>
-              <a:rPr lang="en-US" altLang="ja-JP"/>
-              <a:t> / 24</a:t>
-            </a:r>
-          </a:p>
-        </p:txBody>
-      </p:sp>
-      <p:sp>
-        <p:nvSpPr>
-          <p:cNvPr id="4" name="タイトル 3">
-            <a:extLst>
-              <a:ext uri="{FF2B5EF4-FFF2-40B4-BE49-F238E27FC236}">
-                <a16:creationId xmlns:a16="http://schemas.microsoft.com/office/drawing/2014/main" id="{22396E44-4CB1-4877-BF8D-F3361E4ABBAA}"/>
-              </a:ext>
-            </a:extLst>
-          </p:cNvPr>
-          <p:cNvSpPr>
-            <a:spLocks noGrp="1"/>
-          </p:cNvSpPr>
-          <p:nvPr>
-            <p:ph type="title"/>
-          </p:nvPr>
-        </p:nvSpPr>
-        <p:spPr/>
-        <p:txBody>
-          <a:bodyPr/>
-          <a:lstStyle/>
-          <a:p>
-            <a:r>
-              <a:rPr kumimoji="1" lang="ja-JP" altLang="en-US"/>
-              <a:t>搾取フェーズ</a:t>
-            </a:r>
-          </a:p>
-        </p:txBody>
-      </p:sp>
-      <p:pic>
-        <p:nvPicPr>
-          <p:cNvPr id="6" name="図 5">
-            <a:extLst>
-              <a:ext uri="{FF2B5EF4-FFF2-40B4-BE49-F238E27FC236}">
-                <a16:creationId xmlns:a16="http://schemas.microsoft.com/office/drawing/2014/main" id="{B21C796D-B464-475D-9F79-4FE08607B40C}"/>
-              </a:ext>
-            </a:extLst>
-          </p:cNvPr>
-          <p:cNvPicPr>
-            <a:picLocks noChangeAspect="1"/>
-          </p:cNvPicPr>
-          <p:nvPr/>
-        </p:nvPicPr>
-        <p:blipFill>
-          <a:blip r:embed="rId2">
-            <a:extLst>
-              <a:ext uri="{28A0092B-C50C-407E-A947-70E740481C1C}">
-                <a14:useLocalDpi xmlns:a14="http://schemas.microsoft.com/office/drawing/2010/main" val="0"/>
-              </a:ext>
-            </a:extLst>
-          </a:blip>
-          <a:stretch>
-            <a:fillRect/>
-          </a:stretch>
-        </p:blipFill>
-        <p:spPr>
-          <a:xfrm>
-            <a:off x="2267744" y="1484784"/>
-            <a:ext cx="4464496" cy="3169793"/>
-          </a:xfrm>
-          <a:prstGeom prst="rect">
-            <a:avLst/>
-          </a:prstGeom>
-        </p:spPr>
-      </p:pic>
-    </p:spTree>
-    <p:extLst>
-      <p:ext uri="{BB962C8B-B14F-4D97-AF65-F5344CB8AC3E}">
-        <p14:creationId xmlns:p14="http://schemas.microsoft.com/office/powerpoint/2010/main" val="1260160620"/>
-      </p:ext>
-    </p:extLst>
-  </p:cSld>
-  <p:clrMapOvr>
-    <a:masterClrMapping/>
-  </p:clrMapOvr>
-</p:sld>
-</file>
-
-<file path=ppt/slides/slide29.xml><?xml version="1.0" encoding="utf-8"?>
-<p:sld xmlns:a="http://schemas.openxmlformats.org/drawingml/2006/main" xmlns:r="http://schemas.openxmlformats.org/officeDocument/2006/relationships" xmlns:p="http://schemas.openxmlformats.org/presentationml/2006/main">
-  <p:cSld>
-    <p:spTree>
-      <p:nvGrpSpPr>
-        <p:cNvPr id="1" name=""/>
-        <p:cNvGrpSpPr/>
-        <p:nvPr/>
-      </p:nvGrpSpPr>
-      <p:grpSpPr>
-        <a:xfrm>
-          <a:off x="0" y="0"/>
-          <a:ext cx="0" cy="0"/>
-          <a:chOff x="0" y="0"/>
-          <a:chExt cx="0" cy="0"/>
-        </a:xfrm>
-      </p:grpSpPr>
-      <p:sp>
-        <p:nvSpPr>
-          <p:cNvPr id="2" name="コンテンツ プレースホルダー 1">
-            <a:extLst>
-              <a:ext uri="{FF2B5EF4-FFF2-40B4-BE49-F238E27FC236}">
-                <a16:creationId xmlns:a16="http://schemas.microsoft.com/office/drawing/2014/main" id="{9CA3394C-C3A5-47CC-B6B5-484F28F224CA}"/>
-              </a:ext>
-            </a:extLst>
-          </p:cNvPr>
-          <p:cNvSpPr>
-            <a:spLocks noGrp="1"/>
-          </p:cNvSpPr>
-          <p:nvPr>
-            <p:ph idx="1"/>
-          </p:nvPr>
-        </p:nvSpPr>
-        <p:spPr/>
-        <p:txBody>
-          <a:bodyPr/>
-          <a:lstStyle/>
-          <a:p>
-            <a:r>
-              <a:rPr kumimoji="1" lang="ja-JP" altLang="en-US"/>
-              <a:t>理想のハッシュ関数はハッシュ値のサイズで決まる</a:t>
-            </a:r>
-            <a:endParaRPr kumimoji="1" lang="en-US" altLang="ja-JP"/>
-          </a:p>
-          <a:p>
-            <a:pPr lvl="1"/>
-            <a:r>
-              <a:rPr lang="en-US" altLang="ja-JP"/>
-              <a:t>256bit</a:t>
-            </a:r>
-            <a:r>
-              <a:rPr lang="ja-JP" altLang="en-US"/>
-              <a:t>なら衝突困難性に関して</a:t>
-            </a:r>
-            <a:r>
-              <a:rPr lang="en-US" altLang="ja-JP"/>
-              <a:t>128bit</a:t>
-            </a:r>
-            <a:r>
-              <a:rPr lang="ja-JP" altLang="en-US"/>
-              <a:t>セキュリティ</a:t>
-            </a:r>
-            <a:endParaRPr lang="en-US" altLang="ja-JP"/>
-          </a:p>
-          <a:p>
-            <a:pPr lvl="1"/>
-            <a:r>
-              <a:rPr kumimoji="1" lang="en-US" altLang="ja-JP"/>
-              <a:t>SHA-256</a:t>
-            </a:r>
-            <a:r>
-              <a:rPr kumimoji="1" lang="ja-JP" altLang="en-US"/>
-              <a:t>も</a:t>
-            </a:r>
-            <a:r>
-              <a:rPr kumimoji="1" lang="en-US" altLang="ja-JP"/>
-              <a:t>SHA-3-256</a:t>
-            </a:r>
-            <a:r>
-              <a:rPr kumimoji="1" lang="ja-JP" altLang="en-US"/>
-              <a:t>もほぼ同じ安全性</a:t>
-            </a:r>
-            <a:endParaRPr kumimoji="1" lang="en-US" altLang="ja-JP"/>
-          </a:p>
-          <a:p>
-            <a:pPr lvl="2"/>
-            <a:r>
-              <a:rPr lang="en-US" altLang="ja-JP"/>
-              <a:t>SHA-256</a:t>
-            </a:r>
-            <a:r>
-              <a:rPr lang="ja-JP" altLang="en-US"/>
-              <a:t>の方が速い</a:t>
-            </a:r>
-            <a:endParaRPr kumimoji="1" lang="ja-JP" altLang="en-US"/>
-          </a:p>
-        </p:txBody>
-      </p:sp>
-      <p:sp>
-        <p:nvSpPr>
-          <p:cNvPr id="3" name="スライド番号プレースホルダー 2">
-            <a:extLst>
-              <a:ext uri="{FF2B5EF4-FFF2-40B4-BE49-F238E27FC236}">
-                <a16:creationId xmlns:a16="http://schemas.microsoft.com/office/drawing/2014/main" id="{34042D94-DF33-4C66-B209-654B85462CA9}"/>
-              </a:ext>
-            </a:extLst>
-          </p:cNvPr>
-          <p:cNvSpPr>
-            <a:spLocks noGrp="1"/>
-          </p:cNvSpPr>
-          <p:nvPr>
-            <p:ph type="sldNum" sz="quarter" idx="12"/>
-          </p:nvPr>
-        </p:nvSpPr>
-        <p:spPr/>
-        <p:txBody>
-          <a:bodyPr/>
-          <a:lstStyle/>
-          <a:p>
-            <a:pPr>
-              <a:defRPr/>
-            </a:pPr>
-            <a:r>
-              <a:rPr lang="en-US" altLang="ja-JP"/>
-              <a:t>    </a:t>
-            </a:r>
-            <a:fld id="{B2782DEB-472A-4FE5-AC34-C17109CF5A91}" type="slidenum">
-              <a:rPr lang="en-US" altLang="ja-JP" smtClean="0"/>
-              <a:pPr>
-                <a:defRPr/>
-              </a:pPr>
-              <a:t>29</a:t>
-            </a:fld>
-            <a:r>
-              <a:rPr lang="en-US" altLang="ja-JP"/>
-              <a:t> / 24</a:t>
-            </a:r>
-          </a:p>
-        </p:txBody>
-      </p:sp>
-      <p:sp>
-        <p:nvSpPr>
-          <p:cNvPr id="4" name="タイトル 3">
-            <a:extLst>
-              <a:ext uri="{FF2B5EF4-FFF2-40B4-BE49-F238E27FC236}">
-                <a16:creationId xmlns:a16="http://schemas.microsoft.com/office/drawing/2014/main" id="{E944D6C3-8D82-4D2E-BE93-AE05BCFEBE70}"/>
-              </a:ext>
-            </a:extLst>
-          </p:cNvPr>
-          <p:cNvSpPr>
-            <a:spLocks noGrp="1"/>
-          </p:cNvSpPr>
-          <p:nvPr>
-            <p:ph type="title"/>
-          </p:nvPr>
-        </p:nvSpPr>
-        <p:spPr/>
-        <p:txBody>
-          <a:bodyPr/>
-          <a:lstStyle/>
-          <a:p>
-            <a:r>
-              <a:rPr kumimoji="1" lang="ja-JP" altLang="en-US"/>
-              <a:t>安全性</a:t>
+              <a:t> / 22</a:t>
             </a:r>
           </a:p>
         </p:txBody>
@@ -10539,7 +8587,7 @@
     </p:spTree>
     <p:extLst>
       <p:ext uri="{BB962C8B-B14F-4D97-AF65-F5344CB8AC3E}">
-        <p14:creationId xmlns:p14="http://schemas.microsoft.com/office/powerpoint/2010/main" val="3629177793"/>
+        <p14:creationId xmlns:p14="http://schemas.microsoft.com/office/powerpoint/2010/main" val="1180961550"/>
       </p:ext>
     </p:extLst>
   </p:cSld>
@@ -11189,48 +9237,6 @@
       </mc:AlternateContent>
       <p:sp>
         <p:nvSpPr>
-          <p:cNvPr id="3" name="スライド番号プレースホルダー 2">
-            <a:extLst>
-              <a:ext uri="{FF2B5EF4-FFF2-40B4-BE49-F238E27FC236}">
-                <a16:creationId xmlns:a16="http://schemas.microsoft.com/office/drawing/2014/main" id="{827D37DF-0E2F-4FFC-BEC1-2CB5EABEFB69}"/>
-              </a:ext>
-            </a:extLst>
-          </p:cNvPr>
-          <p:cNvSpPr>
-            <a:spLocks noGrp="1"/>
-          </p:cNvSpPr>
-          <p:nvPr>
-            <p:ph type="sldNum" sz="quarter" idx="12"/>
-          </p:nvPr>
-        </p:nvSpPr>
-        <p:spPr/>
-        <p:txBody>
-          <a:bodyPr/>
-          <a:lstStyle/>
-          <a:p>
-            <a:pPr>
-              <a:defRPr/>
-            </a:pPr>
-            <a:r>
-              <a:rPr lang="en-US" altLang="ja-JP"/>
-              <a:t>    </a:t>
-            </a:r>
-            <a:fld id="{B2782DEB-472A-4FE5-AC34-C17109CF5A91}" type="slidenum">
-              <a:rPr lang="en-US" altLang="ja-JP" smtClean="0"/>
-              <a:pPr>
-                <a:defRPr/>
-              </a:pPr>
-              <a:t>3</a:t>
-            </a:fld>
-            <a:r>
-              <a:rPr lang="en-US" altLang="ja-JP"/>
-              <a:t> / 24</a:t>
-            </a:r>
-          </a:p>
-        </p:txBody>
-      </p:sp>
-      <p:sp>
-        <p:nvSpPr>
           <p:cNvPr id="4" name="タイトル 3">
             <a:extLst>
               <a:ext uri="{FF2B5EF4-FFF2-40B4-BE49-F238E27FC236}">
@@ -11261,282 +9267,12 @@
           </a:p>
         </p:txBody>
       </p:sp>
-    </p:spTree>
-    <p:extLst>
-      <p:ext uri="{BB962C8B-B14F-4D97-AF65-F5344CB8AC3E}">
-        <p14:creationId xmlns:p14="http://schemas.microsoft.com/office/powerpoint/2010/main" val="3063434139"/>
-      </p:ext>
-    </p:extLst>
-  </p:cSld>
-  <p:clrMapOvr>
-    <a:masterClrMapping/>
-  </p:clrMapOvr>
-</p:sld>
-</file>
-
-<file path=ppt/slides/slide30.xml><?xml version="1.0" encoding="utf-8"?>
-<p:sld xmlns:a="http://schemas.openxmlformats.org/drawingml/2006/main" xmlns:r="http://schemas.openxmlformats.org/officeDocument/2006/relationships" xmlns:p="http://schemas.openxmlformats.org/presentationml/2006/main">
-  <p:cSld>
-    <p:spTree>
-      <p:nvGrpSpPr>
-        <p:cNvPr id="1" name=""/>
-        <p:cNvGrpSpPr/>
-        <p:nvPr/>
-      </p:nvGrpSpPr>
-      <p:grpSpPr>
-        <a:xfrm>
-          <a:off x="0" y="0"/>
-          <a:ext cx="0" cy="0"/>
-          <a:chOff x="0" y="0"/>
-          <a:chExt cx="0" cy="0"/>
-        </a:xfrm>
-      </p:grpSpPr>
       <p:sp>
         <p:nvSpPr>
-          <p:cNvPr id="2" name="コンテンツ プレースホルダー 1">
+          <p:cNvPr id="5" name="スライド番号プレースホルダー 4">
             <a:extLst>
               <a:ext uri="{FF2B5EF4-FFF2-40B4-BE49-F238E27FC236}">
-                <a16:creationId xmlns:a16="http://schemas.microsoft.com/office/drawing/2014/main" id="{8CAB3B66-5503-4F32-94FA-3BF5F811C496}"/>
-              </a:ext>
-            </a:extLst>
-          </p:cNvPr>
-          <p:cNvSpPr>
-            <a:spLocks noGrp="1"/>
-          </p:cNvSpPr>
-          <p:nvPr>
-            <p:ph idx="1"/>
-          </p:nvPr>
-        </p:nvSpPr>
-        <p:spPr/>
-        <p:txBody>
-          <a:bodyPr/>
-          <a:lstStyle/>
-          <a:p>
-            <a:r>
-              <a:rPr kumimoji="1" lang="en-US" altLang="ja-JP"/>
-              <a:t>SHA-1</a:t>
-            </a:r>
-            <a:r>
-              <a:rPr kumimoji="1" lang="ja-JP" altLang="en-US"/>
-              <a:t>のハッシュ値は</a:t>
-            </a:r>
-            <a:r>
-              <a:rPr kumimoji="1" lang="en-US" altLang="ja-JP"/>
-              <a:t>160bit</a:t>
-            </a:r>
-          </a:p>
-          <a:p>
-            <a:pPr lvl="1"/>
-            <a:r>
-              <a:rPr kumimoji="1" lang="en-US" altLang="ja-JP"/>
-              <a:t>80bit</a:t>
-            </a:r>
-            <a:r>
-              <a:rPr kumimoji="1" lang="ja-JP" altLang="en-US"/>
-              <a:t>セキュリティ </a:t>
-            </a:r>
-            <a:r>
-              <a:rPr kumimoji="1" lang="en-US" altLang="ja-JP"/>
-              <a:t>/ </a:t>
-            </a:r>
-            <a:r>
-              <a:rPr lang="en-US" altLang="ja-JP"/>
-              <a:t>2005</a:t>
-            </a:r>
-            <a:r>
-              <a:rPr lang="ja-JP" altLang="en-US"/>
-              <a:t>年の攻撃方法で</a:t>
-            </a:r>
-            <a:r>
-              <a:rPr lang="en-US" altLang="ja-JP"/>
-              <a:t>63bit</a:t>
-            </a:r>
-            <a:r>
-              <a:rPr lang="ja-JP" altLang="en-US"/>
-              <a:t>まで低下</a:t>
-            </a:r>
-            <a:endParaRPr kumimoji="1" lang="en-US" altLang="ja-JP"/>
-          </a:p>
-          <a:p>
-            <a:r>
-              <a:rPr kumimoji="1" lang="en-US" altLang="ja-JP"/>
-              <a:t>2017</a:t>
-            </a:r>
-            <a:r>
-              <a:rPr kumimoji="1" lang="ja-JP" altLang="en-US"/>
-              <a:t>年</a:t>
-            </a:r>
-            <a:r>
-              <a:rPr kumimoji="1" lang="en-US" altLang="ja-JP"/>
-              <a:t>CWI</a:t>
-            </a:r>
-            <a:r>
-              <a:rPr kumimoji="1" lang="ja-JP" altLang="en-US"/>
-              <a:t>と</a:t>
-            </a:r>
-            <a:r>
-              <a:rPr kumimoji="1" lang="en-US" altLang="ja-JP"/>
-              <a:t>Google</a:t>
-            </a:r>
-            <a:r>
-              <a:rPr kumimoji="1" lang="ja-JP" altLang="en-US"/>
-              <a:t>のチーム</a:t>
-            </a:r>
-            <a:endParaRPr kumimoji="1" lang="en-US" altLang="ja-JP"/>
-          </a:p>
-          <a:p>
-            <a:pPr lvl="1"/>
-            <a:r>
-              <a:rPr lang="ja-JP" altLang="en-US"/>
-              <a:t>中身が異なるのに</a:t>
-            </a:r>
-            <a:r>
-              <a:rPr lang="en-US" altLang="ja-JP"/>
-              <a:t>SHA-1</a:t>
-            </a:r>
-            <a:r>
-              <a:rPr lang="ja-JP" altLang="en-US"/>
-              <a:t>の値が同じ</a:t>
-            </a:r>
-            <a:r>
-              <a:rPr lang="en-US" altLang="ja-JP"/>
-              <a:t>2</a:t>
-            </a:r>
-            <a:r>
-              <a:rPr lang="ja-JP" altLang="en-US"/>
-              <a:t>個の</a:t>
-            </a:r>
-            <a:r>
-              <a:rPr lang="en-US" altLang="ja-JP"/>
-              <a:t>PDF</a:t>
-            </a:r>
-            <a:r>
-              <a:rPr lang="ja-JP" altLang="en-US"/>
-              <a:t>を作成</a:t>
-            </a:r>
-            <a:endParaRPr lang="en-US" altLang="ja-JP"/>
-          </a:p>
-          <a:p>
-            <a:pPr lvl="1"/>
-            <a:r>
-              <a:rPr kumimoji="1" lang="en-US" altLang="ja-JP"/>
-              <a:t>6500</a:t>
-            </a:r>
-            <a:r>
-              <a:rPr kumimoji="1" lang="ja-JP" altLang="en-US"/>
-              <a:t>年分の</a:t>
-            </a:r>
-            <a:r>
-              <a:rPr kumimoji="1" lang="en-US" altLang="ja-JP"/>
-              <a:t>CPU</a:t>
-            </a:r>
-            <a:r>
-              <a:rPr kumimoji="1" lang="ja-JP" altLang="en-US"/>
-              <a:t>と</a:t>
-            </a:r>
-            <a:r>
-              <a:rPr kumimoji="1" lang="en-US" altLang="ja-JP"/>
-              <a:t>110</a:t>
-            </a:r>
-            <a:r>
-              <a:rPr kumimoji="1" lang="ja-JP" altLang="en-US"/>
-              <a:t>年分の</a:t>
-            </a:r>
-            <a:r>
-              <a:rPr kumimoji="1" lang="en-US" altLang="ja-JP"/>
-              <a:t>GPU</a:t>
-            </a:r>
-          </a:p>
-          <a:p>
-            <a:endParaRPr lang="en-US" altLang="ja-JP"/>
-          </a:p>
-          <a:p>
-            <a:endParaRPr lang="en-US" altLang="ja-JP"/>
-          </a:p>
-          <a:p>
-            <a:endParaRPr lang="en-US" altLang="ja-JP"/>
-          </a:p>
-          <a:p>
-            <a:endParaRPr lang="en-US" altLang="ja-JP"/>
-          </a:p>
-          <a:p>
-            <a:r>
-              <a:rPr lang="en-US" altLang="ja-JP"/>
-              <a:t>2020</a:t>
-            </a:r>
-            <a:r>
-              <a:rPr lang="ja-JP" altLang="en-US"/>
-              <a:t>年</a:t>
-            </a:r>
-            <a:r>
-              <a:rPr lang="en-US" altLang="ja-JP"/>
-              <a:t>Gaëtan</a:t>
-            </a:r>
-            <a:r>
-              <a:rPr lang="ja-JP" altLang="en-US"/>
-              <a:t>と</a:t>
-            </a:r>
-            <a:r>
-              <a:rPr lang="en-US" altLang="ja-JP"/>
-              <a:t>Thomas</a:t>
-            </a:r>
-          </a:p>
-          <a:p>
-            <a:pPr lvl="1"/>
-            <a:r>
-              <a:rPr kumimoji="1" lang="en-US" altLang="ja-JP"/>
-              <a:t>900</a:t>
-            </a:r>
-            <a:r>
-              <a:rPr kumimoji="1" lang="ja-JP" altLang="en-US"/>
-              <a:t>個の</a:t>
-            </a:r>
-            <a:r>
-              <a:rPr kumimoji="1" lang="en-US" altLang="ja-JP"/>
-              <a:t>NVIDIA GeForce GTX 1060</a:t>
-            </a:r>
-            <a:r>
-              <a:rPr kumimoji="1" lang="ja-JP" altLang="en-US"/>
-              <a:t>で</a:t>
-            </a:r>
-            <a:r>
-              <a:rPr kumimoji="1" lang="en-US" altLang="ja-JP"/>
-              <a:t>2</a:t>
-            </a:r>
-            <a:r>
-              <a:rPr kumimoji="1" lang="ja-JP" altLang="en-US"/>
-              <a:t>カ月 </a:t>
-            </a:r>
-            <a:r>
-              <a:rPr kumimoji="1" lang="en-US" altLang="ja-JP"/>
-              <a:t>; 4</a:t>
-            </a:r>
-            <a:r>
-              <a:rPr kumimoji="1" lang="ja-JP" altLang="en-US"/>
-              <a:t>万</a:t>
-            </a:r>
-            <a:r>
-              <a:rPr kumimoji="1" lang="en-US" altLang="ja-JP"/>
-              <a:t>5</a:t>
-            </a:r>
-            <a:r>
-              <a:rPr kumimoji="1" lang="ja-JP" altLang="en-US"/>
-              <a:t>千ドル</a:t>
-            </a:r>
-            <a:endParaRPr kumimoji="1" lang="en-US" altLang="ja-JP"/>
-          </a:p>
-          <a:p>
-            <a:pPr lvl="1"/>
-            <a:endParaRPr kumimoji="1" lang="ja-JP" altLang="en-US"/>
-          </a:p>
-        </p:txBody>
-      </p:sp>
-      <p:sp>
-        <p:nvSpPr>
-          <p:cNvPr id="3" name="スライド番号プレースホルダー 2">
-            <a:extLst>
-              <a:ext uri="{FF2B5EF4-FFF2-40B4-BE49-F238E27FC236}">
-                <a16:creationId xmlns:a16="http://schemas.microsoft.com/office/drawing/2014/main" id="{92B0D3AA-9D2A-4CD3-AB70-4A464B0F4CBF}"/>
+                <a16:creationId xmlns:a16="http://schemas.microsoft.com/office/drawing/2014/main" id="{7FF8C0FC-F0F1-47BA-A472-7CB311A45CA4}"/>
               </a:ext>
             </a:extLst>
           </p:cNvPr>
@@ -11564,2930 +9300,19 @@
               <a:pPr>
                 <a:defRPr/>
               </a:pPr>
-              <a:t>30</a:t>
+              <a:t>3</a:t>
             </a:fld>
             <a:r>
               <a:rPr lang="en-US" altLang="ja-JP"/>
-              <a:t> / 24</a:t>
-            </a:r>
-          </a:p>
-        </p:txBody>
-      </p:sp>
-      <p:sp>
-        <p:nvSpPr>
-          <p:cNvPr id="4" name="タイトル 3">
-            <a:extLst>
-              <a:ext uri="{FF2B5EF4-FFF2-40B4-BE49-F238E27FC236}">
-                <a16:creationId xmlns:a16="http://schemas.microsoft.com/office/drawing/2014/main" id="{3302CC22-5989-44FD-AB90-E468E3CC74D0}"/>
-              </a:ext>
-            </a:extLst>
-          </p:cNvPr>
-          <p:cNvSpPr>
-            <a:spLocks noGrp="1"/>
-          </p:cNvSpPr>
-          <p:nvPr>
-            <p:ph type="title"/>
-          </p:nvPr>
-        </p:nvSpPr>
-        <p:spPr/>
-        <p:txBody>
-          <a:bodyPr/>
-          <a:lstStyle/>
-          <a:p>
-            <a:r>
-              <a:rPr kumimoji="1" lang="en-US" altLang="ja-JP"/>
-              <a:t>SHA-1</a:t>
-            </a:r>
-            <a:r>
-              <a:rPr kumimoji="1" lang="ja-JP" altLang="en-US"/>
-              <a:t>の攻撃</a:t>
-            </a:r>
-            <a:r>
-              <a:rPr kumimoji="1" lang="en-US" altLang="ja-JP"/>
-              <a:t>(</a:t>
-            </a:r>
-            <a:r>
-              <a:rPr kumimoji="1" lang="ja-JP" altLang="en-US"/>
-              <a:t>衝突させた</a:t>
-            </a:r>
-            <a:r>
-              <a:rPr kumimoji="1" lang="en-US" altLang="ja-JP"/>
-              <a:t>)</a:t>
-            </a:r>
-            <a:endParaRPr kumimoji="1" lang="ja-JP" altLang="en-US"/>
-          </a:p>
-        </p:txBody>
-      </p:sp>
-      <p:pic>
-        <p:nvPicPr>
-          <p:cNvPr id="6" name="図 5">
-            <a:extLst>
-              <a:ext uri="{FF2B5EF4-FFF2-40B4-BE49-F238E27FC236}">
-                <a16:creationId xmlns:a16="http://schemas.microsoft.com/office/drawing/2014/main" id="{C6A43436-C9D4-4BAB-B661-217C49597ABB}"/>
-              </a:ext>
-            </a:extLst>
-          </p:cNvPr>
-          <p:cNvPicPr>
-            <a:picLocks noChangeAspect="1"/>
-          </p:cNvPicPr>
-          <p:nvPr/>
-        </p:nvPicPr>
-        <p:blipFill>
-          <a:blip r:embed="rId2">
-            <a:extLst>
-              <a:ext uri="{28A0092B-C50C-407E-A947-70E740481C1C}">
-                <a14:useLocalDpi xmlns:a14="http://schemas.microsoft.com/office/drawing/2010/main" val="0"/>
-              </a:ext>
-            </a:extLst>
-          </a:blip>
-          <a:stretch>
-            <a:fillRect/>
-          </a:stretch>
-        </p:blipFill>
-        <p:spPr>
-          <a:xfrm>
-            <a:off x="1763688" y="3140968"/>
-            <a:ext cx="4248472" cy="2323810"/>
-          </a:xfrm>
-          <a:prstGeom prst="rect">
-            <a:avLst/>
-          </a:prstGeom>
-        </p:spPr>
-      </p:pic>
-    </p:spTree>
-    <p:extLst>
-      <p:ext uri="{BB962C8B-B14F-4D97-AF65-F5344CB8AC3E}">
-        <p14:creationId xmlns:p14="http://schemas.microsoft.com/office/powerpoint/2010/main" val="4108625531"/>
-      </p:ext>
-    </p:extLst>
-  </p:cSld>
-  <p:clrMapOvr>
-    <a:masterClrMapping/>
-  </p:clrMapOvr>
-</p:sld>
-</file>
-
-<file path=ppt/slides/slide31.xml><?xml version="1.0" encoding="utf-8"?>
-<p:sld xmlns:a="http://schemas.openxmlformats.org/drawingml/2006/main" xmlns:r="http://schemas.openxmlformats.org/officeDocument/2006/relationships" xmlns:p="http://schemas.openxmlformats.org/presentationml/2006/main">
-  <p:cSld>
-    <p:spTree>
-      <p:nvGrpSpPr>
-        <p:cNvPr id="1" name=""/>
-        <p:cNvGrpSpPr/>
-        <p:nvPr/>
-      </p:nvGrpSpPr>
-      <p:grpSpPr>
-        <a:xfrm>
-          <a:off x="0" y="0"/>
-          <a:ext cx="0" cy="0"/>
-          <a:chOff x="0" y="0"/>
-          <a:chExt cx="0" cy="0"/>
-        </a:xfrm>
-      </p:grpSpPr>
-      <p:pic>
-        <p:nvPicPr>
-          <p:cNvPr id="6" name="図 5">
-            <a:extLst>
-              <a:ext uri="{FF2B5EF4-FFF2-40B4-BE49-F238E27FC236}">
-                <a16:creationId xmlns:a16="http://schemas.microsoft.com/office/drawing/2014/main" id="{9A9510CD-B09D-4C27-B64A-C24AC9FDCCC2}"/>
-              </a:ext>
-            </a:extLst>
-          </p:cNvPr>
-          <p:cNvPicPr>
-            <a:picLocks noChangeAspect="1"/>
-          </p:cNvPicPr>
-          <p:nvPr/>
-        </p:nvPicPr>
-        <p:blipFill>
-          <a:blip r:embed="rId2">
-            <a:extLst>
-              <a:ext uri="{28A0092B-C50C-407E-A947-70E740481C1C}">
-                <a14:useLocalDpi xmlns:a14="http://schemas.microsoft.com/office/drawing/2010/main" val="0"/>
-              </a:ext>
-            </a:extLst>
-          </a:blip>
-          <a:stretch>
-            <a:fillRect/>
-          </a:stretch>
-        </p:blipFill>
-        <p:spPr>
-          <a:xfrm>
-            <a:off x="503548" y="3284984"/>
-            <a:ext cx="8136904" cy="2359702"/>
-          </a:xfrm>
-          <a:prstGeom prst="rect">
-            <a:avLst/>
-          </a:prstGeom>
-        </p:spPr>
-      </p:pic>
-      <mc:AlternateContent xmlns:mc="http://schemas.openxmlformats.org/markup-compatibility/2006">
-        <mc:Choice xmlns:a14="http://schemas.microsoft.com/office/drawing/2010/main" Requires="a14">
-          <p:sp>
-            <p:nvSpPr>
-              <p:cNvPr id="2" name="コンテンツ プレースホルダー 1">
-                <a:extLst>
-                  <a:ext uri="{FF2B5EF4-FFF2-40B4-BE49-F238E27FC236}">
-                    <a16:creationId xmlns:a16="http://schemas.microsoft.com/office/drawing/2014/main" id="{3AABD75A-6888-4AAF-8444-E613829A7E18}"/>
-                  </a:ext>
-                </a:extLst>
-              </p:cNvPr>
-              <p:cNvSpPr>
-                <a:spLocks noGrp="1"/>
-              </p:cNvSpPr>
-              <p:nvPr>
-                <p:ph idx="1"/>
-              </p:nvPr>
-            </p:nvSpPr>
-            <p:spPr/>
-            <p:txBody>
-              <a:bodyPr/>
-              <a:lstStyle/>
-              <a:p>
-                <a:r>
-                  <a:rPr kumimoji="1" lang="ja-JP" altLang="en-US"/>
-                  <a:t>衝突困難性を破る</a:t>
-                </a:r>
-                <a:endParaRPr kumimoji="1" lang="en-US" altLang="ja-JP"/>
-              </a:p>
-              <a:p>
-                <a:pPr lvl="1"/>
-                <a:r>
-                  <a:rPr kumimoji="1" lang="ja-JP" altLang="en-US"/>
-                  <a:t>何でもよいから</a:t>
-                </a:r>
-                <a14:m>
-                  <m:oMath xmlns:m="http://schemas.openxmlformats.org/officeDocument/2006/math">
-                    <m:r>
-                      <a:rPr kumimoji="1" lang="en-US" altLang="ja-JP" b="0" i="1" smtClean="0">
-                        <a:latin typeface="Cambria Math" panose="02040503050406030204" pitchFamily="18" charset="0"/>
-                      </a:rPr>
-                      <m:t>h</m:t>
-                    </m:r>
-                    <m:d>
-                      <m:dPr>
-                        <m:ctrlPr>
-                          <a:rPr kumimoji="1" lang="en-US" altLang="ja-JP" b="0" i="1" smtClean="0">
-                            <a:latin typeface="Cambria Math" panose="02040503050406030204" pitchFamily="18" charset="0"/>
-                          </a:rPr>
-                        </m:ctrlPr>
-                      </m:dPr>
-                      <m:e>
-                        <m:r>
-                          <a:rPr kumimoji="1" lang="en-US" altLang="ja-JP" b="0" i="1" smtClean="0">
-                            <a:latin typeface="Cambria Math" panose="02040503050406030204" pitchFamily="18" charset="0"/>
-                          </a:rPr>
-                          <m:t>𝑋</m:t>
-                        </m:r>
-                      </m:e>
-                    </m:d>
-                    <m:r>
-                      <a:rPr kumimoji="1" lang="en-US" altLang="ja-JP" b="0" i="1" smtClean="0">
-                        <a:latin typeface="Cambria Math" panose="02040503050406030204" pitchFamily="18" charset="0"/>
-                      </a:rPr>
-                      <m:t>=</m:t>
-                    </m:r>
-                    <m:r>
-                      <a:rPr kumimoji="1" lang="en-US" altLang="ja-JP" b="0" i="1" smtClean="0">
-                        <a:latin typeface="Cambria Math" panose="02040503050406030204" pitchFamily="18" charset="0"/>
-                      </a:rPr>
-                      <m:t>h</m:t>
-                    </m:r>
-                    <m:r>
-                      <a:rPr kumimoji="1" lang="en-US" altLang="ja-JP" b="0" i="1" smtClean="0">
-                        <a:latin typeface="Cambria Math" panose="02040503050406030204" pitchFamily="18" charset="0"/>
-                      </a:rPr>
-                      <m:t>(</m:t>
-                    </m:r>
-                    <m:sSup>
-                      <m:sSupPr>
-                        <m:ctrlPr>
-                          <a:rPr kumimoji="1" lang="en-US" altLang="ja-JP" b="0" i="1" smtClean="0">
-                            <a:latin typeface="Cambria Math" panose="02040503050406030204" pitchFamily="18" charset="0"/>
-                          </a:rPr>
-                        </m:ctrlPr>
-                      </m:sSupPr>
-                      <m:e>
-                        <m:r>
-                          <a:rPr kumimoji="1" lang="en-US" altLang="ja-JP" b="0" i="1" smtClean="0">
-                            <a:latin typeface="Cambria Math" panose="02040503050406030204" pitchFamily="18" charset="0"/>
-                          </a:rPr>
-                          <m:t>𝑋</m:t>
-                        </m:r>
-                      </m:e>
-                      <m:sup>
-                        <m:r>
-                          <a:rPr kumimoji="1" lang="en-US" altLang="ja-JP" b="0" i="1" smtClean="0">
-                            <a:latin typeface="Cambria Math" panose="02040503050406030204" pitchFamily="18" charset="0"/>
-                          </a:rPr>
-                          <m:t>′</m:t>
-                        </m:r>
-                      </m:sup>
-                    </m:sSup>
-                    <m:r>
-                      <a:rPr kumimoji="1" lang="en-US" altLang="ja-JP" b="0" i="1" smtClean="0">
-                        <a:latin typeface="Cambria Math" panose="02040503050406030204" pitchFamily="18" charset="0"/>
-                      </a:rPr>
-                      <m:t>)</m:t>
-                    </m:r>
-                  </m:oMath>
-                </a14:m>
-                <a:r>
-                  <a:rPr kumimoji="1" lang="ja-JP" altLang="en-US"/>
-                  <a:t>となる異なる</a:t>
-                </a:r>
-                <a14:m>
-                  <m:oMath xmlns:m="http://schemas.openxmlformats.org/officeDocument/2006/math">
-                    <m:r>
-                      <a:rPr kumimoji="1" lang="en-US" altLang="ja-JP" b="0" i="1" smtClean="0">
-                        <a:latin typeface="Cambria Math" panose="02040503050406030204" pitchFamily="18" charset="0"/>
-                      </a:rPr>
-                      <m:t>𝑋</m:t>
-                    </m:r>
-                    <m:r>
-                      <a:rPr kumimoji="1" lang="en-US" altLang="ja-JP" b="0" i="1" smtClean="0">
-                        <a:latin typeface="Cambria Math" panose="02040503050406030204" pitchFamily="18" charset="0"/>
-                      </a:rPr>
-                      <m:t>, </m:t>
-                    </m:r>
-                    <m:r>
-                      <a:rPr kumimoji="1" lang="en-US" altLang="ja-JP" b="0" i="1" smtClean="0">
-                        <a:latin typeface="Cambria Math" panose="02040503050406030204" pitchFamily="18" charset="0"/>
-                      </a:rPr>
-                      <m:t>𝑋</m:t>
-                    </m:r>
-                    <m:r>
-                      <a:rPr kumimoji="1" lang="en-US" altLang="ja-JP" b="0" i="1" smtClean="0">
-                        <a:latin typeface="Cambria Math" panose="02040503050406030204" pitchFamily="18" charset="0"/>
-                      </a:rPr>
-                      <m:t>′</m:t>
-                    </m:r>
-                  </m:oMath>
-                </a14:m>
-                <a:r>
-                  <a:rPr kumimoji="1" lang="ja-JP" altLang="en-US"/>
-                  <a:t>を見つける</a:t>
-                </a:r>
-                <a:endParaRPr kumimoji="1" lang="en-US" altLang="ja-JP"/>
-              </a:p>
-              <a:p>
-                <a:pPr lvl="1"/>
-                <a:r>
-                  <a:rPr kumimoji="1" lang="ja-JP" altLang="en-US"/>
-                  <a:t>見つけた</a:t>
-                </a:r>
-                <a14:m>
-                  <m:oMath xmlns:m="http://schemas.openxmlformats.org/officeDocument/2006/math">
-                    <m:r>
-                      <a:rPr kumimoji="1" lang="en-US" altLang="ja-JP" b="0" i="1" smtClean="0">
-                        <a:latin typeface="Cambria Math" panose="02040503050406030204" pitchFamily="18" charset="0"/>
-                      </a:rPr>
-                      <m:t>𝑋</m:t>
-                    </m:r>
-                  </m:oMath>
-                </a14:m>
-                <a:r>
-                  <a:rPr kumimoji="1" lang="ja-JP" altLang="en-US"/>
-                  <a:t>や</a:t>
-                </a:r>
-                <a14:m>
-                  <m:oMath xmlns:m="http://schemas.openxmlformats.org/officeDocument/2006/math">
-                    <m:r>
-                      <a:rPr kumimoji="1" lang="en-US" altLang="ja-JP" b="0" i="1" smtClean="0">
-                        <a:latin typeface="Cambria Math" panose="02040503050406030204" pitchFamily="18" charset="0"/>
-                      </a:rPr>
-                      <m:t>𝑋</m:t>
-                    </m:r>
-                    <m:r>
-                      <a:rPr kumimoji="1" lang="en-US" altLang="ja-JP" b="0" i="1" smtClean="0">
-                        <a:latin typeface="Cambria Math" panose="02040503050406030204" pitchFamily="18" charset="0"/>
-                      </a:rPr>
-                      <m:t>′</m:t>
-                    </m:r>
-                  </m:oMath>
-                </a14:m>
-                <a:r>
-                  <a:rPr kumimoji="1" lang="ja-JP" altLang="en-US"/>
-                  <a:t>が「たまたま</a:t>
-                </a:r>
-                <a:r>
-                  <a:rPr kumimoji="1" lang="en-US" altLang="ja-JP"/>
-                  <a:t>PDF</a:t>
-                </a:r>
-                <a:r>
-                  <a:rPr kumimoji="1" lang="ja-JP" altLang="en-US"/>
-                  <a:t>」であることはありえない</a:t>
-                </a:r>
-                <a:endParaRPr kumimoji="1" lang="en-US" altLang="ja-JP"/>
-              </a:p>
-              <a:p>
-                <a:r>
-                  <a:rPr kumimoji="1" lang="ja-JP" altLang="en-US"/>
-                  <a:t>衝突した</a:t>
-                </a:r>
-                <a:r>
-                  <a:rPr kumimoji="1" lang="en-US" altLang="ja-JP"/>
-                  <a:t>2</a:t>
-                </a:r>
-                <a:r>
-                  <a:rPr kumimoji="1" lang="ja-JP" altLang="en-US"/>
-                  <a:t>個の</a:t>
-                </a:r>
-                <a:r>
-                  <a:rPr kumimoji="1" lang="en-US" altLang="ja-JP"/>
-                  <a:t>PDF</a:t>
-                </a:r>
-              </a:p>
-              <a:p>
-                <a:pPr lvl="1"/>
-                <a:r>
-                  <a:rPr kumimoji="1" lang="ja-JP" altLang="en-US"/>
-                  <a:t>違いは</a:t>
-                </a:r>
-                <a:r>
-                  <a:rPr kumimoji="1" lang="en-US" altLang="ja-JP"/>
-                  <a:t>422435byte</a:t>
-                </a:r>
-                <a:r>
-                  <a:rPr kumimoji="1" lang="ja-JP" altLang="en-US"/>
-                  <a:t>中のたった</a:t>
-                </a:r>
-                <a:r>
-                  <a:rPr kumimoji="1" lang="en-US" altLang="ja-JP"/>
-                  <a:t>62byte</a:t>
-                </a:r>
-                <a:r>
-                  <a:rPr kumimoji="1" lang="ja-JP" altLang="en-US"/>
-                  <a:t>だけ</a:t>
-                </a:r>
-                <a:endParaRPr kumimoji="1" lang="en-US" altLang="ja-JP"/>
-              </a:p>
-              <a:p>
-                <a:pPr lvl="1"/>
-                <a:endParaRPr lang="en-US" altLang="ja-JP"/>
-              </a:p>
-              <a:p>
-                <a:pPr lvl="1"/>
-                <a:endParaRPr kumimoji="1" lang="en-US" altLang="ja-JP"/>
-              </a:p>
-              <a:p>
-                <a:pPr lvl="1"/>
-                <a:endParaRPr lang="en-US" altLang="ja-JP"/>
-              </a:p>
-              <a:p>
-                <a:pPr lvl="1"/>
-                <a:endParaRPr kumimoji="1" lang="en-US" altLang="ja-JP"/>
-              </a:p>
-              <a:p>
-                <a:pPr lvl="1"/>
-                <a:endParaRPr lang="en-US" altLang="ja-JP"/>
-              </a:p>
-              <a:p>
-                <a:r>
-                  <a:rPr kumimoji="1" lang="ja-JP" altLang="en-US"/>
-                  <a:t>疑問</a:t>
-                </a:r>
-                <a:endParaRPr kumimoji="1" lang="en-US" altLang="ja-JP"/>
-              </a:p>
-              <a:p>
-                <a:pPr lvl="1"/>
-                <a:r>
-                  <a:rPr kumimoji="1" lang="ja-JP" altLang="en-US"/>
-                  <a:t>どうやってそのようなファイルを探したのか</a:t>
-                </a:r>
-                <a:endParaRPr kumimoji="1" lang="en-US" altLang="ja-JP"/>
-              </a:p>
-              <a:p>
-                <a:pPr lvl="1"/>
-                <a:r>
-                  <a:rPr kumimoji="1" lang="ja-JP" altLang="en-US"/>
-                  <a:t>なぜ異なる画像が表示されているのか</a:t>
-                </a:r>
-              </a:p>
-            </p:txBody>
-          </p:sp>
-        </mc:Choice>
-        <mc:Fallback>
-          <p:sp>
-            <p:nvSpPr>
-              <p:cNvPr id="2" name="コンテンツ プレースホルダー 1">
-                <a:extLst>
-                  <a:ext uri="{FF2B5EF4-FFF2-40B4-BE49-F238E27FC236}">
-                    <a16:creationId xmlns:a16="http://schemas.microsoft.com/office/drawing/2014/main" id="{3AABD75A-6888-4AAF-8444-E613829A7E18}"/>
-                  </a:ext>
-                </a:extLst>
-              </p:cNvPr>
-              <p:cNvSpPr>
-                <a:spLocks noGrp="1" noRot="1" noChangeAspect="1" noMove="1" noResize="1" noEditPoints="1" noAdjustHandles="1" noChangeArrowheads="1" noChangeShapeType="1" noTextEdit="1"/>
-              </p:cNvSpPr>
-              <p:nvPr>
-                <p:ph idx="1"/>
-              </p:nvPr>
-            </p:nvSpPr>
-            <p:spPr>
-              <a:blipFill>
-                <a:blip r:embed="rId3"/>
-                <a:stretch>
-                  <a:fillRect l="-1200" t="-1038" b="-7061"/>
-                </a:stretch>
-              </a:blipFill>
-            </p:spPr>
-            <p:txBody>
-              <a:bodyPr/>
-              <a:lstStyle/>
-              <a:p>
-                <a:r>
-                  <a:rPr lang="ja-JP" altLang="en-US">
-                    <a:noFill/>
-                  </a:rPr>
-                  <a:t> </a:t>
-                </a:r>
-              </a:p>
-            </p:txBody>
-          </p:sp>
-        </mc:Fallback>
-      </mc:AlternateContent>
-      <p:sp>
-        <p:nvSpPr>
-          <p:cNvPr id="3" name="スライド番号プレースホルダー 2">
-            <a:extLst>
-              <a:ext uri="{FF2B5EF4-FFF2-40B4-BE49-F238E27FC236}">
-                <a16:creationId xmlns:a16="http://schemas.microsoft.com/office/drawing/2014/main" id="{B36D7BFD-3291-45EB-98DC-130753C1DCBC}"/>
-              </a:ext>
-            </a:extLst>
-          </p:cNvPr>
-          <p:cNvSpPr>
-            <a:spLocks noGrp="1"/>
-          </p:cNvSpPr>
-          <p:nvPr>
-            <p:ph type="sldNum" sz="quarter" idx="12"/>
-          </p:nvPr>
-        </p:nvSpPr>
-        <p:spPr/>
-        <p:txBody>
-          <a:bodyPr/>
-          <a:lstStyle/>
-          <a:p>
-            <a:pPr>
-              <a:defRPr/>
-            </a:pPr>
-            <a:r>
-              <a:rPr lang="en-US" altLang="ja-JP"/>
-              <a:t>    </a:t>
-            </a:r>
-            <a:fld id="{B2782DEB-472A-4FE5-AC34-C17109CF5A91}" type="slidenum">
-              <a:rPr lang="en-US" altLang="ja-JP" smtClean="0"/>
-              <a:pPr>
-                <a:defRPr/>
-              </a:pPr>
-              <a:t>31</a:t>
-            </a:fld>
-            <a:r>
-              <a:rPr lang="en-US" altLang="ja-JP"/>
-              <a:t> / 24</a:t>
-            </a:r>
-          </a:p>
-        </p:txBody>
-      </p:sp>
-      <p:sp>
-        <p:nvSpPr>
-          <p:cNvPr id="4" name="タイトル 3">
-            <a:extLst>
-              <a:ext uri="{FF2B5EF4-FFF2-40B4-BE49-F238E27FC236}">
-                <a16:creationId xmlns:a16="http://schemas.microsoft.com/office/drawing/2014/main" id="{F6659A98-13C4-463F-A4EC-AEC813BF7D34}"/>
-              </a:ext>
-            </a:extLst>
-          </p:cNvPr>
-          <p:cNvSpPr>
-            <a:spLocks noGrp="1"/>
-          </p:cNvSpPr>
-          <p:nvPr>
-            <p:ph type="title"/>
-          </p:nvPr>
-        </p:nvSpPr>
-        <p:spPr/>
-        <p:txBody>
-          <a:bodyPr/>
-          <a:lstStyle/>
-          <a:p>
-            <a:r>
-              <a:rPr kumimoji="1" lang="ja-JP" altLang="en-US"/>
-              <a:t>衝突した</a:t>
-            </a:r>
-            <a:r>
-              <a:rPr kumimoji="1" lang="en-US" altLang="ja-JP"/>
-              <a:t>2</a:t>
-            </a:r>
-            <a:r>
-              <a:rPr kumimoji="1" lang="ja-JP" altLang="en-US"/>
-              <a:t>個の</a:t>
-            </a:r>
-            <a:r>
-              <a:rPr kumimoji="1" lang="en-US" altLang="ja-JP"/>
-              <a:t>PDF</a:t>
-            </a:r>
-            <a:endParaRPr kumimoji="1" lang="ja-JP" altLang="en-US"/>
+              <a:t> / 22</a:t>
+            </a:r>
           </a:p>
         </p:txBody>
       </p:sp>
     </p:spTree>
     <p:extLst>
       <p:ext uri="{BB962C8B-B14F-4D97-AF65-F5344CB8AC3E}">
-        <p14:creationId xmlns:p14="http://schemas.microsoft.com/office/powerpoint/2010/main" val="3391357524"/>
-      </p:ext>
-    </p:extLst>
-  </p:cSld>
-  <p:clrMapOvr>
-    <a:masterClrMapping/>
-  </p:clrMapOvr>
-</p:sld>
-</file>
-
-<file path=ppt/slides/slide32.xml><?xml version="1.0" encoding="utf-8"?>
-<p:sld xmlns:a="http://schemas.openxmlformats.org/drawingml/2006/main" xmlns:r="http://schemas.openxmlformats.org/officeDocument/2006/relationships" xmlns:p="http://schemas.openxmlformats.org/presentationml/2006/main">
-  <p:cSld>
-    <p:spTree>
-      <p:nvGrpSpPr>
-        <p:cNvPr id="1" name=""/>
-        <p:cNvGrpSpPr/>
-        <p:nvPr/>
-      </p:nvGrpSpPr>
-      <p:grpSpPr>
-        <a:xfrm>
-          <a:off x="0" y="0"/>
-          <a:ext cx="0" cy="0"/>
-          <a:chOff x="0" y="0"/>
-          <a:chExt cx="0" cy="0"/>
-        </a:xfrm>
-      </p:grpSpPr>
-      <mc:AlternateContent xmlns:mc="http://schemas.openxmlformats.org/markup-compatibility/2006">
-        <mc:Choice xmlns:a14="http://schemas.microsoft.com/office/drawing/2010/main" Requires="a14">
-          <p:sp>
-            <p:nvSpPr>
-              <p:cNvPr id="2" name="コンテンツ プレースホルダー 1">
-                <a:extLst>
-                  <a:ext uri="{FF2B5EF4-FFF2-40B4-BE49-F238E27FC236}">
-                    <a16:creationId xmlns:a16="http://schemas.microsoft.com/office/drawing/2014/main" id="{38465BC3-394C-42A6-9CC2-39ADE9638741}"/>
-                  </a:ext>
-                </a:extLst>
-              </p:cNvPr>
-              <p:cNvSpPr>
-                <a:spLocks noGrp="1"/>
-              </p:cNvSpPr>
-              <p:nvPr>
-                <p:ph idx="1"/>
-              </p:nvPr>
-            </p:nvSpPr>
-            <p:spPr/>
-            <p:txBody>
-              <a:bodyPr/>
-              <a:lstStyle/>
-              <a:p>
-                <a:r>
-                  <a:rPr lang="en-US" altLang="ja-JP"/>
-                  <a:t>Merkle–Damgård</a:t>
-                </a:r>
-                <a:r>
-                  <a:rPr lang="ja-JP" altLang="en-US"/>
-                  <a:t>構成</a:t>
-                </a:r>
-                <a:endParaRPr lang="en-US" altLang="ja-JP"/>
-              </a:p>
-              <a:p>
-                <a:pPr lvl="1"/>
-                <a:r>
-                  <a:rPr kumimoji="1" lang="ja-JP" altLang="en-US"/>
-                  <a:t>入力データをブロックに分割して内部状態を圧縮関数</a:t>
-                </a:r>
-                <a14:m>
-                  <m:oMath xmlns:m="http://schemas.openxmlformats.org/officeDocument/2006/math">
-                    <m:r>
-                      <a:rPr kumimoji="1" lang="en-US" altLang="ja-JP" b="0" i="1" smtClean="0">
-                        <a:latin typeface="Cambria Math" panose="02040503050406030204" pitchFamily="18" charset="0"/>
-                      </a:rPr>
-                      <m:t>𝑓</m:t>
-                    </m:r>
-                  </m:oMath>
-                </a14:m>
-                <a:r>
-                  <a:rPr kumimoji="1" lang="ja-JP" altLang="en-US"/>
-                  <a:t>で更新</a:t>
-                </a:r>
-                <a:endParaRPr kumimoji="1" lang="en-US" altLang="ja-JP"/>
-              </a:p>
-              <a:p>
-                <a:pPr lvl="1"/>
-                <a:r>
-                  <a:rPr kumimoji="1" lang="ja-JP" altLang="en-US"/>
-                  <a:t>途中で内部状態が衝突</a:t>
-                </a:r>
-                <a:r>
-                  <a:rPr kumimoji="1" lang="en-US" altLang="ja-JP"/>
-                  <a:t>(</a:t>
-                </a:r>
-                <a:r>
-                  <a:rPr kumimoji="1" lang="ja-JP" altLang="en-US"/>
-                  <a:t>同じになる</a:t>
-                </a:r>
-                <a:r>
-                  <a:rPr kumimoji="1" lang="en-US" altLang="ja-JP"/>
-                  <a:t>)</a:t>
-                </a:r>
-                <a:r>
-                  <a:rPr kumimoji="1" lang="ja-JP" altLang="en-US"/>
-                  <a:t>とそれ以降が同じなら</a:t>
-                </a:r>
-                <a:br>
-                  <a:rPr kumimoji="1" lang="en-US" altLang="ja-JP"/>
-                </a:br>
-                <a:r>
-                  <a:rPr kumimoji="1" lang="ja-JP" altLang="en-US"/>
-                  <a:t>ずっと同じ内部状態</a:t>
-                </a:r>
-              </a:p>
-            </p:txBody>
-          </p:sp>
-        </mc:Choice>
-        <mc:Fallback>
-          <p:sp>
-            <p:nvSpPr>
-              <p:cNvPr id="2" name="コンテンツ プレースホルダー 1">
-                <a:extLst>
-                  <a:ext uri="{FF2B5EF4-FFF2-40B4-BE49-F238E27FC236}">
-                    <a16:creationId xmlns:a16="http://schemas.microsoft.com/office/drawing/2014/main" id="{38465BC3-394C-42A6-9CC2-39ADE9638741}"/>
-                  </a:ext>
-                </a:extLst>
-              </p:cNvPr>
-              <p:cNvSpPr>
-                <a:spLocks noGrp="1" noRot="1" noChangeAspect="1" noMove="1" noResize="1" noEditPoints="1" noAdjustHandles="1" noChangeArrowheads="1" noChangeShapeType="1" noTextEdit="1"/>
-              </p:cNvSpPr>
-              <p:nvPr>
-                <p:ph idx="1"/>
-              </p:nvPr>
-            </p:nvSpPr>
-            <p:spPr>
-              <a:blipFill>
-                <a:blip r:embed="rId2"/>
-                <a:stretch>
-                  <a:fillRect l="-1200" t="-1454" r="-467"/>
-                </a:stretch>
-              </a:blipFill>
-            </p:spPr>
-            <p:txBody>
-              <a:bodyPr/>
-              <a:lstStyle/>
-              <a:p>
-                <a:r>
-                  <a:rPr lang="ja-JP" altLang="en-US">
-                    <a:noFill/>
-                  </a:rPr>
-                  <a:t> </a:t>
-                </a:r>
-              </a:p>
-            </p:txBody>
-          </p:sp>
-        </mc:Fallback>
-      </mc:AlternateContent>
-      <p:sp>
-        <p:nvSpPr>
-          <p:cNvPr id="3" name="スライド番号プレースホルダー 2">
-            <a:extLst>
-              <a:ext uri="{FF2B5EF4-FFF2-40B4-BE49-F238E27FC236}">
-                <a16:creationId xmlns:a16="http://schemas.microsoft.com/office/drawing/2014/main" id="{AEA12DC3-498D-4625-8F2A-C44A7D21337D}"/>
-              </a:ext>
-            </a:extLst>
-          </p:cNvPr>
-          <p:cNvSpPr>
-            <a:spLocks noGrp="1"/>
-          </p:cNvSpPr>
-          <p:nvPr>
-            <p:ph type="sldNum" sz="quarter" idx="12"/>
-          </p:nvPr>
-        </p:nvSpPr>
-        <p:spPr/>
-        <p:txBody>
-          <a:bodyPr/>
-          <a:lstStyle/>
-          <a:p>
-            <a:pPr>
-              <a:defRPr/>
-            </a:pPr>
-            <a:r>
-              <a:rPr lang="en-US" altLang="ja-JP"/>
-              <a:t>    </a:t>
-            </a:r>
-            <a:fld id="{B2782DEB-472A-4FE5-AC34-C17109CF5A91}" type="slidenum">
-              <a:rPr lang="en-US" altLang="ja-JP" smtClean="0"/>
-              <a:pPr>
-                <a:defRPr/>
-              </a:pPr>
-              <a:t>32</a:t>
-            </a:fld>
-            <a:r>
-              <a:rPr lang="en-US" altLang="ja-JP"/>
-              <a:t> / 24</a:t>
-            </a:r>
-          </a:p>
-        </p:txBody>
-      </p:sp>
-      <p:sp>
-        <p:nvSpPr>
-          <p:cNvPr id="4" name="タイトル 3">
-            <a:extLst>
-              <a:ext uri="{FF2B5EF4-FFF2-40B4-BE49-F238E27FC236}">
-                <a16:creationId xmlns:a16="http://schemas.microsoft.com/office/drawing/2014/main" id="{21CC995A-A6A6-4B85-8520-BA7054EA491B}"/>
-              </a:ext>
-            </a:extLst>
-          </p:cNvPr>
-          <p:cNvSpPr>
-            <a:spLocks noGrp="1"/>
-          </p:cNvSpPr>
-          <p:nvPr>
-            <p:ph type="title"/>
-          </p:nvPr>
-        </p:nvSpPr>
-        <p:spPr/>
-        <p:txBody>
-          <a:bodyPr/>
-          <a:lstStyle/>
-          <a:p>
-            <a:r>
-              <a:rPr kumimoji="1" lang="en-US" altLang="ja-JP"/>
-              <a:t>SHA-1</a:t>
-            </a:r>
-            <a:r>
-              <a:rPr kumimoji="1" lang="ja-JP" altLang="en-US"/>
-              <a:t>の構造</a:t>
-            </a:r>
-          </a:p>
-        </p:txBody>
-      </p:sp>
-      <p:pic>
-        <p:nvPicPr>
-          <p:cNvPr id="6" name="図 5">
-            <a:extLst>
-              <a:ext uri="{FF2B5EF4-FFF2-40B4-BE49-F238E27FC236}">
-                <a16:creationId xmlns:a16="http://schemas.microsoft.com/office/drawing/2014/main" id="{F8559D47-5668-46B6-A932-20E559DB4A93}"/>
-              </a:ext>
-            </a:extLst>
-          </p:cNvPr>
-          <p:cNvPicPr>
-            <a:picLocks noChangeAspect="1"/>
-          </p:cNvPicPr>
-          <p:nvPr/>
-        </p:nvPicPr>
-        <p:blipFill>
-          <a:blip r:embed="rId3">
-            <a:extLst>
-              <a:ext uri="{28A0092B-C50C-407E-A947-70E740481C1C}">
-                <a14:useLocalDpi xmlns:a14="http://schemas.microsoft.com/office/drawing/2010/main" val="0"/>
-              </a:ext>
-            </a:extLst>
-          </a:blip>
-          <a:stretch>
-            <a:fillRect/>
-          </a:stretch>
-        </p:blipFill>
-        <p:spPr>
-          <a:xfrm>
-            <a:off x="1439652" y="2544270"/>
-            <a:ext cx="6264696" cy="4103377"/>
-          </a:xfrm>
-          <a:prstGeom prst="rect">
-            <a:avLst/>
-          </a:prstGeom>
-        </p:spPr>
-      </p:pic>
-    </p:spTree>
-    <p:extLst>
-      <p:ext uri="{BB962C8B-B14F-4D97-AF65-F5344CB8AC3E}">
-        <p14:creationId xmlns:p14="http://schemas.microsoft.com/office/powerpoint/2010/main" val="1656817531"/>
-      </p:ext>
-    </p:extLst>
-  </p:cSld>
-  <p:clrMapOvr>
-    <a:masterClrMapping/>
-  </p:clrMapOvr>
-</p:sld>
-</file>
-
-<file path=ppt/slides/slide33.xml><?xml version="1.0" encoding="utf-8"?>
-<p:sld xmlns:a="http://schemas.openxmlformats.org/drawingml/2006/main" xmlns:r="http://schemas.openxmlformats.org/officeDocument/2006/relationships" xmlns:p="http://schemas.openxmlformats.org/presentationml/2006/main">
-  <p:cSld>
-    <p:spTree>
-      <p:nvGrpSpPr>
-        <p:cNvPr id="1" name=""/>
-        <p:cNvGrpSpPr/>
-        <p:nvPr/>
-      </p:nvGrpSpPr>
-      <p:grpSpPr>
-        <a:xfrm>
-          <a:off x="0" y="0"/>
-          <a:ext cx="0" cy="0"/>
-          <a:chOff x="0" y="0"/>
-          <a:chExt cx="0" cy="0"/>
-        </a:xfrm>
-      </p:grpSpPr>
-      <mc:AlternateContent xmlns:mc="http://schemas.openxmlformats.org/markup-compatibility/2006">
-        <mc:Choice xmlns:a14="http://schemas.microsoft.com/office/drawing/2010/main" Requires="a14">
-          <p:sp>
-            <p:nvSpPr>
-              <p:cNvPr id="2" name="コンテンツ プレースホルダー 1">
-                <a:extLst>
-                  <a:ext uri="{FF2B5EF4-FFF2-40B4-BE49-F238E27FC236}">
-                    <a16:creationId xmlns:a16="http://schemas.microsoft.com/office/drawing/2014/main" id="{E6ABDBF8-88A5-4B85-A2AC-1C8C68987215}"/>
-                  </a:ext>
-                </a:extLst>
-              </p:cNvPr>
-              <p:cNvSpPr>
-                <a:spLocks noGrp="1"/>
-              </p:cNvSpPr>
-              <p:nvPr>
-                <p:ph idx="1"/>
-              </p:nvPr>
-            </p:nvSpPr>
-            <p:spPr/>
-            <p:txBody>
-              <a:bodyPr/>
-              <a:lstStyle/>
-              <a:p>
-                <a:r>
-                  <a:rPr kumimoji="1" lang="ja-JP" altLang="en-US"/>
-                  <a:t>同じ内部状態</a:t>
-                </a:r>
-                <a14:m>
-                  <m:oMath xmlns:m="http://schemas.openxmlformats.org/officeDocument/2006/math">
-                    <m:sSub>
-                      <m:sSubPr>
-                        <m:ctrlPr>
-                          <a:rPr kumimoji="1" lang="en-US" altLang="ja-JP" b="0" i="1" smtClean="0">
-                            <a:latin typeface="Cambria Math" panose="02040503050406030204" pitchFamily="18" charset="0"/>
-                          </a:rPr>
-                        </m:ctrlPr>
-                      </m:sSubPr>
-                      <m:e>
-                        <m:r>
-                          <a:rPr kumimoji="1" lang="en-US" altLang="ja-JP" b="0" i="1" smtClean="0">
-                            <a:latin typeface="Cambria Math" panose="02040503050406030204" pitchFamily="18" charset="0"/>
-                          </a:rPr>
-                          <m:t>𝑆</m:t>
-                        </m:r>
-                      </m:e>
-                      <m:sub>
-                        <m:r>
-                          <a:rPr kumimoji="1" lang="en-US" altLang="ja-JP" b="0" i="1" smtClean="0">
-                            <a:latin typeface="Cambria Math" panose="02040503050406030204" pitchFamily="18" charset="0"/>
-                          </a:rPr>
-                          <m:t>0</m:t>
-                        </m:r>
-                      </m:sub>
-                    </m:sSub>
-                  </m:oMath>
-                </a14:m>
-                <a:r>
-                  <a:rPr kumimoji="1" lang="ja-JP" altLang="en-US"/>
-                  <a:t>に異なるブロック</a:t>
-                </a:r>
-                <a14:m>
-                  <m:oMath xmlns:m="http://schemas.openxmlformats.org/officeDocument/2006/math">
-                    <m:sSub>
-                      <m:sSubPr>
-                        <m:ctrlPr>
-                          <a:rPr kumimoji="1" lang="en-US" altLang="ja-JP" b="0" i="1" smtClean="0">
-                            <a:latin typeface="Cambria Math" panose="02040503050406030204" pitchFamily="18" charset="0"/>
-                          </a:rPr>
-                        </m:ctrlPr>
-                      </m:sSubPr>
-                      <m:e>
-                        <m:r>
-                          <a:rPr kumimoji="1" lang="en-US" altLang="ja-JP" b="0" i="1" smtClean="0">
-                            <a:latin typeface="Cambria Math" panose="02040503050406030204" pitchFamily="18" charset="0"/>
-                          </a:rPr>
-                          <m:t>𝐵</m:t>
-                        </m:r>
-                      </m:e>
-                      <m:sub>
-                        <m:r>
-                          <a:rPr kumimoji="1" lang="en-US" altLang="ja-JP" b="0" i="1" smtClean="0">
-                            <a:latin typeface="Cambria Math" panose="02040503050406030204" pitchFamily="18" charset="0"/>
-                          </a:rPr>
-                          <m:t>0</m:t>
-                        </m:r>
-                      </m:sub>
-                    </m:sSub>
-                    <m:r>
-                      <a:rPr kumimoji="1" lang="en-US" altLang="ja-JP" b="0" i="1" smtClean="0">
-                        <a:latin typeface="Cambria Math" panose="02040503050406030204" pitchFamily="18" charset="0"/>
-                      </a:rPr>
-                      <m:t>,</m:t>
-                    </m:r>
-                    <m:sSub>
-                      <m:sSubPr>
-                        <m:ctrlPr>
-                          <a:rPr kumimoji="1" lang="en-US" altLang="ja-JP" b="0" i="1" smtClean="0">
-                            <a:latin typeface="Cambria Math" panose="02040503050406030204" pitchFamily="18" charset="0"/>
-                          </a:rPr>
-                        </m:ctrlPr>
-                      </m:sSubPr>
-                      <m:e>
-                        <m:r>
-                          <a:rPr kumimoji="1" lang="en-US" altLang="ja-JP" b="0" i="1" smtClean="0">
-                            <a:latin typeface="Cambria Math" panose="02040503050406030204" pitchFamily="18" charset="0"/>
-                          </a:rPr>
-                          <m:t>𝐵</m:t>
-                        </m:r>
-                      </m:e>
-                      <m:sub>
-                        <m:r>
-                          <a:rPr kumimoji="1" lang="en-US" altLang="ja-JP" b="0" i="1" smtClean="0">
-                            <a:latin typeface="Cambria Math" panose="02040503050406030204" pitchFamily="18" charset="0"/>
-                          </a:rPr>
-                          <m:t>0</m:t>
-                        </m:r>
-                      </m:sub>
-                    </m:sSub>
-                    <m:r>
-                      <a:rPr kumimoji="1" lang="en-US" altLang="ja-JP" b="0" i="1" smtClean="0">
-                        <a:latin typeface="Cambria Math" panose="02040503050406030204" pitchFamily="18" charset="0"/>
-                      </a:rPr>
-                      <m:t>′</m:t>
-                    </m:r>
-                  </m:oMath>
-                </a14:m>
-                <a:r>
-                  <a:rPr kumimoji="1" lang="ja-JP" altLang="en-US"/>
-                  <a:t>を与える</a:t>
-                </a:r>
-                <a:endParaRPr kumimoji="1" lang="en-US" altLang="ja-JP"/>
-              </a:p>
-              <a:p>
-                <a:pPr lvl="1"/>
-                <a:r>
-                  <a:rPr kumimoji="1" lang="ja-JP" altLang="en-US"/>
-                  <a:t>少しだけ異なる内部状態になる</a:t>
-                </a:r>
-                <a:endParaRPr kumimoji="1" lang="en-US" altLang="ja-JP"/>
-              </a:p>
-              <a:p>
-                <a:pPr lvl="1"/>
-                <a:r>
-                  <a:rPr kumimoji="1" lang="ja-JP" altLang="en-US"/>
-                  <a:t>そのあと別のブロック</a:t>
-                </a:r>
-                <a14:m>
-                  <m:oMath xmlns:m="http://schemas.openxmlformats.org/officeDocument/2006/math">
-                    <m:sSub>
-                      <m:sSubPr>
-                        <m:ctrlPr>
-                          <a:rPr kumimoji="1" lang="en-US" altLang="ja-JP" b="0" i="1" smtClean="0">
-                            <a:latin typeface="Cambria Math" panose="02040503050406030204" pitchFamily="18" charset="0"/>
-                          </a:rPr>
-                        </m:ctrlPr>
-                      </m:sSubPr>
-                      <m:e>
-                        <m:r>
-                          <a:rPr kumimoji="1" lang="en-US" altLang="ja-JP" b="0" i="1" smtClean="0">
-                            <a:latin typeface="Cambria Math" panose="02040503050406030204" pitchFamily="18" charset="0"/>
-                          </a:rPr>
-                          <m:t>𝐵</m:t>
-                        </m:r>
-                      </m:e>
-                      <m:sub>
-                        <m:r>
-                          <a:rPr kumimoji="1" lang="en-US" altLang="ja-JP" b="0" i="1" smtClean="0">
-                            <a:latin typeface="Cambria Math" panose="02040503050406030204" pitchFamily="18" charset="0"/>
-                          </a:rPr>
-                          <m:t>1</m:t>
-                        </m:r>
-                      </m:sub>
-                    </m:sSub>
-                    <m:r>
-                      <a:rPr kumimoji="1" lang="en-US" altLang="ja-JP" b="0" i="1" smtClean="0">
-                        <a:latin typeface="Cambria Math" panose="02040503050406030204" pitchFamily="18" charset="0"/>
-                      </a:rPr>
-                      <m:t>,</m:t>
-                    </m:r>
-                    <m:sSub>
-                      <m:sSubPr>
-                        <m:ctrlPr>
-                          <a:rPr kumimoji="1" lang="en-US" altLang="ja-JP" b="0" i="1" smtClean="0">
-                            <a:latin typeface="Cambria Math" panose="02040503050406030204" pitchFamily="18" charset="0"/>
-                          </a:rPr>
-                        </m:ctrlPr>
-                      </m:sSubPr>
-                      <m:e>
-                        <m:r>
-                          <a:rPr kumimoji="1" lang="en-US" altLang="ja-JP" b="0" i="1" smtClean="0">
-                            <a:latin typeface="Cambria Math" panose="02040503050406030204" pitchFamily="18" charset="0"/>
-                          </a:rPr>
-                          <m:t>𝐵</m:t>
-                        </m:r>
-                      </m:e>
-                      <m:sub>
-                        <m:r>
-                          <a:rPr kumimoji="1" lang="en-US" altLang="ja-JP" b="0" i="1" smtClean="0">
-                            <a:latin typeface="Cambria Math" panose="02040503050406030204" pitchFamily="18" charset="0"/>
-                          </a:rPr>
-                          <m:t>1</m:t>
-                        </m:r>
-                      </m:sub>
-                    </m:sSub>
-                    <m:r>
-                      <a:rPr kumimoji="1" lang="en-US" altLang="ja-JP" b="0" i="1" smtClean="0">
-                        <a:latin typeface="Cambria Math" panose="02040503050406030204" pitchFamily="18" charset="0"/>
-                      </a:rPr>
-                      <m:t>′</m:t>
-                    </m:r>
-                  </m:oMath>
-                </a14:m>
-                <a:r>
-                  <a:rPr kumimoji="1" lang="ja-JP" altLang="en-US"/>
-                  <a:t>を与えて内部状態を衝突させる</a:t>
-                </a:r>
-                <a:endParaRPr kumimoji="1" lang="en-US" altLang="ja-JP"/>
-              </a:p>
-              <a:p>
-                <a:pPr lvl="1"/>
-                <a:r>
-                  <a:rPr kumimoji="1" lang="ja-JP" altLang="en-US"/>
-                  <a:t>そのようなブロックのペアを効率よく探す研究と計算資源</a:t>
-                </a:r>
-              </a:p>
-            </p:txBody>
-          </p:sp>
-        </mc:Choice>
-        <mc:Fallback>
-          <p:sp>
-            <p:nvSpPr>
-              <p:cNvPr id="2" name="コンテンツ プレースホルダー 1">
-                <a:extLst>
-                  <a:ext uri="{FF2B5EF4-FFF2-40B4-BE49-F238E27FC236}">
-                    <a16:creationId xmlns:a16="http://schemas.microsoft.com/office/drawing/2014/main" id="{E6ABDBF8-88A5-4B85-A2AC-1C8C68987215}"/>
-                  </a:ext>
-                </a:extLst>
-              </p:cNvPr>
-              <p:cNvSpPr>
-                <a:spLocks noGrp="1" noRot="1" noChangeAspect="1" noMove="1" noResize="1" noEditPoints="1" noAdjustHandles="1" noChangeArrowheads="1" noChangeShapeType="1" noTextEdit="1"/>
-              </p:cNvSpPr>
-              <p:nvPr>
-                <p:ph idx="1"/>
-              </p:nvPr>
-            </p:nvSpPr>
-            <p:spPr>
-              <a:blipFill>
-                <a:blip r:embed="rId2"/>
-                <a:stretch>
-                  <a:fillRect l="-1200" t="-1038"/>
-                </a:stretch>
-              </a:blipFill>
-            </p:spPr>
-            <p:txBody>
-              <a:bodyPr/>
-              <a:lstStyle/>
-              <a:p>
-                <a:r>
-                  <a:rPr lang="ja-JP" altLang="en-US">
-                    <a:noFill/>
-                  </a:rPr>
-                  <a:t> </a:t>
-                </a:r>
-              </a:p>
-            </p:txBody>
-          </p:sp>
-        </mc:Fallback>
-      </mc:AlternateContent>
-      <p:sp>
-        <p:nvSpPr>
-          <p:cNvPr id="3" name="スライド番号プレースホルダー 2">
-            <a:extLst>
-              <a:ext uri="{FF2B5EF4-FFF2-40B4-BE49-F238E27FC236}">
-                <a16:creationId xmlns:a16="http://schemas.microsoft.com/office/drawing/2014/main" id="{B9D38565-3F1E-417A-A9D5-B5529F123074}"/>
-              </a:ext>
-            </a:extLst>
-          </p:cNvPr>
-          <p:cNvSpPr>
-            <a:spLocks noGrp="1"/>
-          </p:cNvSpPr>
-          <p:nvPr>
-            <p:ph type="sldNum" sz="quarter" idx="12"/>
-          </p:nvPr>
-        </p:nvSpPr>
-        <p:spPr/>
-        <p:txBody>
-          <a:bodyPr/>
-          <a:lstStyle/>
-          <a:p>
-            <a:pPr>
-              <a:defRPr/>
-            </a:pPr>
-            <a:r>
-              <a:rPr lang="en-US" altLang="ja-JP"/>
-              <a:t>    </a:t>
-            </a:r>
-            <a:fld id="{B2782DEB-472A-4FE5-AC34-C17109CF5A91}" type="slidenum">
-              <a:rPr lang="en-US" altLang="ja-JP" smtClean="0"/>
-              <a:pPr>
-                <a:defRPr/>
-              </a:pPr>
-              <a:t>33</a:t>
-            </a:fld>
-            <a:r>
-              <a:rPr lang="en-US" altLang="ja-JP"/>
-              <a:t> / 24</a:t>
-            </a:r>
-          </a:p>
-        </p:txBody>
-      </p:sp>
-      <p:sp>
-        <p:nvSpPr>
-          <p:cNvPr id="4" name="タイトル 3">
-            <a:extLst>
-              <a:ext uri="{FF2B5EF4-FFF2-40B4-BE49-F238E27FC236}">
-                <a16:creationId xmlns:a16="http://schemas.microsoft.com/office/drawing/2014/main" id="{B2D19018-F581-4768-88D2-0370D5A96137}"/>
-              </a:ext>
-            </a:extLst>
-          </p:cNvPr>
-          <p:cNvSpPr>
-            <a:spLocks noGrp="1"/>
-          </p:cNvSpPr>
-          <p:nvPr>
-            <p:ph type="title"/>
-          </p:nvPr>
-        </p:nvSpPr>
-        <p:spPr/>
-        <p:txBody>
-          <a:bodyPr/>
-          <a:lstStyle/>
-          <a:p>
-            <a:r>
-              <a:rPr kumimoji="1" lang="ja-JP" altLang="en-US"/>
-              <a:t>衝突困難性を破る部分</a:t>
-            </a:r>
-          </a:p>
-        </p:txBody>
-      </p:sp>
-      <p:pic>
-        <p:nvPicPr>
-          <p:cNvPr id="6" name="図 5">
-            <a:extLst>
-              <a:ext uri="{FF2B5EF4-FFF2-40B4-BE49-F238E27FC236}">
-                <a16:creationId xmlns:a16="http://schemas.microsoft.com/office/drawing/2014/main" id="{B937B23C-EBBC-4327-A83F-3A1B2DBF8401}"/>
-              </a:ext>
-            </a:extLst>
-          </p:cNvPr>
-          <p:cNvPicPr>
-            <a:picLocks noChangeAspect="1"/>
-          </p:cNvPicPr>
-          <p:nvPr/>
-        </p:nvPicPr>
-        <p:blipFill>
-          <a:blip r:embed="rId3">
-            <a:extLst>
-              <a:ext uri="{28A0092B-C50C-407E-A947-70E740481C1C}">
-                <a14:useLocalDpi xmlns:a14="http://schemas.microsoft.com/office/drawing/2010/main" val="0"/>
-              </a:ext>
-            </a:extLst>
-          </a:blip>
-          <a:stretch>
-            <a:fillRect/>
-          </a:stretch>
-        </p:blipFill>
-        <p:spPr>
-          <a:xfrm>
-            <a:off x="1691680" y="2674749"/>
-            <a:ext cx="5904656" cy="4059452"/>
-          </a:xfrm>
-          <a:prstGeom prst="rect">
-            <a:avLst/>
-          </a:prstGeom>
-        </p:spPr>
-      </p:pic>
-    </p:spTree>
-    <p:extLst>
-      <p:ext uri="{BB962C8B-B14F-4D97-AF65-F5344CB8AC3E}">
-        <p14:creationId xmlns:p14="http://schemas.microsoft.com/office/powerpoint/2010/main" val="3284175813"/>
-      </p:ext>
-    </p:extLst>
-  </p:cSld>
-  <p:clrMapOvr>
-    <a:masterClrMapping/>
-  </p:clrMapOvr>
-</p:sld>
-</file>
-
-<file path=ppt/slides/slide34.xml><?xml version="1.0" encoding="utf-8"?>
-<p:sld xmlns:a="http://schemas.openxmlformats.org/drawingml/2006/main" xmlns:r="http://schemas.openxmlformats.org/officeDocument/2006/relationships" xmlns:p="http://schemas.openxmlformats.org/presentationml/2006/main">
-  <p:cSld>
-    <p:spTree>
-      <p:nvGrpSpPr>
-        <p:cNvPr id="1" name=""/>
-        <p:cNvGrpSpPr/>
-        <p:nvPr/>
-      </p:nvGrpSpPr>
-      <p:grpSpPr>
-        <a:xfrm>
-          <a:off x="0" y="0"/>
-          <a:ext cx="0" cy="0"/>
-          <a:chOff x="0" y="0"/>
-          <a:chExt cx="0" cy="0"/>
-        </a:xfrm>
-      </p:grpSpPr>
-      <mc:AlternateContent xmlns:mc="http://schemas.openxmlformats.org/markup-compatibility/2006">
-        <mc:Choice xmlns:a14="http://schemas.microsoft.com/office/drawing/2010/main" Requires="a14">
-          <p:sp>
-            <p:nvSpPr>
-              <p:cNvPr id="2" name="コンテンツ プレースホルダー 1">
-                <a:extLst>
-                  <a:ext uri="{FF2B5EF4-FFF2-40B4-BE49-F238E27FC236}">
-                    <a16:creationId xmlns:a16="http://schemas.microsoft.com/office/drawing/2014/main" id="{5EF0BABB-FD3B-41F2-92C4-FFA76F54C28A}"/>
-                  </a:ext>
-                </a:extLst>
-              </p:cNvPr>
-              <p:cNvSpPr>
-                <a:spLocks noGrp="1"/>
-              </p:cNvSpPr>
-              <p:nvPr>
-                <p:ph idx="1"/>
-              </p:nvPr>
-            </p:nvSpPr>
-            <p:spPr/>
-            <p:txBody>
-              <a:bodyPr/>
-              <a:lstStyle/>
-              <a:p>
-                <a:r>
-                  <a:rPr kumimoji="1" lang="en-US" altLang="ja-JP"/>
-                  <a:t>2</a:t>
-                </a:r>
-                <a:r>
-                  <a:rPr kumimoji="1" lang="ja-JP" altLang="en-US"/>
-                  <a:t>個の</a:t>
-                </a:r>
-                <a:r>
-                  <a:rPr kumimoji="1" lang="en-US" altLang="ja-JP"/>
-                  <a:t>JPEG</a:t>
-                </a:r>
-                <a:r>
-                  <a:rPr kumimoji="1" lang="ja-JP" altLang="en-US"/>
-                  <a:t>画像</a:t>
-                </a:r>
-                <a:r>
-                  <a:rPr kumimoji="1" lang="en-US" altLang="ja-JP"/>
-                  <a:t>X, Y</a:t>
-                </a:r>
-                <a:r>
-                  <a:rPr kumimoji="1" lang="ja-JP" altLang="en-US"/>
-                  <a:t>を用意する</a:t>
-                </a:r>
-                <a:endParaRPr kumimoji="1" lang="en-US" altLang="ja-JP"/>
-              </a:p>
-              <a:p>
-                <a:r>
-                  <a:rPr kumimoji="1" lang="ja-JP" altLang="en-US"/>
-                  <a:t>「もし先頭から</a:t>
-                </a:r>
-                <a:r>
-                  <a:rPr kumimoji="1" lang="en-US" altLang="ja-JP"/>
-                  <a:t>192byte</a:t>
-                </a:r>
-                <a:r>
-                  <a:rPr kumimoji="1" lang="ja-JP" altLang="en-US"/>
-                  <a:t>目が</a:t>
-                </a:r>
-                <a14:m>
-                  <m:oMath xmlns:m="http://schemas.openxmlformats.org/officeDocument/2006/math">
-                    <m:r>
-                      <a:rPr kumimoji="1" lang="en-US" altLang="ja-JP" b="0" i="1" smtClean="0">
-                        <a:latin typeface="Cambria Math" panose="02040503050406030204" pitchFamily="18" charset="0"/>
-                      </a:rPr>
-                      <m:t>(</m:t>
-                    </m:r>
-                    <m:sSub>
-                      <m:sSubPr>
-                        <m:ctrlPr>
-                          <a:rPr kumimoji="1" lang="en-US" altLang="ja-JP" b="0" i="1" smtClean="0">
-                            <a:latin typeface="Cambria Math" panose="02040503050406030204" pitchFamily="18" charset="0"/>
-                          </a:rPr>
-                        </m:ctrlPr>
-                      </m:sSubPr>
-                      <m:e>
-                        <m:r>
-                          <a:rPr kumimoji="1" lang="en-US" altLang="ja-JP" b="0" i="1" smtClean="0">
-                            <a:latin typeface="Cambria Math" panose="02040503050406030204" pitchFamily="18" charset="0"/>
-                          </a:rPr>
-                          <m:t>𝐵</m:t>
-                        </m:r>
-                      </m:e>
-                      <m:sub>
-                        <m:r>
-                          <a:rPr kumimoji="1" lang="en-US" altLang="ja-JP" b="0" i="1" smtClean="0">
-                            <a:latin typeface="Cambria Math" panose="02040503050406030204" pitchFamily="18" charset="0"/>
-                          </a:rPr>
-                          <m:t>0</m:t>
-                        </m:r>
-                      </m:sub>
-                    </m:sSub>
-                    <m:r>
-                      <a:rPr kumimoji="1" lang="en-US" altLang="ja-JP" b="0" i="1" smtClean="0">
-                        <a:latin typeface="Cambria Math" panose="02040503050406030204" pitchFamily="18" charset="0"/>
-                      </a:rPr>
-                      <m:t>,</m:t>
-                    </m:r>
-                    <m:sSub>
-                      <m:sSubPr>
-                        <m:ctrlPr>
-                          <a:rPr kumimoji="1" lang="en-US" altLang="ja-JP" b="0" i="1" smtClean="0">
-                            <a:latin typeface="Cambria Math" panose="02040503050406030204" pitchFamily="18" charset="0"/>
-                          </a:rPr>
-                        </m:ctrlPr>
-                      </m:sSubPr>
-                      <m:e>
-                        <m:r>
-                          <a:rPr kumimoji="1" lang="en-US" altLang="ja-JP" b="0" i="1" smtClean="0">
-                            <a:latin typeface="Cambria Math" panose="02040503050406030204" pitchFamily="18" charset="0"/>
-                          </a:rPr>
-                          <m:t>𝐵</m:t>
-                        </m:r>
-                      </m:e>
-                      <m:sub>
-                        <m:r>
-                          <a:rPr kumimoji="1" lang="en-US" altLang="ja-JP" b="0" i="1" smtClean="0">
-                            <a:latin typeface="Cambria Math" panose="02040503050406030204" pitchFamily="18" charset="0"/>
-                          </a:rPr>
-                          <m:t>1</m:t>
-                        </m:r>
-                      </m:sub>
-                    </m:sSub>
-                    <m:r>
-                      <a:rPr kumimoji="1" lang="en-US" altLang="ja-JP" b="0" i="1" smtClean="0">
-                        <a:latin typeface="Cambria Math" panose="02040503050406030204" pitchFamily="18" charset="0"/>
-                      </a:rPr>
-                      <m:t>)</m:t>
-                    </m:r>
-                  </m:oMath>
-                </a14:m>
-                <a:r>
-                  <a:rPr kumimoji="1" lang="ja-JP" altLang="en-US"/>
-                  <a:t>なら</a:t>
-                </a:r>
-                <a:r>
-                  <a:rPr kumimoji="1" lang="en-US" altLang="ja-JP"/>
-                  <a:t>X,</a:t>
-                </a:r>
-                <a:br>
-                  <a:rPr kumimoji="1" lang="en-US" altLang="ja-JP"/>
-                </a:br>
-                <a:r>
-                  <a:rPr kumimoji="1" lang="ja-JP" altLang="en-US"/>
-                  <a:t>そうでなければ</a:t>
-                </a:r>
-                <a:r>
-                  <a:rPr kumimoji="1" lang="en-US" altLang="ja-JP"/>
-                  <a:t>Y</a:t>
-                </a:r>
-                <a:r>
-                  <a:rPr kumimoji="1" lang="ja-JP" altLang="en-US"/>
-                  <a:t>を表示する」</a:t>
-                </a:r>
-                <a:r>
-                  <a:rPr kumimoji="1" lang="en-US" altLang="ja-JP"/>
-                  <a:t>PDF1</a:t>
-                </a:r>
-                <a:r>
-                  <a:rPr kumimoji="1" lang="ja-JP" altLang="en-US"/>
-                  <a:t>を作成する</a:t>
-                </a:r>
-                <a:endParaRPr kumimoji="1" lang="en-US" altLang="ja-JP"/>
-              </a:p>
-              <a:p>
-                <a:pPr lvl="1"/>
-                <a:r>
-                  <a:rPr lang="en-US" altLang="ja-JP"/>
-                  <a:t>PDF1</a:t>
-                </a:r>
-                <a:r>
-                  <a:rPr lang="ja-JP" altLang="en-US"/>
-                  <a:t>のブロックを</a:t>
-                </a:r>
-                <a14:m>
-                  <m:oMath xmlns:m="http://schemas.openxmlformats.org/officeDocument/2006/math">
-                    <m:r>
-                      <a:rPr lang="en-US" altLang="ja-JP" b="0" i="1" smtClean="0">
-                        <a:latin typeface="Cambria Math" panose="02040503050406030204" pitchFamily="18" charset="0"/>
-                      </a:rPr>
-                      <m:t>(</m:t>
-                    </m:r>
-                    <m:sSubSup>
-                      <m:sSubSupPr>
-                        <m:ctrlPr>
-                          <a:rPr lang="en-US" altLang="ja-JP" b="0" i="1" smtClean="0">
-                            <a:latin typeface="Cambria Math" panose="02040503050406030204" pitchFamily="18" charset="0"/>
-                          </a:rPr>
-                        </m:ctrlPr>
-                      </m:sSubSupPr>
-                      <m:e>
-                        <m:r>
-                          <a:rPr lang="en-US" altLang="ja-JP" b="0" i="1" smtClean="0">
-                            <a:latin typeface="Cambria Math" panose="02040503050406030204" pitchFamily="18" charset="0"/>
-                          </a:rPr>
-                          <m:t>𝐵</m:t>
-                        </m:r>
-                      </m:e>
-                      <m:sub>
-                        <m:r>
-                          <a:rPr lang="en-US" altLang="ja-JP" b="0" i="1" smtClean="0">
-                            <a:latin typeface="Cambria Math" panose="02040503050406030204" pitchFamily="18" charset="0"/>
-                          </a:rPr>
-                          <m:t>0</m:t>
-                        </m:r>
-                      </m:sub>
-                      <m:sup>
-                        <m:r>
-                          <a:rPr lang="en-US" altLang="ja-JP" b="0" i="1" smtClean="0">
-                            <a:latin typeface="Cambria Math" panose="02040503050406030204" pitchFamily="18" charset="0"/>
-                          </a:rPr>
-                          <m:t>′</m:t>
-                        </m:r>
-                      </m:sup>
-                    </m:sSubSup>
-                    <m:r>
-                      <a:rPr lang="en-US" altLang="ja-JP" b="0" i="1" smtClean="0">
-                        <a:latin typeface="Cambria Math" panose="02040503050406030204" pitchFamily="18" charset="0"/>
-                      </a:rPr>
-                      <m:t>,</m:t>
-                    </m:r>
-                    <m:sSubSup>
-                      <m:sSubSupPr>
-                        <m:ctrlPr>
-                          <a:rPr lang="en-US" altLang="ja-JP" b="0" i="1" smtClean="0">
-                            <a:latin typeface="Cambria Math" panose="02040503050406030204" pitchFamily="18" charset="0"/>
-                          </a:rPr>
-                        </m:ctrlPr>
-                      </m:sSubSupPr>
-                      <m:e>
-                        <m:r>
-                          <a:rPr lang="en-US" altLang="ja-JP" b="0" i="1" smtClean="0">
-                            <a:latin typeface="Cambria Math" panose="02040503050406030204" pitchFamily="18" charset="0"/>
-                          </a:rPr>
-                          <m:t>𝐵</m:t>
-                        </m:r>
-                      </m:e>
-                      <m:sub>
-                        <m:r>
-                          <a:rPr lang="en-US" altLang="ja-JP" b="0" i="1" smtClean="0">
-                            <a:latin typeface="Cambria Math" panose="02040503050406030204" pitchFamily="18" charset="0"/>
-                          </a:rPr>
-                          <m:t>1</m:t>
-                        </m:r>
-                      </m:sub>
-                      <m:sup>
-                        <m:r>
-                          <a:rPr lang="en-US" altLang="ja-JP" b="0" i="1" smtClean="0">
-                            <a:latin typeface="Cambria Math" panose="02040503050406030204" pitchFamily="18" charset="0"/>
-                          </a:rPr>
-                          <m:t>′</m:t>
-                        </m:r>
-                      </m:sup>
-                    </m:sSubSup>
-                    <m:r>
-                      <a:rPr lang="en-US" altLang="ja-JP" b="0" i="1" smtClean="0">
-                        <a:latin typeface="Cambria Math" panose="02040503050406030204" pitchFamily="18" charset="0"/>
-                      </a:rPr>
-                      <m:t>)</m:t>
-                    </m:r>
-                  </m:oMath>
-                </a14:m>
-                <a:r>
-                  <a:rPr kumimoji="1" lang="ja-JP" altLang="en-US"/>
-                  <a:t>に置き換えた</a:t>
-                </a:r>
-                <a:r>
-                  <a:rPr kumimoji="1" lang="en-US" altLang="ja-JP"/>
-                  <a:t>PDF2</a:t>
-                </a:r>
-                <a:r>
-                  <a:rPr kumimoji="1" lang="ja-JP" altLang="en-US"/>
-                  <a:t>は</a:t>
-                </a:r>
-                <a:r>
-                  <a:rPr kumimoji="1" lang="en-US" altLang="ja-JP"/>
-                  <a:t>Y</a:t>
-                </a:r>
-                <a:r>
-                  <a:rPr kumimoji="1" lang="ja-JP" altLang="en-US"/>
-                  <a:t>を表示する</a:t>
-                </a:r>
-                <a:endParaRPr kumimoji="1" lang="en-US" altLang="ja-JP"/>
-              </a:p>
-              <a:p>
-                <a:pPr lvl="1"/>
-                <a:r>
-                  <a:rPr kumimoji="1" lang="ja-JP" altLang="en-US"/>
-                  <a:t>置き換えたブロック以外は同じなので</a:t>
-                </a:r>
-                <a:r>
-                  <a:rPr kumimoji="1" lang="en-US" altLang="ja-JP"/>
-                  <a:t>SHA-1</a:t>
-                </a:r>
-                <a:r>
-                  <a:rPr kumimoji="1" lang="ja-JP" altLang="en-US"/>
-                  <a:t>が一致する</a:t>
-                </a:r>
-                <a:endParaRPr kumimoji="1" lang="en-US" altLang="ja-JP"/>
-              </a:p>
-              <a:p>
-                <a:r>
-                  <a:rPr kumimoji="1" lang="ja-JP" altLang="en-US"/>
-                  <a:t>「もし</a:t>
-                </a:r>
-                <a:r>
-                  <a:rPr kumimoji="1" lang="en-US" altLang="ja-JP"/>
-                  <a:t>~</a:t>
-                </a:r>
-                <a:r>
-                  <a:rPr kumimoji="1" lang="ja-JP" altLang="en-US"/>
-                  <a:t>なら</a:t>
-                </a:r>
-                <a:r>
-                  <a:rPr kumimoji="1" lang="en-US" altLang="ja-JP"/>
-                  <a:t>~</a:t>
-                </a:r>
-                <a:r>
-                  <a:rPr kumimoji="1" lang="ja-JP" altLang="en-US"/>
-                  <a:t>を表示する</a:t>
-                </a:r>
-                <a:r>
-                  <a:rPr kumimoji="1" lang="en-US" altLang="ja-JP"/>
-                  <a:t>PDF</a:t>
-                </a:r>
-                <a:r>
-                  <a:rPr kumimoji="1" lang="ja-JP" altLang="en-US"/>
-                  <a:t>」</a:t>
-                </a:r>
-                <a:endParaRPr kumimoji="1" lang="en-US" altLang="ja-JP"/>
-              </a:p>
-              <a:p>
-                <a:pPr lvl="1"/>
-                <a:r>
-                  <a:rPr lang="en-US" altLang="ja-JP"/>
-                  <a:t>JPEG</a:t>
-                </a:r>
-                <a:r>
-                  <a:rPr lang="ja-JP" altLang="en-US"/>
-                  <a:t>のコメント機能を利用</a:t>
-                </a:r>
-                <a:r>
-                  <a:rPr lang="en-US" altLang="ja-JP"/>
-                  <a:t>(PDF1</a:t>
-                </a:r>
-                <a:r>
-                  <a:rPr lang="ja-JP" altLang="en-US"/>
-                  <a:t>と</a:t>
-                </a:r>
-                <a:r>
-                  <a:rPr lang="en-US" altLang="ja-JP"/>
-                  <a:t>2</a:t>
-                </a:r>
-                <a:r>
-                  <a:rPr lang="ja-JP" altLang="en-US"/>
-                  <a:t>で異なるコメント区間</a:t>
-                </a:r>
-                <a:r>
-                  <a:rPr lang="en-US" altLang="ja-JP"/>
-                  <a:t>)</a:t>
-                </a:r>
-              </a:p>
-              <a:p>
-                <a:pPr lvl="1"/>
-                <a:endParaRPr kumimoji="1" lang="ja-JP" altLang="en-US"/>
-              </a:p>
-            </p:txBody>
-          </p:sp>
-        </mc:Choice>
-        <mc:Fallback>
-          <p:sp>
-            <p:nvSpPr>
-              <p:cNvPr id="2" name="コンテンツ プレースホルダー 1">
-                <a:extLst>
-                  <a:ext uri="{FF2B5EF4-FFF2-40B4-BE49-F238E27FC236}">
-                    <a16:creationId xmlns:a16="http://schemas.microsoft.com/office/drawing/2014/main" id="{5EF0BABB-FD3B-41F2-92C4-FFA76F54C28A}"/>
-                  </a:ext>
-                </a:extLst>
-              </p:cNvPr>
-              <p:cNvSpPr>
-                <a:spLocks noGrp="1" noRot="1" noChangeAspect="1" noMove="1" noResize="1" noEditPoints="1" noAdjustHandles="1" noChangeArrowheads="1" noChangeShapeType="1" noTextEdit="1"/>
-              </p:cNvSpPr>
-              <p:nvPr>
-                <p:ph idx="1"/>
-              </p:nvPr>
-            </p:nvSpPr>
-            <p:spPr>
-              <a:blipFill>
-                <a:blip r:embed="rId2"/>
-                <a:stretch>
-                  <a:fillRect l="-1200" t="-1454"/>
-                </a:stretch>
-              </a:blipFill>
-            </p:spPr>
-            <p:txBody>
-              <a:bodyPr/>
-              <a:lstStyle/>
-              <a:p>
-                <a:r>
-                  <a:rPr lang="ja-JP" altLang="en-US">
-                    <a:noFill/>
-                  </a:rPr>
-                  <a:t> </a:t>
-                </a:r>
-              </a:p>
-            </p:txBody>
-          </p:sp>
-        </mc:Fallback>
-      </mc:AlternateContent>
-      <p:sp>
-        <p:nvSpPr>
-          <p:cNvPr id="3" name="スライド番号プレースホルダー 2">
-            <a:extLst>
-              <a:ext uri="{FF2B5EF4-FFF2-40B4-BE49-F238E27FC236}">
-                <a16:creationId xmlns:a16="http://schemas.microsoft.com/office/drawing/2014/main" id="{15D9118C-9756-4CB6-9514-D84C065E3901}"/>
-              </a:ext>
-            </a:extLst>
-          </p:cNvPr>
-          <p:cNvSpPr>
-            <a:spLocks noGrp="1"/>
-          </p:cNvSpPr>
-          <p:nvPr>
-            <p:ph type="sldNum" sz="quarter" idx="12"/>
-          </p:nvPr>
-        </p:nvSpPr>
-        <p:spPr/>
-        <p:txBody>
-          <a:bodyPr/>
-          <a:lstStyle/>
-          <a:p>
-            <a:pPr>
-              <a:defRPr/>
-            </a:pPr>
-            <a:r>
-              <a:rPr lang="en-US" altLang="ja-JP"/>
-              <a:t>    </a:t>
-            </a:r>
-            <a:fld id="{B2782DEB-472A-4FE5-AC34-C17109CF5A91}" type="slidenum">
-              <a:rPr lang="en-US" altLang="ja-JP" smtClean="0"/>
-              <a:pPr>
-                <a:defRPr/>
-              </a:pPr>
-              <a:t>34</a:t>
-            </a:fld>
-            <a:r>
-              <a:rPr lang="en-US" altLang="ja-JP"/>
-              <a:t> / 24</a:t>
-            </a:r>
-          </a:p>
-        </p:txBody>
-      </p:sp>
-      <p:sp>
-        <p:nvSpPr>
-          <p:cNvPr id="4" name="タイトル 3">
-            <a:extLst>
-              <a:ext uri="{FF2B5EF4-FFF2-40B4-BE49-F238E27FC236}">
-                <a16:creationId xmlns:a16="http://schemas.microsoft.com/office/drawing/2014/main" id="{B1732C84-7499-4BD8-BF63-0DF51C074976}"/>
-              </a:ext>
-            </a:extLst>
-          </p:cNvPr>
-          <p:cNvSpPr>
-            <a:spLocks noGrp="1"/>
-          </p:cNvSpPr>
-          <p:nvPr>
-            <p:ph type="title"/>
-          </p:nvPr>
-        </p:nvSpPr>
-        <p:spPr/>
-        <p:txBody>
-          <a:bodyPr/>
-          <a:lstStyle/>
-          <a:p>
-            <a:r>
-              <a:rPr kumimoji="1" lang="en-US" altLang="ja-JP"/>
-              <a:t>PDF</a:t>
-            </a:r>
-            <a:r>
-              <a:rPr kumimoji="1" lang="ja-JP" altLang="en-US"/>
-              <a:t>に</a:t>
-            </a:r>
-            <a:r>
-              <a:rPr kumimoji="1" lang="en-US" altLang="ja-JP"/>
-              <a:t>2</a:t>
-            </a:r>
-            <a:r>
-              <a:rPr kumimoji="1" lang="ja-JP" altLang="en-US"/>
-              <a:t>個の</a:t>
-            </a:r>
-            <a:r>
-              <a:rPr kumimoji="1" lang="en-US" altLang="ja-JP"/>
-              <a:t>JPEG</a:t>
-            </a:r>
-            <a:r>
-              <a:rPr kumimoji="1" lang="ja-JP" altLang="en-US"/>
-              <a:t>を埋め込む方法</a:t>
-            </a:r>
-          </a:p>
-        </p:txBody>
-      </p:sp>
-      <p:pic>
-        <p:nvPicPr>
-          <p:cNvPr id="6" name="図 5">
-            <a:extLst>
-              <a:ext uri="{FF2B5EF4-FFF2-40B4-BE49-F238E27FC236}">
-                <a16:creationId xmlns:a16="http://schemas.microsoft.com/office/drawing/2014/main" id="{C7D55C35-BE07-4AF8-B83F-99DD977573CC}"/>
-              </a:ext>
-            </a:extLst>
-          </p:cNvPr>
-          <p:cNvPicPr>
-            <a:picLocks noChangeAspect="1"/>
-          </p:cNvPicPr>
-          <p:nvPr/>
-        </p:nvPicPr>
-        <p:blipFill>
-          <a:blip r:embed="rId3">
-            <a:extLst>
-              <a:ext uri="{28A0092B-C50C-407E-A947-70E740481C1C}">
-                <a14:useLocalDpi xmlns:a14="http://schemas.microsoft.com/office/drawing/2010/main" val="0"/>
-              </a:ext>
-            </a:extLst>
-          </a:blip>
-          <a:stretch>
-            <a:fillRect/>
-          </a:stretch>
-        </p:blipFill>
-        <p:spPr>
-          <a:xfrm>
-            <a:off x="755576" y="4235145"/>
-            <a:ext cx="7200800" cy="2601289"/>
-          </a:xfrm>
-          <a:prstGeom prst="rect">
-            <a:avLst/>
-          </a:prstGeom>
-        </p:spPr>
-      </p:pic>
-    </p:spTree>
-    <p:extLst>
-      <p:ext uri="{BB962C8B-B14F-4D97-AF65-F5344CB8AC3E}">
-        <p14:creationId xmlns:p14="http://schemas.microsoft.com/office/powerpoint/2010/main" val="1065848028"/>
-      </p:ext>
-    </p:extLst>
-  </p:cSld>
-  <p:clrMapOvr>
-    <a:masterClrMapping/>
-  </p:clrMapOvr>
-</p:sld>
-</file>
-
-<file path=ppt/slides/slide35.xml><?xml version="1.0" encoding="utf-8"?>
-<p:sld xmlns:a="http://schemas.openxmlformats.org/drawingml/2006/main" xmlns:r="http://schemas.openxmlformats.org/officeDocument/2006/relationships" xmlns:p="http://schemas.openxmlformats.org/presentationml/2006/main">
-  <p:cSld>
-    <p:spTree>
-      <p:nvGrpSpPr>
-        <p:cNvPr id="1" name=""/>
-        <p:cNvGrpSpPr/>
-        <p:nvPr/>
-      </p:nvGrpSpPr>
-      <p:grpSpPr>
-        <a:xfrm>
-          <a:off x="0" y="0"/>
-          <a:ext cx="0" cy="0"/>
-          <a:chOff x="0" y="0"/>
-          <a:chExt cx="0" cy="0"/>
-        </a:xfrm>
-      </p:grpSpPr>
-      <p:sp>
-        <p:nvSpPr>
-          <p:cNvPr id="2" name="コンテンツ プレースホルダー 1">
-            <a:extLst>
-              <a:ext uri="{FF2B5EF4-FFF2-40B4-BE49-F238E27FC236}">
-                <a16:creationId xmlns:a16="http://schemas.microsoft.com/office/drawing/2014/main" id="{3084BC54-D08D-4CBA-887F-8B9F7C293682}"/>
-              </a:ext>
-            </a:extLst>
-          </p:cNvPr>
-          <p:cNvSpPr>
-            <a:spLocks noGrp="1"/>
-          </p:cNvSpPr>
-          <p:nvPr>
-            <p:ph idx="1"/>
-          </p:nvPr>
-        </p:nvSpPr>
-        <p:spPr/>
-        <p:txBody>
-          <a:bodyPr/>
-          <a:lstStyle/>
-          <a:p>
-            <a:r>
-              <a:rPr lang="en-US" altLang="ja-JP"/>
-              <a:t>MAC</a:t>
-            </a:r>
-            <a:r>
-              <a:rPr lang="ja-JP" altLang="en-US"/>
-              <a:t>（</a:t>
-            </a:r>
-            <a:r>
-              <a:rPr lang="en-US" altLang="ja-JP"/>
-              <a:t>Message Authentication Code</a:t>
-            </a:r>
-            <a:r>
-              <a:rPr lang="ja-JP" altLang="en-US"/>
-              <a:t>）</a:t>
-            </a:r>
-            <a:endParaRPr lang="en-US" altLang="ja-JP"/>
-          </a:p>
-          <a:p>
-            <a:pPr lvl="1"/>
-            <a:r>
-              <a:rPr kumimoji="1" lang="ja-JP" altLang="en-US"/>
-              <a:t>データの完全性</a:t>
-            </a:r>
-            <a:r>
-              <a:rPr kumimoji="1" lang="en-US" altLang="ja-JP"/>
-              <a:t>(</a:t>
-            </a:r>
-            <a:r>
-              <a:rPr kumimoji="1" lang="ja-JP" altLang="en-US"/>
-              <a:t>変わっていないこと</a:t>
-            </a:r>
-            <a:r>
-              <a:rPr kumimoji="1" lang="en-US" altLang="ja-JP"/>
-              <a:t>)</a:t>
-            </a:r>
-            <a:r>
-              <a:rPr kumimoji="1" lang="ja-JP" altLang="en-US"/>
-              <a:t>を保証する仕組み</a:t>
-            </a:r>
-            <a:endParaRPr kumimoji="1" lang="en-US" altLang="ja-JP"/>
-          </a:p>
-          <a:p>
-            <a:r>
-              <a:rPr lang="en-US" altLang="ja-JP"/>
-              <a:t>MAC</a:t>
-            </a:r>
-            <a:r>
-              <a:rPr lang="ja-JP" altLang="en-US"/>
-              <a:t>のアルゴリズム</a:t>
-            </a:r>
-            <a:endParaRPr lang="en-US" altLang="ja-JP"/>
-          </a:p>
-          <a:p>
-            <a:pPr lvl="1"/>
-            <a:r>
-              <a:rPr kumimoji="1" lang="ja-JP" altLang="en-US"/>
-              <a:t>秘密鍵</a:t>
-            </a:r>
-            <a:r>
-              <a:rPr kumimoji="1" lang="en-US" altLang="ja-JP"/>
-              <a:t>s</a:t>
-            </a:r>
-            <a:r>
-              <a:rPr kumimoji="1" lang="ja-JP" altLang="en-US"/>
-              <a:t>とデータ</a:t>
-            </a:r>
-            <a:r>
-              <a:rPr kumimoji="1" lang="en-US" altLang="ja-JP"/>
-              <a:t>m</a:t>
-            </a:r>
-            <a:r>
-              <a:rPr kumimoji="1" lang="ja-JP" altLang="en-US"/>
-              <a:t>から</a:t>
-            </a:r>
-            <a:r>
-              <a:rPr kumimoji="1" lang="en-US" altLang="ja-JP"/>
-              <a:t>MAC</a:t>
-            </a:r>
-            <a:r>
-              <a:rPr kumimoji="1" lang="ja-JP" altLang="en-US"/>
-              <a:t>値</a:t>
-            </a:r>
-            <a:r>
-              <a:rPr kumimoji="1" lang="en-US" altLang="ja-JP"/>
-              <a:t>t(</a:t>
-            </a:r>
-            <a:r>
-              <a:rPr kumimoji="1" lang="ja-JP" altLang="en-US"/>
-              <a:t>固定長</a:t>
-            </a:r>
-            <a:r>
-              <a:rPr kumimoji="1" lang="en-US" altLang="ja-JP"/>
-              <a:t>)</a:t>
-            </a:r>
-            <a:r>
-              <a:rPr kumimoji="1" lang="ja-JP" altLang="en-US"/>
-              <a:t>を生成する</a:t>
-            </a:r>
-            <a:endParaRPr kumimoji="1" lang="en-US" altLang="ja-JP"/>
-          </a:p>
-          <a:p>
-            <a:pPr lvl="1"/>
-            <a:r>
-              <a:rPr kumimoji="1" lang="en-US" altLang="ja-JP"/>
-              <a:t>t</a:t>
-            </a:r>
-            <a:r>
-              <a:rPr kumimoji="1" lang="ja-JP" altLang="en-US"/>
-              <a:t>からもとのデータは復元できない</a:t>
-            </a:r>
-            <a:r>
-              <a:rPr kumimoji="1" lang="en-US" altLang="ja-JP"/>
-              <a:t>(</a:t>
-            </a:r>
-            <a:r>
-              <a:rPr kumimoji="1" lang="ja-JP" altLang="en-US"/>
-              <a:t>「暗号化」ではない</a:t>
-            </a:r>
-            <a:r>
-              <a:rPr kumimoji="1" lang="en-US" altLang="ja-JP"/>
-              <a:t>)</a:t>
-            </a:r>
-            <a:endParaRPr kumimoji="1" lang="ja-JP" altLang="en-US"/>
-          </a:p>
-        </p:txBody>
-      </p:sp>
-      <p:sp>
-        <p:nvSpPr>
-          <p:cNvPr id="3" name="スライド番号プレースホルダー 2">
-            <a:extLst>
-              <a:ext uri="{FF2B5EF4-FFF2-40B4-BE49-F238E27FC236}">
-                <a16:creationId xmlns:a16="http://schemas.microsoft.com/office/drawing/2014/main" id="{8BC7527F-286E-4247-AD60-CDC53026228F}"/>
-              </a:ext>
-            </a:extLst>
-          </p:cNvPr>
-          <p:cNvSpPr>
-            <a:spLocks noGrp="1"/>
-          </p:cNvSpPr>
-          <p:nvPr>
-            <p:ph type="sldNum" sz="quarter" idx="12"/>
-          </p:nvPr>
-        </p:nvSpPr>
-        <p:spPr/>
-        <p:txBody>
-          <a:bodyPr/>
-          <a:lstStyle/>
-          <a:p>
-            <a:pPr>
-              <a:defRPr/>
-            </a:pPr>
-            <a:r>
-              <a:rPr lang="en-US" altLang="ja-JP"/>
-              <a:t>    </a:t>
-            </a:r>
-            <a:fld id="{B2782DEB-472A-4FE5-AC34-C17109CF5A91}" type="slidenum">
-              <a:rPr lang="en-US" altLang="ja-JP" smtClean="0"/>
-              <a:pPr>
-                <a:defRPr/>
-              </a:pPr>
-              <a:t>35</a:t>
-            </a:fld>
-            <a:r>
-              <a:rPr lang="en-US" altLang="ja-JP"/>
-              <a:t> / 24</a:t>
-            </a:r>
-          </a:p>
-        </p:txBody>
-      </p:sp>
-      <p:sp>
-        <p:nvSpPr>
-          <p:cNvPr id="4" name="タイトル 3">
-            <a:extLst>
-              <a:ext uri="{FF2B5EF4-FFF2-40B4-BE49-F238E27FC236}">
-                <a16:creationId xmlns:a16="http://schemas.microsoft.com/office/drawing/2014/main" id="{63CDA181-8C0B-439C-AB11-071496FCEFC7}"/>
-              </a:ext>
-            </a:extLst>
-          </p:cNvPr>
-          <p:cNvSpPr>
-            <a:spLocks noGrp="1"/>
-          </p:cNvSpPr>
-          <p:nvPr>
-            <p:ph type="title"/>
-          </p:nvPr>
-        </p:nvSpPr>
-        <p:spPr/>
-        <p:txBody>
-          <a:bodyPr/>
-          <a:lstStyle/>
-          <a:p>
-            <a:r>
-              <a:rPr kumimoji="1" lang="ja-JP" altLang="en-US"/>
-              <a:t>メッセージ認証符号</a:t>
-            </a:r>
-          </a:p>
-        </p:txBody>
-      </p:sp>
-      <p:pic>
-        <p:nvPicPr>
-          <p:cNvPr id="6" name="図 5">
-            <a:extLst>
-              <a:ext uri="{FF2B5EF4-FFF2-40B4-BE49-F238E27FC236}">
-                <a16:creationId xmlns:a16="http://schemas.microsoft.com/office/drawing/2014/main" id="{5D5C3A0A-C34E-487E-A335-75B441296C46}"/>
-              </a:ext>
-            </a:extLst>
-          </p:cNvPr>
-          <p:cNvPicPr>
-            <a:picLocks noChangeAspect="1"/>
-          </p:cNvPicPr>
-          <p:nvPr/>
-        </p:nvPicPr>
-        <p:blipFill>
-          <a:blip r:embed="rId2">
-            <a:extLst>
-              <a:ext uri="{28A0092B-C50C-407E-A947-70E740481C1C}">
-                <a14:useLocalDpi xmlns:a14="http://schemas.microsoft.com/office/drawing/2010/main" val="0"/>
-              </a:ext>
-            </a:extLst>
-          </a:blip>
-          <a:stretch>
-            <a:fillRect/>
-          </a:stretch>
-        </p:blipFill>
-        <p:spPr>
-          <a:xfrm>
-            <a:off x="611560" y="3212960"/>
-            <a:ext cx="7488832" cy="3604001"/>
-          </a:xfrm>
-          <a:prstGeom prst="rect">
-            <a:avLst/>
-          </a:prstGeom>
-        </p:spPr>
-      </p:pic>
-    </p:spTree>
-    <p:extLst>
-      <p:ext uri="{BB962C8B-B14F-4D97-AF65-F5344CB8AC3E}">
-        <p14:creationId xmlns:p14="http://schemas.microsoft.com/office/powerpoint/2010/main" val="4280411654"/>
-      </p:ext>
-    </p:extLst>
-  </p:cSld>
-  <p:clrMapOvr>
-    <a:masterClrMapping/>
-  </p:clrMapOvr>
-</p:sld>
-</file>
-
-<file path=ppt/slides/slide36.xml><?xml version="1.0" encoding="utf-8"?>
-<p:sld xmlns:a="http://schemas.openxmlformats.org/drawingml/2006/main" xmlns:r="http://schemas.openxmlformats.org/officeDocument/2006/relationships" xmlns:p="http://schemas.openxmlformats.org/presentationml/2006/main">
-  <p:cSld>
-    <p:spTree>
-      <p:nvGrpSpPr>
-        <p:cNvPr id="1" name=""/>
-        <p:cNvGrpSpPr/>
-        <p:nvPr/>
-      </p:nvGrpSpPr>
-      <p:grpSpPr>
-        <a:xfrm>
-          <a:off x="0" y="0"/>
-          <a:ext cx="0" cy="0"/>
-          <a:chOff x="0" y="0"/>
-          <a:chExt cx="0" cy="0"/>
-        </a:xfrm>
-      </p:grpSpPr>
-      <p:sp>
-        <p:nvSpPr>
-          <p:cNvPr id="2" name="コンテンツ プレースホルダー 1">
-            <a:extLst>
-              <a:ext uri="{FF2B5EF4-FFF2-40B4-BE49-F238E27FC236}">
-                <a16:creationId xmlns:a16="http://schemas.microsoft.com/office/drawing/2014/main" id="{0658738D-4B78-4BC4-BCDC-2541129C7BB8}"/>
-              </a:ext>
-            </a:extLst>
-          </p:cNvPr>
-          <p:cNvSpPr>
-            <a:spLocks noGrp="1"/>
-          </p:cNvSpPr>
-          <p:nvPr>
-            <p:ph idx="1"/>
-          </p:nvPr>
-        </p:nvSpPr>
-        <p:spPr/>
-        <p:txBody>
-          <a:bodyPr/>
-          <a:lstStyle/>
-          <a:p>
-            <a:r>
-              <a:rPr kumimoji="1" lang="en-US" altLang="ja-JP"/>
-              <a:t>MAC</a:t>
-            </a:r>
-            <a:r>
-              <a:rPr kumimoji="1" lang="ja-JP" altLang="en-US"/>
-              <a:t>利用時のデータ</a:t>
-            </a:r>
-            <a:r>
-              <a:rPr kumimoji="1" lang="en-US" altLang="ja-JP"/>
-              <a:t>m</a:t>
-            </a:r>
-            <a:r>
-              <a:rPr kumimoji="1" lang="ja-JP" altLang="en-US"/>
-              <a:t>はそのまま送る</a:t>
-            </a:r>
-            <a:endParaRPr kumimoji="1" lang="en-US" altLang="ja-JP"/>
-          </a:p>
-          <a:p>
-            <a:pPr lvl="1"/>
-            <a:r>
-              <a:rPr kumimoji="1" lang="ja-JP" altLang="en-US"/>
-              <a:t>通信を盗聴すればデータは見える</a:t>
-            </a:r>
-            <a:endParaRPr kumimoji="1" lang="en-US" altLang="ja-JP"/>
-          </a:p>
-          <a:p>
-            <a:pPr lvl="1"/>
-            <a:r>
-              <a:rPr kumimoji="1" lang="ja-JP" altLang="en-US"/>
-              <a:t>秘匿性が必要ならデータ</a:t>
-            </a:r>
-            <a:r>
-              <a:rPr kumimoji="1" lang="en-US" altLang="ja-JP"/>
-              <a:t>m</a:t>
-            </a:r>
-            <a:r>
-              <a:rPr kumimoji="1" lang="ja-JP" altLang="en-US"/>
-              <a:t>を暗号化しなければならない</a:t>
-            </a:r>
-            <a:endParaRPr kumimoji="1" lang="en-US" altLang="ja-JP"/>
-          </a:p>
-          <a:p>
-            <a:r>
-              <a:rPr kumimoji="1" lang="ja-JP" altLang="en-US"/>
-              <a:t>逆に</a:t>
-            </a:r>
-            <a:endParaRPr kumimoji="1" lang="en-US" altLang="ja-JP"/>
-          </a:p>
-          <a:p>
-            <a:pPr lvl="1"/>
-            <a:r>
-              <a:rPr kumimoji="1" lang="ja-JP" altLang="en-US"/>
-              <a:t>データが暗号化されているからといって改竄されていない</a:t>
-            </a:r>
-            <a:br>
-              <a:rPr kumimoji="1" lang="en-US" altLang="ja-JP"/>
-            </a:br>
-            <a:r>
-              <a:rPr kumimoji="1" lang="ja-JP" altLang="en-US"/>
-              <a:t>とは限らない</a:t>
-            </a:r>
-            <a:endParaRPr kumimoji="1" lang="en-US" altLang="ja-JP"/>
-          </a:p>
-          <a:p>
-            <a:pPr lvl="1"/>
-            <a:endParaRPr lang="en-US" altLang="ja-JP"/>
-          </a:p>
-          <a:p>
-            <a:pPr lvl="1"/>
-            <a:endParaRPr kumimoji="1" lang="en-US" altLang="ja-JP"/>
-          </a:p>
-          <a:p>
-            <a:pPr lvl="1"/>
-            <a:endParaRPr lang="en-US" altLang="ja-JP"/>
-          </a:p>
-          <a:p>
-            <a:pPr lvl="1"/>
-            <a:endParaRPr kumimoji="1" lang="en-US" altLang="ja-JP"/>
-          </a:p>
-          <a:p>
-            <a:pPr lvl="1"/>
-            <a:endParaRPr lang="en-US" altLang="ja-JP"/>
-          </a:p>
-          <a:p>
-            <a:pPr lvl="1"/>
-            <a:r>
-              <a:rPr kumimoji="1" lang="ja-JP" altLang="en-US"/>
-              <a:t>秘匿性と完全性の両立→認証付き暗号</a:t>
-            </a:r>
-          </a:p>
-        </p:txBody>
-      </p:sp>
-      <p:sp>
-        <p:nvSpPr>
-          <p:cNvPr id="3" name="スライド番号プレースホルダー 2">
-            <a:extLst>
-              <a:ext uri="{FF2B5EF4-FFF2-40B4-BE49-F238E27FC236}">
-                <a16:creationId xmlns:a16="http://schemas.microsoft.com/office/drawing/2014/main" id="{DA97A676-1D09-4E18-83F7-7230133901CB}"/>
-              </a:ext>
-            </a:extLst>
-          </p:cNvPr>
-          <p:cNvSpPr>
-            <a:spLocks noGrp="1"/>
-          </p:cNvSpPr>
-          <p:nvPr>
-            <p:ph type="sldNum" sz="quarter" idx="12"/>
-          </p:nvPr>
-        </p:nvSpPr>
-        <p:spPr/>
-        <p:txBody>
-          <a:bodyPr/>
-          <a:lstStyle/>
-          <a:p>
-            <a:pPr>
-              <a:defRPr/>
-            </a:pPr>
-            <a:r>
-              <a:rPr lang="en-US" altLang="ja-JP"/>
-              <a:t>    </a:t>
-            </a:r>
-            <a:fld id="{B2782DEB-472A-4FE5-AC34-C17109CF5A91}" type="slidenum">
-              <a:rPr lang="en-US" altLang="ja-JP" smtClean="0"/>
-              <a:pPr>
-                <a:defRPr/>
-              </a:pPr>
-              <a:t>36</a:t>
-            </a:fld>
-            <a:r>
-              <a:rPr lang="en-US" altLang="ja-JP"/>
-              <a:t> / 24</a:t>
-            </a:r>
-          </a:p>
-        </p:txBody>
-      </p:sp>
-      <p:sp>
-        <p:nvSpPr>
-          <p:cNvPr id="4" name="タイトル 3">
-            <a:extLst>
-              <a:ext uri="{FF2B5EF4-FFF2-40B4-BE49-F238E27FC236}">
-                <a16:creationId xmlns:a16="http://schemas.microsoft.com/office/drawing/2014/main" id="{49D15ADE-8606-44B6-9A5F-73B67C3E607C}"/>
-              </a:ext>
-            </a:extLst>
-          </p:cNvPr>
-          <p:cNvSpPr>
-            <a:spLocks noGrp="1"/>
-          </p:cNvSpPr>
-          <p:nvPr>
-            <p:ph type="title"/>
-          </p:nvPr>
-        </p:nvSpPr>
-        <p:spPr/>
-        <p:txBody>
-          <a:bodyPr/>
-          <a:lstStyle/>
-          <a:p>
-            <a:r>
-              <a:rPr kumimoji="1" lang="ja-JP" altLang="en-US"/>
-              <a:t>完全性と秘匿性</a:t>
-            </a:r>
-          </a:p>
-        </p:txBody>
-      </p:sp>
-      <p:graphicFrame>
-        <p:nvGraphicFramePr>
-          <p:cNvPr id="5" name="表 5">
-            <a:extLst>
-              <a:ext uri="{FF2B5EF4-FFF2-40B4-BE49-F238E27FC236}">
-                <a16:creationId xmlns:a16="http://schemas.microsoft.com/office/drawing/2014/main" id="{D2D7DC45-D5E8-4C46-B6AB-D2DCDEAEB6D4}"/>
-              </a:ext>
-            </a:extLst>
-          </p:cNvPr>
-          <p:cNvGraphicFramePr>
-            <a:graphicFrameLocks noGrp="1"/>
-          </p:cNvGraphicFramePr>
-          <p:nvPr>
-            <p:extLst>
-              <p:ext uri="{D42A27DB-BD31-4B8C-83A1-F6EECF244321}">
-                <p14:modId xmlns:p14="http://schemas.microsoft.com/office/powerpoint/2010/main" val="635265750"/>
-              </p:ext>
-            </p:extLst>
-          </p:nvPr>
-        </p:nvGraphicFramePr>
-        <p:xfrm>
-          <a:off x="1403648" y="3933056"/>
-          <a:ext cx="6096000" cy="1112520"/>
-        </p:xfrm>
-        <a:graphic>
-          <a:graphicData uri="http://schemas.openxmlformats.org/drawingml/2006/table">
-            <a:tbl>
-              <a:tblPr firstRow="1" bandRow="1">
-                <a:tableStyleId>{5C22544A-7EE6-4342-B048-85BDC9FD1C3A}</a:tableStyleId>
-              </a:tblPr>
-              <a:tblGrid>
-                <a:gridCol w="2032000">
-                  <a:extLst>
-                    <a:ext uri="{9D8B030D-6E8A-4147-A177-3AD203B41FA5}">
-                      <a16:colId xmlns:a16="http://schemas.microsoft.com/office/drawing/2014/main" val="2109175061"/>
-                    </a:ext>
-                  </a:extLst>
-                </a:gridCol>
-                <a:gridCol w="2032000">
-                  <a:extLst>
-                    <a:ext uri="{9D8B030D-6E8A-4147-A177-3AD203B41FA5}">
-                      <a16:colId xmlns:a16="http://schemas.microsoft.com/office/drawing/2014/main" val="3442624890"/>
-                    </a:ext>
-                  </a:extLst>
-                </a:gridCol>
-                <a:gridCol w="2032000">
-                  <a:extLst>
-                    <a:ext uri="{9D8B030D-6E8A-4147-A177-3AD203B41FA5}">
-                      <a16:colId xmlns:a16="http://schemas.microsoft.com/office/drawing/2014/main" val="3809667354"/>
-                    </a:ext>
-                  </a:extLst>
-                </a:gridCol>
-              </a:tblGrid>
-              <a:tr h="370840">
-                <a:tc>
-                  <a:txBody>
-                    <a:bodyPr/>
-                    <a:lstStyle/>
-                    <a:p>
-                      <a:r>
-                        <a:rPr kumimoji="1" lang="ja-JP" altLang="en-US"/>
-                        <a:t>暗号技術＼性質</a:t>
-                      </a:r>
-                    </a:p>
-                  </a:txBody>
-                  <a:tcPr/>
-                </a:tc>
-                <a:tc>
-                  <a:txBody>
-                    <a:bodyPr/>
-                    <a:lstStyle/>
-                    <a:p>
-                      <a:r>
-                        <a:rPr kumimoji="1" lang="ja-JP" altLang="en-US"/>
-                        <a:t>秘匿性</a:t>
-                      </a:r>
-                    </a:p>
-                  </a:txBody>
-                  <a:tcPr/>
-                </a:tc>
-                <a:tc>
-                  <a:txBody>
-                    <a:bodyPr/>
-                    <a:lstStyle/>
-                    <a:p>
-                      <a:r>
-                        <a:rPr kumimoji="1" lang="ja-JP" altLang="en-US"/>
-                        <a:t>完全性</a:t>
-                      </a:r>
-                    </a:p>
-                  </a:txBody>
-                  <a:tcPr/>
-                </a:tc>
-                <a:extLst>
-                  <a:ext uri="{0D108BD9-81ED-4DB2-BD59-A6C34878D82A}">
-                    <a16:rowId xmlns:a16="http://schemas.microsoft.com/office/drawing/2014/main" val="1777765356"/>
-                  </a:ext>
-                </a:extLst>
-              </a:tr>
-              <a:tr h="370840">
-                <a:tc>
-                  <a:txBody>
-                    <a:bodyPr/>
-                    <a:lstStyle/>
-                    <a:p>
-                      <a:r>
-                        <a:rPr kumimoji="1" lang="ja-JP" altLang="en-US"/>
-                        <a:t>共通鍵暗号</a:t>
-                      </a:r>
-                    </a:p>
-                  </a:txBody>
-                  <a:tcPr/>
-                </a:tc>
-                <a:tc>
-                  <a:txBody>
-                    <a:bodyPr/>
-                    <a:lstStyle/>
-                    <a:p>
-                      <a:r>
-                        <a:rPr kumimoji="1" lang="ja-JP" altLang="en-US"/>
-                        <a:t>ある</a:t>
-                      </a:r>
-                    </a:p>
-                  </a:txBody>
-                  <a:tcPr/>
-                </a:tc>
-                <a:tc>
-                  <a:txBody>
-                    <a:bodyPr/>
-                    <a:lstStyle/>
-                    <a:p>
-                      <a:r>
-                        <a:rPr kumimoji="1" lang="ja-JP" altLang="en-US"/>
-                        <a:t>無い</a:t>
-                      </a:r>
-                    </a:p>
-                  </a:txBody>
-                  <a:tcPr/>
-                </a:tc>
-                <a:extLst>
-                  <a:ext uri="{0D108BD9-81ED-4DB2-BD59-A6C34878D82A}">
-                    <a16:rowId xmlns:a16="http://schemas.microsoft.com/office/drawing/2014/main" val="2877552023"/>
-                  </a:ext>
-                </a:extLst>
-              </a:tr>
-              <a:tr h="370840">
-                <a:tc>
-                  <a:txBody>
-                    <a:bodyPr/>
-                    <a:lstStyle/>
-                    <a:p>
-                      <a:r>
-                        <a:rPr kumimoji="1" lang="en-US" altLang="ja-JP"/>
-                        <a:t>MAC</a:t>
-                      </a:r>
-                      <a:endParaRPr kumimoji="1" lang="ja-JP" altLang="en-US"/>
-                    </a:p>
-                  </a:txBody>
-                  <a:tcPr/>
-                </a:tc>
-                <a:tc>
-                  <a:txBody>
-                    <a:bodyPr/>
-                    <a:lstStyle/>
-                    <a:p>
-                      <a:r>
-                        <a:rPr kumimoji="1" lang="ja-JP" altLang="en-US"/>
-                        <a:t>無い</a:t>
-                      </a:r>
-                    </a:p>
-                  </a:txBody>
-                  <a:tcPr/>
-                </a:tc>
-                <a:tc>
-                  <a:txBody>
-                    <a:bodyPr/>
-                    <a:lstStyle/>
-                    <a:p>
-                      <a:r>
-                        <a:rPr kumimoji="1" lang="ja-JP" altLang="en-US"/>
-                        <a:t>ある</a:t>
-                      </a:r>
-                    </a:p>
-                  </a:txBody>
-                  <a:tcPr/>
-                </a:tc>
-                <a:extLst>
-                  <a:ext uri="{0D108BD9-81ED-4DB2-BD59-A6C34878D82A}">
-                    <a16:rowId xmlns:a16="http://schemas.microsoft.com/office/drawing/2014/main" val="468618717"/>
-                  </a:ext>
-                </a:extLst>
-              </a:tr>
-            </a:tbl>
-          </a:graphicData>
-        </a:graphic>
-      </p:graphicFrame>
-    </p:spTree>
-    <p:extLst>
-      <p:ext uri="{BB962C8B-B14F-4D97-AF65-F5344CB8AC3E}">
-        <p14:creationId xmlns:p14="http://schemas.microsoft.com/office/powerpoint/2010/main" val="3117221223"/>
-      </p:ext>
-    </p:extLst>
-  </p:cSld>
-  <p:clrMapOvr>
-    <a:masterClrMapping/>
-  </p:clrMapOvr>
-</p:sld>
-</file>
-
-<file path=ppt/slides/slide37.xml><?xml version="1.0" encoding="utf-8"?>
-<p:sld xmlns:a="http://schemas.openxmlformats.org/drawingml/2006/main" xmlns:r="http://schemas.openxmlformats.org/officeDocument/2006/relationships" xmlns:p="http://schemas.openxmlformats.org/presentationml/2006/main">
-  <p:cSld>
-    <p:spTree>
-      <p:nvGrpSpPr>
-        <p:cNvPr id="1" name=""/>
-        <p:cNvGrpSpPr/>
-        <p:nvPr/>
-      </p:nvGrpSpPr>
-      <p:grpSpPr>
-        <a:xfrm>
-          <a:off x="0" y="0"/>
-          <a:ext cx="0" cy="0"/>
-          <a:chOff x="0" y="0"/>
-          <a:chExt cx="0" cy="0"/>
-        </a:xfrm>
-      </p:grpSpPr>
-      <p:sp>
-        <p:nvSpPr>
-          <p:cNvPr id="2" name="コンテンツ プレースホルダー 1">
-            <a:extLst>
-              <a:ext uri="{FF2B5EF4-FFF2-40B4-BE49-F238E27FC236}">
-                <a16:creationId xmlns:a16="http://schemas.microsoft.com/office/drawing/2014/main" id="{42E86D18-CF28-459C-89E8-FFD55DB26AE1}"/>
-              </a:ext>
-            </a:extLst>
-          </p:cNvPr>
-          <p:cNvSpPr>
-            <a:spLocks noGrp="1"/>
-          </p:cNvSpPr>
-          <p:nvPr>
-            <p:ph idx="1"/>
-          </p:nvPr>
-        </p:nvSpPr>
-        <p:spPr/>
-        <p:txBody>
-          <a:bodyPr/>
-          <a:lstStyle/>
-          <a:p>
-            <a:r>
-              <a:rPr kumimoji="1" lang="ja-JP" altLang="en-US"/>
-              <a:t>盗聴した攻撃者は偽データとその</a:t>
-            </a:r>
-            <a:r>
-              <a:rPr kumimoji="1" lang="en-US" altLang="ja-JP"/>
-              <a:t>MAC</a:t>
-            </a:r>
-            <a:r>
-              <a:rPr kumimoji="1" lang="ja-JP" altLang="en-US"/>
-              <a:t>値の組を作れてはいけない</a:t>
-            </a:r>
-          </a:p>
-        </p:txBody>
-      </p:sp>
-      <p:sp>
-        <p:nvSpPr>
-          <p:cNvPr id="3" name="スライド番号プレースホルダー 2">
-            <a:extLst>
-              <a:ext uri="{FF2B5EF4-FFF2-40B4-BE49-F238E27FC236}">
-                <a16:creationId xmlns:a16="http://schemas.microsoft.com/office/drawing/2014/main" id="{AB9F26F4-83DE-4194-BC8D-DD0C7E4176A1}"/>
-              </a:ext>
-            </a:extLst>
-          </p:cNvPr>
-          <p:cNvSpPr>
-            <a:spLocks noGrp="1"/>
-          </p:cNvSpPr>
-          <p:nvPr>
-            <p:ph type="sldNum" sz="quarter" idx="12"/>
-          </p:nvPr>
-        </p:nvSpPr>
-        <p:spPr/>
-        <p:txBody>
-          <a:bodyPr/>
-          <a:lstStyle/>
-          <a:p>
-            <a:pPr>
-              <a:defRPr/>
-            </a:pPr>
-            <a:r>
-              <a:rPr lang="en-US" altLang="ja-JP"/>
-              <a:t>    </a:t>
-            </a:r>
-            <a:fld id="{B2782DEB-472A-4FE5-AC34-C17109CF5A91}" type="slidenum">
-              <a:rPr lang="en-US" altLang="ja-JP" smtClean="0"/>
-              <a:pPr>
-                <a:defRPr/>
-              </a:pPr>
-              <a:t>37</a:t>
-            </a:fld>
-            <a:r>
-              <a:rPr lang="en-US" altLang="ja-JP"/>
-              <a:t> / 24</a:t>
-            </a:r>
-          </a:p>
-        </p:txBody>
-      </p:sp>
-      <p:sp>
-        <p:nvSpPr>
-          <p:cNvPr id="4" name="タイトル 3">
-            <a:extLst>
-              <a:ext uri="{FF2B5EF4-FFF2-40B4-BE49-F238E27FC236}">
-                <a16:creationId xmlns:a16="http://schemas.microsoft.com/office/drawing/2014/main" id="{1F7BE459-0612-4E1D-AB5B-E5BFEA451764}"/>
-              </a:ext>
-            </a:extLst>
-          </p:cNvPr>
-          <p:cNvSpPr>
-            <a:spLocks noGrp="1"/>
-          </p:cNvSpPr>
-          <p:nvPr>
-            <p:ph type="title"/>
-          </p:nvPr>
-        </p:nvSpPr>
-        <p:spPr/>
-        <p:txBody>
-          <a:bodyPr/>
-          <a:lstStyle/>
-          <a:p>
-            <a:r>
-              <a:rPr kumimoji="1" lang="en-US" altLang="ja-JP"/>
-              <a:t>MAC</a:t>
-            </a:r>
-            <a:r>
-              <a:rPr kumimoji="1" lang="ja-JP" altLang="en-US"/>
-              <a:t>の安全性</a:t>
-            </a:r>
-          </a:p>
-        </p:txBody>
-      </p:sp>
-      <p:pic>
-        <p:nvPicPr>
-          <p:cNvPr id="6" name="図 5">
-            <a:extLst>
-              <a:ext uri="{FF2B5EF4-FFF2-40B4-BE49-F238E27FC236}">
-                <a16:creationId xmlns:a16="http://schemas.microsoft.com/office/drawing/2014/main" id="{E8F42C36-8C67-46B0-8157-4C0E3640D457}"/>
-              </a:ext>
-            </a:extLst>
-          </p:cNvPr>
-          <p:cNvPicPr>
-            <a:picLocks noChangeAspect="1"/>
-          </p:cNvPicPr>
-          <p:nvPr/>
-        </p:nvPicPr>
-        <p:blipFill>
-          <a:blip r:embed="rId2">
-            <a:extLst>
-              <a:ext uri="{28A0092B-C50C-407E-A947-70E740481C1C}">
-                <a14:useLocalDpi xmlns:a14="http://schemas.microsoft.com/office/drawing/2010/main" val="0"/>
-              </a:ext>
-            </a:extLst>
-          </a:blip>
-          <a:stretch>
-            <a:fillRect/>
-          </a:stretch>
-        </p:blipFill>
-        <p:spPr>
-          <a:xfrm>
-            <a:off x="791580" y="1988840"/>
-            <a:ext cx="7560840" cy="4007246"/>
-          </a:xfrm>
-          <a:prstGeom prst="rect">
-            <a:avLst/>
-          </a:prstGeom>
-        </p:spPr>
-      </p:pic>
-    </p:spTree>
-    <p:extLst>
-      <p:ext uri="{BB962C8B-B14F-4D97-AF65-F5344CB8AC3E}">
-        <p14:creationId xmlns:p14="http://schemas.microsoft.com/office/powerpoint/2010/main" val="2782088609"/>
-      </p:ext>
-    </p:extLst>
-  </p:cSld>
-  <p:clrMapOvr>
-    <a:masterClrMapping/>
-  </p:clrMapOvr>
-</p:sld>
-</file>
-
-<file path=ppt/slides/slide38.xml><?xml version="1.0" encoding="utf-8"?>
-<p:sld xmlns:a="http://schemas.openxmlformats.org/drawingml/2006/main" xmlns:r="http://schemas.openxmlformats.org/officeDocument/2006/relationships" xmlns:p="http://schemas.openxmlformats.org/presentationml/2006/main">
-  <p:cSld>
-    <p:spTree>
-      <p:nvGrpSpPr>
-        <p:cNvPr id="1" name=""/>
-        <p:cNvGrpSpPr/>
-        <p:nvPr/>
-      </p:nvGrpSpPr>
-      <p:grpSpPr>
-        <a:xfrm>
-          <a:off x="0" y="0"/>
-          <a:ext cx="0" cy="0"/>
-          <a:chOff x="0" y="0"/>
-          <a:chExt cx="0" cy="0"/>
-        </a:xfrm>
-      </p:grpSpPr>
-      <p:pic>
-        <p:nvPicPr>
-          <p:cNvPr id="6" name="図 5">
-            <a:extLst>
-              <a:ext uri="{FF2B5EF4-FFF2-40B4-BE49-F238E27FC236}">
-                <a16:creationId xmlns:a16="http://schemas.microsoft.com/office/drawing/2014/main" id="{DE499AA4-1F5A-4D9A-8AE8-BD48AEB54818}"/>
-              </a:ext>
-            </a:extLst>
-          </p:cNvPr>
-          <p:cNvPicPr>
-            <a:picLocks noChangeAspect="1"/>
-          </p:cNvPicPr>
-          <p:nvPr/>
-        </p:nvPicPr>
-        <p:blipFill>
-          <a:blip r:embed="rId2"/>
-          <a:stretch>
-            <a:fillRect/>
-          </a:stretch>
-        </p:blipFill>
-        <p:spPr>
-          <a:xfrm>
-            <a:off x="1403648" y="3674322"/>
-            <a:ext cx="6696744" cy="2878878"/>
-          </a:xfrm>
-          <a:prstGeom prst="rect">
-            <a:avLst/>
-          </a:prstGeom>
-        </p:spPr>
-      </p:pic>
-      <p:sp>
-        <p:nvSpPr>
-          <p:cNvPr id="2" name="コンテンツ プレースホルダー 1">
-            <a:extLst>
-              <a:ext uri="{FF2B5EF4-FFF2-40B4-BE49-F238E27FC236}">
-                <a16:creationId xmlns:a16="http://schemas.microsoft.com/office/drawing/2014/main" id="{18D8C69C-DD55-4420-A2AE-7AC3FB8C2A5B}"/>
-              </a:ext>
-            </a:extLst>
-          </p:cNvPr>
-          <p:cNvSpPr>
-            <a:spLocks noGrp="1"/>
-          </p:cNvSpPr>
-          <p:nvPr>
-            <p:ph idx="1"/>
-          </p:nvPr>
-        </p:nvSpPr>
-        <p:spPr/>
-        <p:txBody>
-          <a:bodyPr/>
-          <a:lstStyle/>
-          <a:p>
-            <a:r>
-              <a:rPr kumimoji="1" lang="en-US" altLang="ja-JP"/>
-              <a:t>HMAC(Hash-based MAC)</a:t>
-            </a:r>
-          </a:p>
-          <a:p>
-            <a:pPr lvl="1"/>
-            <a:r>
-              <a:rPr kumimoji="1" lang="ja-JP" altLang="en-US"/>
-              <a:t>ハッシュ関数を使って構成する</a:t>
-            </a:r>
-            <a:endParaRPr kumimoji="1" lang="en-US" altLang="ja-JP"/>
-          </a:p>
-          <a:p>
-            <a:r>
-              <a:rPr kumimoji="1" lang="en-US" altLang="ja-JP"/>
-              <a:t>CMAC(Cipher-based MAC)</a:t>
-            </a:r>
-          </a:p>
-          <a:p>
-            <a:pPr lvl="1"/>
-            <a:r>
-              <a:rPr kumimoji="1" lang="ja-JP" altLang="en-US"/>
-              <a:t>ブロック暗号を使って構成する</a:t>
-            </a:r>
-            <a:endParaRPr kumimoji="1" lang="en-US" altLang="ja-JP"/>
-          </a:p>
-          <a:p>
-            <a:pPr lvl="1"/>
-            <a:r>
-              <a:rPr kumimoji="1" lang="ja-JP" altLang="en-US"/>
-              <a:t>他いろいろ</a:t>
-            </a:r>
-            <a:endParaRPr kumimoji="1" lang="en-US" altLang="ja-JP"/>
-          </a:p>
-          <a:p>
-            <a:r>
-              <a:rPr kumimoji="1" lang="en-US" altLang="ja-JP"/>
-              <a:t>HMAC-SHA-256 ; </a:t>
-            </a:r>
-            <a:r>
-              <a:rPr kumimoji="1" lang="ja-JP" altLang="en-US"/>
-              <a:t>秘密鍵</a:t>
-            </a:r>
-            <a:r>
-              <a:rPr kumimoji="1" lang="en-US" altLang="ja-JP"/>
-              <a:t>s, </a:t>
-            </a:r>
-            <a:r>
-              <a:rPr kumimoji="1" lang="ja-JP" altLang="en-US"/>
-              <a:t>データ</a:t>
-            </a:r>
-            <a:r>
-              <a:rPr kumimoji="1" lang="en-US" altLang="ja-JP"/>
-              <a:t>m</a:t>
-            </a:r>
-          </a:p>
-          <a:p>
-            <a:endParaRPr lang="en-US" altLang="ja-JP"/>
-          </a:p>
-          <a:p>
-            <a:endParaRPr kumimoji="1" lang="en-US" altLang="ja-JP"/>
-          </a:p>
-          <a:p>
-            <a:endParaRPr lang="en-US" altLang="ja-JP"/>
-          </a:p>
-          <a:p>
-            <a:endParaRPr kumimoji="1" lang="en-US" altLang="ja-JP"/>
-          </a:p>
-          <a:p>
-            <a:pPr marL="0" indent="0">
-              <a:buNone/>
-            </a:pPr>
-            <a:r>
-              <a:rPr kumimoji="1" lang="en-US" altLang="ja-JP" sz="1800"/>
-              <a:t>                                                                                              『</a:t>
-            </a:r>
-            <a:r>
-              <a:rPr kumimoji="1" lang="ja-JP" altLang="en-US" sz="1800"/>
-              <a:t>暗認本</a:t>
-            </a:r>
-            <a:r>
-              <a:rPr kumimoji="1" lang="en-US" altLang="ja-JP" sz="1800"/>
-              <a:t>』p.163</a:t>
-            </a:r>
-            <a:endParaRPr kumimoji="1" lang="ja-JP" altLang="en-US" sz="1800"/>
-          </a:p>
-        </p:txBody>
-      </p:sp>
-      <p:sp>
-        <p:nvSpPr>
-          <p:cNvPr id="3" name="スライド番号プレースホルダー 2">
-            <a:extLst>
-              <a:ext uri="{FF2B5EF4-FFF2-40B4-BE49-F238E27FC236}">
-                <a16:creationId xmlns:a16="http://schemas.microsoft.com/office/drawing/2014/main" id="{62CB4FE8-92AC-4ADC-A3E0-EF3C414B368F}"/>
-              </a:ext>
-            </a:extLst>
-          </p:cNvPr>
-          <p:cNvSpPr>
-            <a:spLocks noGrp="1"/>
-          </p:cNvSpPr>
-          <p:nvPr>
-            <p:ph type="sldNum" sz="quarter" idx="12"/>
-          </p:nvPr>
-        </p:nvSpPr>
-        <p:spPr/>
-        <p:txBody>
-          <a:bodyPr/>
-          <a:lstStyle/>
-          <a:p>
-            <a:pPr>
-              <a:defRPr/>
-            </a:pPr>
-            <a:r>
-              <a:rPr lang="en-US" altLang="ja-JP"/>
-              <a:t>    </a:t>
-            </a:r>
-            <a:fld id="{B2782DEB-472A-4FE5-AC34-C17109CF5A91}" type="slidenum">
-              <a:rPr lang="en-US" altLang="ja-JP" smtClean="0"/>
-              <a:pPr>
-                <a:defRPr/>
-              </a:pPr>
-              <a:t>38</a:t>
-            </a:fld>
-            <a:r>
-              <a:rPr lang="en-US" altLang="ja-JP"/>
-              <a:t> / 24</a:t>
-            </a:r>
-          </a:p>
-        </p:txBody>
-      </p:sp>
-      <p:sp>
-        <p:nvSpPr>
-          <p:cNvPr id="4" name="タイトル 3">
-            <a:extLst>
-              <a:ext uri="{FF2B5EF4-FFF2-40B4-BE49-F238E27FC236}">
-                <a16:creationId xmlns:a16="http://schemas.microsoft.com/office/drawing/2014/main" id="{5EB1DF60-3A6C-4FBC-9974-BB8F88A5E486}"/>
-              </a:ext>
-            </a:extLst>
-          </p:cNvPr>
-          <p:cNvSpPr>
-            <a:spLocks noGrp="1"/>
-          </p:cNvSpPr>
-          <p:nvPr>
-            <p:ph type="title"/>
-          </p:nvPr>
-        </p:nvSpPr>
-        <p:spPr/>
-        <p:txBody>
-          <a:bodyPr/>
-          <a:lstStyle/>
-          <a:p>
-            <a:r>
-              <a:rPr lang="en-US" altLang="ja-JP"/>
-              <a:t>MAC</a:t>
-            </a:r>
-            <a:r>
-              <a:rPr lang="ja-JP" altLang="en-US"/>
-              <a:t>の構成法</a:t>
-            </a:r>
-            <a:endParaRPr kumimoji="1" lang="ja-JP" altLang="en-US"/>
-          </a:p>
-        </p:txBody>
-      </p:sp>
-    </p:spTree>
-    <p:extLst>
-      <p:ext uri="{BB962C8B-B14F-4D97-AF65-F5344CB8AC3E}">
-        <p14:creationId xmlns:p14="http://schemas.microsoft.com/office/powerpoint/2010/main" val="408895616"/>
+        <p14:creationId xmlns:p14="http://schemas.microsoft.com/office/powerpoint/2010/main" val="3063434139"/>
       </p:ext>
     </p:extLst>
   </p:cSld>
@@ -14752,48 +9577,6 @@
       </mc:AlternateContent>
       <p:sp>
         <p:nvSpPr>
-          <p:cNvPr id="3" name="スライド番号プレースホルダー 2">
-            <a:extLst>
-              <a:ext uri="{FF2B5EF4-FFF2-40B4-BE49-F238E27FC236}">
-                <a16:creationId xmlns:a16="http://schemas.microsoft.com/office/drawing/2014/main" id="{1C8205DE-1EC8-4033-817B-6BCABD4080D8}"/>
-              </a:ext>
-            </a:extLst>
-          </p:cNvPr>
-          <p:cNvSpPr>
-            <a:spLocks noGrp="1"/>
-          </p:cNvSpPr>
-          <p:nvPr>
-            <p:ph type="sldNum" sz="quarter" idx="12"/>
-          </p:nvPr>
-        </p:nvSpPr>
-        <p:spPr/>
-        <p:txBody>
-          <a:bodyPr/>
-          <a:lstStyle/>
-          <a:p>
-            <a:pPr>
-              <a:defRPr/>
-            </a:pPr>
-            <a:r>
-              <a:rPr lang="en-US" altLang="ja-JP"/>
-              <a:t>    </a:t>
-            </a:r>
-            <a:fld id="{B2782DEB-472A-4FE5-AC34-C17109CF5A91}" type="slidenum">
-              <a:rPr lang="en-US" altLang="ja-JP" smtClean="0"/>
-              <a:pPr>
-                <a:defRPr/>
-              </a:pPr>
-              <a:t>4</a:t>
-            </a:fld>
-            <a:r>
-              <a:rPr lang="en-US" altLang="ja-JP"/>
-              <a:t> / 24</a:t>
-            </a:r>
-          </a:p>
-        </p:txBody>
-      </p:sp>
-      <p:sp>
-        <p:nvSpPr>
           <p:cNvPr id="4" name="タイトル 3">
             <a:extLst>
               <a:ext uri="{FF2B5EF4-FFF2-40B4-BE49-F238E27FC236}">
@@ -14860,6 +9643,48 @@
           </a:prstGeom>
         </p:spPr>
       </p:pic>
+      <p:sp>
+        <p:nvSpPr>
+          <p:cNvPr id="5" name="スライド番号プレースホルダー 4">
+            <a:extLst>
+              <a:ext uri="{FF2B5EF4-FFF2-40B4-BE49-F238E27FC236}">
+                <a16:creationId xmlns:a16="http://schemas.microsoft.com/office/drawing/2014/main" id="{F861A787-8E31-4EB4-9471-8AE1BEFB5A1C}"/>
+              </a:ext>
+            </a:extLst>
+          </p:cNvPr>
+          <p:cNvSpPr>
+            <a:spLocks noGrp="1"/>
+          </p:cNvSpPr>
+          <p:nvPr>
+            <p:ph type="sldNum" sz="quarter" idx="12"/>
+          </p:nvPr>
+        </p:nvSpPr>
+        <p:spPr/>
+        <p:txBody>
+          <a:bodyPr/>
+          <a:lstStyle/>
+          <a:p>
+            <a:pPr>
+              <a:defRPr/>
+            </a:pPr>
+            <a:r>
+              <a:rPr lang="en-US" altLang="ja-JP"/>
+              <a:t>    </a:t>
+            </a:r>
+            <a:fld id="{B2782DEB-472A-4FE5-AC34-C17109CF5A91}" type="slidenum">
+              <a:rPr lang="en-US" altLang="ja-JP" smtClean="0"/>
+              <a:pPr>
+                <a:defRPr/>
+              </a:pPr>
+              <a:t>4</a:t>
+            </a:fld>
+            <a:r>
+              <a:rPr lang="en-US" altLang="ja-JP"/>
+              <a:t> / 22</a:t>
+            </a:r>
+          </a:p>
+        </p:txBody>
+      </p:sp>
     </p:spTree>
     <p:extLst>
       <p:ext uri="{BB962C8B-B14F-4D97-AF65-F5344CB8AC3E}">
@@ -15029,48 +9854,6 @@
             <a:r>
               <a:rPr kumimoji="1" lang="ja-JP" altLang="en-US"/>
               <a:t>の電子政府推奨暗号リストにある方式</a:t>
-            </a:r>
-          </a:p>
-        </p:txBody>
-      </p:sp>
-      <p:sp>
-        <p:nvSpPr>
-          <p:cNvPr id="3" name="スライド番号プレースホルダー 2">
-            <a:extLst>
-              <a:ext uri="{FF2B5EF4-FFF2-40B4-BE49-F238E27FC236}">
-                <a16:creationId xmlns:a16="http://schemas.microsoft.com/office/drawing/2014/main" id="{4CC55BEA-6757-490A-92EC-3CCEE5D57174}"/>
-              </a:ext>
-            </a:extLst>
-          </p:cNvPr>
-          <p:cNvSpPr>
-            <a:spLocks noGrp="1"/>
-          </p:cNvSpPr>
-          <p:nvPr>
-            <p:ph type="sldNum" sz="quarter" idx="12"/>
-          </p:nvPr>
-        </p:nvSpPr>
-        <p:spPr/>
-        <p:txBody>
-          <a:bodyPr/>
-          <a:lstStyle/>
-          <a:p>
-            <a:pPr>
-              <a:defRPr/>
-            </a:pPr>
-            <a:r>
-              <a:rPr lang="en-US" altLang="ja-JP"/>
-              <a:t>    </a:t>
-            </a:r>
-            <a:fld id="{B2782DEB-472A-4FE5-AC34-C17109CF5A91}" type="slidenum">
-              <a:rPr lang="en-US" altLang="ja-JP" smtClean="0"/>
-              <a:pPr>
-                <a:defRPr/>
-              </a:pPr>
-              <a:t>5</a:t>
-            </a:fld>
-            <a:r>
-              <a:rPr lang="en-US" altLang="ja-JP"/>
-              <a:t> / 24</a:t>
             </a:r>
           </a:p>
         </p:txBody>
@@ -15299,6 +10082,48 @@
           </a:graphicData>
         </a:graphic>
       </p:graphicFrame>
+      <p:sp>
+        <p:nvSpPr>
+          <p:cNvPr id="6" name="スライド番号プレースホルダー 5">
+            <a:extLst>
+              <a:ext uri="{FF2B5EF4-FFF2-40B4-BE49-F238E27FC236}">
+                <a16:creationId xmlns:a16="http://schemas.microsoft.com/office/drawing/2014/main" id="{39F3598E-2936-4713-ADBE-ECA08AC586E9}"/>
+              </a:ext>
+            </a:extLst>
+          </p:cNvPr>
+          <p:cNvSpPr>
+            <a:spLocks noGrp="1"/>
+          </p:cNvSpPr>
+          <p:nvPr>
+            <p:ph type="sldNum" sz="quarter" idx="12"/>
+          </p:nvPr>
+        </p:nvSpPr>
+        <p:spPr/>
+        <p:txBody>
+          <a:bodyPr/>
+          <a:lstStyle/>
+          <a:p>
+            <a:pPr>
+              <a:defRPr/>
+            </a:pPr>
+            <a:r>
+              <a:rPr lang="en-US" altLang="ja-JP"/>
+              <a:t>    </a:t>
+            </a:r>
+            <a:fld id="{B2782DEB-472A-4FE5-AC34-C17109CF5A91}" type="slidenum">
+              <a:rPr lang="en-US" altLang="ja-JP" smtClean="0"/>
+              <a:pPr>
+                <a:defRPr/>
+              </a:pPr>
+              <a:t>5</a:t>
+            </a:fld>
+            <a:r>
+              <a:rPr lang="en-US" altLang="ja-JP"/>
+              <a:t> / 22</a:t>
+            </a:r>
+          </a:p>
+        </p:txBody>
+      </p:sp>
     </p:spTree>
     <p:extLst>
       <p:ext uri="{BB962C8B-B14F-4D97-AF65-F5344CB8AC3E}">
@@ -15418,48 +10243,6 @@
       </p:sp>
       <p:sp>
         <p:nvSpPr>
-          <p:cNvPr id="3" name="スライド番号プレースホルダー 2">
-            <a:extLst>
-              <a:ext uri="{FF2B5EF4-FFF2-40B4-BE49-F238E27FC236}">
-                <a16:creationId xmlns:a16="http://schemas.microsoft.com/office/drawing/2014/main" id="{7408791B-AB2A-4971-B915-10D7499DEEEB}"/>
-              </a:ext>
-            </a:extLst>
-          </p:cNvPr>
-          <p:cNvSpPr>
-            <a:spLocks noGrp="1"/>
-          </p:cNvSpPr>
-          <p:nvPr>
-            <p:ph type="sldNum" sz="quarter" idx="12"/>
-          </p:nvPr>
-        </p:nvSpPr>
-        <p:spPr/>
-        <p:txBody>
-          <a:bodyPr/>
-          <a:lstStyle/>
-          <a:p>
-            <a:pPr>
-              <a:defRPr/>
-            </a:pPr>
-            <a:r>
-              <a:rPr lang="en-US" altLang="ja-JP"/>
-              <a:t>    </a:t>
-            </a:r>
-            <a:fld id="{B2782DEB-472A-4FE5-AC34-C17109CF5A91}" type="slidenum">
-              <a:rPr lang="en-US" altLang="ja-JP" smtClean="0"/>
-              <a:pPr>
-                <a:defRPr/>
-              </a:pPr>
-              <a:t>6</a:t>
-            </a:fld>
-            <a:r>
-              <a:rPr lang="en-US" altLang="ja-JP"/>
-              <a:t> / 24</a:t>
-            </a:r>
-          </a:p>
-        </p:txBody>
-      </p:sp>
-      <p:sp>
-        <p:nvSpPr>
           <p:cNvPr id="4" name="タイトル 3">
             <a:extLst>
               <a:ext uri="{FF2B5EF4-FFF2-40B4-BE49-F238E27FC236}">
@@ -15727,6 +10510,48 @@
               <a:ea typeface="游ゴシック" panose="020B0400000000000000" pitchFamily="50" charset="-128"/>
               <a:cs typeface="Courier New" pitchFamily="49" charset="0"/>
             </a:endParaRPr>
+          </a:p>
+        </p:txBody>
+      </p:sp>
+      <p:sp>
+        <p:nvSpPr>
+          <p:cNvPr id="6" name="スライド番号プレースホルダー 5">
+            <a:extLst>
+              <a:ext uri="{FF2B5EF4-FFF2-40B4-BE49-F238E27FC236}">
+                <a16:creationId xmlns:a16="http://schemas.microsoft.com/office/drawing/2014/main" id="{0EC53000-D126-49B7-977D-71E7A3E24ECC}"/>
+              </a:ext>
+            </a:extLst>
+          </p:cNvPr>
+          <p:cNvSpPr>
+            <a:spLocks noGrp="1"/>
+          </p:cNvSpPr>
+          <p:nvPr>
+            <p:ph type="sldNum" sz="quarter" idx="12"/>
+          </p:nvPr>
+        </p:nvSpPr>
+        <p:spPr/>
+        <p:txBody>
+          <a:bodyPr/>
+          <a:lstStyle/>
+          <a:p>
+            <a:pPr>
+              <a:defRPr/>
+            </a:pPr>
+            <a:r>
+              <a:rPr lang="en-US" altLang="ja-JP"/>
+              <a:t>    </a:t>
+            </a:r>
+            <a:fld id="{B2782DEB-472A-4FE5-AC34-C17109CF5A91}" type="slidenum">
+              <a:rPr lang="en-US" altLang="ja-JP" smtClean="0"/>
+              <a:pPr>
+                <a:defRPr/>
+              </a:pPr>
+              <a:t>6</a:t>
+            </a:fld>
+            <a:r>
+              <a:rPr lang="en-US" altLang="ja-JP"/>
+              <a:t> / 22</a:t>
+            </a:r>
           </a:p>
         </p:txBody>
       </p:sp>
@@ -16058,48 +10883,6 @@
           </p:sp>
         </mc:Fallback>
       </mc:AlternateContent>
-      <p:sp>
-        <p:nvSpPr>
-          <p:cNvPr id="3" name="スライド番号プレースホルダー 2">
-            <a:extLst>
-              <a:ext uri="{FF2B5EF4-FFF2-40B4-BE49-F238E27FC236}">
-                <a16:creationId xmlns:a16="http://schemas.microsoft.com/office/drawing/2014/main" id="{B39F2560-2766-4F82-B636-C9CAB5FF6DFC}"/>
-              </a:ext>
-            </a:extLst>
-          </p:cNvPr>
-          <p:cNvSpPr>
-            <a:spLocks noGrp="1"/>
-          </p:cNvSpPr>
-          <p:nvPr>
-            <p:ph type="sldNum" sz="quarter" idx="12"/>
-          </p:nvPr>
-        </p:nvSpPr>
-        <p:spPr/>
-        <p:txBody>
-          <a:bodyPr/>
-          <a:lstStyle/>
-          <a:p>
-            <a:pPr>
-              <a:defRPr/>
-            </a:pPr>
-            <a:r>
-              <a:rPr lang="en-US" altLang="ja-JP"/>
-              <a:t>    </a:t>
-            </a:r>
-            <a:fld id="{B2782DEB-472A-4FE5-AC34-C17109CF5A91}" type="slidenum">
-              <a:rPr lang="en-US" altLang="ja-JP" smtClean="0"/>
-              <a:pPr>
-                <a:defRPr/>
-              </a:pPr>
-              <a:t>7</a:t>
-            </a:fld>
-            <a:r>
-              <a:rPr lang="en-US" altLang="ja-JP"/>
-              <a:t> / 24</a:t>
-            </a:r>
-          </a:p>
-        </p:txBody>
-      </p:sp>
       <p:sp>
         <p:nvSpPr>
           <p:cNvPr id="4" name="タイトル 3">
@@ -16200,6 +10983,48 @@
           </a:prstGeom>
         </p:spPr>
       </p:pic>
+      <p:sp>
+        <p:nvSpPr>
+          <p:cNvPr id="5" name="スライド番号プレースホルダー 4">
+            <a:extLst>
+              <a:ext uri="{FF2B5EF4-FFF2-40B4-BE49-F238E27FC236}">
+                <a16:creationId xmlns:a16="http://schemas.microsoft.com/office/drawing/2014/main" id="{143F66D0-2AD5-437B-AF49-416AA9BCA69C}"/>
+              </a:ext>
+            </a:extLst>
+          </p:cNvPr>
+          <p:cNvSpPr>
+            <a:spLocks noGrp="1"/>
+          </p:cNvSpPr>
+          <p:nvPr>
+            <p:ph type="sldNum" sz="quarter" idx="12"/>
+          </p:nvPr>
+        </p:nvSpPr>
+        <p:spPr/>
+        <p:txBody>
+          <a:bodyPr/>
+          <a:lstStyle/>
+          <a:p>
+            <a:pPr>
+              <a:defRPr/>
+            </a:pPr>
+            <a:r>
+              <a:rPr lang="en-US" altLang="ja-JP"/>
+              <a:t>    </a:t>
+            </a:r>
+            <a:fld id="{B2782DEB-472A-4FE5-AC34-C17109CF5A91}" type="slidenum">
+              <a:rPr lang="en-US" altLang="ja-JP" smtClean="0"/>
+              <a:pPr>
+                <a:defRPr/>
+              </a:pPr>
+              <a:t>7</a:t>
+            </a:fld>
+            <a:r>
+              <a:rPr lang="en-US" altLang="ja-JP"/>
+              <a:t> / 22</a:t>
+            </a:r>
+          </a:p>
+        </p:txBody>
+      </p:sp>
     </p:spTree>
     <p:extLst>
       <p:ext uri="{BB962C8B-B14F-4D97-AF65-F5344CB8AC3E}">
@@ -16372,48 +11197,6 @@
           </p:sp>
         </mc:Fallback>
       </mc:AlternateContent>
-      <p:sp>
-        <p:nvSpPr>
-          <p:cNvPr id="3" name="スライド番号プレースホルダー 2">
-            <a:extLst>
-              <a:ext uri="{FF2B5EF4-FFF2-40B4-BE49-F238E27FC236}">
-                <a16:creationId xmlns:a16="http://schemas.microsoft.com/office/drawing/2014/main" id="{85E7F675-D8F7-4592-9BD5-0BFBDF1F6500}"/>
-              </a:ext>
-            </a:extLst>
-          </p:cNvPr>
-          <p:cNvSpPr>
-            <a:spLocks noGrp="1"/>
-          </p:cNvSpPr>
-          <p:nvPr>
-            <p:ph type="sldNum" sz="quarter" idx="12"/>
-          </p:nvPr>
-        </p:nvSpPr>
-        <p:spPr/>
-        <p:txBody>
-          <a:bodyPr/>
-          <a:lstStyle/>
-          <a:p>
-            <a:pPr>
-              <a:defRPr/>
-            </a:pPr>
-            <a:r>
-              <a:rPr lang="en-US" altLang="ja-JP"/>
-              <a:t>    </a:t>
-            </a:r>
-            <a:fld id="{B2782DEB-472A-4FE5-AC34-C17109CF5A91}" type="slidenum">
-              <a:rPr lang="en-US" altLang="ja-JP" smtClean="0"/>
-              <a:pPr>
-                <a:defRPr/>
-              </a:pPr>
-              <a:t>8</a:t>
-            </a:fld>
-            <a:r>
-              <a:rPr lang="en-US" altLang="ja-JP"/>
-              <a:t> / 24</a:t>
-            </a:r>
-          </a:p>
-        </p:txBody>
-      </p:sp>
       <p:sp>
         <p:nvSpPr>
           <p:cNvPr id="4" name="タイトル 3">
@@ -16514,6 +11297,48 @@
           </a:prstGeom>
         </p:spPr>
       </p:pic>
+      <p:sp>
+        <p:nvSpPr>
+          <p:cNvPr id="5" name="スライド番号プレースホルダー 4">
+            <a:extLst>
+              <a:ext uri="{FF2B5EF4-FFF2-40B4-BE49-F238E27FC236}">
+                <a16:creationId xmlns:a16="http://schemas.microsoft.com/office/drawing/2014/main" id="{863B8FD8-7854-4101-88ED-0BC050A1CE1C}"/>
+              </a:ext>
+            </a:extLst>
+          </p:cNvPr>
+          <p:cNvSpPr>
+            <a:spLocks noGrp="1"/>
+          </p:cNvSpPr>
+          <p:nvPr>
+            <p:ph type="sldNum" sz="quarter" idx="12"/>
+          </p:nvPr>
+        </p:nvSpPr>
+        <p:spPr/>
+        <p:txBody>
+          <a:bodyPr/>
+          <a:lstStyle/>
+          <a:p>
+            <a:pPr>
+              <a:defRPr/>
+            </a:pPr>
+            <a:r>
+              <a:rPr lang="en-US" altLang="ja-JP"/>
+              <a:t>    </a:t>
+            </a:r>
+            <a:fld id="{B2782DEB-472A-4FE5-AC34-C17109CF5A91}" type="slidenum">
+              <a:rPr lang="en-US" altLang="ja-JP" smtClean="0"/>
+              <a:pPr>
+                <a:defRPr/>
+              </a:pPr>
+              <a:t>8</a:t>
+            </a:fld>
+            <a:r>
+              <a:rPr lang="en-US" altLang="ja-JP"/>
+              <a:t> / 22</a:t>
+            </a:r>
+          </a:p>
+        </p:txBody>
+      </p:sp>
     </p:spTree>
     <p:extLst>
       <p:ext uri="{BB962C8B-B14F-4D97-AF65-F5344CB8AC3E}">
@@ -18182,48 +13007,6 @@
       </mc:AlternateContent>
       <p:sp>
         <p:nvSpPr>
-          <p:cNvPr id="3" name="スライド番号プレースホルダー 2">
-            <a:extLst>
-              <a:ext uri="{FF2B5EF4-FFF2-40B4-BE49-F238E27FC236}">
-                <a16:creationId xmlns:a16="http://schemas.microsoft.com/office/drawing/2014/main" id="{4B6DD782-4B7D-4D55-8965-A8F0C8BFDBE7}"/>
-              </a:ext>
-            </a:extLst>
-          </p:cNvPr>
-          <p:cNvSpPr>
-            <a:spLocks noGrp="1"/>
-          </p:cNvSpPr>
-          <p:nvPr>
-            <p:ph type="sldNum" sz="quarter" idx="12"/>
-          </p:nvPr>
-        </p:nvSpPr>
-        <p:spPr/>
-        <p:txBody>
-          <a:bodyPr/>
-          <a:lstStyle/>
-          <a:p>
-            <a:pPr>
-              <a:defRPr/>
-            </a:pPr>
-            <a:r>
-              <a:rPr lang="en-US" altLang="ja-JP"/>
-              <a:t>    </a:t>
-            </a:r>
-            <a:fld id="{B2782DEB-472A-4FE5-AC34-C17109CF5A91}" type="slidenum">
-              <a:rPr lang="en-US" altLang="ja-JP" smtClean="0"/>
-              <a:pPr>
-                <a:defRPr/>
-              </a:pPr>
-              <a:t>9</a:t>
-            </a:fld>
-            <a:r>
-              <a:rPr lang="en-US" altLang="ja-JP"/>
-              <a:t> / 24</a:t>
-            </a:r>
-          </a:p>
-        </p:txBody>
-      </p:sp>
-      <p:sp>
-        <p:nvSpPr>
           <p:cNvPr id="4" name="タイトル 3">
             <a:extLst>
               <a:ext uri="{FF2B5EF4-FFF2-40B4-BE49-F238E27FC236}">
@@ -18246,6 +13029,48 @@
             <a:r>
               <a:rPr kumimoji="1" lang="ja-JP" altLang="en-US"/>
               <a:t>楕円曲線の加算公式</a:t>
+            </a:r>
+          </a:p>
+        </p:txBody>
+      </p:sp>
+      <p:sp>
+        <p:nvSpPr>
+          <p:cNvPr id="5" name="スライド番号プレースホルダー 4">
+            <a:extLst>
+              <a:ext uri="{FF2B5EF4-FFF2-40B4-BE49-F238E27FC236}">
+                <a16:creationId xmlns:a16="http://schemas.microsoft.com/office/drawing/2014/main" id="{2252116A-E0D1-470E-8CF2-FD6C3ACA1E08}"/>
+              </a:ext>
+            </a:extLst>
+          </p:cNvPr>
+          <p:cNvSpPr>
+            <a:spLocks noGrp="1"/>
+          </p:cNvSpPr>
+          <p:nvPr>
+            <p:ph type="sldNum" sz="quarter" idx="12"/>
+          </p:nvPr>
+        </p:nvSpPr>
+        <p:spPr/>
+        <p:txBody>
+          <a:bodyPr/>
+          <a:lstStyle/>
+          <a:p>
+            <a:pPr>
+              <a:defRPr/>
+            </a:pPr>
+            <a:r>
+              <a:rPr lang="en-US" altLang="ja-JP"/>
+              <a:t>    </a:t>
+            </a:r>
+            <a:fld id="{B2782DEB-472A-4FE5-AC34-C17109CF5A91}" type="slidenum">
+              <a:rPr lang="en-US" altLang="ja-JP" smtClean="0"/>
+              <a:pPr>
+                <a:defRPr/>
+              </a:pPr>
+              <a:t>9</a:t>
+            </a:fld>
+            <a:r>
+              <a:rPr lang="en-US" altLang="ja-JP"/>
+              <a:t> / 22</a:t>
             </a:r>
           </a:p>
         </p:txBody>
